--- a/CS_5002_FinalProject_Slides_QiuyingZhou_ZhiweiZhou.pptx
+++ b/CS_5002_FinalProject_Slides_QiuyingZhou_ZhiweiZhou.pptx
@@ -5,7 +5,7 @@
     <p:sldMasterId id="2147483648" r:id="rId1"/>
   </p:sldMasterIdLst>
   <p:notesMasterIdLst>
-    <p:notesMasterId r:id="rId21"/>
+    <p:notesMasterId r:id="rId22"/>
   </p:notesMasterIdLst>
   <p:sldIdLst>
     <p:sldId id="256" r:id="rId2"/>
@@ -19,14 +19,15 @@
     <p:sldId id="264" r:id="rId10"/>
     <p:sldId id="265" r:id="rId11"/>
     <p:sldId id="266" r:id="rId12"/>
-    <p:sldId id="267" r:id="rId13"/>
+    <p:sldId id="276" r:id="rId13"/>
     <p:sldId id="268" r:id="rId14"/>
     <p:sldId id="269" r:id="rId15"/>
-    <p:sldId id="270" r:id="rId16"/>
-    <p:sldId id="271" r:id="rId17"/>
-    <p:sldId id="272" r:id="rId18"/>
-    <p:sldId id="273" r:id="rId19"/>
-    <p:sldId id="274" r:id="rId20"/>
+    <p:sldId id="275" r:id="rId16"/>
+    <p:sldId id="270" r:id="rId17"/>
+    <p:sldId id="271" r:id="rId18"/>
+    <p:sldId id="272" r:id="rId19"/>
+    <p:sldId id="273" r:id="rId20"/>
+    <p:sldId id="274" r:id="rId21"/>
   </p:sldIdLst>
   <p:sldSz cx="9144000" cy="5143500" type="screen16x9"/>
   <p:notesSz cx="5143500" cy="9144000"/>
@@ -136,6 +137,7192 @@
     <p1510:client id="{BA13CA57-0B68-A643-8F2A-6F1076B44C58}" v="4" dt="2023-04-17T05:40:04.702"/>
   </p1510:revLst>
 </p1510:revInfo>
+</file>
+
+<file path=ppt/diagrams/colors1.xml><?xml version="1.0" encoding="utf-8"?>
+<dgm:colorsDef xmlns:dgm="http://schemas.openxmlformats.org/drawingml/2006/diagram" xmlns:a="http://schemas.openxmlformats.org/drawingml/2006/main" uniqueId="urn:microsoft.com/office/officeart/2018/5/colors/Iconchunking_neutralbg_colorful1">
+  <dgm:title val=""/>
+  <dgm:desc val=""/>
+  <dgm:catLst>
+    <dgm:cat type="colorful" pri="10100"/>
+  </dgm:catLst>
+  <dgm:styleLbl name="node0">
+    <dgm:fillClrLst meth="repeat">
+      <a:schemeClr val="accent1"/>
+    </dgm:fillClrLst>
+    <dgm:linClrLst meth="repeat">
+      <a:schemeClr val="lt1"/>
+    </dgm:linClrLst>
+    <dgm:effectClrLst/>
+    <dgm:txLinClrLst/>
+    <dgm:txFillClrLst/>
+    <dgm:txEffectClrLst/>
+  </dgm:styleLbl>
+  <dgm:styleLbl name="node1">
+    <dgm:fillClrLst meth="repeat">
+      <a:schemeClr val="accent2"/>
+      <a:schemeClr val="accent3"/>
+      <a:schemeClr val="accent4"/>
+      <a:schemeClr val="accent5"/>
+      <a:schemeClr val="accent6"/>
+    </dgm:fillClrLst>
+    <dgm:linClrLst meth="repeat">
+      <a:schemeClr val="lt1">
+        <a:alpha val="0"/>
+      </a:schemeClr>
+    </dgm:linClrLst>
+    <dgm:effectClrLst/>
+    <dgm:txLinClrLst/>
+    <dgm:txFillClrLst/>
+    <dgm:txEffectClrLst/>
+  </dgm:styleLbl>
+  <dgm:styleLbl name="alignNode1">
+    <dgm:fillClrLst meth="repeat">
+      <a:schemeClr val="accent2"/>
+      <a:schemeClr val="accent3"/>
+      <a:schemeClr val="accent4"/>
+      <a:schemeClr val="accent5"/>
+      <a:schemeClr val="accent6"/>
+    </dgm:fillClrLst>
+    <dgm:linClrLst meth="repeat">
+      <a:schemeClr val="accent2"/>
+      <a:schemeClr val="accent3"/>
+      <a:schemeClr val="accent4"/>
+      <a:schemeClr val="accent5"/>
+      <a:schemeClr val="accent6"/>
+    </dgm:linClrLst>
+    <dgm:effectClrLst/>
+    <dgm:txLinClrLst/>
+    <dgm:txFillClrLst/>
+    <dgm:txEffectClrLst/>
+  </dgm:styleLbl>
+  <dgm:styleLbl name="lnNode1">
+    <dgm:fillClrLst meth="repeat">
+      <a:schemeClr val="accent2"/>
+      <a:schemeClr val="accent3"/>
+      <a:schemeClr val="accent4"/>
+      <a:schemeClr val="accent5"/>
+      <a:schemeClr val="accent6"/>
+    </dgm:fillClrLst>
+    <dgm:linClrLst meth="repeat">
+      <a:schemeClr val="lt1"/>
+    </dgm:linClrLst>
+    <dgm:effectClrLst/>
+    <dgm:txLinClrLst/>
+    <dgm:txFillClrLst/>
+    <dgm:txEffectClrLst/>
+  </dgm:styleLbl>
+  <dgm:styleLbl name="vennNode1">
+    <dgm:fillClrLst meth="repeat">
+      <a:schemeClr val="accent2">
+        <a:alpha val="50000"/>
+      </a:schemeClr>
+      <a:schemeClr val="accent3">
+        <a:alpha val="50000"/>
+      </a:schemeClr>
+      <a:schemeClr val="accent4">
+        <a:alpha val="50000"/>
+      </a:schemeClr>
+      <a:schemeClr val="accent5">
+        <a:alpha val="50000"/>
+      </a:schemeClr>
+      <a:schemeClr val="accent6">
+        <a:alpha val="50000"/>
+      </a:schemeClr>
+    </dgm:fillClrLst>
+    <dgm:linClrLst meth="repeat">
+      <a:schemeClr val="lt1"/>
+    </dgm:linClrLst>
+    <dgm:effectClrLst/>
+    <dgm:txLinClrLst/>
+    <dgm:txFillClrLst/>
+    <dgm:txEffectClrLst/>
+  </dgm:styleLbl>
+  <dgm:styleLbl name="node2">
+    <dgm:fillClrLst>
+      <a:schemeClr val="accent2"/>
+    </dgm:fillClrLst>
+    <dgm:linClrLst meth="repeat">
+      <a:schemeClr val="lt1"/>
+    </dgm:linClrLst>
+    <dgm:effectClrLst/>
+    <dgm:txLinClrLst/>
+    <dgm:txFillClrLst/>
+    <dgm:txEffectClrLst/>
+  </dgm:styleLbl>
+  <dgm:styleLbl name="node3">
+    <dgm:fillClrLst>
+      <a:schemeClr val="accent3"/>
+    </dgm:fillClrLst>
+    <dgm:linClrLst meth="repeat">
+      <a:schemeClr val="lt1"/>
+    </dgm:linClrLst>
+    <dgm:effectClrLst/>
+    <dgm:txLinClrLst/>
+    <dgm:txFillClrLst/>
+    <dgm:txEffectClrLst/>
+  </dgm:styleLbl>
+  <dgm:styleLbl name="node4">
+    <dgm:fillClrLst>
+      <a:schemeClr val="accent4"/>
+    </dgm:fillClrLst>
+    <dgm:linClrLst meth="repeat">
+      <a:schemeClr val="lt1"/>
+    </dgm:linClrLst>
+    <dgm:effectClrLst/>
+    <dgm:txLinClrLst/>
+    <dgm:txFillClrLst/>
+    <dgm:txEffectClrLst/>
+  </dgm:styleLbl>
+  <dgm:styleLbl name="fgImgPlace1">
+    <dgm:fillClrLst meth="repeat">
+      <a:schemeClr val="accent2">
+        <a:tint val="50000"/>
+      </a:schemeClr>
+      <a:schemeClr val="accent3">
+        <a:tint val="50000"/>
+      </a:schemeClr>
+      <a:schemeClr val="accent4">
+        <a:tint val="50000"/>
+      </a:schemeClr>
+      <a:schemeClr val="accent5">
+        <a:tint val="50000"/>
+      </a:schemeClr>
+      <a:schemeClr val="accent6">
+        <a:tint val="50000"/>
+      </a:schemeClr>
+    </dgm:fillClrLst>
+    <dgm:linClrLst meth="repeat">
+      <a:schemeClr val="lt1"/>
+    </dgm:linClrLst>
+    <dgm:effectClrLst/>
+    <dgm:txLinClrLst/>
+    <dgm:txFillClrLst meth="repeat">
+      <a:schemeClr val="lt1"/>
+    </dgm:txFillClrLst>
+    <dgm:txEffectClrLst/>
+  </dgm:styleLbl>
+  <dgm:styleLbl name="alignImgPlace1">
+    <dgm:fillClrLst>
+      <a:schemeClr val="accent1">
+        <a:tint val="50000"/>
+      </a:schemeClr>
+      <a:schemeClr val="accent2">
+        <a:tint val="20000"/>
+      </a:schemeClr>
+    </dgm:fillClrLst>
+    <dgm:linClrLst meth="repeat">
+      <a:schemeClr val="lt1"/>
+    </dgm:linClrLst>
+    <dgm:effectClrLst/>
+    <dgm:txLinClrLst/>
+    <dgm:txFillClrLst meth="repeat">
+      <a:schemeClr val="lt1"/>
+    </dgm:txFillClrLst>
+    <dgm:txEffectClrLst/>
+  </dgm:styleLbl>
+  <dgm:styleLbl name="bgImgPlace1">
+    <dgm:fillClrLst>
+      <a:schemeClr val="accent1">
+        <a:tint val="50000"/>
+      </a:schemeClr>
+      <a:schemeClr val="accent2">
+        <a:tint val="20000"/>
+      </a:schemeClr>
+    </dgm:fillClrLst>
+    <dgm:linClrLst meth="repeat">
+      <a:schemeClr val="lt1"/>
+    </dgm:linClrLst>
+    <dgm:effectClrLst/>
+    <dgm:txLinClrLst/>
+    <dgm:txFillClrLst meth="repeat">
+      <a:schemeClr val="lt1"/>
+    </dgm:txFillClrLst>
+    <dgm:txEffectClrLst/>
+  </dgm:styleLbl>
+  <dgm:styleLbl name="sibTrans2D1">
+    <dgm:fillClrLst meth="repeat">
+      <a:schemeClr val="accent2"/>
+      <a:schemeClr val="accent3"/>
+      <a:schemeClr val="accent4"/>
+      <a:schemeClr val="accent5"/>
+      <a:schemeClr val="accent6"/>
+    </dgm:fillClrLst>
+    <dgm:linClrLst meth="cycle">
+      <a:schemeClr val="lt1"/>
+    </dgm:linClrLst>
+    <dgm:effectClrLst/>
+    <dgm:txLinClrLst/>
+    <dgm:txFillClrLst/>
+    <dgm:txEffectClrLst/>
+  </dgm:styleLbl>
+  <dgm:styleLbl name="fgSibTrans2D1">
+    <dgm:fillClrLst meth="repeat">
+      <a:schemeClr val="accent2"/>
+      <a:schemeClr val="accent3"/>
+      <a:schemeClr val="accent4"/>
+      <a:schemeClr val="accent5"/>
+      <a:schemeClr val="accent6"/>
+    </dgm:fillClrLst>
+    <dgm:linClrLst meth="cycle">
+      <a:schemeClr val="lt1"/>
+    </dgm:linClrLst>
+    <dgm:effectClrLst/>
+    <dgm:txLinClrLst/>
+    <dgm:txFillClrLst meth="repeat">
+      <a:schemeClr val="lt1"/>
+    </dgm:txFillClrLst>
+    <dgm:txEffectClrLst/>
+  </dgm:styleLbl>
+  <dgm:styleLbl name="bgSibTrans2D1">
+    <dgm:fillClrLst meth="repeat">
+      <a:schemeClr val="accent2"/>
+      <a:schemeClr val="accent3"/>
+      <a:schemeClr val="accent4"/>
+      <a:schemeClr val="accent5"/>
+      <a:schemeClr val="accent6"/>
+    </dgm:fillClrLst>
+    <dgm:linClrLst meth="cycle">
+      <a:schemeClr val="lt1"/>
+    </dgm:linClrLst>
+    <dgm:effectClrLst/>
+    <dgm:txLinClrLst/>
+    <dgm:txFillClrLst meth="repeat">
+      <a:schemeClr val="lt1"/>
+    </dgm:txFillClrLst>
+    <dgm:txEffectClrLst/>
+  </dgm:styleLbl>
+  <dgm:styleLbl name="sibTrans1D1">
+    <dgm:fillClrLst meth="repeat">
+      <a:schemeClr val="accent2"/>
+      <a:schemeClr val="accent3"/>
+      <a:schemeClr val="accent4"/>
+      <a:schemeClr val="accent5"/>
+      <a:schemeClr val="accent6"/>
+    </dgm:fillClrLst>
+    <dgm:linClrLst meth="repeat">
+      <a:schemeClr val="accent2"/>
+      <a:schemeClr val="accent3"/>
+      <a:schemeClr val="accent4"/>
+      <a:schemeClr val="accent5"/>
+      <a:schemeClr val="accent6"/>
+    </dgm:linClrLst>
+    <dgm:effectClrLst/>
+    <dgm:txLinClrLst/>
+    <dgm:txFillClrLst meth="repeat">
+      <a:schemeClr val="tx1"/>
+    </dgm:txFillClrLst>
+    <dgm:txEffectClrLst/>
+  </dgm:styleLbl>
+  <dgm:styleLbl name="callout">
+    <dgm:fillClrLst meth="repeat">
+      <a:schemeClr val="accent2"/>
+    </dgm:fillClrLst>
+    <dgm:linClrLst meth="repeat">
+      <a:schemeClr val="accent2">
+        <a:tint val="50000"/>
+      </a:schemeClr>
+    </dgm:linClrLst>
+    <dgm:effectClrLst/>
+    <dgm:txLinClrLst/>
+    <dgm:txFillClrLst meth="repeat">
+      <a:schemeClr val="tx1"/>
+    </dgm:txFillClrLst>
+    <dgm:txEffectClrLst/>
+  </dgm:styleLbl>
+  <dgm:styleLbl name="asst0">
+    <dgm:fillClrLst meth="repeat">
+      <a:schemeClr val="accent1"/>
+    </dgm:fillClrLst>
+    <dgm:linClrLst meth="repeat">
+      <a:schemeClr val="lt1"/>
+    </dgm:linClrLst>
+    <dgm:effectClrLst/>
+    <dgm:txLinClrLst/>
+    <dgm:txFillClrLst/>
+    <dgm:txEffectClrLst/>
+  </dgm:styleLbl>
+  <dgm:styleLbl name="asst1">
+    <dgm:fillClrLst meth="repeat">
+      <a:schemeClr val="accent2"/>
+    </dgm:fillClrLst>
+    <dgm:linClrLst meth="repeat">
+      <a:schemeClr val="lt1"/>
+    </dgm:linClrLst>
+    <dgm:effectClrLst/>
+    <dgm:txLinClrLst/>
+    <dgm:txFillClrLst/>
+    <dgm:txEffectClrLst/>
+  </dgm:styleLbl>
+  <dgm:styleLbl name="asst2">
+    <dgm:fillClrLst>
+      <a:schemeClr val="accent3"/>
+    </dgm:fillClrLst>
+    <dgm:linClrLst meth="repeat">
+      <a:schemeClr val="lt1"/>
+    </dgm:linClrLst>
+    <dgm:effectClrLst/>
+    <dgm:txLinClrLst/>
+    <dgm:txFillClrLst/>
+    <dgm:txEffectClrLst/>
+  </dgm:styleLbl>
+  <dgm:styleLbl name="asst3">
+    <dgm:fillClrLst>
+      <a:schemeClr val="accent4"/>
+    </dgm:fillClrLst>
+    <dgm:linClrLst meth="repeat">
+      <a:schemeClr val="lt1"/>
+    </dgm:linClrLst>
+    <dgm:effectClrLst/>
+    <dgm:txLinClrLst/>
+    <dgm:txFillClrLst/>
+    <dgm:txEffectClrLst/>
+  </dgm:styleLbl>
+  <dgm:styleLbl name="asst4">
+    <dgm:fillClrLst>
+      <a:schemeClr val="accent5"/>
+    </dgm:fillClrLst>
+    <dgm:linClrLst meth="repeat">
+      <a:schemeClr val="lt1"/>
+    </dgm:linClrLst>
+    <dgm:effectClrLst/>
+    <dgm:txLinClrLst/>
+    <dgm:txFillClrLst/>
+    <dgm:txEffectClrLst/>
+  </dgm:styleLbl>
+  <dgm:styleLbl name="parChTrans2D1">
+    <dgm:fillClrLst meth="repeat">
+      <a:schemeClr val="accent2"/>
+    </dgm:fillClrLst>
+    <dgm:linClrLst meth="repeat">
+      <a:schemeClr val="lt1"/>
+    </dgm:linClrLst>
+    <dgm:effectClrLst/>
+    <dgm:txLinClrLst/>
+    <dgm:txFillClrLst meth="repeat">
+      <a:schemeClr val="lt1"/>
+    </dgm:txFillClrLst>
+    <dgm:txEffectClrLst/>
+  </dgm:styleLbl>
+  <dgm:styleLbl name="parChTrans2D2">
+    <dgm:fillClrLst meth="repeat">
+      <a:schemeClr val="accent3"/>
+    </dgm:fillClrLst>
+    <dgm:linClrLst meth="repeat">
+      <a:schemeClr val="lt1"/>
+    </dgm:linClrLst>
+    <dgm:effectClrLst/>
+    <dgm:txLinClrLst/>
+    <dgm:txFillClrLst/>
+    <dgm:txEffectClrLst/>
+  </dgm:styleLbl>
+  <dgm:styleLbl name="parChTrans2D3">
+    <dgm:fillClrLst meth="repeat">
+      <a:schemeClr val="accent4"/>
+    </dgm:fillClrLst>
+    <dgm:linClrLst meth="repeat">
+      <a:schemeClr val="lt1"/>
+    </dgm:linClrLst>
+    <dgm:effectClrLst/>
+    <dgm:txLinClrLst/>
+    <dgm:txFillClrLst/>
+    <dgm:txEffectClrLst/>
+  </dgm:styleLbl>
+  <dgm:styleLbl name="parChTrans2D4">
+    <dgm:fillClrLst meth="repeat">
+      <a:schemeClr val="accent5"/>
+    </dgm:fillClrLst>
+    <dgm:linClrLst meth="repeat">
+      <a:schemeClr val="lt1"/>
+    </dgm:linClrLst>
+    <dgm:effectClrLst/>
+    <dgm:txLinClrLst/>
+    <dgm:txFillClrLst meth="repeat">
+      <a:schemeClr val="lt1"/>
+    </dgm:txFillClrLst>
+    <dgm:txEffectClrLst/>
+  </dgm:styleLbl>
+  <dgm:styleLbl name="parChTrans1D1">
+    <dgm:fillClrLst meth="repeat">
+      <a:schemeClr val="accent2"/>
+    </dgm:fillClrLst>
+    <dgm:linClrLst meth="repeat">
+      <a:schemeClr val="accent1"/>
+    </dgm:linClrLst>
+    <dgm:effectClrLst/>
+    <dgm:txLinClrLst/>
+    <dgm:txFillClrLst meth="repeat">
+      <a:schemeClr val="tx1"/>
+    </dgm:txFillClrLst>
+    <dgm:txEffectClrLst/>
+  </dgm:styleLbl>
+  <dgm:styleLbl name="parChTrans1D2">
+    <dgm:fillClrLst meth="repeat">
+      <a:schemeClr val="accent3">
+        <a:tint val="90000"/>
+      </a:schemeClr>
+    </dgm:fillClrLst>
+    <dgm:linClrLst meth="repeat">
+      <a:schemeClr val="accent2"/>
+    </dgm:linClrLst>
+    <dgm:effectClrLst/>
+    <dgm:txLinClrLst/>
+    <dgm:txFillClrLst meth="repeat">
+      <a:schemeClr val="tx1"/>
+    </dgm:txFillClrLst>
+    <dgm:txEffectClrLst/>
+  </dgm:styleLbl>
+  <dgm:styleLbl name="parChTrans1D3">
+    <dgm:fillClrLst meth="repeat">
+      <a:schemeClr val="accent4">
+        <a:tint val="70000"/>
+      </a:schemeClr>
+    </dgm:fillClrLst>
+    <dgm:linClrLst meth="repeat">
+      <a:schemeClr val="accent3"/>
+    </dgm:linClrLst>
+    <dgm:effectClrLst/>
+    <dgm:txLinClrLst/>
+    <dgm:txFillClrLst meth="repeat">
+      <a:schemeClr val="tx1"/>
+    </dgm:txFillClrLst>
+    <dgm:txEffectClrLst/>
+  </dgm:styleLbl>
+  <dgm:styleLbl name="parChTrans1D4">
+    <dgm:fillClrLst meth="repeat">
+      <a:schemeClr val="accent5">
+        <a:tint val="50000"/>
+      </a:schemeClr>
+    </dgm:fillClrLst>
+    <dgm:linClrLst meth="repeat">
+      <a:schemeClr val="accent4"/>
+    </dgm:linClrLst>
+    <dgm:effectClrLst/>
+    <dgm:txLinClrLst/>
+    <dgm:txFillClrLst meth="repeat">
+      <a:schemeClr val="tx1"/>
+    </dgm:txFillClrLst>
+    <dgm:txEffectClrLst/>
+  </dgm:styleLbl>
+  <dgm:styleLbl name="fgAcc1">
+    <dgm:fillClrLst meth="repeat">
+      <a:schemeClr val="lt1">
+        <a:alpha val="90000"/>
+      </a:schemeClr>
+    </dgm:fillClrLst>
+    <dgm:linClrLst meth="repeat">
+      <a:schemeClr val="accent2"/>
+      <a:schemeClr val="accent3"/>
+      <a:schemeClr val="accent4"/>
+      <a:schemeClr val="accent5"/>
+      <a:schemeClr val="accent6"/>
+    </dgm:linClrLst>
+    <dgm:effectClrLst/>
+    <dgm:txLinClrLst/>
+    <dgm:txFillClrLst meth="repeat">
+      <a:schemeClr val="dk1"/>
+    </dgm:txFillClrLst>
+    <dgm:txEffectClrLst/>
+  </dgm:styleLbl>
+  <dgm:styleLbl name="conFgAcc1">
+    <dgm:fillClrLst meth="repeat">
+      <a:schemeClr val="lt1">
+        <a:alpha val="90000"/>
+      </a:schemeClr>
+    </dgm:fillClrLst>
+    <dgm:linClrLst meth="repeat">
+      <a:schemeClr val="accent2"/>
+      <a:schemeClr val="accent3"/>
+      <a:schemeClr val="accent4"/>
+      <a:schemeClr val="accent5"/>
+      <a:schemeClr val="accent6"/>
+    </dgm:linClrLst>
+    <dgm:effectClrLst/>
+    <dgm:txLinClrLst/>
+    <dgm:txFillClrLst meth="repeat">
+      <a:schemeClr val="dk1"/>
+    </dgm:txFillClrLst>
+    <dgm:txEffectClrLst/>
+  </dgm:styleLbl>
+  <dgm:styleLbl name="alignAcc1">
+    <dgm:fillClrLst meth="repeat">
+      <a:schemeClr val="lt1">
+        <a:alpha val="90000"/>
+      </a:schemeClr>
+    </dgm:fillClrLst>
+    <dgm:linClrLst meth="repeat">
+      <a:schemeClr val="accent2"/>
+      <a:schemeClr val="accent3"/>
+      <a:schemeClr val="accent4"/>
+      <a:schemeClr val="accent5"/>
+      <a:schemeClr val="accent6"/>
+    </dgm:linClrLst>
+    <dgm:effectClrLst/>
+    <dgm:txLinClrLst/>
+    <dgm:txFillClrLst meth="repeat">
+      <a:schemeClr val="dk1"/>
+    </dgm:txFillClrLst>
+    <dgm:txEffectClrLst/>
+  </dgm:styleLbl>
+  <dgm:styleLbl name="trAlignAcc1">
+    <dgm:fillClrLst meth="repeat">
+      <a:schemeClr val="lt1">
+        <a:alpha val="40000"/>
+      </a:schemeClr>
+    </dgm:fillClrLst>
+    <dgm:linClrLst meth="repeat">
+      <a:schemeClr val="accent1"/>
+    </dgm:linClrLst>
+    <dgm:effectClrLst/>
+    <dgm:txLinClrLst/>
+    <dgm:txFillClrLst meth="repeat">
+      <a:schemeClr val="dk1"/>
+    </dgm:txFillClrLst>
+    <dgm:txEffectClrLst/>
+  </dgm:styleLbl>
+  <dgm:styleLbl name="bgAcc1">
+    <dgm:fillClrLst meth="repeat">
+      <a:schemeClr val="lt1">
+        <a:alpha val="90000"/>
+      </a:schemeClr>
+    </dgm:fillClrLst>
+    <dgm:linClrLst meth="repeat">
+      <a:schemeClr val="accent2"/>
+      <a:schemeClr val="accent3"/>
+      <a:schemeClr val="accent4"/>
+      <a:schemeClr val="accent5"/>
+      <a:schemeClr val="accent6"/>
+    </dgm:linClrLst>
+    <dgm:effectClrLst/>
+    <dgm:txLinClrLst/>
+    <dgm:txFillClrLst meth="repeat">
+      <a:schemeClr val="dk1"/>
+    </dgm:txFillClrLst>
+    <dgm:txEffectClrLst/>
+  </dgm:styleLbl>
+  <dgm:styleLbl name="solidFgAcc1">
+    <dgm:fillClrLst meth="repeat">
+      <a:schemeClr val="lt1"/>
+    </dgm:fillClrLst>
+    <dgm:linClrLst meth="repeat">
+      <a:schemeClr val="accent2"/>
+      <a:schemeClr val="accent3"/>
+      <a:schemeClr val="accent4"/>
+      <a:schemeClr val="accent5"/>
+      <a:schemeClr val="accent6"/>
+    </dgm:linClrLst>
+    <dgm:effectClrLst/>
+    <dgm:txLinClrLst/>
+    <dgm:txFillClrLst meth="repeat">
+      <a:schemeClr val="dk1"/>
+    </dgm:txFillClrLst>
+    <dgm:txEffectClrLst/>
+  </dgm:styleLbl>
+  <dgm:styleLbl name="solidAlignAcc1">
+    <dgm:fillClrLst meth="repeat">
+      <a:schemeClr val="lt1"/>
+    </dgm:fillClrLst>
+    <dgm:linClrLst meth="repeat">
+      <a:schemeClr val="accent2"/>
+      <a:schemeClr val="accent3"/>
+      <a:schemeClr val="accent4"/>
+      <a:schemeClr val="accent5"/>
+      <a:schemeClr val="accent6"/>
+    </dgm:linClrLst>
+    <dgm:effectClrLst/>
+    <dgm:txLinClrLst/>
+    <dgm:txFillClrLst meth="repeat">
+      <a:schemeClr val="dk1"/>
+    </dgm:txFillClrLst>
+    <dgm:txEffectClrLst/>
+  </dgm:styleLbl>
+  <dgm:styleLbl name="solidBgAcc1">
+    <dgm:fillClrLst meth="repeat">
+      <a:schemeClr val="lt1"/>
+    </dgm:fillClrLst>
+    <dgm:linClrLst meth="repeat">
+      <a:schemeClr val="accent2"/>
+      <a:schemeClr val="accent3"/>
+      <a:schemeClr val="accent4"/>
+      <a:schemeClr val="accent5"/>
+      <a:schemeClr val="accent6"/>
+    </dgm:linClrLst>
+    <dgm:effectClrLst/>
+    <dgm:txLinClrLst/>
+    <dgm:txFillClrLst meth="repeat">
+      <a:schemeClr val="dk1"/>
+    </dgm:txFillClrLst>
+    <dgm:txEffectClrLst/>
+  </dgm:styleLbl>
+  <dgm:styleLbl name="fgAccFollowNode1">
+    <dgm:fillClrLst meth="repeat">
+      <a:schemeClr val="accent2">
+        <a:tint val="40000"/>
+        <a:alpha val="90000"/>
+      </a:schemeClr>
+      <a:schemeClr val="accent3">
+        <a:tint val="40000"/>
+        <a:alpha val="90000"/>
+      </a:schemeClr>
+      <a:schemeClr val="accent4">
+        <a:tint val="40000"/>
+        <a:alpha val="90000"/>
+      </a:schemeClr>
+      <a:schemeClr val="accent5">
+        <a:tint val="40000"/>
+        <a:alpha val="90000"/>
+      </a:schemeClr>
+      <a:schemeClr val="accent6">
+        <a:tint val="40000"/>
+        <a:alpha val="90000"/>
+      </a:schemeClr>
+    </dgm:fillClrLst>
+    <dgm:linClrLst meth="repeat">
+      <a:schemeClr val="accent2">
+        <a:tint val="40000"/>
+        <a:alpha val="90000"/>
+      </a:schemeClr>
+      <a:schemeClr val="accent3">
+        <a:tint val="40000"/>
+        <a:alpha val="90000"/>
+      </a:schemeClr>
+      <a:schemeClr val="accent4">
+        <a:tint val="40000"/>
+        <a:alpha val="90000"/>
+      </a:schemeClr>
+      <a:schemeClr val="accent5">
+        <a:tint val="40000"/>
+        <a:alpha val="90000"/>
+      </a:schemeClr>
+      <a:schemeClr val="accent6">
+        <a:tint val="40000"/>
+        <a:alpha val="90000"/>
+      </a:schemeClr>
+    </dgm:linClrLst>
+    <dgm:effectClrLst/>
+    <dgm:txLinClrLst/>
+    <dgm:txFillClrLst meth="repeat">
+      <a:schemeClr val="dk1"/>
+    </dgm:txFillClrLst>
+    <dgm:txEffectClrLst/>
+  </dgm:styleLbl>
+  <dgm:styleLbl name="alignAccFollowNode1">
+    <dgm:fillClrLst meth="repeat">
+      <a:schemeClr val="accent2">
+        <a:tint val="40000"/>
+        <a:alpha val="90000"/>
+      </a:schemeClr>
+      <a:schemeClr val="accent3">
+        <a:tint val="40000"/>
+        <a:alpha val="90000"/>
+      </a:schemeClr>
+      <a:schemeClr val="accent4">
+        <a:tint val="40000"/>
+        <a:alpha val="90000"/>
+      </a:schemeClr>
+      <a:schemeClr val="accent5">
+        <a:tint val="40000"/>
+        <a:alpha val="90000"/>
+      </a:schemeClr>
+      <a:schemeClr val="accent6">
+        <a:tint val="40000"/>
+        <a:alpha val="90000"/>
+      </a:schemeClr>
+    </dgm:fillClrLst>
+    <dgm:linClrLst meth="repeat">
+      <a:schemeClr val="accent2">
+        <a:tint val="40000"/>
+        <a:alpha val="90000"/>
+      </a:schemeClr>
+      <a:schemeClr val="accent3">
+        <a:tint val="40000"/>
+        <a:alpha val="90000"/>
+      </a:schemeClr>
+      <a:schemeClr val="accent4">
+        <a:tint val="40000"/>
+        <a:alpha val="90000"/>
+      </a:schemeClr>
+      <a:schemeClr val="accent5">
+        <a:tint val="40000"/>
+        <a:alpha val="90000"/>
+      </a:schemeClr>
+      <a:schemeClr val="accent6">
+        <a:tint val="40000"/>
+        <a:alpha val="90000"/>
+      </a:schemeClr>
+    </dgm:linClrLst>
+    <dgm:effectClrLst/>
+    <dgm:txLinClrLst/>
+    <dgm:txFillClrLst meth="repeat">
+      <a:schemeClr val="dk1"/>
+    </dgm:txFillClrLst>
+    <dgm:txEffectClrLst/>
+  </dgm:styleLbl>
+  <dgm:styleLbl name="bgAccFollowNode1">
+    <dgm:fillClrLst meth="repeat">
+      <a:schemeClr val="accent2">
+        <a:tint val="40000"/>
+        <a:alpha val="90000"/>
+      </a:schemeClr>
+      <a:schemeClr val="accent3">
+        <a:tint val="40000"/>
+        <a:alpha val="90000"/>
+      </a:schemeClr>
+      <a:schemeClr val="accent4">
+        <a:tint val="40000"/>
+        <a:alpha val="90000"/>
+      </a:schemeClr>
+      <a:schemeClr val="accent5">
+        <a:tint val="40000"/>
+        <a:alpha val="90000"/>
+      </a:schemeClr>
+      <a:schemeClr val="accent6">
+        <a:tint val="40000"/>
+        <a:alpha val="90000"/>
+      </a:schemeClr>
+    </dgm:fillClrLst>
+    <dgm:linClrLst meth="repeat">
+      <a:schemeClr val="accent2">
+        <a:tint val="40000"/>
+        <a:alpha val="90000"/>
+      </a:schemeClr>
+      <a:schemeClr val="accent3">
+        <a:tint val="40000"/>
+        <a:alpha val="90000"/>
+      </a:schemeClr>
+      <a:schemeClr val="accent4">
+        <a:tint val="40000"/>
+        <a:alpha val="90000"/>
+      </a:schemeClr>
+      <a:schemeClr val="accent5">
+        <a:tint val="40000"/>
+        <a:alpha val="90000"/>
+      </a:schemeClr>
+      <a:schemeClr val="accent6">
+        <a:tint val="40000"/>
+        <a:alpha val="90000"/>
+      </a:schemeClr>
+    </dgm:linClrLst>
+    <dgm:effectClrLst/>
+    <dgm:txLinClrLst/>
+    <dgm:txFillClrLst meth="repeat">
+      <a:schemeClr val="dk1"/>
+    </dgm:txFillClrLst>
+    <dgm:txEffectClrLst/>
+  </dgm:styleLbl>
+  <dgm:styleLbl name="fgAcc0">
+    <dgm:fillClrLst meth="repeat">
+      <a:schemeClr val="lt1">
+        <a:alpha val="90000"/>
+      </a:schemeClr>
+    </dgm:fillClrLst>
+    <dgm:linClrLst>
+      <a:schemeClr val="accent1"/>
+    </dgm:linClrLst>
+    <dgm:effectClrLst/>
+    <dgm:txLinClrLst/>
+    <dgm:txFillClrLst meth="repeat">
+      <a:schemeClr val="dk1"/>
+    </dgm:txFillClrLst>
+    <dgm:txEffectClrLst/>
+  </dgm:styleLbl>
+  <dgm:styleLbl name="fgAcc2">
+    <dgm:fillClrLst meth="repeat">
+      <a:schemeClr val="lt1">
+        <a:alpha val="90000"/>
+      </a:schemeClr>
+    </dgm:fillClrLst>
+    <dgm:linClrLst>
+      <a:schemeClr val="accent2"/>
+    </dgm:linClrLst>
+    <dgm:effectClrLst/>
+    <dgm:txLinClrLst/>
+    <dgm:txFillClrLst meth="repeat">
+      <a:schemeClr val="dk1"/>
+    </dgm:txFillClrLst>
+    <dgm:txEffectClrLst/>
+  </dgm:styleLbl>
+  <dgm:styleLbl name="fgAcc3">
+    <dgm:fillClrLst meth="repeat">
+      <a:schemeClr val="lt1">
+        <a:alpha val="90000"/>
+      </a:schemeClr>
+    </dgm:fillClrLst>
+    <dgm:linClrLst>
+      <a:schemeClr val="accent3"/>
+    </dgm:linClrLst>
+    <dgm:effectClrLst/>
+    <dgm:txLinClrLst/>
+    <dgm:txFillClrLst meth="repeat">
+      <a:schemeClr val="dk1"/>
+    </dgm:txFillClrLst>
+    <dgm:txEffectClrLst/>
+  </dgm:styleLbl>
+  <dgm:styleLbl name="fgAcc4">
+    <dgm:fillClrLst meth="repeat">
+      <a:schemeClr val="lt1">
+        <a:alpha val="90000"/>
+      </a:schemeClr>
+    </dgm:fillClrLst>
+    <dgm:linClrLst>
+      <a:schemeClr val="accent4"/>
+    </dgm:linClrLst>
+    <dgm:effectClrLst/>
+    <dgm:txLinClrLst/>
+    <dgm:txFillClrLst meth="repeat">
+      <a:schemeClr val="dk1"/>
+    </dgm:txFillClrLst>
+    <dgm:txEffectClrLst/>
+  </dgm:styleLbl>
+  <dgm:styleLbl name="bgShp">
+    <dgm:fillClrLst meth="repeat">
+      <a:schemeClr val="bg1">
+        <a:lumMod val="95000"/>
+      </a:schemeClr>
+    </dgm:fillClrLst>
+    <dgm:linClrLst meth="repeat">
+      <a:schemeClr val="dk1"/>
+    </dgm:linClrLst>
+    <dgm:effectClrLst/>
+    <dgm:txLinClrLst/>
+    <dgm:txFillClrLst meth="repeat">
+      <a:schemeClr val="dk1"/>
+    </dgm:txFillClrLst>
+    <dgm:txEffectClrLst/>
+  </dgm:styleLbl>
+  <dgm:styleLbl name="dkBgShp">
+    <dgm:fillClrLst meth="repeat">
+      <a:schemeClr val="accent2">
+        <a:shade val="90000"/>
+      </a:schemeClr>
+    </dgm:fillClrLst>
+    <dgm:linClrLst meth="repeat">
+      <a:schemeClr val="dk1"/>
+    </dgm:linClrLst>
+    <dgm:effectClrLst/>
+    <dgm:txLinClrLst/>
+    <dgm:txFillClrLst meth="repeat">
+      <a:schemeClr val="lt1"/>
+    </dgm:txFillClrLst>
+    <dgm:txEffectClrLst/>
+  </dgm:styleLbl>
+  <dgm:styleLbl name="trBgShp">
+    <dgm:fillClrLst meth="repeat">
+      <a:schemeClr val="accent1">
+        <a:tint val="50000"/>
+        <a:alpha val="40000"/>
+      </a:schemeClr>
+    </dgm:fillClrLst>
+    <dgm:linClrLst meth="repeat">
+      <a:schemeClr val="accent2"/>
+    </dgm:linClrLst>
+    <dgm:effectClrLst/>
+    <dgm:txLinClrLst/>
+    <dgm:txFillClrLst meth="repeat">
+      <a:schemeClr val="lt1"/>
+    </dgm:txFillClrLst>
+    <dgm:txEffectClrLst/>
+  </dgm:styleLbl>
+  <dgm:styleLbl name="fgShp">
+    <dgm:fillClrLst meth="repeat">
+      <a:schemeClr val="accent2">
+        <a:tint val="40000"/>
+      </a:schemeClr>
+    </dgm:fillClrLst>
+    <dgm:linClrLst meth="repeat">
+      <a:schemeClr val="lt1"/>
+    </dgm:linClrLst>
+    <dgm:effectClrLst/>
+    <dgm:txLinClrLst/>
+    <dgm:txFillClrLst meth="repeat">
+      <a:schemeClr val="dk1"/>
+    </dgm:txFillClrLst>
+    <dgm:txEffectClrLst/>
+  </dgm:styleLbl>
+  <dgm:styleLbl name="revTx">
+    <dgm:fillClrLst meth="repeat">
+      <a:schemeClr val="lt1">
+        <a:alpha val="0"/>
+      </a:schemeClr>
+    </dgm:fillClrLst>
+    <dgm:linClrLst meth="repeat">
+      <a:schemeClr val="dk1">
+        <a:alpha val="0"/>
+      </a:schemeClr>
+    </dgm:linClrLst>
+    <dgm:effectClrLst/>
+    <dgm:txLinClrLst/>
+    <dgm:txFillClrLst meth="repeat">
+      <a:schemeClr val="tx1"/>
+    </dgm:txFillClrLst>
+    <dgm:txEffectClrLst/>
+  </dgm:styleLbl>
+</dgm:colorsDef>
+</file>
+
+<file path=ppt/diagrams/colors2.xml><?xml version="1.0" encoding="utf-8"?>
+<dgm:colorsDef xmlns:dgm="http://schemas.openxmlformats.org/drawingml/2006/diagram" xmlns:a="http://schemas.openxmlformats.org/drawingml/2006/main" uniqueId="urn:microsoft.com/office/officeart/2005/8/colors/accent4_3">
+  <dgm:title val=""/>
+  <dgm:desc val=""/>
+  <dgm:catLst>
+    <dgm:cat type="accent4" pri="11300"/>
+  </dgm:catLst>
+  <dgm:styleLbl name="node0">
+    <dgm:fillClrLst meth="repeat">
+      <a:schemeClr val="accent4">
+        <a:shade val="80000"/>
+      </a:schemeClr>
+    </dgm:fillClrLst>
+    <dgm:linClrLst meth="repeat">
+      <a:schemeClr val="lt1"/>
+    </dgm:linClrLst>
+    <dgm:effectClrLst/>
+    <dgm:txLinClrLst/>
+    <dgm:txFillClrLst/>
+    <dgm:txEffectClrLst/>
+  </dgm:styleLbl>
+  <dgm:styleLbl name="node1">
+    <dgm:fillClrLst>
+      <a:schemeClr val="accent4">
+        <a:shade val="80000"/>
+      </a:schemeClr>
+      <a:schemeClr val="accent4">
+        <a:tint val="70000"/>
+      </a:schemeClr>
+    </dgm:fillClrLst>
+    <dgm:linClrLst meth="repeat">
+      <a:schemeClr val="lt1"/>
+    </dgm:linClrLst>
+    <dgm:effectClrLst/>
+    <dgm:txLinClrLst/>
+    <dgm:txFillClrLst/>
+    <dgm:txEffectClrLst/>
+  </dgm:styleLbl>
+  <dgm:styleLbl name="alignNode1">
+    <dgm:fillClrLst>
+      <a:schemeClr val="accent4">
+        <a:shade val="80000"/>
+      </a:schemeClr>
+      <a:schemeClr val="accent4">
+        <a:tint val="70000"/>
+      </a:schemeClr>
+    </dgm:fillClrLst>
+    <dgm:linClrLst>
+      <a:schemeClr val="accent4">
+        <a:shade val="80000"/>
+      </a:schemeClr>
+      <a:schemeClr val="accent4">
+        <a:tint val="70000"/>
+      </a:schemeClr>
+    </dgm:linClrLst>
+    <dgm:effectClrLst/>
+    <dgm:txLinClrLst/>
+    <dgm:txFillClrLst/>
+    <dgm:txEffectClrLst/>
+  </dgm:styleLbl>
+  <dgm:styleLbl name="lnNode1">
+    <dgm:fillClrLst>
+      <a:schemeClr val="accent4">
+        <a:shade val="80000"/>
+      </a:schemeClr>
+      <a:schemeClr val="accent4">
+        <a:tint val="70000"/>
+      </a:schemeClr>
+    </dgm:fillClrLst>
+    <dgm:linClrLst meth="repeat">
+      <a:schemeClr val="lt1"/>
+    </dgm:linClrLst>
+    <dgm:effectClrLst/>
+    <dgm:txLinClrLst/>
+    <dgm:txFillClrLst/>
+    <dgm:txEffectClrLst/>
+  </dgm:styleLbl>
+  <dgm:styleLbl name="vennNode1">
+    <dgm:fillClrLst>
+      <a:schemeClr val="accent4">
+        <a:shade val="80000"/>
+        <a:alpha val="50000"/>
+      </a:schemeClr>
+      <a:schemeClr val="accent4">
+        <a:tint val="70000"/>
+        <a:alpha val="50000"/>
+      </a:schemeClr>
+    </dgm:fillClrLst>
+    <dgm:linClrLst meth="repeat">
+      <a:schemeClr val="lt1"/>
+    </dgm:linClrLst>
+    <dgm:effectClrLst/>
+    <dgm:txLinClrLst/>
+    <dgm:txFillClrLst/>
+    <dgm:txEffectClrLst/>
+  </dgm:styleLbl>
+  <dgm:styleLbl name="node2">
+    <dgm:fillClrLst>
+      <a:schemeClr val="accent4">
+        <a:tint val="99000"/>
+      </a:schemeClr>
+    </dgm:fillClrLst>
+    <dgm:linClrLst meth="repeat">
+      <a:schemeClr val="lt1"/>
+    </dgm:linClrLst>
+    <dgm:effectClrLst/>
+    <dgm:txLinClrLst/>
+    <dgm:txFillClrLst/>
+    <dgm:txEffectClrLst/>
+  </dgm:styleLbl>
+  <dgm:styleLbl name="node3">
+    <dgm:fillClrLst>
+      <a:schemeClr val="accent4">
+        <a:tint val="80000"/>
+      </a:schemeClr>
+    </dgm:fillClrLst>
+    <dgm:linClrLst meth="repeat">
+      <a:schemeClr val="lt1"/>
+    </dgm:linClrLst>
+    <dgm:effectClrLst/>
+    <dgm:txLinClrLst/>
+    <dgm:txFillClrLst/>
+    <dgm:txEffectClrLst/>
+  </dgm:styleLbl>
+  <dgm:styleLbl name="node4">
+    <dgm:fillClrLst>
+      <a:schemeClr val="accent4">
+        <a:tint val="70000"/>
+      </a:schemeClr>
+    </dgm:fillClrLst>
+    <dgm:linClrLst meth="repeat">
+      <a:schemeClr val="lt1"/>
+    </dgm:linClrLst>
+    <dgm:effectClrLst/>
+    <dgm:txLinClrLst/>
+    <dgm:txFillClrLst/>
+    <dgm:txEffectClrLst/>
+  </dgm:styleLbl>
+  <dgm:styleLbl name="fgImgPlace1">
+    <dgm:fillClrLst>
+      <a:schemeClr val="accent4">
+        <a:tint val="50000"/>
+      </a:schemeClr>
+      <a:schemeClr val="accent4">
+        <a:tint val="20000"/>
+      </a:schemeClr>
+    </dgm:fillClrLst>
+    <dgm:linClrLst meth="repeat">
+      <a:schemeClr val="lt1"/>
+    </dgm:linClrLst>
+    <dgm:effectClrLst/>
+    <dgm:txLinClrLst/>
+    <dgm:txFillClrLst meth="repeat">
+      <a:schemeClr val="lt1"/>
+    </dgm:txFillClrLst>
+    <dgm:txEffectClrLst/>
+  </dgm:styleLbl>
+  <dgm:styleLbl name="alignImgPlace1">
+    <dgm:fillClrLst>
+      <a:schemeClr val="accent4">
+        <a:tint val="50000"/>
+      </a:schemeClr>
+      <a:schemeClr val="accent4">
+        <a:tint val="20000"/>
+      </a:schemeClr>
+    </dgm:fillClrLst>
+    <dgm:linClrLst meth="repeat">
+      <a:schemeClr val="lt1"/>
+    </dgm:linClrLst>
+    <dgm:effectClrLst/>
+    <dgm:txLinClrLst/>
+    <dgm:txFillClrLst meth="repeat">
+      <a:schemeClr val="lt1"/>
+    </dgm:txFillClrLst>
+    <dgm:txEffectClrLst/>
+  </dgm:styleLbl>
+  <dgm:styleLbl name="bgImgPlace1">
+    <dgm:fillClrLst>
+      <a:schemeClr val="accent4">
+        <a:tint val="50000"/>
+      </a:schemeClr>
+      <a:schemeClr val="accent4">
+        <a:tint val="20000"/>
+      </a:schemeClr>
+    </dgm:fillClrLst>
+    <dgm:linClrLst meth="repeat">
+      <a:schemeClr val="lt1"/>
+    </dgm:linClrLst>
+    <dgm:effectClrLst/>
+    <dgm:txLinClrLst/>
+    <dgm:txFillClrLst meth="repeat">
+      <a:schemeClr val="lt1"/>
+    </dgm:txFillClrLst>
+    <dgm:txEffectClrLst/>
+  </dgm:styleLbl>
+  <dgm:styleLbl name="sibTrans2D1">
+    <dgm:fillClrLst>
+      <a:schemeClr val="accent4">
+        <a:shade val="90000"/>
+      </a:schemeClr>
+      <a:schemeClr val="accent4">
+        <a:tint val="70000"/>
+      </a:schemeClr>
+    </dgm:fillClrLst>
+    <dgm:linClrLst>
+      <a:schemeClr val="accent4">
+        <a:shade val="90000"/>
+      </a:schemeClr>
+      <a:schemeClr val="accent4">
+        <a:tint val="70000"/>
+      </a:schemeClr>
+    </dgm:linClrLst>
+    <dgm:effectClrLst/>
+    <dgm:txLinClrLst/>
+    <dgm:txFillClrLst/>
+    <dgm:txEffectClrLst/>
+  </dgm:styleLbl>
+  <dgm:styleLbl name="fgSibTrans2D1">
+    <dgm:fillClrLst>
+      <a:schemeClr val="accent4">
+        <a:shade val="90000"/>
+      </a:schemeClr>
+      <a:schemeClr val="accent4">
+        <a:tint val="70000"/>
+      </a:schemeClr>
+    </dgm:fillClrLst>
+    <dgm:linClrLst>
+      <a:schemeClr val="accent4">
+        <a:shade val="90000"/>
+      </a:schemeClr>
+      <a:schemeClr val="accent4">
+        <a:tint val="70000"/>
+      </a:schemeClr>
+    </dgm:linClrLst>
+    <dgm:effectClrLst/>
+    <dgm:txLinClrLst/>
+    <dgm:txFillClrLst meth="repeat">
+      <a:schemeClr val="lt1"/>
+    </dgm:txFillClrLst>
+    <dgm:txEffectClrLst/>
+  </dgm:styleLbl>
+  <dgm:styleLbl name="bgSibTrans2D1">
+    <dgm:fillClrLst>
+      <a:schemeClr val="accent4">
+        <a:shade val="90000"/>
+      </a:schemeClr>
+      <a:schemeClr val="accent4">
+        <a:tint val="70000"/>
+      </a:schemeClr>
+    </dgm:fillClrLst>
+    <dgm:linClrLst>
+      <a:schemeClr val="accent4">
+        <a:shade val="90000"/>
+      </a:schemeClr>
+      <a:schemeClr val="accent4">
+        <a:tint val="70000"/>
+      </a:schemeClr>
+    </dgm:linClrLst>
+    <dgm:effectClrLst/>
+    <dgm:txLinClrLst/>
+    <dgm:txFillClrLst meth="repeat">
+      <a:schemeClr val="lt1"/>
+    </dgm:txFillClrLst>
+    <dgm:txEffectClrLst/>
+  </dgm:styleLbl>
+  <dgm:styleLbl name="sibTrans1D1">
+    <dgm:fillClrLst>
+      <a:schemeClr val="accent4">
+        <a:shade val="90000"/>
+      </a:schemeClr>
+      <a:schemeClr val="accent4">
+        <a:tint val="70000"/>
+      </a:schemeClr>
+    </dgm:fillClrLst>
+    <dgm:linClrLst>
+      <a:schemeClr val="accent4">
+        <a:shade val="90000"/>
+      </a:schemeClr>
+      <a:schemeClr val="accent4">
+        <a:tint val="70000"/>
+      </a:schemeClr>
+    </dgm:linClrLst>
+    <dgm:effectClrLst/>
+    <dgm:txLinClrLst/>
+    <dgm:txFillClrLst meth="repeat">
+      <a:schemeClr val="tx1"/>
+    </dgm:txFillClrLst>
+    <dgm:txEffectClrLst/>
+  </dgm:styleLbl>
+  <dgm:styleLbl name="callout">
+    <dgm:fillClrLst meth="repeat">
+      <a:schemeClr val="accent4"/>
+    </dgm:fillClrLst>
+    <dgm:linClrLst meth="repeat">
+      <a:schemeClr val="accent4"/>
+    </dgm:linClrLst>
+    <dgm:effectClrLst/>
+    <dgm:txLinClrLst/>
+    <dgm:txFillClrLst meth="repeat">
+      <a:schemeClr val="tx1"/>
+    </dgm:txFillClrLst>
+    <dgm:txEffectClrLst/>
+  </dgm:styleLbl>
+  <dgm:styleLbl name="asst0">
+    <dgm:fillClrLst meth="repeat">
+      <a:schemeClr val="accent4">
+        <a:shade val="80000"/>
+      </a:schemeClr>
+    </dgm:fillClrLst>
+    <dgm:linClrLst meth="repeat">
+      <a:schemeClr val="lt1"/>
+    </dgm:linClrLst>
+    <dgm:effectClrLst/>
+    <dgm:txLinClrLst/>
+    <dgm:txFillClrLst/>
+    <dgm:txEffectClrLst/>
+  </dgm:styleLbl>
+  <dgm:styleLbl name="asst1">
+    <dgm:fillClrLst meth="repeat">
+      <a:schemeClr val="accent4">
+        <a:shade val="80000"/>
+      </a:schemeClr>
+    </dgm:fillClrLst>
+    <dgm:linClrLst meth="repeat">
+      <a:schemeClr val="lt1"/>
+    </dgm:linClrLst>
+    <dgm:effectClrLst/>
+    <dgm:txLinClrLst/>
+    <dgm:txFillClrLst/>
+    <dgm:txEffectClrLst/>
+  </dgm:styleLbl>
+  <dgm:styleLbl name="asst2">
+    <dgm:fillClrLst>
+      <a:schemeClr val="accent4">
+        <a:tint val="99000"/>
+      </a:schemeClr>
+    </dgm:fillClrLst>
+    <dgm:linClrLst meth="repeat">
+      <a:schemeClr val="lt1"/>
+    </dgm:linClrLst>
+    <dgm:effectClrLst/>
+    <dgm:txLinClrLst/>
+    <dgm:txFillClrLst/>
+    <dgm:txEffectClrLst/>
+  </dgm:styleLbl>
+  <dgm:styleLbl name="asst3">
+    <dgm:fillClrLst>
+      <a:schemeClr val="accent4">
+        <a:tint val="80000"/>
+      </a:schemeClr>
+    </dgm:fillClrLst>
+    <dgm:linClrLst meth="repeat">
+      <a:schemeClr val="lt1"/>
+    </dgm:linClrLst>
+    <dgm:effectClrLst/>
+    <dgm:txLinClrLst/>
+    <dgm:txFillClrLst/>
+    <dgm:txEffectClrLst/>
+  </dgm:styleLbl>
+  <dgm:styleLbl name="asst4">
+    <dgm:fillClrLst>
+      <a:schemeClr val="accent4">
+        <a:tint val="70000"/>
+      </a:schemeClr>
+    </dgm:fillClrLst>
+    <dgm:linClrLst meth="repeat">
+      <a:schemeClr val="lt1"/>
+    </dgm:linClrLst>
+    <dgm:effectClrLst/>
+    <dgm:txLinClrLst/>
+    <dgm:txFillClrLst/>
+    <dgm:txEffectClrLst/>
+  </dgm:styleLbl>
+  <dgm:styleLbl name="parChTrans2D1">
+    <dgm:fillClrLst meth="repeat">
+      <a:schemeClr val="accent4">
+        <a:tint val="60000"/>
+      </a:schemeClr>
+    </dgm:fillClrLst>
+    <dgm:linClrLst meth="repeat">
+      <a:schemeClr val="accent4">
+        <a:tint val="60000"/>
+      </a:schemeClr>
+    </dgm:linClrLst>
+    <dgm:effectClrLst/>
+    <dgm:txLinClrLst/>
+    <dgm:txFillClrLst meth="repeat">
+      <a:schemeClr val="lt1"/>
+    </dgm:txFillClrLst>
+    <dgm:txEffectClrLst/>
+  </dgm:styleLbl>
+  <dgm:styleLbl name="parChTrans2D2">
+    <dgm:fillClrLst meth="repeat">
+      <a:schemeClr val="accent4">
+        <a:tint val="90000"/>
+      </a:schemeClr>
+    </dgm:fillClrLst>
+    <dgm:linClrLst meth="repeat">
+      <a:schemeClr val="accent4">
+        <a:tint val="90000"/>
+      </a:schemeClr>
+    </dgm:linClrLst>
+    <dgm:effectClrLst/>
+    <dgm:txLinClrLst/>
+    <dgm:txFillClrLst/>
+    <dgm:txEffectClrLst/>
+  </dgm:styleLbl>
+  <dgm:styleLbl name="parChTrans2D3">
+    <dgm:fillClrLst meth="repeat">
+      <a:schemeClr val="accent4">
+        <a:tint val="70000"/>
+      </a:schemeClr>
+    </dgm:fillClrLst>
+    <dgm:linClrLst meth="repeat">
+      <a:schemeClr val="accent4">
+        <a:tint val="70000"/>
+      </a:schemeClr>
+    </dgm:linClrLst>
+    <dgm:effectClrLst/>
+    <dgm:txLinClrLst/>
+    <dgm:txFillClrLst/>
+    <dgm:txEffectClrLst/>
+  </dgm:styleLbl>
+  <dgm:styleLbl name="parChTrans2D4">
+    <dgm:fillClrLst meth="repeat">
+      <a:schemeClr val="accent4">
+        <a:tint val="50000"/>
+      </a:schemeClr>
+    </dgm:fillClrLst>
+    <dgm:linClrLst meth="repeat">
+      <a:schemeClr val="accent4">
+        <a:tint val="50000"/>
+      </a:schemeClr>
+    </dgm:linClrLst>
+    <dgm:effectClrLst/>
+    <dgm:txLinClrLst/>
+    <dgm:txFillClrLst meth="repeat">
+      <a:schemeClr val="lt1"/>
+    </dgm:txFillClrLst>
+    <dgm:txEffectClrLst/>
+  </dgm:styleLbl>
+  <dgm:styleLbl name="parChTrans1D1">
+    <dgm:fillClrLst meth="repeat">
+      <a:schemeClr val="accent4">
+        <a:shade val="80000"/>
+      </a:schemeClr>
+    </dgm:fillClrLst>
+    <dgm:linClrLst meth="repeat">
+      <a:schemeClr val="accent4">
+        <a:shade val="80000"/>
+      </a:schemeClr>
+    </dgm:linClrLst>
+    <dgm:effectClrLst/>
+    <dgm:txLinClrLst/>
+    <dgm:txFillClrLst meth="repeat">
+      <a:schemeClr val="tx1"/>
+    </dgm:txFillClrLst>
+    <dgm:txEffectClrLst/>
+  </dgm:styleLbl>
+  <dgm:styleLbl name="parChTrans1D2">
+    <dgm:fillClrLst meth="repeat">
+      <a:schemeClr val="accent4">
+        <a:tint val="99000"/>
+      </a:schemeClr>
+    </dgm:fillClrLst>
+    <dgm:linClrLst meth="repeat">
+      <a:schemeClr val="accent4">
+        <a:tint val="99000"/>
+      </a:schemeClr>
+    </dgm:linClrLst>
+    <dgm:effectClrLst/>
+    <dgm:txLinClrLst/>
+    <dgm:txFillClrLst meth="repeat">
+      <a:schemeClr val="tx1"/>
+    </dgm:txFillClrLst>
+    <dgm:txEffectClrLst/>
+  </dgm:styleLbl>
+  <dgm:styleLbl name="parChTrans1D3">
+    <dgm:fillClrLst meth="repeat">
+      <a:schemeClr val="accent4">
+        <a:tint val="80000"/>
+      </a:schemeClr>
+    </dgm:fillClrLst>
+    <dgm:linClrLst meth="repeat">
+      <a:schemeClr val="accent4">
+        <a:tint val="80000"/>
+      </a:schemeClr>
+    </dgm:linClrLst>
+    <dgm:effectClrLst/>
+    <dgm:txLinClrLst/>
+    <dgm:txFillClrLst meth="repeat">
+      <a:schemeClr val="tx1"/>
+    </dgm:txFillClrLst>
+    <dgm:txEffectClrLst/>
+  </dgm:styleLbl>
+  <dgm:styleLbl name="parChTrans1D4">
+    <dgm:fillClrLst meth="repeat">
+      <a:schemeClr val="accent4">
+        <a:tint val="70000"/>
+      </a:schemeClr>
+    </dgm:fillClrLst>
+    <dgm:linClrLst meth="repeat">
+      <a:schemeClr val="accent4">
+        <a:tint val="70000"/>
+      </a:schemeClr>
+    </dgm:linClrLst>
+    <dgm:effectClrLst/>
+    <dgm:txLinClrLst/>
+    <dgm:txFillClrLst meth="repeat">
+      <a:schemeClr val="tx1"/>
+    </dgm:txFillClrLst>
+    <dgm:txEffectClrLst/>
+  </dgm:styleLbl>
+  <dgm:styleLbl name="fgAcc1">
+    <dgm:fillClrLst meth="repeat">
+      <a:schemeClr val="lt1">
+        <a:alpha val="90000"/>
+      </a:schemeClr>
+    </dgm:fillClrLst>
+    <dgm:linClrLst>
+      <a:schemeClr val="accent4">
+        <a:shade val="80000"/>
+      </a:schemeClr>
+      <a:schemeClr val="accent4">
+        <a:tint val="70000"/>
+      </a:schemeClr>
+    </dgm:linClrLst>
+    <dgm:effectClrLst/>
+    <dgm:txLinClrLst/>
+    <dgm:txFillClrLst meth="repeat">
+      <a:schemeClr val="dk1"/>
+    </dgm:txFillClrLst>
+    <dgm:txEffectClrLst/>
+  </dgm:styleLbl>
+  <dgm:styleLbl name="conFgAcc1">
+    <dgm:fillClrLst meth="repeat">
+      <a:schemeClr val="lt1">
+        <a:alpha val="90000"/>
+      </a:schemeClr>
+    </dgm:fillClrLst>
+    <dgm:linClrLst>
+      <a:schemeClr val="accent4">
+        <a:shade val="80000"/>
+      </a:schemeClr>
+      <a:schemeClr val="accent4">
+        <a:tint val="70000"/>
+      </a:schemeClr>
+    </dgm:linClrLst>
+    <dgm:effectClrLst/>
+    <dgm:txLinClrLst/>
+    <dgm:txFillClrLst meth="repeat">
+      <a:schemeClr val="dk1"/>
+    </dgm:txFillClrLst>
+    <dgm:txEffectClrLst/>
+  </dgm:styleLbl>
+  <dgm:styleLbl name="alignAcc1">
+    <dgm:fillClrLst meth="repeat">
+      <a:schemeClr val="lt1">
+        <a:alpha val="90000"/>
+      </a:schemeClr>
+    </dgm:fillClrLst>
+    <dgm:linClrLst>
+      <a:schemeClr val="accent4">
+        <a:shade val="80000"/>
+      </a:schemeClr>
+      <a:schemeClr val="accent4">
+        <a:tint val="70000"/>
+      </a:schemeClr>
+    </dgm:linClrLst>
+    <dgm:effectClrLst/>
+    <dgm:txLinClrLst/>
+    <dgm:txFillClrLst meth="repeat">
+      <a:schemeClr val="dk1"/>
+    </dgm:txFillClrLst>
+    <dgm:txEffectClrLst/>
+  </dgm:styleLbl>
+  <dgm:styleLbl name="trAlignAcc1">
+    <dgm:fillClrLst meth="repeat">
+      <a:schemeClr val="lt1">
+        <a:alpha val="40000"/>
+      </a:schemeClr>
+    </dgm:fillClrLst>
+    <dgm:linClrLst meth="repeat">
+      <a:schemeClr val="accent4"/>
+    </dgm:linClrLst>
+    <dgm:effectClrLst/>
+    <dgm:txLinClrLst/>
+    <dgm:txFillClrLst meth="repeat">
+      <a:schemeClr val="dk1"/>
+    </dgm:txFillClrLst>
+    <dgm:txEffectClrLst/>
+  </dgm:styleLbl>
+  <dgm:styleLbl name="bgAcc1">
+    <dgm:fillClrLst meth="repeat">
+      <a:schemeClr val="lt1">
+        <a:alpha val="90000"/>
+      </a:schemeClr>
+    </dgm:fillClrLst>
+    <dgm:linClrLst>
+      <a:schemeClr val="accent4">
+        <a:shade val="80000"/>
+      </a:schemeClr>
+      <a:schemeClr val="accent4">
+        <a:tint val="70000"/>
+      </a:schemeClr>
+    </dgm:linClrLst>
+    <dgm:effectClrLst/>
+    <dgm:txLinClrLst/>
+    <dgm:txFillClrLst meth="repeat">
+      <a:schemeClr val="dk1"/>
+    </dgm:txFillClrLst>
+    <dgm:txEffectClrLst/>
+  </dgm:styleLbl>
+  <dgm:styleLbl name="solidFgAcc1">
+    <dgm:fillClrLst meth="repeat">
+      <a:schemeClr val="lt1"/>
+    </dgm:fillClrLst>
+    <dgm:linClrLst>
+      <a:schemeClr val="accent4">
+        <a:shade val="80000"/>
+      </a:schemeClr>
+      <a:schemeClr val="accent4">
+        <a:tint val="70000"/>
+      </a:schemeClr>
+    </dgm:linClrLst>
+    <dgm:effectClrLst/>
+    <dgm:txLinClrLst/>
+    <dgm:txFillClrLst meth="repeat">
+      <a:schemeClr val="dk1"/>
+    </dgm:txFillClrLst>
+    <dgm:txEffectClrLst/>
+  </dgm:styleLbl>
+  <dgm:styleLbl name="solidAlignAcc1">
+    <dgm:fillClrLst meth="repeat">
+      <a:schemeClr val="lt1"/>
+    </dgm:fillClrLst>
+    <dgm:linClrLst meth="repeat">
+      <a:schemeClr val="accent4"/>
+    </dgm:linClrLst>
+    <dgm:effectClrLst/>
+    <dgm:txLinClrLst/>
+    <dgm:txFillClrLst meth="repeat">
+      <a:schemeClr val="dk1"/>
+    </dgm:txFillClrLst>
+    <dgm:txEffectClrLst/>
+  </dgm:styleLbl>
+  <dgm:styleLbl name="solidBgAcc1">
+    <dgm:fillClrLst meth="repeat">
+      <a:schemeClr val="lt1"/>
+    </dgm:fillClrLst>
+    <dgm:linClrLst meth="repeat">
+      <a:schemeClr val="accent4"/>
+    </dgm:linClrLst>
+    <dgm:effectClrLst/>
+    <dgm:txLinClrLst/>
+    <dgm:txFillClrLst meth="repeat">
+      <a:schemeClr val="dk1"/>
+    </dgm:txFillClrLst>
+    <dgm:txEffectClrLst/>
+  </dgm:styleLbl>
+  <dgm:styleLbl name="fgAccFollowNode1">
+    <dgm:fillClrLst meth="repeat">
+      <a:schemeClr val="accent4">
+        <a:alpha val="90000"/>
+        <a:tint val="40000"/>
+      </a:schemeClr>
+    </dgm:fillClrLst>
+    <dgm:linClrLst meth="repeat">
+      <a:schemeClr val="accent4">
+        <a:alpha val="90000"/>
+        <a:tint val="40000"/>
+      </a:schemeClr>
+    </dgm:linClrLst>
+    <dgm:effectClrLst/>
+    <dgm:txLinClrLst/>
+    <dgm:txFillClrLst meth="repeat">
+      <a:schemeClr val="dk1"/>
+    </dgm:txFillClrLst>
+    <dgm:txEffectClrLst/>
+  </dgm:styleLbl>
+  <dgm:styleLbl name="alignAccFollowNode1">
+    <dgm:fillClrLst meth="repeat">
+      <a:schemeClr val="accent4">
+        <a:alpha val="90000"/>
+        <a:tint val="40000"/>
+      </a:schemeClr>
+    </dgm:fillClrLst>
+    <dgm:linClrLst meth="repeat">
+      <a:schemeClr val="accent4">
+        <a:alpha val="90000"/>
+        <a:tint val="40000"/>
+      </a:schemeClr>
+    </dgm:linClrLst>
+    <dgm:effectClrLst/>
+    <dgm:txLinClrLst/>
+    <dgm:txFillClrLst meth="repeat">
+      <a:schemeClr val="dk1"/>
+    </dgm:txFillClrLst>
+    <dgm:txEffectClrLst/>
+  </dgm:styleLbl>
+  <dgm:styleLbl name="bgAccFollowNode1">
+    <dgm:fillClrLst meth="repeat">
+      <a:schemeClr val="accent4">
+        <a:alpha val="90000"/>
+        <a:tint val="40000"/>
+      </a:schemeClr>
+    </dgm:fillClrLst>
+    <dgm:linClrLst meth="repeat">
+      <a:schemeClr val="lt1"/>
+    </dgm:linClrLst>
+    <dgm:effectClrLst/>
+    <dgm:txLinClrLst/>
+    <dgm:txFillClrLst meth="repeat">
+      <a:schemeClr val="dk1"/>
+    </dgm:txFillClrLst>
+    <dgm:txEffectClrLst/>
+  </dgm:styleLbl>
+  <dgm:styleLbl name="fgAcc0">
+    <dgm:fillClrLst meth="repeat">
+      <a:schemeClr val="lt1">
+        <a:alpha val="90000"/>
+      </a:schemeClr>
+    </dgm:fillClrLst>
+    <dgm:linClrLst meth="repeat">
+      <a:schemeClr val="accent4">
+        <a:shade val="80000"/>
+      </a:schemeClr>
+    </dgm:linClrLst>
+    <dgm:effectClrLst/>
+    <dgm:txLinClrLst/>
+    <dgm:txFillClrLst meth="repeat">
+      <a:schemeClr val="dk1"/>
+    </dgm:txFillClrLst>
+    <dgm:txEffectClrLst/>
+  </dgm:styleLbl>
+  <dgm:styleLbl name="fgAcc2">
+    <dgm:fillClrLst meth="repeat">
+      <a:schemeClr val="lt1">
+        <a:alpha val="90000"/>
+      </a:schemeClr>
+    </dgm:fillClrLst>
+    <dgm:linClrLst meth="repeat">
+      <a:schemeClr val="accent4">
+        <a:tint val="99000"/>
+      </a:schemeClr>
+    </dgm:linClrLst>
+    <dgm:effectClrLst/>
+    <dgm:txLinClrLst/>
+    <dgm:txFillClrLst meth="repeat">
+      <a:schemeClr val="dk1"/>
+    </dgm:txFillClrLst>
+    <dgm:txEffectClrLst/>
+  </dgm:styleLbl>
+  <dgm:styleLbl name="fgAcc3">
+    <dgm:fillClrLst meth="repeat">
+      <a:schemeClr val="lt1">
+        <a:alpha val="90000"/>
+      </a:schemeClr>
+    </dgm:fillClrLst>
+    <dgm:linClrLst meth="repeat">
+      <a:schemeClr val="accent4">
+        <a:tint val="80000"/>
+      </a:schemeClr>
+    </dgm:linClrLst>
+    <dgm:effectClrLst/>
+    <dgm:txLinClrLst/>
+    <dgm:txFillClrLst meth="repeat">
+      <a:schemeClr val="dk1"/>
+    </dgm:txFillClrLst>
+    <dgm:txEffectClrLst/>
+  </dgm:styleLbl>
+  <dgm:styleLbl name="fgAcc4">
+    <dgm:fillClrLst meth="repeat">
+      <a:schemeClr val="lt1">
+        <a:alpha val="90000"/>
+      </a:schemeClr>
+    </dgm:fillClrLst>
+    <dgm:linClrLst meth="repeat">
+      <a:schemeClr val="accent4">
+        <a:tint val="70000"/>
+      </a:schemeClr>
+    </dgm:linClrLst>
+    <dgm:effectClrLst/>
+    <dgm:txLinClrLst/>
+    <dgm:txFillClrLst meth="repeat">
+      <a:schemeClr val="dk1"/>
+    </dgm:txFillClrLst>
+    <dgm:txEffectClrLst/>
+  </dgm:styleLbl>
+  <dgm:styleLbl name="bgShp">
+    <dgm:fillClrLst meth="repeat">
+      <a:schemeClr val="accent4">
+        <a:tint val="40000"/>
+      </a:schemeClr>
+    </dgm:fillClrLst>
+    <dgm:linClrLst meth="repeat">
+      <a:schemeClr val="dk1"/>
+    </dgm:linClrLst>
+    <dgm:effectClrLst/>
+    <dgm:txLinClrLst/>
+    <dgm:txFillClrLst meth="repeat">
+      <a:schemeClr val="dk1"/>
+    </dgm:txFillClrLst>
+    <dgm:txEffectClrLst/>
+  </dgm:styleLbl>
+  <dgm:styleLbl name="dkBgShp">
+    <dgm:fillClrLst meth="repeat">
+      <a:schemeClr val="accent4">
+        <a:shade val="90000"/>
+      </a:schemeClr>
+    </dgm:fillClrLst>
+    <dgm:linClrLst meth="repeat">
+      <a:schemeClr val="dk1"/>
+    </dgm:linClrLst>
+    <dgm:effectClrLst/>
+    <dgm:txLinClrLst/>
+    <dgm:txFillClrLst meth="repeat">
+      <a:schemeClr val="lt1"/>
+    </dgm:txFillClrLst>
+    <dgm:txEffectClrLst/>
+  </dgm:styleLbl>
+  <dgm:styleLbl name="trBgShp">
+    <dgm:fillClrLst meth="repeat">
+      <a:schemeClr val="accent4">
+        <a:tint val="50000"/>
+        <a:alpha val="40000"/>
+      </a:schemeClr>
+    </dgm:fillClrLst>
+    <dgm:linClrLst meth="repeat">
+      <a:schemeClr val="accent4"/>
+    </dgm:linClrLst>
+    <dgm:effectClrLst/>
+    <dgm:txLinClrLst/>
+    <dgm:txFillClrLst meth="repeat">
+      <a:schemeClr val="lt1"/>
+    </dgm:txFillClrLst>
+    <dgm:txEffectClrLst/>
+  </dgm:styleLbl>
+  <dgm:styleLbl name="fgShp">
+    <dgm:fillClrLst meth="repeat">
+      <a:schemeClr val="accent4">
+        <a:tint val="40000"/>
+      </a:schemeClr>
+    </dgm:fillClrLst>
+    <dgm:linClrLst meth="repeat">
+      <a:schemeClr val="lt1"/>
+    </dgm:linClrLst>
+    <dgm:effectClrLst/>
+    <dgm:txLinClrLst/>
+    <dgm:txFillClrLst meth="repeat">
+      <a:schemeClr val="dk1"/>
+    </dgm:txFillClrLst>
+    <dgm:txEffectClrLst/>
+  </dgm:styleLbl>
+  <dgm:styleLbl name="revTx">
+    <dgm:fillClrLst meth="repeat">
+      <a:schemeClr val="lt1">
+        <a:alpha val="0"/>
+      </a:schemeClr>
+    </dgm:fillClrLst>
+    <dgm:linClrLst meth="repeat">
+      <a:schemeClr val="dk1">
+        <a:alpha val="0"/>
+      </a:schemeClr>
+    </dgm:linClrLst>
+    <dgm:effectClrLst/>
+    <dgm:txLinClrLst/>
+    <dgm:txFillClrLst meth="repeat">
+      <a:schemeClr val="tx1"/>
+    </dgm:txFillClrLst>
+    <dgm:txEffectClrLst/>
+  </dgm:styleLbl>
+</dgm:colorsDef>
+</file>
+
+<file path=ppt/diagrams/data1.xml><?xml version="1.0" encoding="utf-8"?>
+<dgm:dataModel xmlns:dgm="http://schemas.openxmlformats.org/drawingml/2006/diagram" xmlns:a="http://schemas.openxmlformats.org/drawingml/2006/main">
+  <dgm:ptLst>
+    <dgm:pt modelId="{6625B828-9EE5-40FA-AFE5-5593BABD5D85}" type="doc">
+      <dgm:prSet loTypeId="urn:microsoft.com/office/officeart/2018/2/layout/IconVerticalSolidList" loCatId="icon" qsTypeId="urn:microsoft.com/office/officeart/2005/8/quickstyle/simple1" qsCatId="simple" csTypeId="urn:microsoft.com/office/officeart/2018/5/colors/Iconchunking_neutralbg_colorful1" csCatId="colorful" phldr="1"/>
+      <dgm:spPr/>
+      <dgm:t>
+        <a:bodyPr/>
+        <a:lstStyle/>
+        <a:p>
+          <a:endParaRPr lang="en-US"/>
+        </a:p>
+      </dgm:t>
+    </dgm:pt>
+    <dgm:pt modelId="{8550B90C-5F03-4FE0-9027-E8C9D3FCC350}">
+      <dgm:prSet custT="1"/>
+      <dgm:spPr/>
+      <dgm:t>
+        <a:bodyPr/>
+        <a:lstStyle/>
+        <a:p>
+          <a:r>
+            <a:rPr lang="en-US" sz="1400" b="0" dirty="0">
+              <a:solidFill>
+                <a:schemeClr val="tx1">
+                  <a:lumMod val="65000"/>
+                  <a:lumOff val="35000"/>
+                </a:schemeClr>
+              </a:solidFill>
+              <a:latin typeface=""/>
+            </a:rPr>
+            <a:t>Step 1: Process input data</a:t>
+          </a:r>
+          <a:endParaRPr lang="en-US" sz="1400" dirty="0">
+            <a:solidFill>
+              <a:schemeClr val="tx1">
+                <a:lumMod val="65000"/>
+                <a:lumOff val="35000"/>
+              </a:schemeClr>
+            </a:solidFill>
+            <a:latin typeface=""/>
+          </a:endParaRPr>
+        </a:p>
+      </dgm:t>
+    </dgm:pt>
+    <dgm:pt modelId="{6A861D8B-EBE9-41C8-99A5-5FA5B8EFDEAB}" type="parTrans" cxnId="{D95934FE-76D0-4470-9C87-06C49FA0C47C}">
+      <dgm:prSet/>
+      <dgm:spPr/>
+      <dgm:t>
+        <a:bodyPr/>
+        <a:lstStyle/>
+        <a:p>
+          <a:endParaRPr lang="en-US" sz="1400">
+            <a:latin typeface=""/>
+          </a:endParaRPr>
+        </a:p>
+      </dgm:t>
+    </dgm:pt>
+    <dgm:pt modelId="{9E459E28-4369-4294-8EE0-FE0BA594E035}" type="sibTrans" cxnId="{D95934FE-76D0-4470-9C87-06C49FA0C47C}">
+      <dgm:prSet/>
+      <dgm:spPr/>
+      <dgm:t>
+        <a:bodyPr/>
+        <a:lstStyle/>
+        <a:p>
+          <a:endParaRPr lang="en-US" sz="1400">
+            <a:latin typeface=""/>
+          </a:endParaRPr>
+        </a:p>
+      </dgm:t>
+    </dgm:pt>
+    <dgm:pt modelId="{5A3437EB-90CC-4EE4-B3B7-D83A091B0BCE}">
+      <dgm:prSet custT="1"/>
+      <dgm:spPr/>
+      <dgm:t>
+        <a:bodyPr/>
+        <a:lstStyle/>
+        <a:p>
+          <a:r>
+            <a:rPr lang="en-US" sz="1400" b="0" dirty="0">
+              <a:solidFill>
+                <a:schemeClr val="tx1">
+                  <a:lumMod val="65000"/>
+                  <a:lumOff val="35000"/>
+                </a:schemeClr>
+              </a:solidFill>
+              <a:latin typeface=""/>
+            </a:rPr>
+            <a:t>Step 2: Represent the graph using </a:t>
+          </a:r>
+          <a:r>
+            <a:rPr lang="en-US" sz="1400" b="1" dirty="0" err="1">
+              <a:solidFill>
+                <a:schemeClr val="tx1">
+                  <a:lumMod val="65000"/>
+                  <a:lumOff val="35000"/>
+                </a:schemeClr>
+              </a:solidFill>
+              <a:latin typeface=""/>
+            </a:rPr>
+            <a:t>NetworkX</a:t>
+          </a:r>
+          <a:endParaRPr lang="en-US" sz="1400" dirty="0">
+            <a:solidFill>
+              <a:schemeClr val="tx1">
+                <a:lumMod val="65000"/>
+                <a:lumOff val="35000"/>
+              </a:schemeClr>
+            </a:solidFill>
+            <a:latin typeface=""/>
+          </a:endParaRPr>
+        </a:p>
+      </dgm:t>
+    </dgm:pt>
+    <dgm:pt modelId="{E1E9E5DA-3EFF-48EB-9D41-AE4413E87455}" type="parTrans" cxnId="{3B3C5648-34C1-4631-B798-9FD50D4E4329}">
+      <dgm:prSet/>
+      <dgm:spPr/>
+      <dgm:t>
+        <a:bodyPr/>
+        <a:lstStyle/>
+        <a:p>
+          <a:endParaRPr lang="en-US" sz="1400">
+            <a:latin typeface=""/>
+          </a:endParaRPr>
+        </a:p>
+      </dgm:t>
+    </dgm:pt>
+    <dgm:pt modelId="{B56ED6E0-51FB-4636-AC9F-18DDFF53DE8E}" type="sibTrans" cxnId="{3B3C5648-34C1-4631-B798-9FD50D4E4329}">
+      <dgm:prSet/>
+      <dgm:spPr/>
+      <dgm:t>
+        <a:bodyPr/>
+        <a:lstStyle/>
+        <a:p>
+          <a:endParaRPr lang="en-US" sz="1400">
+            <a:latin typeface=""/>
+          </a:endParaRPr>
+        </a:p>
+      </dgm:t>
+    </dgm:pt>
+    <dgm:pt modelId="{8E1A9028-6CBF-4356-96E7-48B583875B63}">
+      <dgm:prSet custT="1"/>
+      <dgm:spPr/>
+      <dgm:t>
+        <a:bodyPr/>
+        <a:lstStyle/>
+        <a:p>
+          <a:r>
+            <a:rPr lang="en-US" sz="1400" b="0" dirty="0">
+              <a:solidFill>
+                <a:schemeClr val="tx1">
+                  <a:lumMod val="65000"/>
+                  <a:lumOff val="35000"/>
+                </a:schemeClr>
+              </a:solidFill>
+              <a:latin typeface=""/>
+            </a:rPr>
+            <a:t>Step 3: Find the critical path / the longest path</a:t>
+          </a:r>
+          <a:endParaRPr lang="en-US" sz="1400" dirty="0">
+            <a:solidFill>
+              <a:schemeClr val="tx1">
+                <a:lumMod val="65000"/>
+                <a:lumOff val="35000"/>
+              </a:schemeClr>
+            </a:solidFill>
+            <a:latin typeface=""/>
+          </a:endParaRPr>
+        </a:p>
+      </dgm:t>
+    </dgm:pt>
+    <dgm:pt modelId="{7A3FF431-DFAF-43EF-9F36-B532776EB5D5}" type="parTrans" cxnId="{27CAE4FA-B08F-424F-97AE-B1B9E9A5FEFA}">
+      <dgm:prSet/>
+      <dgm:spPr/>
+      <dgm:t>
+        <a:bodyPr/>
+        <a:lstStyle/>
+        <a:p>
+          <a:endParaRPr lang="en-US" sz="1400">
+            <a:latin typeface=""/>
+          </a:endParaRPr>
+        </a:p>
+      </dgm:t>
+    </dgm:pt>
+    <dgm:pt modelId="{622CE3D0-0DDD-428C-B489-01D822F2E548}" type="sibTrans" cxnId="{27CAE4FA-B08F-424F-97AE-B1B9E9A5FEFA}">
+      <dgm:prSet/>
+      <dgm:spPr/>
+      <dgm:t>
+        <a:bodyPr/>
+        <a:lstStyle/>
+        <a:p>
+          <a:endParaRPr lang="en-US" sz="1400">
+            <a:latin typeface=""/>
+          </a:endParaRPr>
+        </a:p>
+      </dgm:t>
+    </dgm:pt>
+    <dgm:pt modelId="{5B616883-44ED-4FD0-8B48-0F0E937D3E9E}">
+      <dgm:prSet custT="1"/>
+      <dgm:spPr/>
+      <dgm:t>
+        <a:bodyPr/>
+        <a:lstStyle/>
+        <a:p>
+          <a:r>
+            <a:rPr lang="en-US" sz="1400" b="0" dirty="0">
+              <a:solidFill>
+                <a:schemeClr val="tx1">
+                  <a:lumMod val="65000"/>
+                  <a:lumOff val="35000"/>
+                </a:schemeClr>
+              </a:solidFill>
+              <a:latin typeface=""/>
+            </a:rPr>
+            <a:t>Step 4: Format and plot using </a:t>
+          </a:r>
+          <a:r>
+            <a:rPr lang="en-US" sz="1400" b="1" dirty="0">
+              <a:solidFill>
+                <a:schemeClr val="tx1">
+                  <a:lumMod val="65000"/>
+                  <a:lumOff val="35000"/>
+                </a:schemeClr>
+              </a:solidFill>
+              <a:latin typeface=""/>
+            </a:rPr>
+            <a:t>Matplotlib</a:t>
+          </a:r>
+          <a:endParaRPr lang="en-US" sz="1400" dirty="0">
+            <a:solidFill>
+              <a:schemeClr val="tx1">
+                <a:lumMod val="65000"/>
+                <a:lumOff val="35000"/>
+              </a:schemeClr>
+            </a:solidFill>
+            <a:latin typeface=""/>
+          </a:endParaRPr>
+        </a:p>
+      </dgm:t>
+    </dgm:pt>
+    <dgm:pt modelId="{F79DFB1C-5C9F-402F-90AE-AA8603376053}" type="parTrans" cxnId="{E1AFCED5-2AD0-4948-87F5-798A39B80B61}">
+      <dgm:prSet/>
+      <dgm:spPr/>
+      <dgm:t>
+        <a:bodyPr/>
+        <a:lstStyle/>
+        <a:p>
+          <a:endParaRPr lang="en-US" sz="1400">
+            <a:latin typeface=""/>
+          </a:endParaRPr>
+        </a:p>
+      </dgm:t>
+    </dgm:pt>
+    <dgm:pt modelId="{78D9539A-FB68-46DE-860C-28D0C712465E}" type="sibTrans" cxnId="{E1AFCED5-2AD0-4948-87F5-798A39B80B61}">
+      <dgm:prSet/>
+      <dgm:spPr/>
+      <dgm:t>
+        <a:bodyPr/>
+        <a:lstStyle/>
+        <a:p>
+          <a:endParaRPr lang="en-US" sz="1400">
+            <a:latin typeface=""/>
+          </a:endParaRPr>
+        </a:p>
+      </dgm:t>
+    </dgm:pt>
+    <dgm:pt modelId="{D8E244F2-2622-454B-AF4F-5BEB32AF9A9E}">
+      <dgm:prSet custT="1"/>
+      <dgm:spPr/>
+      <dgm:t>
+        <a:bodyPr/>
+        <a:lstStyle/>
+        <a:p>
+          <a:r>
+            <a:rPr lang="en-US" sz="1400" b="0" dirty="0">
+              <a:solidFill>
+                <a:schemeClr val="tx1">
+                  <a:lumMod val="65000"/>
+                  <a:lumOff val="35000"/>
+                </a:schemeClr>
+              </a:solidFill>
+              <a:latin typeface=""/>
+            </a:rPr>
+            <a:t>Step 5: Generate summarized message</a:t>
+          </a:r>
+          <a:endParaRPr lang="en-US" sz="1400" dirty="0">
+            <a:solidFill>
+              <a:schemeClr val="tx1">
+                <a:lumMod val="65000"/>
+                <a:lumOff val="35000"/>
+              </a:schemeClr>
+            </a:solidFill>
+            <a:latin typeface=""/>
+          </a:endParaRPr>
+        </a:p>
+      </dgm:t>
+    </dgm:pt>
+    <dgm:pt modelId="{285B911F-B833-4050-A944-357FC9901CFF}" type="parTrans" cxnId="{4F443E0E-5B68-4ECF-A7BE-068E202ECE06}">
+      <dgm:prSet/>
+      <dgm:spPr/>
+      <dgm:t>
+        <a:bodyPr/>
+        <a:lstStyle/>
+        <a:p>
+          <a:endParaRPr lang="en-US" sz="1400">
+            <a:latin typeface=""/>
+          </a:endParaRPr>
+        </a:p>
+      </dgm:t>
+    </dgm:pt>
+    <dgm:pt modelId="{51A5D101-3550-4F85-8EE4-FB53FAC7D7C6}" type="sibTrans" cxnId="{4F443E0E-5B68-4ECF-A7BE-068E202ECE06}">
+      <dgm:prSet/>
+      <dgm:spPr/>
+      <dgm:t>
+        <a:bodyPr/>
+        <a:lstStyle/>
+        <a:p>
+          <a:endParaRPr lang="en-US" sz="1400">
+            <a:latin typeface=""/>
+          </a:endParaRPr>
+        </a:p>
+      </dgm:t>
+    </dgm:pt>
+    <dgm:pt modelId="{AF982CB7-E5B2-4C4E-8225-EB9F99ABC0EB}" type="pres">
+      <dgm:prSet presAssocID="{6625B828-9EE5-40FA-AFE5-5593BABD5D85}" presName="root" presStyleCnt="0">
+        <dgm:presLayoutVars>
+          <dgm:dir/>
+          <dgm:resizeHandles val="exact"/>
+        </dgm:presLayoutVars>
+      </dgm:prSet>
+      <dgm:spPr/>
+    </dgm:pt>
+    <dgm:pt modelId="{8812CF84-20A2-46DA-86DB-9D5F3B1514BB}" type="pres">
+      <dgm:prSet presAssocID="{8550B90C-5F03-4FE0-9027-E8C9D3FCC350}" presName="compNode" presStyleCnt="0"/>
+      <dgm:spPr/>
+    </dgm:pt>
+    <dgm:pt modelId="{FD3585F6-9E81-471C-BD8D-D6DE7B11B265}" type="pres">
+      <dgm:prSet presAssocID="{8550B90C-5F03-4FE0-9027-E8C9D3FCC350}" presName="bgRect" presStyleLbl="bgShp" presStyleIdx="0" presStyleCnt="5"/>
+      <dgm:spPr/>
+    </dgm:pt>
+    <dgm:pt modelId="{C5D2B794-CFD2-471F-B65F-A20E56D15C45}" type="pres">
+      <dgm:prSet presAssocID="{8550B90C-5F03-4FE0-9027-E8C9D3FCC350}" presName="iconRect" presStyleLbl="node1" presStyleIdx="0" presStyleCnt="5"/>
+      <dgm:spPr>
+        <a:blipFill>
+          <a:blip xmlns:r="http://schemas.openxmlformats.org/officeDocument/2006/relationships" r:embed="rId1">
+            <a:extLst>
+              <a:ext uri="{28A0092B-C50C-407E-A947-70E740481C1C}">
+                <a14:useLocalDpi xmlns:a14="http://schemas.microsoft.com/office/drawing/2010/main" val="0"/>
+              </a:ext>
+              <a:ext uri="{96DAC541-7B7A-43D3-8B79-37D633B846F1}">
+                <asvg:svgBlip xmlns:asvg="http://schemas.microsoft.com/office/drawing/2016/SVG/main" r:embed="rId2"/>
+              </a:ext>
+            </a:extLst>
+          </a:blip>
+          <a:stretch>
+            <a:fillRect/>
+          </a:stretch>
+        </a:blipFill>
+        <a:ln>
+          <a:noFill/>
+        </a:ln>
+      </dgm:spPr>
+      <dgm:extLst>
+        <a:ext uri="{E40237B7-FDA0-4F09-8148-C483321AD2D9}">
+          <dgm14:cNvPr xmlns:dgm14="http://schemas.microsoft.com/office/drawing/2010/diagram" id="0" name="" descr="Flowchart"/>
+        </a:ext>
+      </dgm:extLst>
+    </dgm:pt>
+    <dgm:pt modelId="{41C135F7-8D83-42FA-832B-1426CA300BBB}" type="pres">
+      <dgm:prSet presAssocID="{8550B90C-5F03-4FE0-9027-E8C9D3FCC350}" presName="spaceRect" presStyleCnt="0"/>
+      <dgm:spPr/>
+    </dgm:pt>
+    <dgm:pt modelId="{23B8E860-E5BE-4B72-9249-C9938885D6F6}" type="pres">
+      <dgm:prSet presAssocID="{8550B90C-5F03-4FE0-9027-E8C9D3FCC350}" presName="parTx" presStyleLbl="revTx" presStyleIdx="0" presStyleCnt="5">
+        <dgm:presLayoutVars>
+          <dgm:chMax val="0"/>
+          <dgm:chPref val="0"/>
+        </dgm:presLayoutVars>
+      </dgm:prSet>
+      <dgm:spPr/>
+    </dgm:pt>
+    <dgm:pt modelId="{F82B1F1E-1C3D-4EEB-BB6A-EA80CC4D0178}" type="pres">
+      <dgm:prSet presAssocID="{9E459E28-4369-4294-8EE0-FE0BA594E035}" presName="sibTrans" presStyleCnt="0"/>
+      <dgm:spPr/>
+    </dgm:pt>
+    <dgm:pt modelId="{86964906-45DB-4391-94F1-E176EA67D09F}" type="pres">
+      <dgm:prSet presAssocID="{5A3437EB-90CC-4EE4-B3B7-D83A091B0BCE}" presName="compNode" presStyleCnt="0"/>
+      <dgm:spPr/>
+    </dgm:pt>
+    <dgm:pt modelId="{6ACED865-D503-447F-B9A1-C81A7CAD0DEF}" type="pres">
+      <dgm:prSet presAssocID="{5A3437EB-90CC-4EE4-B3B7-D83A091B0BCE}" presName="bgRect" presStyleLbl="bgShp" presStyleIdx="1" presStyleCnt="5"/>
+      <dgm:spPr/>
+    </dgm:pt>
+    <dgm:pt modelId="{2D5D46E7-440E-41DF-80E2-27B8324D931B}" type="pres">
+      <dgm:prSet presAssocID="{5A3437EB-90CC-4EE4-B3B7-D83A091B0BCE}" presName="iconRect" presStyleLbl="node1" presStyleIdx="1" presStyleCnt="5"/>
+      <dgm:spPr>
+        <a:blipFill>
+          <a:blip xmlns:r="http://schemas.openxmlformats.org/officeDocument/2006/relationships" r:embed="rId3">
+            <a:extLst>
+              <a:ext uri="{28A0092B-C50C-407E-A947-70E740481C1C}">
+                <a14:useLocalDpi xmlns:a14="http://schemas.microsoft.com/office/drawing/2010/main" val="0"/>
+              </a:ext>
+              <a:ext uri="{96DAC541-7B7A-43D3-8B79-37D633B846F1}">
+                <asvg:svgBlip xmlns:asvg="http://schemas.microsoft.com/office/drawing/2016/SVG/main" r:embed="rId4"/>
+              </a:ext>
+            </a:extLst>
+          </a:blip>
+          <a:stretch>
+            <a:fillRect/>
+          </a:stretch>
+        </a:blipFill>
+        <a:ln>
+          <a:noFill/>
+        </a:ln>
+      </dgm:spPr>
+      <dgm:extLst>
+        <a:ext uri="{E40237B7-FDA0-4F09-8148-C483321AD2D9}">
+          <dgm14:cNvPr xmlns:dgm14="http://schemas.microsoft.com/office/drawing/2010/diagram" id="0" name="" descr="Statistics"/>
+        </a:ext>
+      </dgm:extLst>
+    </dgm:pt>
+    <dgm:pt modelId="{EE181D4F-0581-4E09-A66D-3427050122BE}" type="pres">
+      <dgm:prSet presAssocID="{5A3437EB-90CC-4EE4-B3B7-D83A091B0BCE}" presName="spaceRect" presStyleCnt="0"/>
+      <dgm:spPr/>
+    </dgm:pt>
+    <dgm:pt modelId="{22C04BC3-7D79-4B03-B545-BADF2D97F1EC}" type="pres">
+      <dgm:prSet presAssocID="{5A3437EB-90CC-4EE4-B3B7-D83A091B0BCE}" presName="parTx" presStyleLbl="revTx" presStyleIdx="1" presStyleCnt="5">
+        <dgm:presLayoutVars>
+          <dgm:chMax val="0"/>
+          <dgm:chPref val="0"/>
+        </dgm:presLayoutVars>
+      </dgm:prSet>
+      <dgm:spPr/>
+    </dgm:pt>
+    <dgm:pt modelId="{B86258E2-C476-4BBC-8EAA-9B168F8B8F1C}" type="pres">
+      <dgm:prSet presAssocID="{B56ED6E0-51FB-4636-AC9F-18DDFF53DE8E}" presName="sibTrans" presStyleCnt="0"/>
+      <dgm:spPr/>
+    </dgm:pt>
+    <dgm:pt modelId="{4D53A858-935E-47F0-866E-00D74282631C}" type="pres">
+      <dgm:prSet presAssocID="{8E1A9028-6CBF-4356-96E7-48B583875B63}" presName="compNode" presStyleCnt="0"/>
+      <dgm:spPr/>
+    </dgm:pt>
+    <dgm:pt modelId="{08DC477B-3697-4D5E-8899-372961106F4D}" type="pres">
+      <dgm:prSet presAssocID="{8E1A9028-6CBF-4356-96E7-48B583875B63}" presName="bgRect" presStyleLbl="bgShp" presStyleIdx="2" presStyleCnt="5"/>
+      <dgm:spPr/>
+    </dgm:pt>
+    <dgm:pt modelId="{8386A657-49A9-4158-88CB-59CEFA593494}" type="pres">
+      <dgm:prSet presAssocID="{8E1A9028-6CBF-4356-96E7-48B583875B63}" presName="iconRect" presStyleLbl="node1" presStyleIdx="2" presStyleCnt="5"/>
+      <dgm:spPr>
+        <a:blipFill>
+          <a:blip xmlns:r="http://schemas.openxmlformats.org/officeDocument/2006/relationships" r:embed="rId5">
+            <a:extLst>
+              <a:ext uri="{28A0092B-C50C-407E-A947-70E740481C1C}">
+                <a14:useLocalDpi xmlns:a14="http://schemas.microsoft.com/office/drawing/2010/main" val="0"/>
+              </a:ext>
+              <a:ext uri="{96DAC541-7B7A-43D3-8B79-37D633B846F1}">
+                <asvg:svgBlip xmlns:asvg="http://schemas.microsoft.com/office/drawing/2016/SVG/main" r:embed="rId6"/>
+              </a:ext>
+            </a:extLst>
+          </a:blip>
+          <a:stretch>
+            <a:fillRect/>
+          </a:stretch>
+        </a:blipFill>
+        <a:ln>
+          <a:noFill/>
+        </a:ln>
+      </dgm:spPr>
+      <dgm:extLst>
+        <a:ext uri="{E40237B7-FDA0-4F09-8148-C483321AD2D9}">
+          <dgm14:cNvPr xmlns:dgm14="http://schemas.microsoft.com/office/drawing/2010/diagram" id="0" name="" descr="Connected"/>
+        </a:ext>
+      </dgm:extLst>
+    </dgm:pt>
+    <dgm:pt modelId="{04C416CD-3102-4D76-920E-8746A5E0FA5B}" type="pres">
+      <dgm:prSet presAssocID="{8E1A9028-6CBF-4356-96E7-48B583875B63}" presName="spaceRect" presStyleCnt="0"/>
+      <dgm:spPr/>
+    </dgm:pt>
+    <dgm:pt modelId="{159C3D5B-8245-4DCC-8F7E-8F0591C59795}" type="pres">
+      <dgm:prSet presAssocID="{8E1A9028-6CBF-4356-96E7-48B583875B63}" presName="parTx" presStyleLbl="revTx" presStyleIdx="2" presStyleCnt="5">
+        <dgm:presLayoutVars>
+          <dgm:chMax val="0"/>
+          <dgm:chPref val="0"/>
+        </dgm:presLayoutVars>
+      </dgm:prSet>
+      <dgm:spPr/>
+    </dgm:pt>
+    <dgm:pt modelId="{BC8B3F94-8647-4118-97F1-24BB94257EB7}" type="pres">
+      <dgm:prSet presAssocID="{622CE3D0-0DDD-428C-B489-01D822F2E548}" presName="sibTrans" presStyleCnt="0"/>
+      <dgm:spPr/>
+    </dgm:pt>
+    <dgm:pt modelId="{D6D460C0-684C-4AD1-8E54-50040218FAA0}" type="pres">
+      <dgm:prSet presAssocID="{5B616883-44ED-4FD0-8B48-0F0E937D3E9E}" presName="compNode" presStyleCnt="0"/>
+      <dgm:spPr/>
+    </dgm:pt>
+    <dgm:pt modelId="{E71FA563-B9F6-45A0-8A9B-26A9E70BE9C0}" type="pres">
+      <dgm:prSet presAssocID="{5B616883-44ED-4FD0-8B48-0F0E937D3E9E}" presName="bgRect" presStyleLbl="bgShp" presStyleIdx="3" presStyleCnt="5"/>
+      <dgm:spPr/>
+    </dgm:pt>
+    <dgm:pt modelId="{78703121-B054-4289-B1EC-5E2618E1714F}" type="pres">
+      <dgm:prSet presAssocID="{5B616883-44ED-4FD0-8B48-0F0E937D3E9E}" presName="iconRect" presStyleLbl="node1" presStyleIdx="3" presStyleCnt="5"/>
+      <dgm:spPr>
+        <a:blipFill>
+          <a:blip xmlns:r="http://schemas.openxmlformats.org/officeDocument/2006/relationships" r:embed="rId7">
+            <a:extLst>
+              <a:ext uri="{28A0092B-C50C-407E-A947-70E740481C1C}">
+                <a14:useLocalDpi xmlns:a14="http://schemas.microsoft.com/office/drawing/2010/main" val="0"/>
+              </a:ext>
+              <a:ext uri="{96DAC541-7B7A-43D3-8B79-37D633B846F1}">
+                <asvg:svgBlip xmlns:asvg="http://schemas.microsoft.com/office/drawing/2016/SVG/main" r:embed="rId8"/>
+              </a:ext>
+            </a:extLst>
+          </a:blip>
+          <a:stretch>
+            <a:fillRect/>
+          </a:stretch>
+        </a:blipFill>
+        <a:ln>
+          <a:noFill/>
+        </a:ln>
+      </dgm:spPr>
+      <dgm:extLst>
+        <a:ext uri="{E40237B7-FDA0-4F09-8148-C483321AD2D9}">
+          <dgm14:cNvPr xmlns:dgm14="http://schemas.microsoft.com/office/drawing/2010/diagram" id="0" name="" descr="Dance Steps"/>
+        </a:ext>
+      </dgm:extLst>
+    </dgm:pt>
+    <dgm:pt modelId="{B6A84C2D-60DB-4BCA-B85C-95012E905B48}" type="pres">
+      <dgm:prSet presAssocID="{5B616883-44ED-4FD0-8B48-0F0E937D3E9E}" presName="spaceRect" presStyleCnt="0"/>
+      <dgm:spPr/>
+    </dgm:pt>
+    <dgm:pt modelId="{E86EB66B-A580-4593-B4DD-2B8E809EB56D}" type="pres">
+      <dgm:prSet presAssocID="{5B616883-44ED-4FD0-8B48-0F0E937D3E9E}" presName="parTx" presStyleLbl="revTx" presStyleIdx="3" presStyleCnt="5">
+        <dgm:presLayoutVars>
+          <dgm:chMax val="0"/>
+          <dgm:chPref val="0"/>
+        </dgm:presLayoutVars>
+      </dgm:prSet>
+      <dgm:spPr/>
+    </dgm:pt>
+    <dgm:pt modelId="{3F3533BE-C993-4371-8C13-82EAFC04BD0A}" type="pres">
+      <dgm:prSet presAssocID="{78D9539A-FB68-46DE-860C-28D0C712465E}" presName="sibTrans" presStyleCnt="0"/>
+      <dgm:spPr/>
+    </dgm:pt>
+    <dgm:pt modelId="{69FD66B5-5045-4018-AE2F-008AA65E52C7}" type="pres">
+      <dgm:prSet presAssocID="{D8E244F2-2622-454B-AF4F-5BEB32AF9A9E}" presName="compNode" presStyleCnt="0"/>
+      <dgm:spPr/>
+    </dgm:pt>
+    <dgm:pt modelId="{4FDD70B2-620E-44F1-A4B5-F8CBAB0803E3}" type="pres">
+      <dgm:prSet presAssocID="{D8E244F2-2622-454B-AF4F-5BEB32AF9A9E}" presName="bgRect" presStyleLbl="bgShp" presStyleIdx="4" presStyleCnt="5"/>
+      <dgm:spPr/>
+    </dgm:pt>
+    <dgm:pt modelId="{3D3D8432-C0ED-40ED-8025-8A8FBBF8CA00}" type="pres">
+      <dgm:prSet presAssocID="{D8E244F2-2622-454B-AF4F-5BEB32AF9A9E}" presName="iconRect" presStyleLbl="node1" presStyleIdx="4" presStyleCnt="5"/>
+      <dgm:spPr>
+        <a:blipFill>
+          <a:blip xmlns:r="http://schemas.openxmlformats.org/officeDocument/2006/relationships" r:embed="rId9">
+            <a:extLst>
+              <a:ext uri="{28A0092B-C50C-407E-A947-70E740481C1C}">
+                <a14:useLocalDpi xmlns:a14="http://schemas.microsoft.com/office/drawing/2010/main" val="0"/>
+              </a:ext>
+              <a:ext uri="{96DAC541-7B7A-43D3-8B79-37D633B846F1}">
+                <asvg:svgBlip xmlns:asvg="http://schemas.microsoft.com/office/drawing/2016/SVG/main" r:embed="rId10"/>
+              </a:ext>
+            </a:extLst>
+          </a:blip>
+          <a:stretch>
+            <a:fillRect/>
+          </a:stretch>
+        </a:blipFill>
+        <a:ln>
+          <a:noFill/>
+        </a:ln>
+      </dgm:spPr>
+      <dgm:extLst>
+        <a:ext uri="{E40237B7-FDA0-4F09-8148-C483321AD2D9}">
+          <dgm14:cNvPr xmlns:dgm14="http://schemas.microsoft.com/office/drawing/2010/diagram" id="0" name="" descr="Chat"/>
+        </a:ext>
+      </dgm:extLst>
+    </dgm:pt>
+    <dgm:pt modelId="{77C47BF9-91A9-49E0-9F8D-279B632D3D97}" type="pres">
+      <dgm:prSet presAssocID="{D8E244F2-2622-454B-AF4F-5BEB32AF9A9E}" presName="spaceRect" presStyleCnt="0"/>
+      <dgm:spPr/>
+    </dgm:pt>
+    <dgm:pt modelId="{E657E242-CDCE-4EFA-8DE4-88E7556DCBB1}" type="pres">
+      <dgm:prSet presAssocID="{D8E244F2-2622-454B-AF4F-5BEB32AF9A9E}" presName="parTx" presStyleLbl="revTx" presStyleIdx="4" presStyleCnt="5">
+        <dgm:presLayoutVars>
+          <dgm:chMax val="0"/>
+          <dgm:chPref val="0"/>
+        </dgm:presLayoutVars>
+      </dgm:prSet>
+      <dgm:spPr/>
+    </dgm:pt>
+  </dgm:ptLst>
+  <dgm:cxnLst>
+    <dgm:cxn modelId="{4F443E0E-5B68-4ECF-A7BE-068E202ECE06}" srcId="{6625B828-9EE5-40FA-AFE5-5593BABD5D85}" destId="{D8E244F2-2622-454B-AF4F-5BEB32AF9A9E}" srcOrd="4" destOrd="0" parTransId="{285B911F-B833-4050-A944-357FC9901CFF}" sibTransId="{51A5D101-3550-4F85-8EE4-FB53FAC7D7C6}"/>
+    <dgm:cxn modelId="{32B5B927-6183-405A-8484-A55D357C4AE9}" type="presOf" srcId="{5A3437EB-90CC-4EE4-B3B7-D83A091B0BCE}" destId="{22C04BC3-7D79-4B03-B545-BADF2D97F1EC}" srcOrd="0" destOrd="0" presId="urn:microsoft.com/office/officeart/2018/2/layout/IconVerticalSolidList"/>
+    <dgm:cxn modelId="{3B3C5648-34C1-4631-B798-9FD50D4E4329}" srcId="{6625B828-9EE5-40FA-AFE5-5593BABD5D85}" destId="{5A3437EB-90CC-4EE4-B3B7-D83A091B0BCE}" srcOrd="1" destOrd="0" parTransId="{E1E9E5DA-3EFF-48EB-9D41-AE4413E87455}" sibTransId="{B56ED6E0-51FB-4636-AC9F-18DDFF53DE8E}"/>
+    <dgm:cxn modelId="{DF80BE5D-608B-4878-8CA6-3A0BB563A2D7}" type="presOf" srcId="{D8E244F2-2622-454B-AF4F-5BEB32AF9A9E}" destId="{E657E242-CDCE-4EFA-8DE4-88E7556DCBB1}" srcOrd="0" destOrd="0" presId="urn:microsoft.com/office/officeart/2018/2/layout/IconVerticalSolidList"/>
+    <dgm:cxn modelId="{6A122279-4002-4E64-AB94-4E15A2F5E9EA}" type="presOf" srcId="{5B616883-44ED-4FD0-8B48-0F0E937D3E9E}" destId="{E86EB66B-A580-4593-B4DD-2B8E809EB56D}" srcOrd="0" destOrd="0" presId="urn:microsoft.com/office/officeart/2018/2/layout/IconVerticalSolidList"/>
+    <dgm:cxn modelId="{7994D581-1D08-41E6-A278-38F63E02887C}" type="presOf" srcId="{8E1A9028-6CBF-4356-96E7-48B583875B63}" destId="{159C3D5B-8245-4DCC-8F7E-8F0591C59795}" srcOrd="0" destOrd="0" presId="urn:microsoft.com/office/officeart/2018/2/layout/IconVerticalSolidList"/>
+    <dgm:cxn modelId="{952C9096-6DFF-4869-B1DE-1B20FC65C72D}" type="presOf" srcId="{6625B828-9EE5-40FA-AFE5-5593BABD5D85}" destId="{AF982CB7-E5B2-4C4E-8225-EB9F99ABC0EB}" srcOrd="0" destOrd="0" presId="urn:microsoft.com/office/officeart/2018/2/layout/IconVerticalSolidList"/>
+    <dgm:cxn modelId="{E1AFCED5-2AD0-4948-87F5-798A39B80B61}" srcId="{6625B828-9EE5-40FA-AFE5-5593BABD5D85}" destId="{5B616883-44ED-4FD0-8B48-0F0E937D3E9E}" srcOrd="3" destOrd="0" parTransId="{F79DFB1C-5C9F-402F-90AE-AA8603376053}" sibTransId="{78D9539A-FB68-46DE-860C-28D0C712465E}"/>
+    <dgm:cxn modelId="{27CAE4FA-B08F-424F-97AE-B1B9E9A5FEFA}" srcId="{6625B828-9EE5-40FA-AFE5-5593BABD5D85}" destId="{8E1A9028-6CBF-4356-96E7-48B583875B63}" srcOrd="2" destOrd="0" parTransId="{7A3FF431-DFAF-43EF-9F36-B532776EB5D5}" sibTransId="{622CE3D0-0DDD-428C-B489-01D822F2E548}"/>
+    <dgm:cxn modelId="{D95934FE-76D0-4470-9C87-06C49FA0C47C}" srcId="{6625B828-9EE5-40FA-AFE5-5593BABD5D85}" destId="{8550B90C-5F03-4FE0-9027-E8C9D3FCC350}" srcOrd="0" destOrd="0" parTransId="{6A861D8B-EBE9-41C8-99A5-5FA5B8EFDEAB}" sibTransId="{9E459E28-4369-4294-8EE0-FE0BA594E035}"/>
+    <dgm:cxn modelId="{255F9CFF-E116-4EB3-8825-0FB82A7BAECE}" type="presOf" srcId="{8550B90C-5F03-4FE0-9027-E8C9D3FCC350}" destId="{23B8E860-E5BE-4B72-9249-C9938885D6F6}" srcOrd="0" destOrd="0" presId="urn:microsoft.com/office/officeart/2018/2/layout/IconVerticalSolidList"/>
+    <dgm:cxn modelId="{66315623-BB7C-4222-A3A7-8590DFA2C8CE}" type="presParOf" srcId="{AF982CB7-E5B2-4C4E-8225-EB9F99ABC0EB}" destId="{8812CF84-20A2-46DA-86DB-9D5F3B1514BB}" srcOrd="0" destOrd="0" presId="urn:microsoft.com/office/officeart/2018/2/layout/IconVerticalSolidList"/>
+    <dgm:cxn modelId="{60257BAE-85AC-4847-9300-715D30556421}" type="presParOf" srcId="{8812CF84-20A2-46DA-86DB-9D5F3B1514BB}" destId="{FD3585F6-9E81-471C-BD8D-D6DE7B11B265}" srcOrd="0" destOrd="0" presId="urn:microsoft.com/office/officeart/2018/2/layout/IconVerticalSolidList"/>
+    <dgm:cxn modelId="{3C6D8FC1-26B7-45B0-9B39-0AC433C31591}" type="presParOf" srcId="{8812CF84-20A2-46DA-86DB-9D5F3B1514BB}" destId="{C5D2B794-CFD2-471F-B65F-A20E56D15C45}" srcOrd="1" destOrd="0" presId="urn:microsoft.com/office/officeart/2018/2/layout/IconVerticalSolidList"/>
+    <dgm:cxn modelId="{5FD76760-C16A-4D40-BC37-8C43E75AA595}" type="presParOf" srcId="{8812CF84-20A2-46DA-86DB-9D5F3B1514BB}" destId="{41C135F7-8D83-42FA-832B-1426CA300BBB}" srcOrd="2" destOrd="0" presId="urn:microsoft.com/office/officeart/2018/2/layout/IconVerticalSolidList"/>
+    <dgm:cxn modelId="{E3AF7995-E898-419F-A9CE-995EBD6282FF}" type="presParOf" srcId="{8812CF84-20A2-46DA-86DB-9D5F3B1514BB}" destId="{23B8E860-E5BE-4B72-9249-C9938885D6F6}" srcOrd="3" destOrd="0" presId="urn:microsoft.com/office/officeart/2018/2/layout/IconVerticalSolidList"/>
+    <dgm:cxn modelId="{636D24C1-FF3B-466B-BEA4-351706EC56C2}" type="presParOf" srcId="{AF982CB7-E5B2-4C4E-8225-EB9F99ABC0EB}" destId="{F82B1F1E-1C3D-4EEB-BB6A-EA80CC4D0178}" srcOrd="1" destOrd="0" presId="urn:microsoft.com/office/officeart/2018/2/layout/IconVerticalSolidList"/>
+    <dgm:cxn modelId="{8FAFFDC5-5286-454B-A9A0-E47CB086ACAA}" type="presParOf" srcId="{AF982CB7-E5B2-4C4E-8225-EB9F99ABC0EB}" destId="{86964906-45DB-4391-94F1-E176EA67D09F}" srcOrd="2" destOrd="0" presId="urn:microsoft.com/office/officeart/2018/2/layout/IconVerticalSolidList"/>
+    <dgm:cxn modelId="{A3DAF435-7E29-44D1-827D-1D100E11E180}" type="presParOf" srcId="{86964906-45DB-4391-94F1-E176EA67D09F}" destId="{6ACED865-D503-447F-B9A1-C81A7CAD0DEF}" srcOrd="0" destOrd="0" presId="urn:microsoft.com/office/officeart/2018/2/layout/IconVerticalSolidList"/>
+    <dgm:cxn modelId="{21DF21E2-08B7-4C5C-9B03-C5775A31D810}" type="presParOf" srcId="{86964906-45DB-4391-94F1-E176EA67D09F}" destId="{2D5D46E7-440E-41DF-80E2-27B8324D931B}" srcOrd="1" destOrd="0" presId="urn:microsoft.com/office/officeart/2018/2/layout/IconVerticalSolidList"/>
+    <dgm:cxn modelId="{7F4DFEDB-D295-4E99-9791-111C6BFFA2D8}" type="presParOf" srcId="{86964906-45DB-4391-94F1-E176EA67D09F}" destId="{EE181D4F-0581-4E09-A66D-3427050122BE}" srcOrd="2" destOrd="0" presId="urn:microsoft.com/office/officeart/2018/2/layout/IconVerticalSolidList"/>
+    <dgm:cxn modelId="{90BC6EC3-746E-472E-A3E1-83F54F3A21C0}" type="presParOf" srcId="{86964906-45DB-4391-94F1-E176EA67D09F}" destId="{22C04BC3-7D79-4B03-B545-BADF2D97F1EC}" srcOrd="3" destOrd="0" presId="urn:microsoft.com/office/officeart/2018/2/layout/IconVerticalSolidList"/>
+    <dgm:cxn modelId="{5ADE18A4-64A1-4365-93CB-1EE4B1E64CEC}" type="presParOf" srcId="{AF982CB7-E5B2-4C4E-8225-EB9F99ABC0EB}" destId="{B86258E2-C476-4BBC-8EAA-9B168F8B8F1C}" srcOrd="3" destOrd="0" presId="urn:microsoft.com/office/officeart/2018/2/layout/IconVerticalSolidList"/>
+    <dgm:cxn modelId="{95554A29-E299-4441-AAAC-7F4D21C8FBAA}" type="presParOf" srcId="{AF982CB7-E5B2-4C4E-8225-EB9F99ABC0EB}" destId="{4D53A858-935E-47F0-866E-00D74282631C}" srcOrd="4" destOrd="0" presId="urn:microsoft.com/office/officeart/2018/2/layout/IconVerticalSolidList"/>
+    <dgm:cxn modelId="{BFC7EC21-CF1E-4A63-8AF7-4B88623D361C}" type="presParOf" srcId="{4D53A858-935E-47F0-866E-00D74282631C}" destId="{08DC477B-3697-4D5E-8899-372961106F4D}" srcOrd="0" destOrd="0" presId="urn:microsoft.com/office/officeart/2018/2/layout/IconVerticalSolidList"/>
+    <dgm:cxn modelId="{0910D50D-00F1-4045-BB1B-84B9D0F34236}" type="presParOf" srcId="{4D53A858-935E-47F0-866E-00D74282631C}" destId="{8386A657-49A9-4158-88CB-59CEFA593494}" srcOrd="1" destOrd="0" presId="urn:microsoft.com/office/officeart/2018/2/layout/IconVerticalSolidList"/>
+    <dgm:cxn modelId="{A1F9CDAF-B446-4127-87E1-4EEE1962B14E}" type="presParOf" srcId="{4D53A858-935E-47F0-866E-00D74282631C}" destId="{04C416CD-3102-4D76-920E-8746A5E0FA5B}" srcOrd="2" destOrd="0" presId="urn:microsoft.com/office/officeart/2018/2/layout/IconVerticalSolidList"/>
+    <dgm:cxn modelId="{4AF99A20-7DC2-4935-AA56-1C693C915E94}" type="presParOf" srcId="{4D53A858-935E-47F0-866E-00D74282631C}" destId="{159C3D5B-8245-4DCC-8F7E-8F0591C59795}" srcOrd="3" destOrd="0" presId="urn:microsoft.com/office/officeart/2018/2/layout/IconVerticalSolidList"/>
+    <dgm:cxn modelId="{7D0C861D-1971-40E3-97CE-8A3949D4E62C}" type="presParOf" srcId="{AF982CB7-E5B2-4C4E-8225-EB9F99ABC0EB}" destId="{BC8B3F94-8647-4118-97F1-24BB94257EB7}" srcOrd="5" destOrd="0" presId="urn:microsoft.com/office/officeart/2018/2/layout/IconVerticalSolidList"/>
+    <dgm:cxn modelId="{12628F3C-D874-4B1E-8422-BB5CBE4A435B}" type="presParOf" srcId="{AF982CB7-E5B2-4C4E-8225-EB9F99ABC0EB}" destId="{D6D460C0-684C-4AD1-8E54-50040218FAA0}" srcOrd="6" destOrd="0" presId="urn:microsoft.com/office/officeart/2018/2/layout/IconVerticalSolidList"/>
+    <dgm:cxn modelId="{E59C98D1-F0C8-4A7E-9FC7-D702DA32D8F2}" type="presParOf" srcId="{D6D460C0-684C-4AD1-8E54-50040218FAA0}" destId="{E71FA563-B9F6-45A0-8A9B-26A9E70BE9C0}" srcOrd="0" destOrd="0" presId="urn:microsoft.com/office/officeart/2018/2/layout/IconVerticalSolidList"/>
+    <dgm:cxn modelId="{1B468340-D1C8-4E81-9CCC-68F249187922}" type="presParOf" srcId="{D6D460C0-684C-4AD1-8E54-50040218FAA0}" destId="{78703121-B054-4289-B1EC-5E2618E1714F}" srcOrd="1" destOrd="0" presId="urn:microsoft.com/office/officeart/2018/2/layout/IconVerticalSolidList"/>
+    <dgm:cxn modelId="{DA1BA979-FE5B-4E4D-8216-9B32CBE7342E}" type="presParOf" srcId="{D6D460C0-684C-4AD1-8E54-50040218FAA0}" destId="{B6A84C2D-60DB-4BCA-B85C-95012E905B48}" srcOrd="2" destOrd="0" presId="urn:microsoft.com/office/officeart/2018/2/layout/IconVerticalSolidList"/>
+    <dgm:cxn modelId="{2B448ED9-4C1E-4AC5-9B3F-5D5559E06D41}" type="presParOf" srcId="{D6D460C0-684C-4AD1-8E54-50040218FAA0}" destId="{E86EB66B-A580-4593-B4DD-2B8E809EB56D}" srcOrd="3" destOrd="0" presId="urn:microsoft.com/office/officeart/2018/2/layout/IconVerticalSolidList"/>
+    <dgm:cxn modelId="{A3BCCCAC-1DDA-44CD-9546-9D1871B991D9}" type="presParOf" srcId="{AF982CB7-E5B2-4C4E-8225-EB9F99ABC0EB}" destId="{3F3533BE-C993-4371-8C13-82EAFC04BD0A}" srcOrd="7" destOrd="0" presId="urn:microsoft.com/office/officeart/2018/2/layout/IconVerticalSolidList"/>
+    <dgm:cxn modelId="{2A36F656-DF03-49BA-ACDB-229F35081DA5}" type="presParOf" srcId="{AF982CB7-E5B2-4C4E-8225-EB9F99ABC0EB}" destId="{69FD66B5-5045-4018-AE2F-008AA65E52C7}" srcOrd="8" destOrd="0" presId="urn:microsoft.com/office/officeart/2018/2/layout/IconVerticalSolidList"/>
+    <dgm:cxn modelId="{4263743D-64A2-48B5-BCA9-2F6B121180CB}" type="presParOf" srcId="{69FD66B5-5045-4018-AE2F-008AA65E52C7}" destId="{4FDD70B2-620E-44F1-A4B5-F8CBAB0803E3}" srcOrd="0" destOrd="0" presId="urn:microsoft.com/office/officeart/2018/2/layout/IconVerticalSolidList"/>
+    <dgm:cxn modelId="{300C4F4E-4F5A-4E92-9C28-2B97044954B5}" type="presParOf" srcId="{69FD66B5-5045-4018-AE2F-008AA65E52C7}" destId="{3D3D8432-C0ED-40ED-8025-8A8FBBF8CA00}" srcOrd="1" destOrd="0" presId="urn:microsoft.com/office/officeart/2018/2/layout/IconVerticalSolidList"/>
+    <dgm:cxn modelId="{DB8FED16-E080-48F7-817F-6ECE660D4603}" type="presParOf" srcId="{69FD66B5-5045-4018-AE2F-008AA65E52C7}" destId="{77C47BF9-91A9-49E0-9F8D-279B632D3D97}" srcOrd="2" destOrd="0" presId="urn:microsoft.com/office/officeart/2018/2/layout/IconVerticalSolidList"/>
+    <dgm:cxn modelId="{6F0F6FB4-4884-4BC6-85DF-8970E999153F}" type="presParOf" srcId="{69FD66B5-5045-4018-AE2F-008AA65E52C7}" destId="{E657E242-CDCE-4EFA-8DE4-88E7556DCBB1}" srcOrd="3" destOrd="0" presId="urn:microsoft.com/office/officeart/2018/2/layout/IconVerticalSolidList"/>
+  </dgm:cxnLst>
+  <dgm:bg/>
+  <dgm:whole/>
+  <dgm:extLst>
+    <a:ext uri="http://schemas.microsoft.com/office/drawing/2008/diagram">
+      <dsp:dataModelExt xmlns:dsp="http://schemas.microsoft.com/office/drawing/2008/diagram" relId="rId9" minVer="http://schemas.openxmlformats.org/drawingml/2006/diagram"/>
+    </a:ext>
+  </dgm:extLst>
+</dgm:dataModel>
+</file>
+
+<file path=ppt/diagrams/data2.xml><?xml version="1.0" encoding="utf-8"?>
+<dgm:dataModel xmlns:dgm="http://schemas.openxmlformats.org/drawingml/2006/diagram" xmlns:a="http://schemas.openxmlformats.org/drawingml/2006/main">
+  <dgm:ptLst>
+    <dgm:pt modelId="{0B0EF5A6-DE0C-463A-BC6D-AC179363391F}" type="doc">
+      <dgm:prSet loTypeId="urn:microsoft.com/office/officeart/2018/2/layout/IconLabelList" loCatId="icon" qsTypeId="urn:microsoft.com/office/officeart/2005/8/quickstyle/simple2" qsCatId="simple" csTypeId="urn:microsoft.com/office/officeart/2005/8/colors/accent4_3" csCatId="accent4" phldr="1"/>
+      <dgm:spPr/>
+      <dgm:t>
+        <a:bodyPr/>
+        <a:lstStyle/>
+        <a:p>
+          <a:endParaRPr lang="en-US"/>
+        </a:p>
+      </dgm:t>
+    </dgm:pt>
+    <dgm:pt modelId="{A243BA38-1288-40F4-9FF8-96C392AAFDB6}">
+      <dgm:prSet custT="1"/>
+      <dgm:spPr>
+        <a:noFill/>
+        <a:ln>
+          <a:noFill/>
+        </a:ln>
+        <a:effectLst/>
+      </dgm:spPr>
+      <dgm:t>
+        <a:bodyPr spcFirstLastPara="0" vert="horz" wrap="square" lIns="0" tIns="0" rIns="0" bIns="0" numCol="1" spcCol="1270" anchor="t" anchorCtr="0"/>
+        <a:lstStyle/>
+        <a:p>
+          <a:pPr marL="0" lvl="0" indent="0" algn="ctr" defTabSz="666750">
+            <a:lnSpc>
+              <a:spcPct val="100000"/>
+            </a:lnSpc>
+            <a:spcBef>
+              <a:spcPct val="0"/>
+            </a:spcBef>
+            <a:spcAft>
+              <a:spcPct val="35000"/>
+            </a:spcAft>
+            <a:buNone/>
+          </a:pPr>
+          <a:r>
+            <a:rPr lang="en-US" sz="1400" b="0" i="0" kern="1200" dirty="0">
+              <a:solidFill>
+                <a:prstClr val="black">
+                  <a:lumMod val="50000"/>
+                  <a:lumOff val="50000"/>
+                </a:prstClr>
+              </a:solidFill>
+              <a:latin typeface=""/>
+              <a:ea typeface="+mn-ea"/>
+              <a:cs typeface="+mn-cs"/>
+            </a:rPr>
+            <a:t>Project completion possible within </a:t>
+          </a:r>
+          <a:br>
+            <a:rPr lang="en-US" sz="1400" b="0" i="0" kern="1200" dirty="0">
+              <a:solidFill>
+                <a:prstClr val="black">
+                  <a:lumMod val="50000"/>
+                  <a:lumOff val="50000"/>
+                </a:prstClr>
+              </a:solidFill>
+              <a:latin typeface=""/>
+              <a:ea typeface="+mn-ea"/>
+              <a:cs typeface="+mn-cs"/>
+            </a:rPr>
+          </a:br>
+          <a:r>
+            <a:rPr lang="en-US" sz="1400" b="0" i="0" kern="1200" dirty="0">
+              <a:solidFill>
+                <a:prstClr val="black">
+                  <a:lumMod val="50000"/>
+                  <a:lumOff val="50000"/>
+                </a:prstClr>
+              </a:solidFill>
+              <a:latin typeface=""/>
+              <a:ea typeface="+mn-ea"/>
+              <a:cs typeface="+mn-cs"/>
+            </a:rPr>
+            <a:t>30-day deadline</a:t>
+          </a:r>
+        </a:p>
+      </dgm:t>
+    </dgm:pt>
+    <dgm:pt modelId="{6E99FAAA-5B04-4C77-86D0-A07F2EADE133}" type="parTrans" cxnId="{844B7850-348D-43C5-8BD2-8D80F745A8BA}">
+      <dgm:prSet/>
+      <dgm:spPr/>
+      <dgm:t>
+        <a:bodyPr/>
+        <a:lstStyle/>
+        <a:p>
+          <a:endParaRPr lang="en-US"/>
+        </a:p>
+      </dgm:t>
+    </dgm:pt>
+    <dgm:pt modelId="{B8BE0BEE-5378-40A8-8B48-AFDE9E787CDB}" type="sibTrans" cxnId="{844B7850-348D-43C5-8BD2-8D80F745A8BA}">
+      <dgm:prSet/>
+      <dgm:spPr/>
+      <dgm:t>
+        <a:bodyPr/>
+        <a:lstStyle/>
+        <a:p>
+          <a:endParaRPr lang="en-US"/>
+        </a:p>
+      </dgm:t>
+    </dgm:pt>
+    <dgm:pt modelId="{B5D69F39-A49A-4FEB-A900-2171CC84C627}">
+      <dgm:prSet custT="1"/>
+      <dgm:spPr>
+        <a:noFill/>
+        <a:ln>
+          <a:noFill/>
+        </a:ln>
+        <a:effectLst/>
+      </dgm:spPr>
+      <dgm:t>
+        <a:bodyPr spcFirstLastPara="0" vert="horz" wrap="square" lIns="0" tIns="0" rIns="0" bIns="0" numCol="1" spcCol="1270" anchor="t" anchorCtr="0"/>
+        <a:lstStyle/>
+        <a:p>
+          <a:pPr marL="0" lvl="0" indent="0" algn="ctr" defTabSz="666750">
+            <a:lnSpc>
+              <a:spcPct val="100000"/>
+            </a:lnSpc>
+            <a:spcBef>
+              <a:spcPct val="0"/>
+            </a:spcBef>
+            <a:spcAft>
+              <a:spcPct val="35000"/>
+            </a:spcAft>
+            <a:buNone/>
+          </a:pPr>
+          <a:r>
+            <a:rPr lang="en-US" sz="1400" b="0" i="0" kern="1200" dirty="0">
+              <a:solidFill>
+                <a:prstClr val="black">
+                  <a:lumMod val="50000"/>
+                  <a:lumOff val="50000"/>
+                </a:prstClr>
+              </a:solidFill>
+              <a:latin typeface=""/>
+              <a:ea typeface="+mn-ea"/>
+              <a:cs typeface="+mn-cs"/>
+            </a:rPr>
+            <a:t>Non-critical tasks</a:t>
+          </a:r>
+          <a:br>
+            <a:rPr lang="en-US" sz="1400" b="0" i="0" kern="1200" dirty="0">
+              <a:solidFill>
+                <a:prstClr val="black">
+                  <a:lumMod val="50000"/>
+                  <a:lumOff val="50000"/>
+                </a:prstClr>
+              </a:solidFill>
+              <a:latin typeface=""/>
+              <a:ea typeface="+mn-ea"/>
+              <a:cs typeface="+mn-cs"/>
+            </a:rPr>
+          </a:br>
+          <a:r>
+            <a:rPr lang="en-US" sz="1400" b="0" i="0" kern="1200" dirty="0">
+              <a:solidFill>
+                <a:prstClr val="black">
+                  <a:lumMod val="50000"/>
+                  <a:lumOff val="50000"/>
+                </a:prstClr>
+              </a:solidFill>
+              <a:latin typeface=""/>
+              <a:ea typeface="+mn-ea"/>
+              <a:cs typeface="+mn-cs"/>
+            </a:rPr>
+            <a:t>with scheduling flexibility</a:t>
+          </a:r>
+        </a:p>
+      </dgm:t>
+    </dgm:pt>
+    <dgm:pt modelId="{E4A1D72E-3A8F-4579-B2A1-E98B97D24D65}" type="parTrans" cxnId="{1785CD11-621A-4530-A17A-70ADAD950111}">
+      <dgm:prSet/>
+      <dgm:spPr/>
+      <dgm:t>
+        <a:bodyPr/>
+        <a:lstStyle/>
+        <a:p>
+          <a:endParaRPr lang="en-US"/>
+        </a:p>
+      </dgm:t>
+    </dgm:pt>
+    <dgm:pt modelId="{86E5C354-E4FD-4FC3-9104-33E25E12AD49}" type="sibTrans" cxnId="{1785CD11-621A-4530-A17A-70ADAD950111}">
+      <dgm:prSet/>
+      <dgm:spPr/>
+      <dgm:t>
+        <a:bodyPr/>
+        <a:lstStyle/>
+        <a:p>
+          <a:endParaRPr lang="en-US"/>
+        </a:p>
+      </dgm:t>
+    </dgm:pt>
+    <dgm:pt modelId="{9161C75E-4ABD-408D-A6FD-031CD94B84EC}">
+      <dgm:prSet custT="1"/>
+      <dgm:spPr>
+        <a:noFill/>
+        <a:ln>
+          <a:noFill/>
+        </a:ln>
+        <a:effectLst/>
+      </dgm:spPr>
+      <dgm:t>
+        <a:bodyPr spcFirstLastPara="0" vert="horz" wrap="square" lIns="0" tIns="0" rIns="0" bIns="0" numCol="1" spcCol="1270" anchor="t" anchorCtr="0"/>
+        <a:lstStyle/>
+        <a:p>
+          <a:pPr marL="0" lvl="0" indent="0" algn="ctr" defTabSz="666750">
+            <a:lnSpc>
+              <a:spcPct val="100000"/>
+            </a:lnSpc>
+            <a:spcBef>
+              <a:spcPct val="0"/>
+            </a:spcBef>
+            <a:spcAft>
+              <a:spcPct val="35000"/>
+            </a:spcAft>
+            <a:buNone/>
+          </a:pPr>
+          <a:r>
+            <a:rPr lang="en-US" sz="1400" b="0" i="0" kern="1200" dirty="0">
+              <a:solidFill>
+                <a:prstClr val="black">
+                  <a:lumMod val="50000"/>
+                  <a:lumOff val="50000"/>
+                </a:prstClr>
+              </a:solidFill>
+              <a:latin typeface=""/>
+              <a:ea typeface="+mn-ea"/>
+              <a:cs typeface="+mn-cs"/>
+            </a:rPr>
+            <a:t>Inform decisions on resource allocation and task prioritization</a:t>
+          </a:r>
+        </a:p>
+      </dgm:t>
+    </dgm:pt>
+    <dgm:pt modelId="{F8116009-6E8B-488A-A17C-D75789522AAF}" type="parTrans" cxnId="{0F6806AF-178D-43EA-B9B2-BD66A29A8C55}">
+      <dgm:prSet/>
+      <dgm:spPr/>
+      <dgm:t>
+        <a:bodyPr/>
+        <a:lstStyle/>
+        <a:p>
+          <a:endParaRPr lang="en-US"/>
+        </a:p>
+      </dgm:t>
+    </dgm:pt>
+    <dgm:pt modelId="{833A83BC-386C-4DC1-AF8C-EF98DAF2314A}" type="sibTrans" cxnId="{0F6806AF-178D-43EA-B9B2-BD66A29A8C55}">
+      <dgm:prSet/>
+      <dgm:spPr/>
+      <dgm:t>
+        <a:bodyPr/>
+        <a:lstStyle/>
+        <a:p>
+          <a:endParaRPr lang="en-US"/>
+        </a:p>
+      </dgm:t>
+    </dgm:pt>
+    <dgm:pt modelId="{847993D2-4B6C-4B6D-8E21-829105028414}">
+      <dgm:prSet custT="1"/>
+      <dgm:spPr>
+        <a:noFill/>
+        <a:ln>
+          <a:noFill/>
+        </a:ln>
+        <a:effectLst/>
+      </dgm:spPr>
+      <dgm:t>
+        <a:bodyPr spcFirstLastPara="0" vert="horz" wrap="square" lIns="0" tIns="0" rIns="0" bIns="0" numCol="1" spcCol="1270" anchor="t" anchorCtr="0"/>
+        <a:lstStyle/>
+        <a:p>
+          <a:pPr>
+            <a:lnSpc>
+              <a:spcPct val="100000"/>
+            </a:lnSpc>
+          </a:pPr>
+          <a:r>
+            <a:rPr lang="en-US" sz="1400" b="0" i="0" kern="1200" dirty="0">
+              <a:solidFill>
+                <a:schemeClr val="tx1">
+                  <a:lumMod val="50000"/>
+                  <a:lumOff val="50000"/>
+                </a:schemeClr>
+              </a:solidFill>
+              <a:latin typeface=""/>
+            </a:rPr>
+            <a:t>Critical </a:t>
+          </a:r>
+          <a:r>
+            <a:rPr lang="en-US" sz="1400" b="0" i="0" kern="1200" dirty="0">
+              <a:solidFill>
+                <a:prstClr val="black">
+                  <a:lumMod val="50000"/>
+                  <a:lumOff val="50000"/>
+                </a:prstClr>
+              </a:solidFill>
+              <a:latin typeface=""/>
+              <a:ea typeface="+mn-ea"/>
+              <a:cs typeface="+mn-cs"/>
+            </a:rPr>
+            <a:t>path</a:t>
+          </a:r>
+          <a:r>
+            <a:rPr lang="en-US" sz="1400" b="0" i="0" kern="1200" dirty="0">
+              <a:solidFill>
+                <a:schemeClr val="tx1">
+                  <a:lumMod val="50000"/>
+                  <a:lumOff val="50000"/>
+                </a:schemeClr>
+              </a:solidFill>
+              <a:latin typeface=""/>
+            </a:rPr>
+            <a:t> </a:t>
+          </a:r>
+          <a:br>
+            <a:rPr lang="en-US" sz="1400" b="0" i="0" kern="1200" dirty="0">
+              <a:solidFill>
+                <a:schemeClr val="tx1">
+                  <a:lumMod val="50000"/>
+                  <a:lumOff val="50000"/>
+                </a:schemeClr>
+              </a:solidFill>
+              <a:latin typeface=""/>
+            </a:rPr>
+          </a:br>
+          <a:r>
+            <a:rPr lang="en-US" sz="1400" b="0" i="0" kern="1200" dirty="0">
+              <a:solidFill>
+                <a:schemeClr val="tx1">
+                  <a:lumMod val="50000"/>
+                  <a:lumOff val="50000"/>
+                </a:schemeClr>
+              </a:solidFill>
+              <a:latin typeface=""/>
+            </a:rPr>
+            <a:t>total duration: </a:t>
+          </a:r>
+          <a:br>
+            <a:rPr lang="en-US" sz="1400" b="0" i="0" kern="1200" dirty="0">
+              <a:solidFill>
+                <a:schemeClr val="tx1">
+                  <a:lumMod val="50000"/>
+                  <a:lumOff val="50000"/>
+                </a:schemeClr>
+              </a:solidFill>
+              <a:latin typeface=""/>
+            </a:rPr>
+          </a:br>
+          <a:r>
+            <a:rPr lang="en-US" sz="1400" b="0" i="0" kern="1200" dirty="0">
+              <a:solidFill>
+                <a:schemeClr val="tx1">
+                  <a:lumMod val="50000"/>
+                  <a:lumOff val="50000"/>
+                </a:schemeClr>
+              </a:solidFill>
+              <a:latin typeface=""/>
+            </a:rPr>
+            <a:t>27 days</a:t>
+          </a:r>
+          <a:endParaRPr lang="en-US" sz="1400" kern="1200" dirty="0">
+            <a:solidFill>
+              <a:schemeClr val="tx1">
+                <a:lumMod val="50000"/>
+                <a:lumOff val="50000"/>
+              </a:schemeClr>
+            </a:solidFill>
+            <a:latin typeface=""/>
+          </a:endParaRPr>
+        </a:p>
+      </dgm:t>
+    </dgm:pt>
+    <dgm:pt modelId="{DE38A00F-D105-4142-8D1F-BF2D04E55C60}" type="sibTrans" cxnId="{28334961-358A-4B48-B7B2-DF5655129A46}">
+      <dgm:prSet/>
+      <dgm:spPr/>
+      <dgm:t>
+        <a:bodyPr/>
+        <a:lstStyle/>
+        <a:p>
+          <a:endParaRPr lang="en-US"/>
+        </a:p>
+      </dgm:t>
+    </dgm:pt>
+    <dgm:pt modelId="{68804D2B-AD71-4659-9E36-31AF41C1805C}" type="parTrans" cxnId="{28334961-358A-4B48-B7B2-DF5655129A46}">
+      <dgm:prSet/>
+      <dgm:spPr/>
+      <dgm:t>
+        <a:bodyPr/>
+        <a:lstStyle/>
+        <a:p>
+          <a:endParaRPr lang="en-US"/>
+        </a:p>
+      </dgm:t>
+    </dgm:pt>
+    <dgm:pt modelId="{9E73344E-CC19-4F2F-B564-A55B15847A90}" type="pres">
+      <dgm:prSet presAssocID="{0B0EF5A6-DE0C-463A-BC6D-AC179363391F}" presName="root" presStyleCnt="0">
+        <dgm:presLayoutVars>
+          <dgm:dir/>
+          <dgm:resizeHandles val="exact"/>
+        </dgm:presLayoutVars>
+      </dgm:prSet>
+      <dgm:spPr/>
+    </dgm:pt>
+    <dgm:pt modelId="{8CB31168-6157-4D64-808D-E531C7111AD3}" type="pres">
+      <dgm:prSet presAssocID="{847993D2-4B6C-4B6D-8E21-829105028414}" presName="compNode" presStyleCnt="0"/>
+      <dgm:spPr/>
+    </dgm:pt>
+    <dgm:pt modelId="{B29EB728-6AB7-401B-93CE-47CCDB1110AD}" type="pres">
+      <dgm:prSet presAssocID="{847993D2-4B6C-4B6D-8E21-829105028414}" presName="iconRect" presStyleLbl="node1" presStyleIdx="0" presStyleCnt="4"/>
+      <dgm:spPr>
+        <a:blipFill>
+          <a:blip xmlns:r="http://schemas.openxmlformats.org/officeDocument/2006/relationships" r:embed="rId1">
+            <a:extLst>
+              <a:ext uri="{28A0092B-C50C-407E-A947-70E740481C1C}">
+                <a14:useLocalDpi xmlns:a14="http://schemas.microsoft.com/office/drawing/2010/main" val="0"/>
+              </a:ext>
+              <a:ext uri="{96DAC541-7B7A-43D3-8B79-37D633B846F1}">
+                <asvg:svgBlip xmlns:asvg="http://schemas.microsoft.com/office/drawing/2016/SVG/main" r:embed="rId2"/>
+              </a:ext>
+            </a:extLst>
+          </a:blip>
+          <a:stretch>
+            <a:fillRect/>
+          </a:stretch>
+        </a:blipFill>
+      </dgm:spPr>
+      <dgm:extLst>
+        <a:ext uri="{E40237B7-FDA0-4F09-8148-C483321AD2D9}">
+          <dgm14:cNvPr xmlns:dgm14="http://schemas.microsoft.com/office/drawing/2010/diagram" id="0" name="" descr="Checkmark"/>
+        </a:ext>
+      </dgm:extLst>
+    </dgm:pt>
+    <dgm:pt modelId="{864B476A-2FFA-4A41-BE94-9357BD031272}" type="pres">
+      <dgm:prSet presAssocID="{847993D2-4B6C-4B6D-8E21-829105028414}" presName="spaceRect" presStyleCnt="0"/>
+      <dgm:spPr/>
+    </dgm:pt>
+    <dgm:pt modelId="{BE455E73-9D2A-4016-8032-37EA4A46D1C8}" type="pres">
+      <dgm:prSet presAssocID="{847993D2-4B6C-4B6D-8E21-829105028414}" presName="textRect" presStyleLbl="revTx" presStyleIdx="0" presStyleCnt="4">
+        <dgm:presLayoutVars>
+          <dgm:chMax val="1"/>
+          <dgm:chPref val="1"/>
+        </dgm:presLayoutVars>
+      </dgm:prSet>
+      <dgm:spPr>
+        <a:xfrm>
+          <a:off x="151" y="1762770"/>
+          <a:ext cx="1792968" cy="717187"/>
+        </a:xfrm>
+        <a:prstGeom prst="rect">
+          <a:avLst/>
+        </a:prstGeom>
+      </dgm:spPr>
+    </dgm:pt>
+    <dgm:pt modelId="{14160100-CC34-4162-9C34-2FF49C111F3D}" type="pres">
+      <dgm:prSet presAssocID="{DE38A00F-D105-4142-8D1F-BF2D04E55C60}" presName="sibTrans" presStyleCnt="0"/>
+      <dgm:spPr/>
+    </dgm:pt>
+    <dgm:pt modelId="{0F67B5F9-509A-4C62-9252-D763940BD69B}" type="pres">
+      <dgm:prSet presAssocID="{A243BA38-1288-40F4-9FF8-96C392AAFDB6}" presName="compNode" presStyleCnt="0"/>
+      <dgm:spPr/>
+    </dgm:pt>
+    <dgm:pt modelId="{DC247ED5-163B-492C-9A4C-CDBA93A1F3E8}" type="pres">
+      <dgm:prSet presAssocID="{A243BA38-1288-40F4-9FF8-96C392AAFDB6}" presName="iconRect" presStyleLbl="node1" presStyleIdx="1" presStyleCnt="4"/>
+      <dgm:spPr>
+        <a:blipFill>
+          <a:blip xmlns:r="http://schemas.openxmlformats.org/officeDocument/2006/relationships" r:embed="rId3">
+            <a:extLst>
+              <a:ext uri="{28A0092B-C50C-407E-A947-70E740481C1C}">
+                <a14:useLocalDpi xmlns:a14="http://schemas.microsoft.com/office/drawing/2010/main" val="0"/>
+              </a:ext>
+              <a:ext uri="{96DAC541-7B7A-43D3-8B79-37D633B846F1}">
+                <asvg:svgBlip xmlns:asvg="http://schemas.microsoft.com/office/drawing/2016/SVG/main" r:embed="rId4"/>
+              </a:ext>
+            </a:extLst>
+          </a:blip>
+          <a:stretch>
+            <a:fillRect/>
+          </a:stretch>
+        </a:blipFill>
+      </dgm:spPr>
+      <dgm:extLst>
+        <a:ext uri="{E40237B7-FDA0-4F09-8148-C483321AD2D9}">
+          <dgm14:cNvPr xmlns:dgm14="http://schemas.microsoft.com/office/drawing/2010/diagram" id="0" name="" descr="Stopwatch"/>
+        </a:ext>
+      </dgm:extLst>
+    </dgm:pt>
+    <dgm:pt modelId="{2AC408E4-398C-410F-A950-67D19401152F}" type="pres">
+      <dgm:prSet presAssocID="{A243BA38-1288-40F4-9FF8-96C392AAFDB6}" presName="spaceRect" presStyleCnt="0"/>
+      <dgm:spPr/>
+    </dgm:pt>
+    <dgm:pt modelId="{98B9A346-C978-4DFF-8044-61F72682588F}" type="pres">
+      <dgm:prSet presAssocID="{A243BA38-1288-40F4-9FF8-96C392AAFDB6}" presName="textRect" presStyleLbl="revTx" presStyleIdx="1" presStyleCnt="4">
+        <dgm:presLayoutVars>
+          <dgm:chMax val="1"/>
+          <dgm:chPref val="1"/>
+        </dgm:presLayoutVars>
+      </dgm:prSet>
+      <dgm:spPr>
+        <a:xfrm>
+          <a:off x="2106889" y="1762770"/>
+          <a:ext cx="1792968" cy="717187"/>
+        </a:xfrm>
+        <a:prstGeom prst="rect">
+          <a:avLst/>
+        </a:prstGeom>
+      </dgm:spPr>
+    </dgm:pt>
+    <dgm:pt modelId="{46A228D4-6731-4991-AD53-6612D9F290D0}" type="pres">
+      <dgm:prSet presAssocID="{B8BE0BEE-5378-40A8-8B48-AFDE9E787CDB}" presName="sibTrans" presStyleCnt="0"/>
+      <dgm:spPr/>
+    </dgm:pt>
+    <dgm:pt modelId="{A8C516F5-17D7-4B45-8C97-FE9A3739272D}" type="pres">
+      <dgm:prSet presAssocID="{B5D69F39-A49A-4FEB-A900-2171CC84C627}" presName="compNode" presStyleCnt="0"/>
+      <dgm:spPr/>
+    </dgm:pt>
+    <dgm:pt modelId="{061AD154-2844-4A66-B949-5A56E2D47E9B}" type="pres">
+      <dgm:prSet presAssocID="{B5D69F39-A49A-4FEB-A900-2171CC84C627}" presName="iconRect" presStyleLbl="node1" presStyleIdx="2" presStyleCnt="4"/>
+      <dgm:spPr>
+        <a:blipFill>
+          <a:blip xmlns:r="http://schemas.openxmlformats.org/officeDocument/2006/relationships" r:embed="rId5">
+            <a:extLst>
+              <a:ext uri="{28A0092B-C50C-407E-A947-70E740481C1C}">
+                <a14:useLocalDpi xmlns:a14="http://schemas.microsoft.com/office/drawing/2010/main" val="0"/>
+              </a:ext>
+              <a:ext uri="{96DAC541-7B7A-43D3-8B79-37D633B846F1}">
+                <asvg:svgBlip xmlns:asvg="http://schemas.microsoft.com/office/drawing/2016/SVG/main" r:embed="rId6"/>
+              </a:ext>
+            </a:extLst>
+          </a:blip>
+          <a:stretch>
+            <a:fillRect/>
+          </a:stretch>
+        </a:blipFill>
+      </dgm:spPr>
+      <dgm:extLst>
+        <a:ext uri="{E40237B7-FDA0-4F09-8148-C483321AD2D9}">
+          <dgm14:cNvPr xmlns:dgm14="http://schemas.microsoft.com/office/drawing/2010/diagram" id="0" name="" descr="Monthly calendar"/>
+        </a:ext>
+      </dgm:extLst>
+    </dgm:pt>
+    <dgm:pt modelId="{E3AD93EB-14E2-4A52-8B58-D9AB9BB0DCDE}" type="pres">
+      <dgm:prSet presAssocID="{B5D69F39-A49A-4FEB-A900-2171CC84C627}" presName="spaceRect" presStyleCnt="0"/>
+      <dgm:spPr/>
+    </dgm:pt>
+    <dgm:pt modelId="{4A8CB2C8-3DB0-4E71-9BEC-FD886D39DD07}" type="pres">
+      <dgm:prSet presAssocID="{B5D69F39-A49A-4FEB-A900-2171CC84C627}" presName="textRect" presStyleLbl="revTx" presStyleIdx="2" presStyleCnt="4">
+        <dgm:presLayoutVars>
+          <dgm:chMax val="1"/>
+          <dgm:chPref val="1"/>
+        </dgm:presLayoutVars>
+      </dgm:prSet>
+      <dgm:spPr>
+        <a:xfrm>
+          <a:off x="4213627" y="1762770"/>
+          <a:ext cx="1792968" cy="717187"/>
+        </a:xfrm>
+        <a:prstGeom prst="rect">
+          <a:avLst/>
+        </a:prstGeom>
+      </dgm:spPr>
+    </dgm:pt>
+    <dgm:pt modelId="{710980FD-18B8-4E65-9A23-1340EF729C57}" type="pres">
+      <dgm:prSet presAssocID="{86E5C354-E4FD-4FC3-9104-33E25E12AD49}" presName="sibTrans" presStyleCnt="0"/>
+      <dgm:spPr/>
+    </dgm:pt>
+    <dgm:pt modelId="{C17B1851-8476-4B4C-822B-A3E4C6573C5E}" type="pres">
+      <dgm:prSet presAssocID="{9161C75E-4ABD-408D-A6FD-031CD94B84EC}" presName="compNode" presStyleCnt="0"/>
+      <dgm:spPr/>
+    </dgm:pt>
+    <dgm:pt modelId="{C7C6E047-40AF-48E1-A74F-A5F056284F23}" type="pres">
+      <dgm:prSet presAssocID="{9161C75E-4ABD-408D-A6FD-031CD94B84EC}" presName="iconRect" presStyleLbl="node1" presStyleIdx="3" presStyleCnt="4"/>
+      <dgm:spPr>
+        <a:blipFill>
+          <a:blip xmlns:r="http://schemas.openxmlformats.org/officeDocument/2006/relationships" r:embed="rId7">
+            <a:extLst>
+              <a:ext uri="{28A0092B-C50C-407E-A947-70E740481C1C}">
+                <a14:useLocalDpi xmlns:a14="http://schemas.microsoft.com/office/drawing/2010/main" val="0"/>
+              </a:ext>
+              <a:ext uri="{96DAC541-7B7A-43D3-8B79-37D633B846F1}">
+                <asvg:svgBlip xmlns:asvg="http://schemas.microsoft.com/office/drawing/2016/SVG/main" r:embed="rId8"/>
+              </a:ext>
+            </a:extLst>
+          </a:blip>
+          <a:stretch>
+            <a:fillRect/>
+          </a:stretch>
+        </a:blipFill>
+      </dgm:spPr>
+      <dgm:extLst>
+        <a:ext uri="{E40237B7-FDA0-4F09-8148-C483321AD2D9}">
+          <dgm14:cNvPr xmlns:dgm14="http://schemas.microsoft.com/office/drawing/2010/diagram" id="0" name="" descr="Check List"/>
+        </a:ext>
+      </dgm:extLst>
+    </dgm:pt>
+    <dgm:pt modelId="{108F5E76-2A8B-46C6-9EA3-DE1E5A66DF28}" type="pres">
+      <dgm:prSet presAssocID="{9161C75E-4ABD-408D-A6FD-031CD94B84EC}" presName="spaceRect" presStyleCnt="0"/>
+      <dgm:spPr/>
+    </dgm:pt>
+    <dgm:pt modelId="{F6922295-1111-4D49-A0D4-470CAF958393}" type="pres">
+      <dgm:prSet presAssocID="{9161C75E-4ABD-408D-A6FD-031CD94B84EC}" presName="textRect" presStyleLbl="revTx" presStyleIdx="3" presStyleCnt="4">
+        <dgm:presLayoutVars>
+          <dgm:chMax val="1"/>
+          <dgm:chPref val="1"/>
+        </dgm:presLayoutVars>
+      </dgm:prSet>
+      <dgm:spPr>
+        <a:xfrm>
+          <a:off x="6320366" y="1762770"/>
+          <a:ext cx="1792968" cy="717187"/>
+        </a:xfrm>
+        <a:prstGeom prst="rect">
+          <a:avLst/>
+        </a:prstGeom>
+      </dgm:spPr>
+    </dgm:pt>
+  </dgm:ptLst>
+  <dgm:cxnLst>
+    <dgm:cxn modelId="{1785CD11-621A-4530-A17A-70ADAD950111}" srcId="{0B0EF5A6-DE0C-463A-BC6D-AC179363391F}" destId="{B5D69F39-A49A-4FEB-A900-2171CC84C627}" srcOrd="2" destOrd="0" parTransId="{E4A1D72E-3A8F-4579-B2A1-E98B97D24D65}" sibTransId="{86E5C354-E4FD-4FC3-9104-33E25E12AD49}"/>
+    <dgm:cxn modelId="{39EED63C-E862-442D-B26D-AAE53909A4C4}" type="presOf" srcId="{A243BA38-1288-40F4-9FF8-96C392AAFDB6}" destId="{98B9A346-C978-4DFF-8044-61F72682588F}" srcOrd="0" destOrd="0" presId="urn:microsoft.com/office/officeart/2018/2/layout/IconLabelList"/>
+    <dgm:cxn modelId="{844B7850-348D-43C5-8BD2-8D80F745A8BA}" srcId="{0B0EF5A6-DE0C-463A-BC6D-AC179363391F}" destId="{A243BA38-1288-40F4-9FF8-96C392AAFDB6}" srcOrd="1" destOrd="0" parTransId="{6E99FAAA-5B04-4C77-86D0-A07F2EADE133}" sibTransId="{B8BE0BEE-5378-40A8-8B48-AFDE9E787CDB}"/>
+    <dgm:cxn modelId="{28334961-358A-4B48-B7B2-DF5655129A46}" srcId="{0B0EF5A6-DE0C-463A-BC6D-AC179363391F}" destId="{847993D2-4B6C-4B6D-8E21-829105028414}" srcOrd="0" destOrd="0" parTransId="{68804D2B-AD71-4659-9E36-31AF41C1805C}" sibTransId="{DE38A00F-D105-4142-8D1F-BF2D04E55C60}"/>
+    <dgm:cxn modelId="{2D162473-2EA7-480B-A023-8A95811F16F1}" type="presOf" srcId="{9161C75E-4ABD-408D-A6FD-031CD94B84EC}" destId="{F6922295-1111-4D49-A0D4-470CAF958393}" srcOrd="0" destOrd="0" presId="urn:microsoft.com/office/officeart/2018/2/layout/IconLabelList"/>
+    <dgm:cxn modelId="{0F6806AF-178D-43EA-B9B2-BD66A29A8C55}" srcId="{0B0EF5A6-DE0C-463A-BC6D-AC179363391F}" destId="{9161C75E-4ABD-408D-A6FD-031CD94B84EC}" srcOrd="3" destOrd="0" parTransId="{F8116009-6E8B-488A-A17C-D75789522AAF}" sibTransId="{833A83BC-386C-4DC1-AF8C-EF98DAF2314A}"/>
+    <dgm:cxn modelId="{CBA230C3-1C0D-43B1-8D39-1551E80BCF87}" type="presOf" srcId="{B5D69F39-A49A-4FEB-A900-2171CC84C627}" destId="{4A8CB2C8-3DB0-4E71-9BEC-FD886D39DD07}" srcOrd="0" destOrd="0" presId="urn:microsoft.com/office/officeart/2018/2/layout/IconLabelList"/>
+    <dgm:cxn modelId="{462456E8-C96B-4685-8270-1E981C2A6998}" type="presOf" srcId="{0B0EF5A6-DE0C-463A-BC6D-AC179363391F}" destId="{9E73344E-CC19-4F2F-B564-A55B15847A90}" srcOrd="0" destOrd="0" presId="urn:microsoft.com/office/officeart/2018/2/layout/IconLabelList"/>
+    <dgm:cxn modelId="{BAB2F8F3-65D4-45F1-8094-6256496EA06A}" type="presOf" srcId="{847993D2-4B6C-4B6D-8E21-829105028414}" destId="{BE455E73-9D2A-4016-8032-37EA4A46D1C8}" srcOrd="0" destOrd="0" presId="urn:microsoft.com/office/officeart/2018/2/layout/IconLabelList"/>
+    <dgm:cxn modelId="{A92E73D0-CADC-4E26-865E-FDC2B4F6EA4F}" type="presParOf" srcId="{9E73344E-CC19-4F2F-B564-A55B15847A90}" destId="{8CB31168-6157-4D64-808D-E531C7111AD3}" srcOrd="0" destOrd="0" presId="urn:microsoft.com/office/officeart/2018/2/layout/IconLabelList"/>
+    <dgm:cxn modelId="{B901F961-7A41-42A4-80AD-AF2C81DDD7A5}" type="presParOf" srcId="{8CB31168-6157-4D64-808D-E531C7111AD3}" destId="{B29EB728-6AB7-401B-93CE-47CCDB1110AD}" srcOrd="0" destOrd="0" presId="urn:microsoft.com/office/officeart/2018/2/layout/IconLabelList"/>
+    <dgm:cxn modelId="{FED7A0E1-5C5D-43C8-9960-0469487BE7F1}" type="presParOf" srcId="{8CB31168-6157-4D64-808D-E531C7111AD3}" destId="{864B476A-2FFA-4A41-BE94-9357BD031272}" srcOrd="1" destOrd="0" presId="urn:microsoft.com/office/officeart/2018/2/layout/IconLabelList"/>
+    <dgm:cxn modelId="{DF854B94-38BB-44AE-8D13-50900183FCD7}" type="presParOf" srcId="{8CB31168-6157-4D64-808D-E531C7111AD3}" destId="{BE455E73-9D2A-4016-8032-37EA4A46D1C8}" srcOrd="2" destOrd="0" presId="urn:microsoft.com/office/officeart/2018/2/layout/IconLabelList"/>
+    <dgm:cxn modelId="{B01EEAD8-F28D-49BB-A77D-89492EB3917F}" type="presParOf" srcId="{9E73344E-CC19-4F2F-B564-A55B15847A90}" destId="{14160100-CC34-4162-9C34-2FF49C111F3D}" srcOrd="1" destOrd="0" presId="urn:microsoft.com/office/officeart/2018/2/layout/IconLabelList"/>
+    <dgm:cxn modelId="{85BCB579-68B6-4B48-80EE-E1FCB63C76AC}" type="presParOf" srcId="{9E73344E-CC19-4F2F-B564-A55B15847A90}" destId="{0F67B5F9-509A-4C62-9252-D763940BD69B}" srcOrd="2" destOrd="0" presId="urn:microsoft.com/office/officeart/2018/2/layout/IconLabelList"/>
+    <dgm:cxn modelId="{DF561F60-EB68-4A3F-85E6-09848172F95A}" type="presParOf" srcId="{0F67B5F9-509A-4C62-9252-D763940BD69B}" destId="{DC247ED5-163B-492C-9A4C-CDBA93A1F3E8}" srcOrd="0" destOrd="0" presId="urn:microsoft.com/office/officeart/2018/2/layout/IconLabelList"/>
+    <dgm:cxn modelId="{329A1EF0-9636-4A6B-BB73-FEB959D615E4}" type="presParOf" srcId="{0F67B5F9-509A-4C62-9252-D763940BD69B}" destId="{2AC408E4-398C-410F-A950-67D19401152F}" srcOrd="1" destOrd="0" presId="urn:microsoft.com/office/officeart/2018/2/layout/IconLabelList"/>
+    <dgm:cxn modelId="{9EE54BDB-AEFE-4110-A01C-F381E7C79B8B}" type="presParOf" srcId="{0F67B5F9-509A-4C62-9252-D763940BD69B}" destId="{98B9A346-C978-4DFF-8044-61F72682588F}" srcOrd="2" destOrd="0" presId="urn:microsoft.com/office/officeart/2018/2/layout/IconLabelList"/>
+    <dgm:cxn modelId="{4DEA0E49-1AD9-4EC6-8E0D-72CB1BCE623B}" type="presParOf" srcId="{9E73344E-CC19-4F2F-B564-A55B15847A90}" destId="{46A228D4-6731-4991-AD53-6612D9F290D0}" srcOrd="3" destOrd="0" presId="urn:microsoft.com/office/officeart/2018/2/layout/IconLabelList"/>
+    <dgm:cxn modelId="{22D8E188-4935-4B89-B6B1-7AC4CDCB8F57}" type="presParOf" srcId="{9E73344E-CC19-4F2F-B564-A55B15847A90}" destId="{A8C516F5-17D7-4B45-8C97-FE9A3739272D}" srcOrd="4" destOrd="0" presId="urn:microsoft.com/office/officeart/2018/2/layout/IconLabelList"/>
+    <dgm:cxn modelId="{332D7A95-5DB1-44D9-B3D6-9E36B5311B18}" type="presParOf" srcId="{A8C516F5-17D7-4B45-8C97-FE9A3739272D}" destId="{061AD154-2844-4A66-B949-5A56E2D47E9B}" srcOrd="0" destOrd="0" presId="urn:microsoft.com/office/officeart/2018/2/layout/IconLabelList"/>
+    <dgm:cxn modelId="{BAFD128C-1D5C-4DB5-861B-EABFCD264368}" type="presParOf" srcId="{A8C516F5-17D7-4B45-8C97-FE9A3739272D}" destId="{E3AD93EB-14E2-4A52-8B58-D9AB9BB0DCDE}" srcOrd="1" destOrd="0" presId="urn:microsoft.com/office/officeart/2018/2/layout/IconLabelList"/>
+    <dgm:cxn modelId="{90C2604D-0133-435B-B40B-28BB499D1D98}" type="presParOf" srcId="{A8C516F5-17D7-4B45-8C97-FE9A3739272D}" destId="{4A8CB2C8-3DB0-4E71-9BEC-FD886D39DD07}" srcOrd="2" destOrd="0" presId="urn:microsoft.com/office/officeart/2018/2/layout/IconLabelList"/>
+    <dgm:cxn modelId="{CF2AD0AF-1E46-4BCF-BF5D-69D72758CD39}" type="presParOf" srcId="{9E73344E-CC19-4F2F-B564-A55B15847A90}" destId="{710980FD-18B8-4E65-9A23-1340EF729C57}" srcOrd="5" destOrd="0" presId="urn:microsoft.com/office/officeart/2018/2/layout/IconLabelList"/>
+    <dgm:cxn modelId="{2A1BB9D1-D5A4-4EFE-9F7C-C1B953641513}" type="presParOf" srcId="{9E73344E-CC19-4F2F-B564-A55B15847A90}" destId="{C17B1851-8476-4B4C-822B-A3E4C6573C5E}" srcOrd="6" destOrd="0" presId="urn:microsoft.com/office/officeart/2018/2/layout/IconLabelList"/>
+    <dgm:cxn modelId="{587D8069-FB6E-4BB2-B8F4-3AB484B1E026}" type="presParOf" srcId="{C17B1851-8476-4B4C-822B-A3E4C6573C5E}" destId="{C7C6E047-40AF-48E1-A74F-A5F056284F23}" srcOrd="0" destOrd="0" presId="urn:microsoft.com/office/officeart/2018/2/layout/IconLabelList"/>
+    <dgm:cxn modelId="{3F3A2247-BDEF-4B52-A216-B1DFA5796AE4}" type="presParOf" srcId="{C17B1851-8476-4B4C-822B-A3E4C6573C5E}" destId="{108F5E76-2A8B-46C6-9EA3-DE1E5A66DF28}" srcOrd="1" destOrd="0" presId="urn:microsoft.com/office/officeart/2018/2/layout/IconLabelList"/>
+    <dgm:cxn modelId="{7B34D0D7-B874-4969-9111-F74B5C1B4EDD}" type="presParOf" srcId="{C17B1851-8476-4B4C-822B-A3E4C6573C5E}" destId="{F6922295-1111-4D49-A0D4-470CAF958393}" srcOrd="2" destOrd="0" presId="urn:microsoft.com/office/officeart/2018/2/layout/IconLabelList"/>
+  </dgm:cxnLst>
+  <dgm:bg/>
+  <dgm:whole/>
+  <dgm:extLst>
+    <a:ext uri="http://schemas.microsoft.com/office/drawing/2008/diagram">
+      <dsp:dataModelExt xmlns:dsp="http://schemas.microsoft.com/office/drawing/2008/diagram" relId="rId9" minVer="http://schemas.openxmlformats.org/drawingml/2006/diagram"/>
+    </a:ext>
+  </dgm:extLst>
+</dgm:dataModel>
+</file>
+
+<file path=ppt/diagrams/drawing1.xml><?xml version="1.0" encoding="utf-8"?>
+<dsp:drawing xmlns:dgm="http://schemas.openxmlformats.org/drawingml/2006/diagram" xmlns:dsp="http://schemas.microsoft.com/office/drawing/2008/diagram" xmlns:a="http://schemas.openxmlformats.org/drawingml/2006/main">
+  <dsp:spTree>
+    <dsp:nvGrpSpPr>
+      <dsp:cNvPr id="0" name=""/>
+      <dsp:cNvGrpSpPr/>
+    </dsp:nvGrpSpPr>
+    <dsp:grpSpPr/>
+    <dsp:sp modelId="{FD3585F6-9E81-471C-BD8D-D6DE7B11B265}">
+      <dsp:nvSpPr>
+        <dsp:cNvPr id="0" name=""/>
+        <dsp:cNvSpPr/>
+      </dsp:nvSpPr>
+      <dsp:spPr>
+        <a:xfrm>
+          <a:off x="0" y="2857"/>
+          <a:ext cx="7467599" cy="608635"/>
+        </a:xfrm>
+        <a:prstGeom prst="roundRect">
+          <a:avLst>
+            <a:gd name="adj" fmla="val 10000"/>
+          </a:avLst>
+        </a:prstGeom>
+        <a:solidFill>
+          <a:schemeClr val="bg1">
+            <a:lumMod val="95000"/>
+            <a:hueOff val="0"/>
+            <a:satOff val="0"/>
+            <a:lumOff val="0"/>
+            <a:alphaOff val="0"/>
+          </a:schemeClr>
+        </a:solidFill>
+        <a:ln>
+          <a:noFill/>
+        </a:ln>
+        <a:effectLst/>
+      </dsp:spPr>
+      <dsp:style>
+        <a:lnRef idx="0">
+          <a:scrgbClr r="0" g="0" b="0"/>
+        </a:lnRef>
+        <a:fillRef idx="1">
+          <a:scrgbClr r="0" g="0" b="0"/>
+        </a:fillRef>
+        <a:effectRef idx="0">
+          <a:scrgbClr r="0" g="0" b="0"/>
+        </a:effectRef>
+        <a:fontRef idx="minor"/>
+      </dsp:style>
+    </dsp:sp>
+    <dsp:sp modelId="{C5D2B794-CFD2-471F-B65F-A20E56D15C45}">
+      <dsp:nvSpPr>
+        <dsp:cNvPr id="0" name=""/>
+        <dsp:cNvSpPr/>
+      </dsp:nvSpPr>
+      <dsp:spPr>
+        <a:xfrm>
+          <a:off x="184112" y="139800"/>
+          <a:ext cx="334749" cy="334749"/>
+        </a:xfrm>
+        <a:prstGeom prst="rect">
+          <a:avLst/>
+        </a:prstGeom>
+        <a:blipFill>
+          <a:blip xmlns:r="http://schemas.openxmlformats.org/officeDocument/2006/relationships" r:embed="rId1">
+            <a:extLst>
+              <a:ext uri="{28A0092B-C50C-407E-A947-70E740481C1C}">
+                <a14:useLocalDpi xmlns:a14="http://schemas.microsoft.com/office/drawing/2010/main" val="0"/>
+              </a:ext>
+              <a:ext uri="{96DAC541-7B7A-43D3-8B79-37D633B846F1}">
+                <asvg:svgBlip xmlns:asvg="http://schemas.microsoft.com/office/drawing/2016/SVG/main" r:embed="rId2"/>
+              </a:ext>
+            </a:extLst>
+          </a:blip>
+          <a:stretch>
+            <a:fillRect/>
+          </a:stretch>
+        </a:blipFill>
+        <a:ln w="12700" cap="flat" cmpd="sng" algn="ctr">
+          <a:noFill/>
+          <a:prstDash val="solid"/>
+          <a:miter lim="800000"/>
+        </a:ln>
+        <a:effectLst/>
+      </dsp:spPr>
+      <dsp:style>
+        <a:lnRef idx="2">
+          <a:scrgbClr r="0" g="0" b="0"/>
+        </a:lnRef>
+        <a:fillRef idx="1">
+          <a:scrgbClr r="0" g="0" b="0"/>
+        </a:fillRef>
+        <a:effectRef idx="0">
+          <a:scrgbClr r="0" g="0" b="0"/>
+        </a:effectRef>
+        <a:fontRef idx="minor">
+          <a:schemeClr val="lt1"/>
+        </a:fontRef>
+      </dsp:style>
+    </dsp:sp>
+    <dsp:sp modelId="{23B8E860-E5BE-4B72-9249-C9938885D6F6}">
+      <dsp:nvSpPr>
+        <dsp:cNvPr id="0" name=""/>
+        <dsp:cNvSpPr/>
+      </dsp:nvSpPr>
+      <dsp:spPr>
+        <a:xfrm>
+          <a:off x="702973" y="2857"/>
+          <a:ext cx="6764625" cy="608635"/>
+        </a:xfrm>
+        <a:prstGeom prst="rect">
+          <a:avLst/>
+        </a:prstGeom>
+        <a:noFill/>
+        <a:ln>
+          <a:noFill/>
+        </a:ln>
+        <a:effectLst/>
+      </dsp:spPr>
+      <dsp:style>
+        <a:lnRef idx="0">
+          <a:scrgbClr r="0" g="0" b="0"/>
+        </a:lnRef>
+        <a:fillRef idx="0">
+          <a:scrgbClr r="0" g="0" b="0"/>
+        </a:fillRef>
+        <a:effectRef idx="0">
+          <a:scrgbClr r="0" g="0" b="0"/>
+        </a:effectRef>
+        <a:fontRef idx="minor"/>
+      </dsp:style>
+      <dsp:txBody>
+        <a:bodyPr spcFirstLastPara="0" vert="horz" wrap="square" lIns="64414" tIns="64414" rIns="64414" bIns="64414" numCol="1" spcCol="1270" anchor="ctr" anchorCtr="0">
+          <a:noAutofit/>
+        </a:bodyPr>
+        <a:lstStyle/>
+        <a:p>
+          <a:pPr marL="0" lvl="0" indent="0" algn="l" defTabSz="622300">
+            <a:lnSpc>
+              <a:spcPct val="90000"/>
+            </a:lnSpc>
+            <a:spcBef>
+              <a:spcPct val="0"/>
+            </a:spcBef>
+            <a:spcAft>
+              <a:spcPct val="35000"/>
+            </a:spcAft>
+            <a:buNone/>
+          </a:pPr>
+          <a:r>
+            <a:rPr lang="en-US" sz="1400" b="0" kern="1200" dirty="0">
+              <a:solidFill>
+                <a:schemeClr val="tx1">
+                  <a:lumMod val="65000"/>
+                  <a:lumOff val="35000"/>
+                </a:schemeClr>
+              </a:solidFill>
+              <a:latin typeface=""/>
+            </a:rPr>
+            <a:t>Step 1: Process input data</a:t>
+          </a:r>
+          <a:endParaRPr lang="en-US" sz="1400" kern="1200" dirty="0">
+            <a:solidFill>
+              <a:schemeClr val="tx1">
+                <a:lumMod val="65000"/>
+                <a:lumOff val="35000"/>
+              </a:schemeClr>
+            </a:solidFill>
+            <a:latin typeface=""/>
+          </a:endParaRPr>
+        </a:p>
+      </dsp:txBody>
+      <dsp:txXfrm>
+        <a:off x="702973" y="2857"/>
+        <a:ext cx="6764625" cy="608635"/>
+      </dsp:txXfrm>
+    </dsp:sp>
+    <dsp:sp modelId="{6ACED865-D503-447F-B9A1-C81A7CAD0DEF}">
+      <dsp:nvSpPr>
+        <dsp:cNvPr id="0" name=""/>
+        <dsp:cNvSpPr/>
+      </dsp:nvSpPr>
+      <dsp:spPr>
+        <a:xfrm>
+          <a:off x="0" y="763651"/>
+          <a:ext cx="7467599" cy="608635"/>
+        </a:xfrm>
+        <a:prstGeom prst="roundRect">
+          <a:avLst>
+            <a:gd name="adj" fmla="val 10000"/>
+          </a:avLst>
+        </a:prstGeom>
+        <a:solidFill>
+          <a:schemeClr val="bg1">
+            <a:lumMod val="95000"/>
+            <a:hueOff val="0"/>
+            <a:satOff val="0"/>
+            <a:lumOff val="0"/>
+            <a:alphaOff val="0"/>
+          </a:schemeClr>
+        </a:solidFill>
+        <a:ln>
+          <a:noFill/>
+        </a:ln>
+        <a:effectLst/>
+      </dsp:spPr>
+      <dsp:style>
+        <a:lnRef idx="0">
+          <a:scrgbClr r="0" g="0" b="0"/>
+        </a:lnRef>
+        <a:fillRef idx="1">
+          <a:scrgbClr r="0" g="0" b="0"/>
+        </a:fillRef>
+        <a:effectRef idx="0">
+          <a:scrgbClr r="0" g="0" b="0"/>
+        </a:effectRef>
+        <a:fontRef idx="minor"/>
+      </dsp:style>
+    </dsp:sp>
+    <dsp:sp modelId="{2D5D46E7-440E-41DF-80E2-27B8324D931B}">
+      <dsp:nvSpPr>
+        <dsp:cNvPr id="0" name=""/>
+        <dsp:cNvSpPr/>
+      </dsp:nvSpPr>
+      <dsp:spPr>
+        <a:xfrm>
+          <a:off x="184112" y="900594"/>
+          <a:ext cx="334749" cy="334749"/>
+        </a:xfrm>
+        <a:prstGeom prst="rect">
+          <a:avLst/>
+        </a:prstGeom>
+        <a:blipFill>
+          <a:blip xmlns:r="http://schemas.openxmlformats.org/officeDocument/2006/relationships" r:embed="rId3">
+            <a:extLst>
+              <a:ext uri="{28A0092B-C50C-407E-A947-70E740481C1C}">
+                <a14:useLocalDpi xmlns:a14="http://schemas.microsoft.com/office/drawing/2010/main" val="0"/>
+              </a:ext>
+              <a:ext uri="{96DAC541-7B7A-43D3-8B79-37D633B846F1}">
+                <asvg:svgBlip xmlns:asvg="http://schemas.microsoft.com/office/drawing/2016/SVG/main" r:embed="rId4"/>
+              </a:ext>
+            </a:extLst>
+          </a:blip>
+          <a:stretch>
+            <a:fillRect/>
+          </a:stretch>
+        </a:blipFill>
+        <a:ln w="12700" cap="flat" cmpd="sng" algn="ctr">
+          <a:noFill/>
+          <a:prstDash val="solid"/>
+          <a:miter lim="800000"/>
+        </a:ln>
+        <a:effectLst/>
+      </dsp:spPr>
+      <dsp:style>
+        <a:lnRef idx="2">
+          <a:scrgbClr r="0" g="0" b="0"/>
+        </a:lnRef>
+        <a:fillRef idx="1">
+          <a:scrgbClr r="0" g="0" b="0"/>
+        </a:fillRef>
+        <a:effectRef idx="0">
+          <a:scrgbClr r="0" g="0" b="0"/>
+        </a:effectRef>
+        <a:fontRef idx="minor">
+          <a:schemeClr val="lt1"/>
+        </a:fontRef>
+      </dsp:style>
+    </dsp:sp>
+    <dsp:sp modelId="{22C04BC3-7D79-4B03-B545-BADF2D97F1EC}">
+      <dsp:nvSpPr>
+        <dsp:cNvPr id="0" name=""/>
+        <dsp:cNvSpPr/>
+      </dsp:nvSpPr>
+      <dsp:spPr>
+        <a:xfrm>
+          <a:off x="702973" y="763651"/>
+          <a:ext cx="6764625" cy="608635"/>
+        </a:xfrm>
+        <a:prstGeom prst="rect">
+          <a:avLst/>
+        </a:prstGeom>
+        <a:noFill/>
+        <a:ln>
+          <a:noFill/>
+        </a:ln>
+        <a:effectLst/>
+      </dsp:spPr>
+      <dsp:style>
+        <a:lnRef idx="0">
+          <a:scrgbClr r="0" g="0" b="0"/>
+        </a:lnRef>
+        <a:fillRef idx="0">
+          <a:scrgbClr r="0" g="0" b="0"/>
+        </a:fillRef>
+        <a:effectRef idx="0">
+          <a:scrgbClr r="0" g="0" b="0"/>
+        </a:effectRef>
+        <a:fontRef idx="minor"/>
+      </dsp:style>
+      <dsp:txBody>
+        <a:bodyPr spcFirstLastPara="0" vert="horz" wrap="square" lIns="64414" tIns="64414" rIns="64414" bIns="64414" numCol="1" spcCol="1270" anchor="ctr" anchorCtr="0">
+          <a:noAutofit/>
+        </a:bodyPr>
+        <a:lstStyle/>
+        <a:p>
+          <a:pPr marL="0" lvl="0" indent="0" algn="l" defTabSz="622300">
+            <a:lnSpc>
+              <a:spcPct val="90000"/>
+            </a:lnSpc>
+            <a:spcBef>
+              <a:spcPct val="0"/>
+            </a:spcBef>
+            <a:spcAft>
+              <a:spcPct val="35000"/>
+            </a:spcAft>
+            <a:buNone/>
+          </a:pPr>
+          <a:r>
+            <a:rPr lang="en-US" sz="1400" b="0" kern="1200" dirty="0">
+              <a:solidFill>
+                <a:schemeClr val="tx1">
+                  <a:lumMod val="65000"/>
+                  <a:lumOff val="35000"/>
+                </a:schemeClr>
+              </a:solidFill>
+              <a:latin typeface=""/>
+            </a:rPr>
+            <a:t>Step 2: Represent the graph using </a:t>
+          </a:r>
+          <a:r>
+            <a:rPr lang="en-US" sz="1400" b="1" kern="1200" dirty="0" err="1">
+              <a:solidFill>
+                <a:schemeClr val="tx1">
+                  <a:lumMod val="65000"/>
+                  <a:lumOff val="35000"/>
+                </a:schemeClr>
+              </a:solidFill>
+              <a:latin typeface=""/>
+            </a:rPr>
+            <a:t>NetworkX</a:t>
+          </a:r>
+          <a:endParaRPr lang="en-US" sz="1400" kern="1200" dirty="0">
+            <a:solidFill>
+              <a:schemeClr val="tx1">
+                <a:lumMod val="65000"/>
+                <a:lumOff val="35000"/>
+              </a:schemeClr>
+            </a:solidFill>
+            <a:latin typeface=""/>
+          </a:endParaRPr>
+        </a:p>
+      </dsp:txBody>
+      <dsp:txXfrm>
+        <a:off x="702973" y="763651"/>
+        <a:ext cx="6764625" cy="608635"/>
+      </dsp:txXfrm>
+    </dsp:sp>
+    <dsp:sp modelId="{08DC477B-3697-4D5E-8899-372961106F4D}">
+      <dsp:nvSpPr>
+        <dsp:cNvPr id="0" name=""/>
+        <dsp:cNvSpPr/>
+      </dsp:nvSpPr>
+      <dsp:spPr>
+        <a:xfrm>
+          <a:off x="0" y="1524445"/>
+          <a:ext cx="7467599" cy="608635"/>
+        </a:xfrm>
+        <a:prstGeom prst="roundRect">
+          <a:avLst>
+            <a:gd name="adj" fmla="val 10000"/>
+          </a:avLst>
+        </a:prstGeom>
+        <a:solidFill>
+          <a:schemeClr val="bg1">
+            <a:lumMod val="95000"/>
+            <a:hueOff val="0"/>
+            <a:satOff val="0"/>
+            <a:lumOff val="0"/>
+            <a:alphaOff val="0"/>
+          </a:schemeClr>
+        </a:solidFill>
+        <a:ln>
+          <a:noFill/>
+        </a:ln>
+        <a:effectLst/>
+      </dsp:spPr>
+      <dsp:style>
+        <a:lnRef idx="0">
+          <a:scrgbClr r="0" g="0" b="0"/>
+        </a:lnRef>
+        <a:fillRef idx="1">
+          <a:scrgbClr r="0" g="0" b="0"/>
+        </a:fillRef>
+        <a:effectRef idx="0">
+          <a:scrgbClr r="0" g="0" b="0"/>
+        </a:effectRef>
+        <a:fontRef idx="minor"/>
+      </dsp:style>
+    </dsp:sp>
+    <dsp:sp modelId="{8386A657-49A9-4158-88CB-59CEFA593494}">
+      <dsp:nvSpPr>
+        <dsp:cNvPr id="0" name=""/>
+        <dsp:cNvSpPr/>
+      </dsp:nvSpPr>
+      <dsp:spPr>
+        <a:xfrm>
+          <a:off x="184112" y="1661388"/>
+          <a:ext cx="334749" cy="334749"/>
+        </a:xfrm>
+        <a:prstGeom prst="rect">
+          <a:avLst/>
+        </a:prstGeom>
+        <a:blipFill>
+          <a:blip xmlns:r="http://schemas.openxmlformats.org/officeDocument/2006/relationships" r:embed="rId5">
+            <a:extLst>
+              <a:ext uri="{28A0092B-C50C-407E-A947-70E740481C1C}">
+                <a14:useLocalDpi xmlns:a14="http://schemas.microsoft.com/office/drawing/2010/main" val="0"/>
+              </a:ext>
+              <a:ext uri="{96DAC541-7B7A-43D3-8B79-37D633B846F1}">
+                <asvg:svgBlip xmlns:asvg="http://schemas.microsoft.com/office/drawing/2016/SVG/main" r:embed="rId6"/>
+              </a:ext>
+            </a:extLst>
+          </a:blip>
+          <a:stretch>
+            <a:fillRect/>
+          </a:stretch>
+        </a:blipFill>
+        <a:ln w="12700" cap="flat" cmpd="sng" algn="ctr">
+          <a:noFill/>
+          <a:prstDash val="solid"/>
+          <a:miter lim="800000"/>
+        </a:ln>
+        <a:effectLst/>
+      </dsp:spPr>
+      <dsp:style>
+        <a:lnRef idx="2">
+          <a:scrgbClr r="0" g="0" b="0"/>
+        </a:lnRef>
+        <a:fillRef idx="1">
+          <a:scrgbClr r="0" g="0" b="0"/>
+        </a:fillRef>
+        <a:effectRef idx="0">
+          <a:scrgbClr r="0" g="0" b="0"/>
+        </a:effectRef>
+        <a:fontRef idx="minor">
+          <a:schemeClr val="lt1"/>
+        </a:fontRef>
+      </dsp:style>
+    </dsp:sp>
+    <dsp:sp modelId="{159C3D5B-8245-4DCC-8F7E-8F0591C59795}">
+      <dsp:nvSpPr>
+        <dsp:cNvPr id="0" name=""/>
+        <dsp:cNvSpPr/>
+      </dsp:nvSpPr>
+      <dsp:spPr>
+        <a:xfrm>
+          <a:off x="702973" y="1524445"/>
+          <a:ext cx="6764625" cy="608635"/>
+        </a:xfrm>
+        <a:prstGeom prst="rect">
+          <a:avLst/>
+        </a:prstGeom>
+        <a:noFill/>
+        <a:ln>
+          <a:noFill/>
+        </a:ln>
+        <a:effectLst/>
+      </dsp:spPr>
+      <dsp:style>
+        <a:lnRef idx="0">
+          <a:scrgbClr r="0" g="0" b="0"/>
+        </a:lnRef>
+        <a:fillRef idx="0">
+          <a:scrgbClr r="0" g="0" b="0"/>
+        </a:fillRef>
+        <a:effectRef idx="0">
+          <a:scrgbClr r="0" g="0" b="0"/>
+        </a:effectRef>
+        <a:fontRef idx="minor"/>
+      </dsp:style>
+      <dsp:txBody>
+        <a:bodyPr spcFirstLastPara="0" vert="horz" wrap="square" lIns="64414" tIns="64414" rIns="64414" bIns="64414" numCol="1" spcCol="1270" anchor="ctr" anchorCtr="0">
+          <a:noAutofit/>
+        </a:bodyPr>
+        <a:lstStyle/>
+        <a:p>
+          <a:pPr marL="0" lvl="0" indent="0" algn="l" defTabSz="622300">
+            <a:lnSpc>
+              <a:spcPct val="90000"/>
+            </a:lnSpc>
+            <a:spcBef>
+              <a:spcPct val="0"/>
+            </a:spcBef>
+            <a:spcAft>
+              <a:spcPct val="35000"/>
+            </a:spcAft>
+            <a:buNone/>
+          </a:pPr>
+          <a:r>
+            <a:rPr lang="en-US" sz="1400" b="0" kern="1200" dirty="0">
+              <a:solidFill>
+                <a:schemeClr val="tx1">
+                  <a:lumMod val="65000"/>
+                  <a:lumOff val="35000"/>
+                </a:schemeClr>
+              </a:solidFill>
+              <a:latin typeface=""/>
+            </a:rPr>
+            <a:t>Step 3: Find the critical path / the longest path</a:t>
+          </a:r>
+          <a:endParaRPr lang="en-US" sz="1400" kern="1200" dirty="0">
+            <a:solidFill>
+              <a:schemeClr val="tx1">
+                <a:lumMod val="65000"/>
+                <a:lumOff val="35000"/>
+              </a:schemeClr>
+            </a:solidFill>
+            <a:latin typeface=""/>
+          </a:endParaRPr>
+        </a:p>
+      </dsp:txBody>
+      <dsp:txXfrm>
+        <a:off x="702973" y="1524445"/>
+        <a:ext cx="6764625" cy="608635"/>
+      </dsp:txXfrm>
+    </dsp:sp>
+    <dsp:sp modelId="{E71FA563-B9F6-45A0-8A9B-26A9E70BE9C0}">
+      <dsp:nvSpPr>
+        <dsp:cNvPr id="0" name=""/>
+        <dsp:cNvSpPr/>
+      </dsp:nvSpPr>
+      <dsp:spPr>
+        <a:xfrm>
+          <a:off x="0" y="2285239"/>
+          <a:ext cx="7467599" cy="608635"/>
+        </a:xfrm>
+        <a:prstGeom prst="roundRect">
+          <a:avLst>
+            <a:gd name="adj" fmla="val 10000"/>
+          </a:avLst>
+        </a:prstGeom>
+        <a:solidFill>
+          <a:schemeClr val="bg1">
+            <a:lumMod val="95000"/>
+            <a:hueOff val="0"/>
+            <a:satOff val="0"/>
+            <a:lumOff val="0"/>
+            <a:alphaOff val="0"/>
+          </a:schemeClr>
+        </a:solidFill>
+        <a:ln>
+          <a:noFill/>
+        </a:ln>
+        <a:effectLst/>
+      </dsp:spPr>
+      <dsp:style>
+        <a:lnRef idx="0">
+          <a:scrgbClr r="0" g="0" b="0"/>
+        </a:lnRef>
+        <a:fillRef idx="1">
+          <a:scrgbClr r="0" g="0" b="0"/>
+        </a:fillRef>
+        <a:effectRef idx="0">
+          <a:scrgbClr r="0" g="0" b="0"/>
+        </a:effectRef>
+        <a:fontRef idx="minor"/>
+      </dsp:style>
+    </dsp:sp>
+    <dsp:sp modelId="{78703121-B054-4289-B1EC-5E2618E1714F}">
+      <dsp:nvSpPr>
+        <dsp:cNvPr id="0" name=""/>
+        <dsp:cNvSpPr/>
+      </dsp:nvSpPr>
+      <dsp:spPr>
+        <a:xfrm>
+          <a:off x="184112" y="2422182"/>
+          <a:ext cx="334749" cy="334749"/>
+        </a:xfrm>
+        <a:prstGeom prst="rect">
+          <a:avLst/>
+        </a:prstGeom>
+        <a:blipFill>
+          <a:blip xmlns:r="http://schemas.openxmlformats.org/officeDocument/2006/relationships" r:embed="rId7">
+            <a:extLst>
+              <a:ext uri="{28A0092B-C50C-407E-A947-70E740481C1C}">
+                <a14:useLocalDpi xmlns:a14="http://schemas.microsoft.com/office/drawing/2010/main" val="0"/>
+              </a:ext>
+              <a:ext uri="{96DAC541-7B7A-43D3-8B79-37D633B846F1}">
+                <asvg:svgBlip xmlns:asvg="http://schemas.microsoft.com/office/drawing/2016/SVG/main" r:embed="rId8"/>
+              </a:ext>
+            </a:extLst>
+          </a:blip>
+          <a:stretch>
+            <a:fillRect/>
+          </a:stretch>
+        </a:blipFill>
+        <a:ln w="12700" cap="flat" cmpd="sng" algn="ctr">
+          <a:noFill/>
+          <a:prstDash val="solid"/>
+          <a:miter lim="800000"/>
+        </a:ln>
+        <a:effectLst/>
+      </dsp:spPr>
+      <dsp:style>
+        <a:lnRef idx="2">
+          <a:scrgbClr r="0" g="0" b="0"/>
+        </a:lnRef>
+        <a:fillRef idx="1">
+          <a:scrgbClr r="0" g="0" b="0"/>
+        </a:fillRef>
+        <a:effectRef idx="0">
+          <a:scrgbClr r="0" g="0" b="0"/>
+        </a:effectRef>
+        <a:fontRef idx="minor">
+          <a:schemeClr val="lt1"/>
+        </a:fontRef>
+      </dsp:style>
+    </dsp:sp>
+    <dsp:sp modelId="{E86EB66B-A580-4593-B4DD-2B8E809EB56D}">
+      <dsp:nvSpPr>
+        <dsp:cNvPr id="0" name=""/>
+        <dsp:cNvSpPr/>
+      </dsp:nvSpPr>
+      <dsp:spPr>
+        <a:xfrm>
+          <a:off x="702973" y="2285239"/>
+          <a:ext cx="6764625" cy="608635"/>
+        </a:xfrm>
+        <a:prstGeom prst="rect">
+          <a:avLst/>
+        </a:prstGeom>
+        <a:noFill/>
+        <a:ln>
+          <a:noFill/>
+        </a:ln>
+        <a:effectLst/>
+      </dsp:spPr>
+      <dsp:style>
+        <a:lnRef idx="0">
+          <a:scrgbClr r="0" g="0" b="0"/>
+        </a:lnRef>
+        <a:fillRef idx="0">
+          <a:scrgbClr r="0" g="0" b="0"/>
+        </a:fillRef>
+        <a:effectRef idx="0">
+          <a:scrgbClr r="0" g="0" b="0"/>
+        </a:effectRef>
+        <a:fontRef idx="minor"/>
+      </dsp:style>
+      <dsp:txBody>
+        <a:bodyPr spcFirstLastPara="0" vert="horz" wrap="square" lIns="64414" tIns="64414" rIns="64414" bIns="64414" numCol="1" spcCol="1270" anchor="ctr" anchorCtr="0">
+          <a:noAutofit/>
+        </a:bodyPr>
+        <a:lstStyle/>
+        <a:p>
+          <a:pPr marL="0" lvl="0" indent="0" algn="l" defTabSz="622300">
+            <a:lnSpc>
+              <a:spcPct val="90000"/>
+            </a:lnSpc>
+            <a:spcBef>
+              <a:spcPct val="0"/>
+            </a:spcBef>
+            <a:spcAft>
+              <a:spcPct val="35000"/>
+            </a:spcAft>
+            <a:buNone/>
+          </a:pPr>
+          <a:r>
+            <a:rPr lang="en-US" sz="1400" b="0" kern="1200" dirty="0">
+              <a:solidFill>
+                <a:schemeClr val="tx1">
+                  <a:lumMod val="65000"/>
+                  <a:lumOff val="35000"/>
+                </a:schemeClr>
+              </a:solidFill>
+              <a:latin typeface=""/>
+            </a:rPr>
+            <a:t>Step 4: Format and plot using </a:t>
+          </a:r>
+          <a:r>
+            <a:rPr lang="en-US" sz="1400" b="1" kern="1200" dirty="0">
+              <a:solidFill>
+                <a:schemeClr val="tx1">
+                  <a:lumMod val="65000"/>
+                  <a:lumOff val="35000"/>
+                </a:schemeClr>
+              </a:solidFill>
+              <a:latin typeface=""/>
+            </a:rPr>
+            <a:t>Matplotlib</a:t>
+          </a:r>
+          <a:endParaRPr lang="en-US" sz="1400" kern="1200" dirty="0">
+            <a:solidFill>
+              <a:schemeClr val="tx1">
+                <a:lumMod val="65000"/>
+                <a:lumOff val="35000"/>
+              </a:schemeClr>
+            </a:solidFill>
+            <a:latin typeface=""/>
+          </a:endParaRPr>
+        </a:p>
+      </dsp:txBody>
+      <dsp:txXfrm>
+        <a:off x="702973" y="2285239"/>
+        <a:ext cx="6764625" cy="608635"/>
+      </dsp:txXfrm>
+    </dsp:sp>
+    <dsp:sp modelId="{4FDD70B2-620E-44F1-A4B5-F8CBAB0803E3}">
+      <dsp:nvSpPr>
+        <dsp:cNvPr id="0" name=""/>
+        <dsp:cNvSpPr/>
+      </dsp:nvSpPr>
+      <dsp:spPr>
+        <a:xfrm>
+          <a:off x="0" y="3046033"/>
+          <a:ext cx="7467599" cy="608635"/>
+        </a:xfrm>
+        <a:prstGeom prst="roundRect">
+          <a:avLst>
+            <a:gd name="adj" fmla="val 10000"/>
+          </a:avLst>
+        </a:prstGeom>
+        <a:solidFill>
+          <a:schemeClr val="bg1">
+            <a:lumMod val="95000"/>
+            <a:hueOff val="0"/>
+            <a:satOff val="0"/>
+            <a:lumOff val="0"/>
+            <a:alphaOff val="0"/>
+          </a:schemeClr>
+        </a:solidFill>
+        <a:ln>
+          <a:noFill/>
+        </a:ln>
+        <a:effectLst/>
+      </dsp:spPr>
+      <dsp:style>
+        <a:lnRef idx="0">
+          <a:scrgbClr r="0" g="0" b="0"/>
+        </a:lnRef>
+        <a:fillRef idx="1">
+          <a:scrgbClr r="0" g="0" b="0"/>
+        </a:fillRef>
+        <a:effectRef idx="0">
+          <a:scrgbClr r="0" g="0" b="0"/>
+        </a:effectRef>
+        <a:fontRef idx="minor"/>
+      </dsp:style>
+    </dsp:sp>
+    <dsp:sp modelId="{3D3D8432-C0ED-40ED-8025-8A8FBBF8CA00}">
+      <dsp:nvSpPr>
+        <dsp:cNvPr id="0" name=""/>
+        <dsp:cNvSpPr/>
+      </dsp:nvSpPr>
+      <dsp:spPr>
+        <a:xfrm>
+          <a:off x="184112" y="3182976"/>
+          <a:ext cx="334749" cy="334749"/>
+        </a:xfrm>
+        <a:prstGeom prst="rect">
+          <a:avLst/>
+        </a:prstGeom>
+        <a:blipFill>
+          <a:blip xmlns:r="http://schemas.openxmlformats.org/officeDocument/2006/relationships" r:embed="rId9">
+            <a:extLst>
+              <a:ext uri="{28A0092B-C50C-407E-A947-70E740481C1C}">
+                <a14:useLocalDpi xmlns:a14="http://schemas.microsoft.com/office/drawing/2010/main" val="0"/>
+              </a:ext>
+              <a:ext uri="{96DAC541-7B7A-43D3-8B79-37D633B846F1}">
+                <asvg:svgBlip xmlns:asvg="http://schemas.microsoft.com/office/drawing/2016/SVG/main" r:embed="rId10"/>
+              </a:ext>
+            </a:extLst>
+          </a:blip>
+          <a:stretch>
+            <a:fillRect/>
+          </a:stretch>
+        </a:blipFill>
+        <a:ln w="12700" cap="flat" cmpd="sng" algn="ctr">
+          <a:noFill/>
+          <a:prstDash val="solid"/>
+          <a:miter lim="800000"/>
+        </a:ln>
+        <a:effectLst/>
+      </dsp:spPr>
+      <dsp:style>
+        <a:lnRef idx="2">
+          <a:scrgbClr r="0" g="0" b="0"/>
+        </a:lnRef>
+        <a:fillRef idx="1">
+          <a:scrgbClr r="0" g="0" b="0"/>
+        </a:fillRef>
+        <a:effectRef idx="0">
+          <a:scrgbClr r="0" g="0" b="0"/>
+        </a:effectRef>
+        <a:fontRef idx="minor">
+          <a:schemeClr val="lt1"/>
+        </a:fontRef>
+      </dsp:style>
+    </dsp:sp>
+    <dsp:sp modelId="{E657E242-CDCE-4EFA-8DE4-88E7556DCBB1}">
+      <dsp:nvSpPr>
+        <dsp:cNvPr id="0" name=""/>
+        <dsp:cNvSpPr/>
+      </dsp:nvSpPr>
+      <dsp:spPr>
+        <a:xfrm>
+          <a:off x="702973" y="3046033"/>
+          <a:ext cx="6764625" cy="608635"/>
+        </a:xfrm>
+        <a:prstGeom prst="rect">
+          <a:avLst/>
+        </a:prstGeom>
+        <a:noFill/>
+        <a:ln>
+          <a:noFill/>
+        </a:ln>
+        <a:effectLst/>
+      </dsp:spPr>
+      <dsp:style>
+        <a:lnRef idx="0">
+          <a:scrgbClr r="0" g="0" b="0"/>
+        </a:lnRef>
+        <a:fillRef idx="0">
+          <a:scrgbClr r="0" g="0" b="0"/>
+        </a:fillRef>
+        <a:effectRef idx="0">
+          <a:scrgbClr r="0" g="0" b="0"/>
+        </a:effectRef>
+        <a:fontRef idx="minor"/>
+      </dsp:style>
+      <dsp:txBody>
+        <a:bodyPr spcFirstLastPara="0" vert="horz" wrap="square" lIns="64414" tIns="64414" rIns="64414" bIns="64414" numCol="1" spcCol="1270" anchor="ctr" anchorCtr="0">
+          <a:noAutofit/>
+        </a:bodyPr>
+        <a:lstStyle/>
+        <a:p>
+          <a:pPr marL="0" lvl="0" indent="0" algn="l" defTabSz="622300">
+            <a:lnSpc>
+              <a:spcPct val="90000"/>
+            </a:lnSpc>
+            <a:spcBef>
+              <a:spcPct val="0"/>
+            </a:spcBef>
+            <a:spcAft>
+              <a:spcPct val="35000"/>
+            </a:spcAft>
+            <a:buNone/>
+          </a:pPr>
+          <a:r>
+            <a:rPr lang="en-US" sz="1400" b="0" kern="1200" dirty="0">
+              <a:solidFill>
+                <a:schemeClr val="tx1">
+                  <a:lumMod val="65000"/>
+                  <a:lumOff val="35000"/>
+                </a:schemeClr>
+              </a:solidFill>
+              <a:latin typeface=""/>
+            </a:rPr>
+            <a:t>Step 5: Generate summarized message</a:t>
+          </a:r>
+          <a:endParaRPr lang="en-US" sz="1400" kern="1200" dirty="0">
+            <a:solidFill>
+              <a:schemeClr val="tx1">
+                <a:lumMod val="65000"/>
+                <a:lumOff val="35000"/>
+              </a:schemeClr>
+            </a:solidFill>
+            <a:latin typeface=""/>
+          </a:endParaRPr>
+        </a:p>
+      </dsp:txBody>
+      <dsp:txXfrm>
+        <a:off x="702973" y="3046033"/>
+        <a:ext cx="6764625" cy="608635"/>
+      </dsp:txXfrm>
+    </dsp:sp>
+  </dsp:spTree>
+</dsp:drawing>
+</file>
+
+<file path=ppt/diagrams/drawing2.xml><?xml version="1.0" encoding="utf-8"?>
+<dsp:drawing xmlns:dgm="http://schemas.openxmlformats.org/drawingml/2006/diagram" xmlns:dsp="http://schemas.microsoft.com/office/drawing/2008/diagram" xmlns:a="http://schemas.openxmlformats.org/drawingml/2006/main">
+  <dsp:spTree>
+    <dsp:nvGrpSpPr>
+      <dsp:cNvPr id="0" name=""/>
+      <dsp:cNvGrpSpPr/>
+    </dsp:nvGrpSpPr>
+    <dsp:grpSpPr/>
+    <dsp:sp modelId="{B29EB728-6AB7-401B-93CE-47CCDB1110AD}">
+      <dsp:nvSpPr>
+        <dsp:cNvPr id="0" name=""/>
+        <dsp:cNvSpPr/>
+      </dsp:nvSpPr>
+      <dsp:spPr>
+        <a:xfrm>
+          <a:off x="493217" y="686877"/>
+          <a:ext cx="806835" cy="806835"/>
+        </a:xfrm>
+        <a:prstGeom prst="rect">
+          <a:avLst/>
+        </a:prstGeom>
+        <a:blipFill>
+          <a:blip xmlns:r="http://schemas.openxmlformats.org/officeDocument/2006/relationships" r:embed="rId1">
+            <a:extLst>
+              <a:ext uri="{28A0092B-C50C-407E-A947-70E740481C1C}">
+                <a14:useLocalDpi xmlns:a14="http://schemas.microsoft.com/office/drawing/2010/main" val="0"/>
+              </a:ext>
+              <a:ext uri="{96DAC541-7B7A-43D3-8B79-37D633B846F1}">
+                <asvg:svgBlip xmlns:asvg="http://schemas.microsoft.com/office/drawing/2016/SVG/main" r:embed="rId2"/>
+              </a:ext>
+            </a:extLst>
+          </a:blip>
+          <a:stretch>
+            <a:fillRect/>
+          </a:stretch>
+        </a:blipFill>
+        <a:ln w="19050" cap="flat" cmpd="sng" algn="ctr">
+          <a:solidFill>
+            <a:schemeClr val="lt1">
+              <a:hueOff val="0"/>
+              <a:satOff val="0"/>
+              <a:lumOff val="0"/>
+              <a:alphaOff val="0"/>
+            </a:schemeClr>
+          </a:solidFill>
+          <a:prstDash val="solid"/>
+          <a:miter lim="800000"/>
+        </a:ln>
+        <a:effectLst/>
+      </dsp:spPr>
+      <dsp:style>
+        <a:lnRef idx="3">
+          <a:scrgbClr r="0" g="0" b="0"/>
+        </a:lnRef>
+        <a:fillRef idx="1">
+          <a:scrgbClr r="0" g="0" b="0"/>
+        </a:fillRef>
+        <a:effectRef idx="1">
+          <a:scrgbClr r="0" g="0" b="0"/>
+        </a:effectRef>
+        <a:fontRef idx="minor">
+          <a:schemeClr val="lt1"/>
+        </a:fontRef>
+      </dsp:style>
+    </dsp:sp>
+    <dsp:sp modelId="{BE455E73-9D2A-4016-8032-37EA4A46D1C8}">
+      <dsp:nvSpPr>
+        <dsp:cNvPr id="0" name=""/>
+        <dsp:cNvSpPr/>
+      </dsp:nvSpPr>
+      <dsp:spPr>
+        <a:xfrm>
+          <a:off x="151" y="1762770"/>
+          <a:ext cx="1792968" cy="717187"/>
+        </a:xfrm>
+        <a:prstGeom prst="rect">
+          <a:avLst/>
+        </a:prstGeom>
+        <a:noFill/>
+        <a:ln>
+          <a:noFill/>
+        </a:ln>
+        <a:effectLst/>
+      </dsp:spPr>
+      <dsp:style>
+        <a:lnRef idx="0">
+          <a:scrgbClr r="0" g="0" b="0"/>
+        </a:lnRef>
+        <a:fillRef idx="0">
+          <a:scrgbClr r="0" g="0" b="0"/>
+        </a:fillRef>
+        <a:effectRef idx="0">
+          <a:scrgbClr r="0" g="0" b="0"/>
+        </a:effectRef>
+        <a:fontRef idx="minor"/>
+      </dsp:style>
+      <dsp:txBody>
+        <a:bodyPr spcFirstLastPara="0" vert="horz" wrap="square" lIns="0" tIns="0" rIns="0" bIns="0" numCol="1" spcCol="1270" anchor="t" anchorCtr="0">
+          <a:noAutofit/>
+        </a:bodyPr>
+        <a:lstStyle/>
+        <a:p>
+          <a:pPr marL="0" lvl="0" indent="0" algn="ctr" defTabSz="622300">
+            <a:lnSpc>
+              <a:spcPct val="100000"/>
+            </a:lnSpc>
+            <a:spcBef>
+              <a:spcPct val="0"/>
+            </a:spcBef>
+            <a:spcAft>
+              <a:spcPct val="35000"/>
+            </a:spcAft>
+            <a:buNone/>
+          </a:pPr>
+          <a:r>
+            <a:rPr lang="en-US" sz="1400" b="0" i="0" kern="1200" dirty="0">
+              <a:solidFill>
+                <a:schemeClr val="tx1">
+                  <a:lumMod val="50000"/>
+                  <a:lumOff val="50000"/>
+                </a:schemeClr>
+              </a:solidFill>
+              <a:latin typeface=""/>
+            </a:rPr>
+            <a:t>Critical </a:t>
+          </a:r>
+          <a:r>
+            <a:rPr lang="en-US" sz="1400" b="0" i="0" kern="1200" dirty="0">
+              <a:solidFill>
+                <a:prstClr val="black">
+                  <a:lumMod val="50000"/>
+                  <a:lumOff val="50000"/>
+                </a:prstClr>
+              </a:solidFill>
+              <a:latin typeface=""/>
+              <a:ea typeface="+mn-ea"/>
+              <a:cs typeface="+mn-cs"/>
+            </a:rPr>
+            <a:t>path</a:t>
+          </a:r>
+          <a:r>
+            <a:rPr lang="en-US" sz="1400" b="0" i="0" kern="1200" dirty="0">
+              <a:solidFill>
+                <a:schemeClr val="tx1">
+                  <a:lumMod val="50000"/>
+                  <a:lumOff val="50000"/>
+                </a:schemeClr>
+              </a:solidFill>
+              <a:latin typeface=""/>
+            </a:rPr>
+            <a:t> </a:t>
+          </a:r>
+          <a:br>
+            <a:rPr lang="en-US" sz="1400" b="0" i="0" kern="1200" dirty="0">
+              <a:solidFill>
+                <a:schemeClr val="tx1">
+                  <a:lumMod val="50000"/>
+                  <a:lumOff val="50000"/>
+                </a:schemeClr>
+              </a:solidFill>
+              <a:latin typeface=""/>
+            </a:rPr>
+          </a:br>
+          <a:r>
+            <a:rPr lang="en-US" sz="1400" b="0" i="0" kern="1200" dirty="0">
+              <a:solidFill>
+                <a:schemeClr val="tx1">
+                  <a:lumMod val="50000"/>
+                  <a:lumOff val="50000"/>
+                </a:schemeClr>
+              </a:solidFill>
+              <a:latin typeface=""/>
+            </a:rPr>
+            <a:t>total duration: </a:t>
+          </a:r>
+          <a:br>
+            <a:rPr lang="en-US" sz="1400" b="0" i="0" kern="1200" dirty="0">
+              <a:solidFill>
+                <a:schemeClr val="tx1">
+                  <a:lumMod val="50000"/>
+                  <a:lumOff val="50000"/>
+                </a:schemeClr>
+              </a:solidFill>
+              <a:latin typeface=""/>
+            </a:rPr>
+          </a:br>
+          <a:r>
+            <a:rPr lang="en-US" sz="1400" b="0" i="0" kern="1200" dirty="0">
+              <a:solidFill>
+                <a:schemeClr val="tx1">
+                  <a:lumMod val="50000"/>
+                  <a:lumOff val="50000"/>
+                </a:schemeClr>
+              </a:solidFill>
+              <a:latin typeface=""/>
+            </a:rPr>
+            <a:t>27 days</a:t>
+          </a:r>
+          <a:endParaRPr lang="en-US" sz="1400" kern="1200" dirty="0">
+            <a:solidFill>
+              <a:schemeClr val="tx1">
+                <a:lumMod val="50000"/>
+                <a:lumOff val="50000"/>
+              </a:schemeClr>
+            </a:solidFill>
+            <a:latin typeface=""/>
+          </a:endParaRPr>
+        </a:p>
+      </dsp:txBody>
+      <dsp:txXfrm>
+        <a:off x="151" y="1762770"/>
+        <a:ext cx="1792968" cy="717187"/>
+      </dsp:txXfrm>
+    </dsp:sp>
+    <dsp:sp modelId="{DC247ED5-163B-492C-9A4C-CDBA93A1F3E8}">
+      <dsp:nvSpPr>
+        <dsp:cNvPr id="0" name=""/>
+        <dsp:cNvSpPr/>
+      </dsp:nvSpPr>
+      <dsp:spPr>
+        <a:xfrm>
+          <a:off x="2599955" y="686877"/>
+          <a:ext cx="806835" cy="806835"/>
+        </a:xfrm>
+        <a:prstGeom prst="rect">
+          <a:avLst/>
+        </a:prstGeom>
+        <a:blipFill>
+          <a:blip xmlns:r="http://schemas.openxmlformats.org/officeDocument/2006/relationships" r:embed="rId3">
+            <a:extLst>
+              <a:ext uri="{28A0092B-C50C-407E-A947-70E740481C1C}">
+                <a14:useLocalDpi xmlns:a14="http://schemas.microsoft.com/office/drawing/2010/main" val="0"/>
+              </a:ext>
+              <a:ext uri="{96DAC541-7B7A-43D3-8B79-37D633B846F1}">
+                <asvg:svgBlip xmlns:asvg="http://schemas.microsoft.com/office/drawing/2016/SVG/main" r:embed="rId4"/>
+              </a:ext>
+            </a:extLst>
+          </a:blip>
+          <a:stretch>
+            <a:fillRect/>
+          </a:stretch>
+        </a:blipFill>
+        <a:ln w="19050" cap="flat" cmpd="sng" algn="ctr">
+          <a:solidFill>
+            <a:schemeClr val="lt1">
+              <a:hueOff val="0"/>
+              <a:satOff val="0"/>
+              <a:lumOff val="0"/>
+              <a:alphaOff val="0"/>
+            </a:schemeClr>
+          </a:solidFill>
+          <a:prstDash val="solid"/>
+          <a:miter lim="800000"/>
+        </a:ln>
+        <a:effectLst/>
+      </dsp:spPr>
+      <dsp:style>
+        <a:lnRef idx="3">
+          <a:scrgbClr r="0" g="0" b="0"/>
+        </a:lnRef>
+        <a:fillRef idx="1">
+          <a:scrgbClr r="0" g="0" b="0"/>
+        </a:fillRef>
+        <a:effectRef idx="1">
+          <a:scrgbClr r="0" g="0" b="0"/>
+        </a:effectRef>
+        <a:fontRef idx="minor">
+          <a:schemeClr val="lt1"/>
+        </a:fontRef>
+      </dsp:style>
+    </dsp:sp>
+    <dsp:sp modelId="{98B9A346-C978-4DFF-8044-61F72682588F}">
+      <dsp:nvSpPr>
+        <dsp:cNvPr id="0" name=""/>
+        <dsp:cNvSpPr/>
+      </dsp:nvSpPr>
+      <dsp:spPr>
+        <a:xfrm>
+          <a:off x="2106889" y="1762770"/>
+          <a:ext cx="1792968" cy="717187"/>
+        </a:xfrm>
+        <a:prstGeom prst="rect">
+          <a:avLst/>
+        </a:prstGeom>
+        <a:noFill/>
+        <a:ln>
+          <a:noFill/>
+        </a:ln>
+        <a:effectLst/>
+      </dsp:spPr>
+      <dsp:style>
+        <a:lnRef idx="0">
+          <a:scrgbClr r="0" g="0" b="0"/>
+        </a:lnRef>
+        <a:fillRef idx="0">
+          <a:scrgbClr r="0" g="0" b="0"/>
+        </a:fillRef>
+        <a:effectRef idx="0">
+          <a:scrgbClr r="0" g="0" b="0"/>
+        </a:effectRef>
+        <a:fontRef idx="minor"/>
+      </dsp:style>
+      <dsp:txBody>
+        <a:bodyPr spcFirstLastPara="0" vert="horz" wrap="square" lIns="0" tIns="0" rIns="0" bIns="0" numCol="1" spcCol="1270" anchor="t" anchorCtr="0">
+          <a:noAutofit/>
+        </a:bodyPr>
+        <a:lstStyle/>
+        <a:p>
+          <a:pPr marL="0" lvl="0" indent="0" algn="ctr" defTabSz="666750">
+            <a:lnSpc>
+              <a:spcPct val="100000"/>
+            </a:lnSpc>
+            <a:spcBef>
+              <a:spcPct val="0"/>
+            </a:spcBef>
+            <a:spcAft>
+              <a:spcPct val="35000"/>
+            </a:spcAft>
+            <a:buNone/>
+          </a:pPr>
+          <a:r>
+            <a:rPr lang="en-US" sz="1400" b="0" i="0" kern="1200" dirty="0">
+              <a:solidFill>
+                <a:prstClr val="black">
+                  <a:lumMod val="50000"/>
+                  <a:lumOff val="50000"/>
+                </a:prstClr>
+              </a:solidFill>
+              <a:latin typeface=""/>
+              <a:ea typeface="+mn-ea"/>
+              <a:cs typeface="+mn-cs"/>
+            </a:rPr>
+            <a:t>Project completion possible within </a:t>
+          </a:r>
+          <a:br>
+            <a:rPr lang="en-US" sz="1400" b="0" i="0" kern="1200" dirty="0">
+              <a:solidFill>
+                <a:prstClr val="black">
+                  <a:lumMod val="50000"/>
+                  <a:lumOff val="50000"/>
+                </a:prstClr>
+              </a:solidFill>
+              <a:latin typeface=""/>
+              <a:ea typeface="+mn-ea"/>
+              <a:cs typeface="+mn-cs"/>
+            </a:rPr>
+          </a:br>
+          <a:r>
+            <a:rPr lang="en-US" sz="1400" b="0" i="0" kern="1200" dirty="0">
+              <a:solidFill>
+                <a:prstClr val="black">
+                  <a:lumMod val="50000"/>
+                  <a:lumOff val="50000"/>
+                </a:prstClr>
+              </a:solidFill>
+              <a:latin typeface=""/>
+              <a:ea typeface="+mn-ea"/>
+              <a:cs typeface="+mn-cs"/>
+            </a:rPr>
+            <a:t>30-day deadline</a:t>
+          </a:r>
+        </a:p>
+      </dsp:txBody>
+      <dsp:txXfrm>
+        <a:off x="2106889" y="1762770"/>
+        <a:ext cx="1792968" cy="717187"/>
+      </dsp:txXfrm>
+    </dsp:sp>
+    <dsp:sp modelId="{061AD154-2844-4A66-B949-5A56E2D47E9B}">
+      <dsp:nvSpPr>
+        <dsp:cNvPr id="0" name=""/>
+        <dsp:cNvSpPr/>
+      </dsp:nvSpPr>
+      <dsp:spPr>
+        <a:xfrm>
+          <a:off x="4706694" y="686877"/>
+          <a:ext cx="806835" cy="806835"/>
+        </a:xfrm>
+        <a:prstGeom prst="rect">
+          <a:avLst/>
+        </a:prstGeom>
+        <a:blipFill>
+          <a:blip xmlns:r="http://schemas.openxmlformats.org/officeDocument/2006/relationships" r:embed="rId5">
+            <a:extLst>
+              <a:ext uri="{28A0092B-C50C-407E-A947-70E740481C1C}">
+                <a14:useLocalDpi xmlns:a14="http://schemas.microsoft.com/office/drawing/2010/main" val="0"/>
+              </a:ext>
+              <a:ext uri="{96DAC541-7B7A-43D3-8B79-37D633B846F1}">
+                <asvg:svgBlip xmlns:asvg="http://schemas.microsoft.com/office/drawing/2016/SVG/main" r:embed="rId6"/>
+              </a:ext>
+            </a:extLst>
+          </a:blip>
+          <a:stretch>
+            <a:fillRect/>
+          </a:stretch>
+        </a:blipFill>
+        <a:ln w="19050" cap="flat" cmpd="sng" algn="ctr">
+          <a:solidFill>
+            <a:schemeClr val="lt1">
+              <a:hueOff val="0"/>
+              <a:satOff val="0"/>
+              <a:lumOff val="0"/>
+              <a:alphaOff val="0"/>
+            </a:schemeClr>
+          </a:solidFill>
+          <a:prstDash val="solid"/>
+          <a:miter lim="800000"/>
+        </a:ln>
+        <a:effectLst/>
+      </dsp:spPr>
+      <dsp:style>
+        <a:lnRef idx="3">
+          <a:scrgbClr r="0" g="0" b="0"/>
+        </a:lnRef>
+        <a:fillRef idx="1">
+          <a:scrgbClr r="0" g="0" b="0"/>
+        </a:fillRef>
+        <a:effectRef idx="1">
+          <a:scrgbClr r="0" g="0" b="0"/>
+        </a:effectRef>
+        <a:fontRef idx="minor">
+          <a:schemeClr val="lt1"/>
+        </a:fontRef>
+      </dsp:style>
+    </dsp:sp>
+    <dsp:sp modelId="{4A8CB2C8-3DB0-4E71-9BEC-FD886D39DD07}">
+      <dsp:nvSpPr>
+        <dsp:cNvPr id="0" name=""/>
+        <dsp:cNvSpPr/>
+      </dsp:nvSpPr>
+      <dsp:spPr>
+        <a:xfrm>
+          <a:off x="4213627" y="1762770"/>
+          <a:ext cx="1792968" cy="717187"/>
+        </a:xfrm>
+        <a:prstGeom prst="rect">
+          <a:avLst/>
+        </a:prstGeom>
+        <a:noFill/>
+        <a:ln>
+          <a:noFill/>
+        </a:ln>
+        <a:effectLst/>
+      </dsp:spPr>
+      <dsp:style>
+        <a:lnRef idx="0">
+          <a:scrgbClr r="0" g="0" b="0"/>
+        </a:lnRef>
+        <a:fillRef idx="0">
+          <a:scrgbClr r="0" g="0" b="0"/>
+        </a:fillRef>
+        <a:effectRef idx="0">
+          <a:scrgbClr r="0" g="0" b="0"/>
+        </a:effectRef>
+        <a:fontRef idx="minor"/>
+      </dsp:style>
+      <dsp:txBody>
+        <a:bodyPr spcFirstLastPara="0" vert="horz" wrap="square" lIns="0" tIns="0" rIns="0" bIns="0" numCol="1" spcCol="1270" anchor="t" anchorCtr="0">
+          <a:noAutofit/>
+        </a:bodyPr>
+        <a:lstStyle/>
+        <a:p>
+          <a:pPr marL="0" lvl="0" indent="0" algn="ctr" defTabSz="666750">
+            <a:lnSpc>
+              <a:spcPct val="100000"/>
+            </a:lnSpc>
+            <a:spcBef>
+              <a:spcPct val="0"/>
+            </a:spcBef>
+            <a:spcAft>
+              <a:spcPct val="35000"/>
+            </a:spcAft>
+            <a:buNone/>
+          </a:pPr>
+          <a:r>
+            <a:rPr lang="en-US" sz="1400" b="0" i="0" kern="1200" dirty="0">
+              <a:solidFill>
+                <a:prstClr val="black">
+                  <a:lumMod val="50000"/>
+                  <a:lumOff val="50000"/>
+                </a:prstClr>
+              </a:solidFill>
+              <a:latin typeface=""/>
+              <a:ea typeface="+mn-ea"/>
+              <a:cs typeface="+mn-cs"/>
+            </a:rPr>
+            <a:t>Non-critical tasks</a:t>
+          </a:r>
+          <a:br>
+            <a:rPr lang="en-US" sz="1400" b="0" i="0" kern="1200" dirty="0">
+              <a:solidFill>
+                <a:prstClr val="black">
+                  <a:lumMod val="50000"/>
+                  <a:lumOff val="50000"/>
+                </a:prstClr>
+              </a:solidFill>
+              <a:latin typeface=""/>
+              <a:ea typeface="+mn-ea"/>
+              <a:cs typeface="+mn-cs"/>
+            </a:rPr>
+          </a:br>
+          <a:r>
+            <a:rPr lang="en-US" sz="1400" b="0" i="0" kern="1200" dirty="0">
+              <a:solidFill>
+                <a:prstClr val="black">
+                  <a:lumMod val="50000"/>
+                  <a:lumOff val="50000"/>
+                </a:prstClr>
+              </a:solidFill>
+              <a:latin typeface=""/>
+              <a:ea typeface="+mn-ea"/>
+              <a:cs typeface="+mn-cs"/>
+            </a:rPr>
+            <a:t>with scheduling flexibility</a:t>
+          </a:r>
+        </a:p>
+      </dsp:txBody>
+      <dsp:txXfrm>
+        <a:off x="4213627" y="1762770"/>
+        <a:ext cx="1792968" cy="717187"/>
+      </dsp:txXfrm>
+    </dsp:sp>
+    <dsp:sp modelId="{C7C6E047-40AF-48E1-A74F-A5F056284F23}">
+      <dsp:nvSpPr>
+        <dsp:cNvPr id="0" name=""/>
+        <dsp:cNvSpPr/>
+      </dsp:nvSpPr>
+      <dsp:spPr>
+        <a:xfrm>
+          <a:off x="6813432" y="686877"/>
+          <a:ext cx="806835" cy="806835"/>
+        </a:xfrm>
+        <a:prstGeom prst="rect">
+          <a:avLst/>
+        </a:prstGeom>
+        <a:blipFill>
+          <a:blip xmlns:r="http://schemas.openxmlformats.org/officeDocument/2006/relationships" r:embed="rId7">
+            <a:extLst>
+              <a:ext uri="{28A0092B-C50C-407E-A947-70E740481C1C}">
+                <a14:useLocalDpi xmlns:a14="http://schemas.microsoft.com/office/drawing/2010/main" val="0"/>
+              </a:ext>
+              <a:ext uri="{96DAC541-7B7A-43D3-8B79-37D633B846F1}">
+                <asvg:svgBlip xmlns:asvg="http://schemas.microsoft.com/office/drawing/2016/SVG/main" r:embed="rId8"/>
+              </a:ext>
+            </a:extLst>
+          </a:blip>
+          <a:stretch>
+            <a:fillRect/>
+          </a:stretch>
+        </a:blipFill>
+        <a:ln w="19050" cap="flat" cmpd="sng" algn="ctr">
+          <a:solidFill>
+            <a:schemeClr val="lt1">
+              <a:hueOff val="0"/>
+              <a:satOff val="0"/>
+              <a:lumOff val="0"/>
+              <a:alphaOff val="0"/>
+            </a:schemeClr>
+          </a:solidFill>
+          <a:prstDash val="solid"/>
+          <a:miter lim="800000"/>
+        </a:ln>
+        <a:effectLst/>
+      </dsp:spPr>
+      <dsp:style>
+        <a:lnRef idx="3">
+          <a:scrgbClr r="0" g="0" b="0"/>
+        </a:lnRef>
+        <a:fillRef idx="1">
+          <a:scrgbClr r="0" g="0" b="0"/>
+        </a:fillRef>
+        <a:effectRef idx="1">
+          <a:scrgbClr r="0" g="0" b="0"/>
+        </a:effectRef>
+        <a:fontRef idx="minor">
+          <a:schemeClr val="lt1"/>
+        </a:fontRef>
+      </dsp:style>
+    </dsp:sp>
+    <dsp:sp modelId="{F6922295-1111-4D49-A0D4-470CAF958393}">
+      <dsp:nvSpPr>
+        <dsp:cNvPr id="0" name=""/>
+        <dsp:cNvSpPr/>
+      </dsp:nvSpPr>
+      <dsp:spPr>
+        <a:xfrm>
+          <a:off x="6320366" y="1762770"/>
+          <a:ext cx="1792968" cy="717187"/>
+        </a:xfrm>
+        <a:prstGeom prst="rect">
+          <a:avLst/>
+        </a:prstGeom>
+        <a:noFill/>
+        <a:ln>
+          <a:noFill/>
+        </a:ln>
+        <a:effectLst/>
+      </dsp:spPr>
+      <dsp:style>
+        <a:lnRef idx="0">
+          <a:scrgbClr r="0" g="0" b="0"/>
+        </a:lnRef>
+        <a:fillRef idx="0">
+          <a:scrgbClr r="0" g="0" b="0"/>
+        </a:fillRef>
+        <a:effectRef idx="0">
+          <a:scrgbClr r="0" g="0" b="0"/>
+        </a:effectRef>
+        <a:fontRef idx="minor"/>
+      </dsp:style>
+      <dsp:txBody>
+        <a:bodyPr spcFirstLastPara="0" vert="horz" wrap="square" lIns="0" tIns="0" rIns="0" bIns="0" numCol="1" spcCol="1270" anchor="t" anchorCtr="0">
+          <a:noAutofit/>
+        </a:bodyPr>
+        <a:lstStyle/>
+        <a:p>
+          <a:pPr marL="0" lvl="0" indent="0" algn="ctr" defTabSz="666750">
+            <a:lnSpc>
+              <a:spcPct val="100000"/>
+            </a:lnSpc>
+            <a:spcBef>
+              <a:spcPct val="0"/>
+            </a:spcBef>
+            <a:spcAft>
+              <a:spcPct val="35000"/>
+            </a:spcAft>
+            <a:buNone/>
+          </a:pPr>
+          <a:r>
+            <a:rPr lang="en-US" sz="1400" b="0" i="0" kern="1200" dirty="0">
+              <a:solidFill>
+                <a:prstClr val="black">
+                  <a:lumMod val="50000"/>
+                  <a:lumOff val="50000"/>
+                </a:prstClr>
+              </a:solidFill>
+              <a:latin typeface=""/>
+              <a:ea typeface="+mn-ea"/>
+              <a:cs typeface="+mn-cs"/>
+            </a:rPr>
+            <a:t>Inform decisions on resource allocation and task prioritization</a:t>
+          </a:r>
+        </a:p>
+      </dsp:txBody>
+      <dsp:txXfrm>
+        <a:off x="6320366" y="1762770"/>
+        <a:ext cx="1792968" cy="717187"/>
+      </dsp:txXfrm>
+    </dsp:sp>
+  </dsp:spTree>
+</dsp:drawing>
+</file>
+
+<file path=ppt/diagrams/layout1.xml><?xml version="1.0" encoding="utf-8"?>
+<dgm:layoutDef xmlns:dgm="http://schemas.openxmlformats.org/drawingml/2006/diagram" xmlns:a="http://schemas.openxmlformats.org/drawingml/2006/main" uniqueId="urn:microsoft.com/office/officeart/2018/2/layout/IconVerticalSolidList">
+  <dgm:title val="Icon Vertical Solid List"/>
+  <dgm:desc val="Use to show a series of visuals from top to bottom with Level 1 or Level 1 and Level 2 text grouped in a shape. Works best with icons or small pictures with lengthier descriptions."/>
+  <dgm:catLst>
+    <dgm:cat type="icon" pri="500"/>
+  </dgm:catLst>
+  <dgm:sampData useDef="1">
+    <dgm:dataModel>
+      <dgm:ptLst/>
+      <dgm:bg/>
+      <dgm:whole/>
+    </dgm:dataModel>
+  </dgm:sampData>
+  <dgm:styleData useDef="1">
+    <dgm:dataModel>
+      <dgm:ptLst/>
+      <dgm:bg/>
+      <dgm:whole/>
+    </dgm:dataModel>
+  </dgm:styleData>
+  <dgm:clrData useDef="1">
+    <dgm:dataModel>
+      <dgm:ptLst/>
+      <dgm:bg/>
+      <dgm:whole/>
+    </dgm:dataModel>
+  </dgm:clrData>
+  <dgm:layoutNode name="root">
+    <dgm:varLst>
+      <dgm:dir/>
+      <dgm:resizeHandles val="exact"/>
+    </dgm:varLst>
+    <dgm:choose name="Name0">
+      <dgm:if name="Name1" axis="self" func="var" arg="dir" op="equ" val="norm">
+        <dgm:alg type="lin">
+          <dgm:param type="linDir" val="fromT"/>
+          <dgm:param type="nodeHorzAlign" val="l"/>
+        </dgm:alg>
+      </dgm:if>
+      <dgm:else name="Name2">
+        <dgm:alg type="lin">
+          <dgm:param type="linDir" val="fromT"/>
+          <dgm:param type="nodeHorzAlign" val="r"/>
+        </dgm:alg>
+      </dgm:else>
+    </dgm:choose>
+    <dgm:shape xmlns:r="http://schemas.openxmlformats.org/officeDocument/2006/relationships" r:blip="">
+      <dgm:adjLst/>
+    </dgm:shape>
+    <dgm:presOf/>
+    <dgm:choose name="Name3">
+      <dgm:if name="Name4" axis="ch" ptType="node" func="cnt" op="lte" val="3">
+        <dgm:constrLst>
+          <dgm:constr type="h" for="ch" forName="compNode" refType="h" fact="0.3"/>
+          <dgm:constr type="w" for="ch" forName="compNode" refType="w"/>
+          <dgm:constr type="h" for="ch" forName="sibTrans" refType="h" refFor="ch" refForName="compNode" fact="0.25"/>
+          <dgm:constr type="primFontSz" for="des" forName="parTx" val="25"/>
+          <dgm:constr type="primFontSz" for="des" forName="desTx" refType="primFontSz" refFor="des" refForName="parTx" op="lte" fact="0.75"/>
+          <dgm:constr type="h" for="des" forName="compNode" op="equ"/>
+          <dgm:constr type="h" for="des" forName="bgRect" op="equ"/>
+          <dgm:constr type="h" for="des" forName="iconRect" op="equ"/>
+          <dgm:constr type="w" for="des" forName="iconRect" op="equ"/>
+          <dgm:constr type="h" for="des" forName="spaceRect" op="equ"/>
+          <dgm:constr type="h" for="des" forName="parTx" op="equ"/>
+          <dgm:constr type="h" for="des" forName="desTx" op="equ"/>
+        </dgm:constrLst>
+      </dgm:if>
+      <dgm:if name="Name5" axis="ch" ptType="node" func="cnt" op="lte" val="4">
+        <dgm:constrLst>
+          <dgm:constr type="h" for="ch" forName="compNode" refType="h" fact="0.3"/>
+          <dgm:constr type="w" for="ch" forName="compNode" refType="w"/>
+          <dgm:constr type="h" for="ch" forName="sibTrans" refType="h" refFor="ch" refForName="compNode" fact="0.25"/>
+          <dgm:constr type="primFontSz" for="des" forName="parTx" val="22"/>
+          <dgm:constr type="primFontSz" for="des" forName="desTx" refType="primFontSz" refFor="des" refForName="parTx" op="lte" fact="0.75"/>
+          <dgm:constr type="h" for="des" forName="compNode" op="equ"/>
+          <dgm:constr type="h" for="des" forName="bgRect" op="equ"/>
+          <dgm:constr type="h" for="des" forName="iconRect" op="equ"/>
+          <dgm:constr type="w" for="des" forName="iconRect" op="equ"/>
+          <dgm:constr type="h" for="des" forName="spaceRect" op="equ"/>
+          <dgm:constr type="h" for="des" forName="parTx" op="equ"/>
+          <dgm:constr type="h" for="des" forName="desTx" op="equ"/>
+        </dgm:constrLst>
+      </dgm:if>
+      <dgm:if name="Name6" axis="ch" ptType="node" func="cnt" op="lte" val="6">
+        <dgm:constrLst>
+          <dgm:constr type="h" for="ch" forName="compNode" refType="h" fact="0.3"/>
+          <dgm:constr type="w" for="ch" forName="compNode" refType="w"/>
+          <dgm:constr type="h" for="ch" forName="sibTrans" refType="h" refFor="ch" refForName="compNode" fact="0.25"/>
+          <dgm:constr type="primFontSz" for="des" forName="parTx" val="19"/>
+          <dgm:constr type="primFontSz" for="des" forName="desTx" refType="primFontSz" refFor="des" refForName="parTx" op="lte" fact="0.75"/>
+          <dgm:constr type="h" for="des" forName="compNode" op="equ"/>
+          <dgm:constr type="h" for="des" forName="bgRect" op="equ"/>
+          <dgm:constr type="h" for="des" forName="iconRect" op="equ"/>
+          <dgm:constr type="w" for="des" forName="iconRect" op="equ"/>
+          <dgm:constr type="h" for="des" forName="spaceRect" op="equ"/>
+          <dgm:constr type="h" for="des" forName="parTx" op="equ"/>
+          <dgm:constr type="h" for="des" forName="desTx" op="equ"/>
+        </dgm:constrLst>
+      </dgm:if>
+      <dgm:else name="Name7">
+        <dgm:constrLst>
+          <dgm:constr type="h" for="ch" forName="compNode" refType="h" fact="0.3"/>
+          <dgm:constr type="w" for="ch" forName="compNode" refType="w"/>
+          <dgm:constr type="h" for="ch" forName="sibTrans" refType="h" refFor="ch" refForName="compNode" fact="0.25"/>
+          <dgm:constr type="primFontSz" for="des" forName="parTx" val="16"/>
+          <dgm:constr type="primFontSz" for="des" forName="desTx" refType="primFontSz" refFor="des" refForName="parTx" op="lte" fact="0.75"/>
+          <dgm:constr type="h" for="des" forName="compNode" op="equ"/>
+          <dgm:constr type="h" for="des" forName="bgRect" op="equ"/>
+          <dgm:constr type="h" for="des" forName="iconRect" op="equ"/>
+          <dgm:constr type="w" for="des" forName="iconRect" op="equ"/>
+          <dgm:constr type="h" for="des" forName="spaceRect" op="equ"/>
+          <dgm:constr type="h" for="des" forName="parTx" op="equ"/>
+          <dgm:constr type="h" for="des" forName="desTx" op="equ"/>
+        </dgm:constrLst>
+      </dgm:else>
+    </dgm:choose>
+    <dgm:ruleLst>
+      <dgm:rule type="h" for="ch" forName="compNode" val="0" fact="NaN" max="NaN"/>
+    </dgm:ruleLst>
+    <dgm:forEach name="Name8" axis="ch" ptType="node">
+      <dgm:layoutNode name="compNode">
+        <dgm:alg type="composite"/>
+        <dgm:shape xmlns:r="http://schemas.openxmlformats.org/officeDocument/2006/relationships" r:blip="">
+          <dgm:adjLst/>
+        </dgm:shape>
+        <dgm:presOf axis="self"/>
+        <dgm:choose name="Name9">
+          <dgm:if name="Name10" axis="ch" ptType="node" func="cnt" op="gte" val="1">
+            <dgm:constrLst>
+              <dgm:constr type="w" for="ch" forName="bgRect" refType="w"/>
+              <dgm:constr type="h" for="ch" forName="bgRect" refType="h"/>
+              <dgm:constr type="l" for="ch" forName="bgRect"/>
+              <dgm:constr type="t" for="ch" forName="bgRect"/>
+              <dgm:constr type="h" for="ch" forName="iconRect" refType="h" fact="0.55"/>
+              <dgm:constr type="w" for="ch" forName="iconRect" refType="h" refFor="ch" refForName="iconRect"/>
+              <dgm:constr type="l" for="ch" forName="iconRect" refType="h" refFor="ch" refForName="iconRect" fact="0.55"/>
+              <dgm:constr type="ctrY" for="ch" forName="iconRect" refType="ctrY" refFor="ch" refForName="bgRect"/>
+              <dgm:constr type="w" for="ch" forName="spaceRect" refType="l" refFor="ch" refForName="iconRect"/>
+              <dgm:constr type="h" for="ch" forName="spaceRect" refType="h"/>
+              <dgm:constr type="l" for="ch" forName="spaceRect" refType="r" refFor="ch" refForName="iconRect"/>
+              <dgm:constr type="t" for="ch" forName="spaceRect"/>
+              <dgm:constr type="w" for="ch" forName="parTx" refType="w" fact="0.45"/>
+              <dgm:constr type="h" for="ch" forName="parTx" refType="h"/>
+              <dgm:constr type="l" for="ch" forName="parTx" refType="r" refFor="ch" refForName="spaceRect"/>
+              <dgm:constr type="t" for="ch" forName="parTx"/>
+              <dgm:constr type="h" for="ch" forName="desTx" refType="h"/>
+              <dgm:constr type="l" for="ch" forName="desTx" refType="r" refFor="ch" refForName="parTx"/>
+              <dgm:constr type="t" for="ch" forName="desTx"/>
+            </dgm:constrLst>
+          </dgm:if>
+          <dgm:else name="Name11">
+            <dgm:constrLst>
+              <dgm:constr type="w" for="ch" forName="bgRect" refType="w"/>
+              <dgm:constr type="h" for="ch" forName="bgRect" refType="h"/>
+              <dgm:constr type="l" for="ch" forName="bgRect"/>
+              <dgm:constr type="t" for="ch" forName="bgRect"/>
+              <dgm:constr type="h" for="ch" forName="iconRect" refType="h" fact="0.55"/>
+              <dgm:constr type="w" for="ch" forName="iconRect" refType="h" refFor="ch" refForName="iconRect"/>
+              <dgm:constr type="l" for="ch" forName="iconRect" refType="h" refFor="ch" refForName="iconRect" fact="0.55"/>
+              <dgm:constr type="ctrY" for="ch" forName="iconRect" refType="ctrY" refFor="ch" refForName="bgRect"/>
+              <dgm:constr type="w" for="ch" forName="spaceRect" refType="l" refFor="ch" refForName="iconRect"/>
+              <dgm:constr type="h" for="ch" forName="spaceRect" refType="h"/>
+              <dgm:constr type="l" for="ch" forName="spaceRect" refType="r" refFor="ch" refForName="iconRect"/>
+              <dgm:constr type="t" for="ch" forName="spaceRect"/>
+              <dgm:constr type="h" for="ch" forName="parTx" refType="h"/>
+              <dgm:constr type="l" for="ch" forName="parTx" refType="r" refFor="ch" refForName="spaceRect"/>
+              <dgm:constr type="t" for="ch" forName="parTx"/>
+            </dgm:constrLst>
+          </dgm:else>
+        </dgm:choose>
+        <dgm:ruleLst>
+          <dgm:rule type="h" val="INF" fact="NaN" max="NaN"/>
+        </dgm:ruleLst>
+        <dgm:layoutNode name="bgRect" styleLbl="bgShp">
+          <dgm:alg type="sp"/>
+          <dgm:shape xmlns:r="http://schemas.openxmlformats.org/officeDocument/2006/relationships" type="roundRect" r:blip="">
+            <dgm:adjLst>
+              <dgm:adj idx="1" val="0.1"/>
+            </dgm:adjLst>
+          </dgm:shape>
+          <dgm:presOf/>
+          <dgm:constrLst/>
+          <dgm:ruleLst/>
+        </dgm:layoutNode>
+        <dgm:layoutNode name="iconRect" styleLbl="node1">
+          <dgm:alg type="sp"/>
+          <dgm:shape xmlns:r="http://schemas.openxmlformats.org/officeDocument/2006/relationships" type="rect" r:blip="" blipPhldr="1">
+            <dgm:adjLst/>
+          </dgm:shape>
+          <dgm:presOf/>
+          <dgm:constrLst/>
+          <dgm:ruleLst/>
+        </dgm:layoutNode>
+        <dgm:layoutNode name="spaceRect">
+          <dgm:alg type="sp"/>
+          <dgm:shape xmlns:r="http://schemas.openxmlformats.org/officeDocument/2006/relationships" r:blip="">
+            <dgm:adjLst/>
+          </dgm:shape>
+          <dgm:presOf/>
+          <dgm:constrLst/>
+          <dgm:ruleLst/>
+        </dgm:layoutNode>
+        <dgm:layoutNode name="parTx" styleLbl="revTx">
+          <dgm:varLst>
+            <dgm:chMax val="0"/>
+            <dgm:chPref val="0"/>
+          </dgm:varLst>
+          <dgm:alg type="tx">
+            <dgm:param type="txAnchorVert" val="mid"/>
+            <dgm:param type="parTxLTRAlign" val="l"/>
+            <dgm:param type="shpTxLTRAlignCh" val="l"/>
+            <dgm:param type="parTxRTLAlign" val="r"/>
+            <dgm:param type="shpTxRTLAlignCh" val="r"/>
+          </dgm:alg>
+          <dgm:shape xmlns:r="http://schemas.openxmlformats.org/officeDocument/2006/relationships" type="rect" r:blip="">
+            <dgm:adjLst/>
+          </dgm:shape>
+          <dgm:presOf axis="self" ptType="node"/>
+          <dgm:constrLst>
+            <dgm:constr type="lMarg" refType="h" fact="0.3"/>
+            <dgm:constr type="rMarg" refType="h" fact="0.3"/>
+            <dgm:constr type="tMarg" refType="h" fact="0.3"/>
+            <dgm:constr type="bMarg" refType="h" fact="0.3"/>
+          </dgm:constrLst>
+          <dgm:ruleLst>
+            <dgm:rule type="primFontSz" val="14" fact="NaN" max="NaN"/>
+            <dgm:rule type="h" val="INF" fact="NaN" max="NaN"/>
+          </dgm:ruleLst>
+        </dgm:layoutNode>
+        <dgm:choose name="Name12">
+          <dgm:if name="Name13" axis="ch" ptType="node" func="cnt" op="gte" val="1">
+            <dgm:layoutNode name="desTx" styleLbl="revTx">
+              <dgm:varLst/>
+              <dgm:alg type="tx">
+                <dgm:param type="txAnchorVertCh" val="mid"/>
+                <dgm:param type="parTxLTRAlign" val="l"/>
+                <dgm:param type="shpTxLTRAlignCh" val="l"/>
+                <dgm:param type="parTxRTLAlign" val="r"/>
+                <dgm:param type="shpTxRTLAlignCh" val="r"/>
+                <dgm:param type="stBulletLvl" val="0"/>
+              </dgm:alg>
+              <dgm:shape xmlns:r="http://schemas.openxmlformats.org/officeDocument/2006/relationships" type="rect" r:blip="">
+                <dgm:adjLst/>
+              </dgm:shape>
+              <dgm:presOf axis="des" ptType="node"/>
+              <dgm:constrLst>
+                <dgm:constr type="primFontSz" val="18"/>
+                <dgm:constr type="secFontSz" refType="primFontSz"/>
+                <dgm:constr type="lMarg" refType="h" fact="0.3"/>
+                <dgm:constr type="rMarg" refType="h" fact="0.3"/>
+                <dgm:constr type="tMarg" refType="h" fact="0.3"/>
+                <dgm:constr type="bMarg" refType="h" fact="0.3"/>
+              </dgm:constrLst>
+              <dgm:ruleLst>
+                <dgm:rule type="primFontSz" val="11" fact="NaN" max="NaN"/>
+              </dgm:ruleLst>
+            </dgm:layoutNode>
+          </dgm:if>
+          <dgm:else name="Name14"/>
+        </dgm:choose>
+      </dgm:layoutNode>
+      <dgm:forEach name="Name15" axis="followSib" ptType="sibTrans" cnt="1">
+        <dgm:layoutNode name="sibTrans">
+          <dgm:alg type="sp"/>
+          <dgm:shape xmlns:r="http://schemas.openxmlformats.org/officeDocument/2006/relationships" r:blip="">
+            <dgm:adjLst/>
+          </dgm:shape>
+          <dgm:presOf axis="self"/>
+          <dgm:constrLst/>
+          <dgm:ruleLst/>
+        </dgm:layoutNode>
+      </dgm:forEach>
+    </dgm:forEach>
+  </dgm:layoutNode>
+  <dgm:extLst>
+    <a:ext uri="{68A01E43-0DF5-4B5B-8FA6-DAF915123BFB}">
+      <dgm1612:lstStyle xmlns:dgm1612="http://schemas.microsoft.com/office/drawing/2016/12/diagram">
+        <a:lvl1pPr>
+          <a:lnSpc>
+            <a:spcPct val="100000"/>
+          </a:lnSpc>
+        </a:lvl1pPr>
+        <a:lvl2pPr>
+          <a:lnSpc>
+            <a:spcPct val="100000"/>
+          </a:lnSpc>
+        </a:lvl2pPr>
+      </dgm1612:lstStyle>
+    </a:ext>
+  </dgm:extLst>
+</dgm:layoutDef>
+</file>
+
+<file path=ppt/diagrams/layout2.xml><?xml version="1.0" encoding="utf-8"?>
+<dgm:layoutDef xmlns:dgm="http://schemas.openxmlformats.org/drawingml/2006/diagram" xmlns:a="http://schemas.openxmlformats.org/drawingml/2006/main" uniqueId="urn:microsoft.com/office/officeart/2018/2/layout/IconLabelList">
+  <dgm:title val="Icon Label List"/>
+  <dgm:desc val="Use to show non-sequential or grouped chunks of information accompanied by a related visuals. Works best with icons or small pictures with short text captions."/>
+  <dgm:catLst>
+    <dgm:cat type="icon" pri="500"/>
+  </dgm:catLst>
+  <dgm:sampData useDef="1">
+    <dgm:dataModel>
+      <dgm:ptLst/>
+      <dgm:bg/>
+      <dgm:whole/>
+    </dgm:dataModel>
+  </dgm:sampData>
+  <dgm:styleData useDef="1">
+    <dgm:dataModel>
+      <dgm:ptLst/>
+      <dgm:bg/>
+      <dgm:whole/>
+    </dgm:dataModel>
+  </dgm:styleData>
+  <dgm:clrData useDef="1">
+    <dgm:dataModel>
+      <dgm:ptLst/>
+      <dgm:bg/>
+      <dgm:whole/>
+    </dgm:dataModel>
+  </dgm:clrData>
+  <dgm:layoutNode name="root">
+    <dgm:varLst>
+      <dgm:dir/>
+      <dgm:resizeHandles val="exact"/>
+    </dgm:varLst>
+    <dgm:choose name="Name0">
+      <dgm:if name="Name1" axis="self" func="var" arg="dir" op="equ" val="norm">
+        <dgm:alg type="snake">
+          <dgm:param type="grDir" val="tL"/>
+          <dgm:param type="flowDir" val="row"/>
+          <dgm:param type="contDir" val="sameDir"/>
+          <dgm:param type="off" val="ctr"/>
+          <dgm:param type="vertAlign" val="mid"/>
+          <dgm:param type="horzAlign" val="ctr"/>
+        </dgm:alg>
+      </dgm:if>
+      <dgm:else name="Name2">
+        <dgm:alg type="snake">
+          <dgm:param type="grDir" val="tR"/>
+          <dgm:param type="flowDir" val="row"/>
+          <dgm:param type="contDir" val="sameDir"/>
+          <dgm:param type="off" val="ctr"/>
+          <dgm:param type="vertAlign" val="mid"/>
+          <dgm:param type="horzAlign" val="ctr"/>
+        </dgm:alg>
+      </dgm:else>
+    </dgm:choose>
+    <dgm:shape xmlns:r="http://schemas.openxmlformats.org/officeDocument/2006/relationships" r:blip="">
+      <dgm:adjLst/>
+    </dgm:shape>
+    <dgm:presOf/>
+    <dgm:choose name="Name3">
+      <dgm:if name="Name4" axis="ch" ptType="node" func="cnt" op="lte" val="2">
+        <dgm:constrLst>
+          <dgm:constr type="h" for="ch" forName="compNode" refType="h" fact="0.4"/>
+          <dgm:constr type="w" for="ch" forName="compNode" val="120"/>
+          <dgm:constr type="w" for="ch" forName="sibTrans" refType="w" refFor="ch" refForName="compNode" fact="0.175"/>
+          <dgm:constr type="sp" refType="w" refFor="ch" refForName="compNode" op="equ" fact="0.25"/>
+          <dgm:constr type="primFontSz" for="des" ptType="node" op="equ" val="50"/>
+          <dgm:constr type="h" for="des" forName="compNode" op="equ"/>
+          <dgm:constr type="h" for="des" forName="textRect" op="equ"/>
+        </dgm:constrLst>
+      </dgm:if>
+      <dgm:if name="Name5" axis="ch" ptType="node" func="cnt" op="lte" val="4">
+        <dgm:constrLst>
+          <dgm:constr type="h" for="ch" forName="compNode" refType="h" fact="0.4"/>
+          <dgm:constr type="w" for="ch" forName="compNode" refType="w"/>
+          <dgm:constr type="w" for="ch" forName="sibTrans" refType="w" refFor="ch" refForName="compNode" fact="0.175"/>
+          <dgm:constr type="sp" refType="w" refFor="ch" refForName="compNode" op="equ" fact="0.25"/>
+          <dgm:constr type="primFontSz" for="des" ptType="node" op="equ" val="36"/>
+          <dgm:constr type="h" for="des" forName="compNode" op="equ"/>
+          <dgm:constr type="h" for="des" forName="textRect" op="equ"/>
+        </dgm:constrLst>
+      </dgm:if>
+      <dgm:else name="Name6">
+        <dgm:constrLst>
+          <dgm:constr type="h" for="ch" forName="compNode" refType="h" fact="0.4"/>
+          <dgm:constr type="w" for="ch" forName="compNode" refType="w"/>
+          <dgm:constr type="w" for="ch" forName="sibTrans" refType="w" refFor="ch" refForName="compNode" fact="0.175"/>
+          <dgm:constr type="sp" refType="w" refFor="ch" refForName="compNode" op="equ" fact="0.25"/>
+          <dgm:constr type="primFontSz" for="des" ptType="node" op="equ" val="24"/>
+          <dgm:constr type="h" for="des" forName="compNode" op="equ"/>
+          <dgm:constr type="h" for="des" forName="textRect" op="equ"/>
+        </dgm:constrLst>
+      </dgm:else>
+    </dgm:choose>
+    <dgm:ruleLst>
+      <dgm:rule type="w" for="ch" forName="compNode" val="50" fact="NaN" max="NaN"/>
+    </dgm:ruleLst>
+    <dgm:forEach name="Name7" axis="ch" ptType="node">
+      <dgm:layoutNode name="compNode">
+        <dgm:alg type="composite"/>
+        <dgm:shape xmlns:r="http://schemas.openxmlformats.org/officeDocument/2006/relationships" r:blip="">
+          <dgm:adjLst/>
+        </dgm:shape>
+        <dgm:presOf axis="self"/>
+        <dgm:constrLst>
+          <dgm:constr type="w" for="ch" forName="iconRect" refType="w" fact="0.45"/>
+          <dgm:constr type="h" for="ch" forName="iconRect" refType="w" refFor="ch" refForName="iconRect"/>
+          <dgm:constr type="ctrX" for="ch" forName="iconRect" refType="w" fact="0.5"/>
+          <dgm:constr type="t" for="ch" forName="iconRect"/>
+          <dgm:constr type="h" for="ch" forName="spaceRect" refType="h" fact="0.15"/>
+          <dgm:constr type="w" for="ch" forName="spaceRect" refType="w"/>
+          <dgm:constr type="l" for="ch" forName="spaceRect"/>
+          <dgm:constr type="t" for="ch" forName="spaceRect" refType="b" refFor="ch" refForName="iconRect"/>
+          <dgm:constr type="h" for="ch" forName="textRect" val="20"/>
+          <dgm:constr type="w" for="ch" forName="textRect" refType="w"/>
+          <dgm:constr type="l" for="ch" forName="textRect"/>
+          <dgm:constr type="t" for="ch" forName="textRect" refType="b" refFor="ch" refForName="spaceRect"/>
+        </dgm:constrLst>
+        <dgm:ruleLst>
+          <dgm:rule type="h" val="INF" fact="NaN" max="NaN"/>
+        </dgm:ruleLst>
+        <dgm:layoutNode name="iconRect" styleLbl="node1">
+          <dgm:alg type="sp"/>
+          <dgm:shape xmlns:r="http://schemas.openxmlformats.org/officeDocument/2006/relationships" type="rect" r:blip="" blipPhldr="1">
+            <dgm:adjLst/>
+          </dgm:shape>
+          <dgm:presOf/>
+          <dgm:constrLst/>
+          <dgm:ruleLst/>
+        </dgm:layoutNode>
+        <dgm:layoutNode name="spaceRect">
+          <dgm:alg type="sp"/>
+          <dgm:shape xmlns:r="http://schemas.openxmlformats.org/officeDocument/2006/relationships" r:blip="">
+            <dgm:adjLst/>
+          </dgm:shape>
+          <dgm:presOf/>
+          <dgm:constrLst/>
+          <dgm:ruleLst/>
+        </dgm:layoutNode>
+        <dgm:layoutNode name="textRect" styleLbl="revTx">
+          <dgm:varLst>
+            <dgm:chMax val="1"/>
+            <dgm:chPref val="1"/>
+          </dgm:varLst>
+          <dgm:alg type="tx">
+            <dgm:param type="txAnchorVert" val="t"/>
+          </dgm:alg>
+          <dgm:shape xmlns:r="http://schemas.openxmlformats.org/officeDocument/2006/relationships" type="rect" r:blip="">
+            <dgm:adjLst/>
+          </dgm:shape>
+          <dgm:presOf axis="self" ptType="node"/>
+          <dgm:constrLst>
+            <dgm:constr type="lMarg"/>
+            <dgm:constr type="rMarg"/>
+            <dgm:constr type="tMarg"/>
+            <dgm:constr type="bMarg"/>
+          </dgm:constrLst>
+          <dgm:ruleLst>
+            <dgm:rule type="primFontSz" val="11" fact="NaN" max="NaN"/>
+            <dgm:rule type="h" val="INF" fact="NaN" max="NaN"/>
+          </dgm:ruleLst>
+        </dgm:layoutNode>
+      </dgm:layoutNode>
+      <dgm:forEach name="Name8" axis="followSib" ptType="sibTrans" cnt="1">
+        <dgm:layoutNode name="sibTrans">
+          <dgm:alg type="sp"/>
+          <dgm:shape xmlns:r="http://schemas.openxmlformats.org/officeDocument/2006/relationships" r:blip="">
+            <dgm:adjLst/>
+          </dgm:shape>
+          <dgm:presOf axis="self"/>
+          <dgm:constrLst/>
+          <dgm:ruleLst/>
+        </dgm:layoutNode>
+      </dgm:forEach>
+    </dgm:forEach>
+  </dgm:layoutNode>
+  <dgm:extLst>
+    <a:ext uri="{68A01E43-0DF5-4B5B-8FA6-DAF915123BFB}">
+      <dgm1612:lstStyle xmlns:dgm1612="http://schemas.microsoft.com/office/drawing/2016/12/diagram">
+        <a:lvl1pPr>
+          <a:lnSpc>
+            <a:spcPct val="100000"/>
+          </a:lnSpc>
+        </a:lvl1pPr>
+      </dgm1612:lstStyle>
+    </a:ext>
+  </dgm:extLst>
+</dgm:layoutDef>
+</file>
+
+<file path=ppt/diagrams/quickStyle1.xml><?xml version="1.0" encoding="utf-8"?>
+<dgm:styleDef xmlns:dgm="http://schemas.openxmlformats.org/drawingml/2006/diagram" xmlns:a="http://schemas.openxmlformats.org/drawingml/2006/main" uniqueId="urn:microsoft.com/office/officeart/2005/8/quickstyle/simple1">
+  <dgm:title val=""/>
+  <dgm:desc val=""/>
+  <dgm:catLst>
+    <dgm:cat type="simple" pri="10100"/>
+  </dgm:catLst>
+  <dgm:scene3d>
+    <a:camera prst="orthographicFront"/>
+    <a:lightRig rig="threePt" dir="t"/>
+  </dgm:scene3d>
+  <dgm:styleLbl name="node0">
+    <dgm:scene3d>
+      <a:camera prst="orthographicFront"/>
+      <a:lightRig rig="threePt" dir="t"/>
+    </dgm:scene3d>
+    <dgm:sp3d/>
+    <dgm:txPr/>
+    <dgm:style>
+      <a:lnRef idx="2">
+        <a:scrgbClr r="0" g="0" b="0"/>
+      </a:lnRef>
+      <a:fillRef idx="1">
+        <a:scrgbClr r="0" g="0" b="0"/>
+      </a:fillRef>
+      <a:effectRef idx="0">
+        <a:scrgbClr r="0" g="0" b="0"/>
+      </a:effectRef>
+      <a:fontRef idx="minor">
+        <a:schemeClr val="lt1"/>
+      </a:fontRef>
+    </dgm:style>
+  </dgm:styleLbl>
+  <dgm:styleLbl name="lnNode1">
+    <dgm:scene3d>
+      <a:camera prst="orthographicFront"/>
+      <a:lightRig rig="threePt" dir="t"/>
+    </dgm:scene3d>
+    <dgm:sp3d/>
+    <dgm:txPr/>
+    <dgm:style>
+      <a:lnRef idx="2">
+        <a:scrgbClr r="0" g="0" b="0"/>
+      </a:lnRef>
+      <a:fillRef idx="1">
+        <a:scrgbClr r="0" g="0" b="0"/>
+      </a:fillRef>
+      <a:effectRef idx="0">
+        <a:scrgbClr r="0" g="0" b="0"/>
+      </a:effectRef>
+      <a:fontRef idx="minor">
+        <a:schemeClr val="lt1"/>
+      </a:fontRef>
+    </dgm:style>
+  </dgm:styleLbl>
+  <dgm:styleLbl name="vennNode1">
+    <dgm:scene3d>
+      <a:camera prst="orthographicFront"/>
+      <a:lightRig rig="threePt" dir="t"/>
+    </dgm:scene3d>
+    <dgm:sp3d/>
+    <dgm:txPr/>
+    <dgm:style>
+      <a:lnRef idx="2">
+        <a:scrgbClr r="0" g="0" b="0"/>
+      </a:lnRef>
+      <a:fillRef idx="1">
+        <a:scrgbClr r="0" g="0" b="0"/>
+      </a:fillRef>
+      <a:effectRef idx="0">
+        <a:scrgbClr r="0" g="0" b="0"/>
+      </a:effectRef>
+      <a:fontRef idx="minor">
+        <a:schemeClr val="tx1"/>
+      </a:fontRef>
+    </dgm:style>
+  </dgm:styleLbl>
+  <dgm:styleLbl name="alignNode1">
+    <dgm:scene3d>
+      <a:camera prst="orthographicFront"/>
+      <a:lightRig rig="threePt" dir="t"/>
+    </dgm:scene3d>
+    <dgm:sp3d/>
+    <dgm:txPr/>
+    <dgm:style>
+      <a:lnRef idx="2">
+        <a:scrgbClr r="0" g="0" b="0"/>
+      </a:lnRef>
+      <a:fillRef idx="1">
+        <a:scrgbClr r="0" g="0" b="0"/>
+      </a:fillRef>
+      <a:effectRef idx="0">
+        <a:scrgbClr r="0" g="0" b="0"/>
+      </a:effectRef>
+      <a:fontRef idx="minor">
+        <a:schemeClr val="lt1"/>
+      </a:fontRef>
+    </dgm:style>
+  </dgm:styleLbl>
+  <dgm:styleLbl name="node1">
+    <dgm:scene3d>
+      <a:camera prst="orthographicFront"/>
+      <a:lightRig rig="threePt" dir="t"/>
+    </dgm:scene3d>
+    <dgm:sp3d/>
+    <dgm:txPr/>
+    <dgm:style>
+      <a:lnRef idx="2">
+        <a:scrgbClr r="0" g="0" b="0"/>
+      </a:lnRef>
+      <a:fillRef idx="1">
+        <a:scrgbClr r="0" g="0" b="0"/>
+      </a:fillRef>
+      <a:effectRef idx="0">
+        <a:scrgbClr r="0" g="0" b="0"/>
+      </a:effectRef>
+      <a:fontRef idx="minor">
+        <a:schemeClr val="lt1"/>
+      </a:fontRef>
+    </dgm:style>
+  </dgm:styleLbl>
+  <dgm:styleLbl name="node2">
+    <dgm:scene3d>
+      <a:camera prst="orthographicFront"/>
+      <a:lightRig rig="threePt" dir="t"/>
+    </dgm:scene3d>
+    <dgm:sp3d/>
+    <dgm:txPr/>
+    <dgm:style>
+      <a:lnRef idx="2">
+        <a:scrgbClr r="0" g="0" b="0"/>
+      </a:lnRef>
+      <a:fillRef idx="1">
+        <a:scrgbClr r="0" g="0" b="0"/>
+      </a:fillRef>
+      <a:effectRef idx="0">
+        <a:scrgbClr r="0" g="0" b="0"/>
+      </a:effectRef>
+      <a:fontRef idx="minor">
+        <a:schemeClr val="lt1"/>
+      </a:fontRef>
+    </dgm:style>
+  </dgm:styleLbl>
+  <dgm:styleLbl name="node3">
+    <dgm:scene3d>
+      <a:camera prst="orthographicFront"/>
+      <a:lightRig rig="threePt" dir="t"/>
+    </dgm:scene3d>
+    <dgm:sp3d/>
+    <dgm:txPr/>
+    <dgm:style>
+      <a:lnRef idx="2">
+        <a:scrgbClr r="0" g="0" b="0"/>
+      </a:lnRef>
+      <a:fillRef idx="1">
+        <a:scrgbClr r="0" g="0" b="0"/>
+      </a:fillRef>
+      <a:effectRef idx="0">
+        <a:scrgbClr r="0" g="0" b="0"/>
+      </a:effectRef>
+      <a:fontRef idx="minor">
+        <a:schemeClr val="lt1"/>
+      </a:fontRef>
+    </dgm:style>
+  </dgm:styleLbl>
+  <dgm:styleLbl name="node4">
+    <dgm:scene3d>
+      <a:camera prst="orthographicFront"/>
+      <a:lightRig rig="threePt" dir="t"/>
+    </dgm:scene3d>
+    <dgm:sp3d/>
+    <dgm:txPr/>
+    <dgm:style>
+      <a:lnRef idx="2">
+        <a:scrgbClr r="0" g="0" b="0"/>
+      </a:lnRef>
+      <a:fillRef idx="1">
+        <a:scrgbClr r="0" g="0" b="0"/>
+      </a:fillRef>
+      <a:effectRef idx="0">
+        <a:scrgbClr r="0" g="0" b="0"/>
+      </a:effectRef>
+      <a:fontRef idx="minor">
+        <a:schemeClr val="lt1"/>
+      </a:fontRef>
+    </dgm:style>
+  </dgm:styleLbl>
+  <dgm:styleLbl name="fgImgPlace1">
+    <dgm:scene3d>
+      <a:camera prst="orthographicFront"/>
+      <a:lightRig rig="threePt" dir="t"/>
+    </dgm:scene3d>
+    <dgm:sp3d/>
+    <dgm:txPr/>
+    <dgm:style>
+      <a:lnRef idx="2">
+        <a:scrgbClr r="0" g="0" b="0"/>
+      </a:lnRef>
+      <a:fillRef idx="1">
+        <a:scrgbClr r="0" g="0" b="0"/>
+      </a:fillRef>
+      <a:effectRef idx="0">
+        <a:scrgbClr r="0" g="0" b="0"/>
+      </a:effectRef>
+      <a:fontRef idx="minor"/>
+    </dgm:style>
+  </dgm:styleLbl>
+  <dgm:styleLbl name="alignImgPlace1">
+    <dgm:scene3d>
+      <a:camera prst="orthographicFront"/>
+      <a:lightRig rig="threePt" dir="t"/>
+    </dgm:scene3d>
+    <dgm:sp3d/>
+    <dgm:txPr/>
+    <dgm:style>
+      <a:lnRef idx="2">
+        <a:scrgbClr r="0" g="0" b="0"/>
+      </a:lnRef>
+      <a:fillRef idx="1">
+        <a:scrgbClr r="0" g="0" b="0"/>
+      </a:fillRef>
+      <a:effectRef idx="0">
+        <a:scrgbClr r="0" g="0" b="0"/>
+      </a:effectRef>
+      <a:fontRef idx="minor"/>
+    </dgm:style>
+  </dgm:styleLbl>
+  <dgm:styleLbl name="bgImgPlace1">
+    <dgm:scene3d>
+      <a:camera prst="orthographicFront"/>
+      <a:lightRig rig="threePt" dir="t"/>
+    </dgm:scene3d>
+    <dgm:sp3d/>
+    <dgm:txPr/>
+    <dgm:style>
+      <a:lnRef idx="2">
+        <a:scrgbClr r="0" g="0" b="0"/>
+      </a:lnRef>
+      <a:fillRef idx="1">
+        <a:scrgbClr r="0" g="0" b="0"/>
+      </a:fillRef>
+      <a:effectRef idx="0">
+        <a:scrgbClr r="0" g="0" b="0"/>
+      </a:effectRef>
+      <a:fontRef idx="minor"/>
+    </dgm:style>
+  </dgm:styleLbl>
+  <dgm:styleLbl name="sibTrans2D1">
+    <dgm:scene3d>
+      <a:camera prst="orthographicFront"/>
+      <a:lightRig rig="threePt" dir="t"/>
+    </dgm:scene3d>
+    <dgm:sp3d/>
+    <dgm:txPr/>
+    <dgm:style>
+      <a:lnRef idx="0">
+        <a:scrgbClr r="0" g="0" b="0"/>
+      </a:lnRef>
+      <a:fillRef idx="1">
+        <a:scrgbClr r="0" g="0" b="0"/>
+      </a:fillRef>
+      <a:effectRef idx="0">
+        <a:scrgbClr r="0" g="0" b="0"/>
+      </a:effectRef>
+      <a:fontRef idx="minor">
+        <a:schemeClr val="lt1"/>
+      </a:fontRef>
+    </dgm:style>
+  </dgm:styleLbl>
+  <dgm:styleLbl name="fgSibTrans2D1">
+    <dgm:scene3d>
+      <a:camera prst="orthographicFront"/>
+      <a:lightRig rig="threePt" dir="t"/>
+    </dgm:scene3d>
+    <dgm:sp3d/>
+    <dgm:txPr/>
+    <dgm:style>
+      <a:lnRef idx="0">
+        <a:scrgbClr r="0" g="0" b="0"/>
+      </a:lnRef>
+      <a:fillRef idx="1">
+        <a:scrgbClr r="0" g="0" b="0"/>
+      </a:fillRef>
+      <a:effectRef idx="0">
+        <a:scrgbClr r="0" g="0" b="0"/>
+      </a:effectRef>
+      <a:fontRef idx="minor">
+        <a:schemeClr val="lt1"/>
+      </a:fontRef>
+    </dgm:style>
+  </dgm:styleLbl>
+  <dgm:styleLbl name="bgSibTrans2D1">
+    <dgm:scene3d>
+      <a:camera prst="orthographicFront"/>
+      <a:lightRig rig="threePt" dir="t"/>
+    </dgm:scene3d>
+    <dgm:sp3d/>
+    <dgm:txPr/>
+    <dgm:style>
+      <a:lnRef idx="0">
+        <a:scrgbClr r="0" g="0" b="0"/>
+      </a:lnRef>
+      <a:fillRef idx="1">
+        <a:scrgbClr r="0" g="0" b="0"/>
+      </a:fillRef>
+      <a:effectRef idx="0">
+        <a:scrgbClr r="0" g="0" b="0"/>
+      </a:effectRef>
+      <a:fontRef idx="minor">
+        <a:schemeClr val="lt1"/>
+      </a:fontRef>
+    </dgm:style>
+  </dgm:styleLbl>
+  <dgm:styleLbl name="sibTrans1D1">
+    <dgm:scene3d>
+      <a:camera prst="orthographicFront"/>
+      <a:lightRig rig="threePt" dir="t"/>
+    </dgm:scene3d>
+    <dgm:sp3d/>
+    <dgm:txPr/>
+    <dgm:style>
+      <a:lnRef idx="1">
+        <a:scrgbClr r="0" g="0" b="0"/>
+      </a:lnRef>
+      <a:fillRef idx="0">
+        <a:scrgbClr r="0" g="0" b="0"/>
+      </a:fillRef>
+      <a:effectRef idx="0">
+        <a:scrgbClr r="0" g="0" b="0"/>
+      </a:effectRef>
+      <a:fontRef idx="minor"/>
+    </dgm:style>
+  </dgm:styleLbl>
+  <dgm:styleLbl name="callout">
+    <dgm:scene3d>
+      <a:camera prst="orthographicFront"/>
+      <a:lightRig rig="threePt" dir="t"/>
+    </dgm:scene3d>
+    <dgm:sp3d/>
+    <dgm:txPr/>
+    <dgm:style>
+      <a:lnRef idx="2">
+        <a:scrgbClr r="0" g="0" b="0"/>
+      </a:lnRef>
+      <a:fillRef idx="1">
+        <a:scrgbClr r="0" g="0" b="0"/>
+      </a:fillRef>
+      <a:effectRef idx="0">
+        <a:scrgbClr r="0" g="0" b="0"/>
+      </a:effectRef>
+      <a:fontRef idx="minor"/>
+    </dgm:style>
+  </dgm:styleLbl>
+  <dgm:styleLbl name="asst0">
+    <dgm:scene3d>
+      <a:camera prst="orthographicFront"/>
+      <a:lightRig rig="threePt" dir="t"/>
+    </dgm:scene3d>
+    <dgm:sp3d/>
+    <dgm:txPr/>
+    <dgm:style>
+      <a:lnRef idx="2">
+        <a:scrgbClr r="0" g="0" b="0"/>
+      </a:lnRef>
+      <a:fillRef idx="1">
+        <a:scrgbClr r="0" g="0" b="0"/>
+      </a:fillRef>
+      <a:effectRef idx="0">
+        <a:scrgbClr r="0" g="0" b="0"/>
+      </a:effectRef>
+      <a:fontRef idx="minor">
+        <a:schemeClr val="lt1"/>
+      </a:fontRef>
+    </dgm:style>
+  </dgm:styleLbl>
+  <dgm:styleLbl name="asst1">
+    <dgm:scene3d>
+      <a:camera prst="orthographicFront"/>
+      <a:lightRig rig="threePt" dir="t"/>
+    </dgm:scene3d>
+    <dgm:sp3d/>
+    <dgm:txPr/>
+    <dgm:style>
+      <a:lnRef idx="2">
+        <a:scrgbClr r="0" g="0" b="0"/>
+      </a:lnRef>
+      <a:fillRef idx="1">
+        <a:scrgbClr r="0" g="0" b="0"/>
+      </a:fillRef>
+      <a:effectRef idx="0">
+        <a:scrgbClr r="0" g="0" b="0"/>
+      </a:effectRef>
+      <a:fontRef idx="minor">
+        <a:schemeClr val="lt1"/>
+      </a:fontRef>
+    </dgm:style>
+  </dgm:styleLbl>
+  <dgm:styleLbl name="asst2">
+    <dgm:scene3d>
+      <a:camera prst="orthographicFront"/>
+      <a:lightRig rig="threePt" dir="t"/>
+    </dgm:scene3d>
+    <dgm:sp3d/>
+    <dgm:txPr/>
+    <dgm:style>
+      <a:lnRef idx="2">
+        <a:scrgbClr r="0" g="0" b="0"/>
+      </a:lnRef>
+      <a:fillRef idx="1">
+        <a:scrgbClr r="0" g="0" b="0"/>
+      </a:fillRef>
+      <a:effectRef idx="0">
+        <a:scrgbClr r="0" g="0" b="0"/>
+      </a:effectRef>
+      <a:fontRef idx="minor">
+        <a:schemeClr val="lt1"/>
+      </a:fontRef>
+    </dgm:style>
+  </dgm:styleLbl>
+  <dgm:styleLbl name="asst3">
+    <dgm:scene3d>
+      <a:camera prst="orthographicFront"/>
+      <a:lightRig rig="threePt" dir="t"/>
+    </dgm:scene3d>
+    <dgm:sp3d/>
+    <dgm:txPr/>
+    <dgm:style>
+      <a:lnRef idx="2">
+        <a:scrgbClr r="0" g="0" b="0"/>
+      </a:lnRef>
+      <a:fillRef idx="1">
+        <a:scrgbClr r="0" g="0" b="0"/>
+      </a:fillRef>
+      <a:effectRef idx="0">
+        <a:scrgbClr r="0" g="0" b="0"/>
+      </a:effectRef>
+      <a:fontRef idx="minor">
+        <a:schemeClr val="lt1"/>
+      </a:fontRef>
+    </dgm:style>
+  </dgm:styleLbl>
+  <dgm:styleLbl name="asst4">
+    <dgm:scene3d>
+      <a:camera prst="orthographicFront"/>
+      <a:lightRig rig="threePt" dir="t"/>
+    </dgm:scene3d>
+    <dgm:sp3d/>
+    <dgm:txPr/>
+    <dgm:style>
+      <a:lnRef idx="2">
+        <a:scrgbClr r="0" g="0" b="0"/>
+      </a:lnRef>
+      <a:fillRef idx="1">
+        <a:scrgbClr r="0" g="0" b="0"/>
+      </a:fillRef>
+      <a:effectRef idx="0">
+        <a:scrgbClr r="0" g="0" b="0"/>
+      </a:effectRef>
+      <a:fontRef idx="minor">
+        <a:schemeClr val="lt1"/>
+      </a:fontRef>
+    </dgm:style>
+  </dgm:styleLbl>
+  <dgm:styleLbl name="parChTrans2D1">
+    <dgm:scene3d>
+      <a:camera prst="orthographicFront"/>
+      <a:lightRig rig="threePt" dir="t"/>
+    </dgm:scene3d>
+    <dgm:sp3d/>
+    <dgm:txPr/>
+    <dgm:style>
+      <a:lnRef idx="2">
+        <a:scrgbClr r="0" g="0" b="0"/>
+      </a:lnRef>
+      <a:fillRef idx="1">
+        <a:scrgbClr r="0" g="0" b="0"/>
+      </a:fillRef>
+      <a:effectRef idx="0">
+        <a:scrgbClr r="0" g="0" b="0"/>
+      </a:effectRef>
+      <a:fontRef idx="minor">
+        <a:schemeClr val="lt1"/>
+      </a:fontRef>
+    </dgm:style>
+  </dgm:styleLbl>
+  <dgm:styleLbl name="parChTrans2D2">
+    <dgm:scene3d>
+      <a:camera prst="orthographicFront"/>
+      <a:lightRig rig="threePt" dir="t"/>
+    </dgm:scene3d>
+    <dgm:sp3d/>
+    <dgm:txPr/>
+    <dgm:style>
+      <a:lnRef idx="2">
+        <a:scrgbClr r="0" g="0" b="0"/>
+      </a:lnRef>
+      <a:fillRef idx="1">
+        <a:scrgbClr r="0" g="0" b="0"/>
+      </a:fillRef>
+      <a:effectRef idx="0">
+        <a:scrgbClr r="0" g="0" b="0"/>
+      </a:effectRef>
+      <a:fontRef idx="minor">
+        <a:schemeClr val="lt1"/>
+      </a:fontRef>
+    </dgm:style>
+  </dgm:styleLbl>
+  <dgm:styleLbl name="parChTrans2D3">
+    <dgm:scene3d>
+      <a:camera prst="orthographicFront"/>
+      <a:lightRig rig="threePt" dir="t"/>
+    </dgm:scene3d>
+    <dgm:sp3d/>
+    <dgm:txPr/>
+    <dgm:style>
+      <a:lnRef idx="2">
+        <a:scrgbClr r="0" g="0" b="0"/>
+      </a:lnRef>
+      <a:fillRef idx="1">
+        <a:scrgbClr r="0" g="0" b="0"/>
+      </a:fillRef>
+      <a:effectRef idx="0">
+        <a:scrgbClr r="0" g="0" b="0"/>
+      </a:effectRef>
+      <a:fontRef idx="minor">
+        <a:schemeClr val="lt1"/>
+      </a:fontRef>
+    </dgm:style>
+  </dgm:styleLbl>
+  <dgm:styleLbl name="parChTrans2D4">
+    <dgm:scene3d>
+      <a:camera prst="orthographicFront"/>
+      <a:lightRig rig="threePt" dir="t"/>
+    </dgm:scene3d>
+    <dgm:sp3d/>
+    <dgm:txPr/>
+    <dgm:style>
+      <a:lnRef idx="2">
+        <a:scrgbClr r="0" g="0" b="0"/>
+      </a:lnRef>
+      <a:fillRef idx="1">
+        <a:scrgbClr r="0" g="0" b="0"/>
+      </a:fillRef>
+      <a:effectRef idx="0">
+        <a:scrgbClr r="0" g="0" b="0"/>
+      </a:effectRef>
+      <a:fontRef idx="minor">
+        <a:schemeClr val="lt1"/>
+      </a:fontRef>
+    </dgm:style>
+  </dgm:styleLbl>
+  <dgm:styleLbl name="parChTrans1D1">
+    <dgm:scene3d>
+      <a:camera prst="orthographicFront"/>
+      <a:lightRig rig="threePt" dir="t"/>
+    </dgm:scene3d>
+    <dgm:sp3d/>
+    <dgm:txPr/>
+    <dgm:style>
+      <a:lnRef idx="2">
+        <a:scrgbClr r="0" g="0" b="0"/>
+      </a:lnRef>
+      <a:fillRef idx="0">
+        <a:scrgbClr r="0" g="0" b="0"/>
+      </a:fillRef>
+      <a:effectRef idx="0">
+        <a:scrgbClr r="0" g="0" b="0"/>
+      </a:effectRef>
+      <a:fontRef idx="minor"/>
+    </dgm:style>
+  </dgm:styleLbl>
+  <dgm:styleLbl name="parChTrans1D2">
+    <dgm:scene3d>
+      <a:camera prst="orthographicFront"/>
+      <a:lightRig rig="threePt" dir="t"/>
+    </dgm:scene3d>
+    <dgm:sp3d/>
+    <dgm:txPr/>
+    <dgm:style>
+      <a:lnRef idx="2">
+        <a:scrgbClr r="0" g="0" b="0"/>
+      </a:lnRef>
+      <a:fillRef idx="0">
+        <a:scrgbClr r="0" g="0" b="0"/>
+      </a:fillRef>
+      <a:effectRef idx="0">
+        <a:scrgbClr r="0" g="0" b="0"/>
+      </a:effectRef>
+      <a:fontRef idx="minor"/>
+    </dgm:style>
+  </dgm:styleLbl>
+  <dgm:styleLbl name="parChTrans1D3">
+    <dgm:scene3d>
+      <a:camera prst="orthographicFront"/>
+      <a:lightRig rig="threePt" dir="t"/>
+    </dgm:scene3d>
+    <dgm:sp3d/>
+    <dgm:txPr/>
+    <dgm:style>
+      <a:lnRef idx="2">
+        <a:scrgbClr r="0" g="0" b="0"/>
+      </a:lnRef>
+      <a:fillRef idx="0">
+        <a:scrgbClr r="0" g="0" b="0"/>
+      </a:fillRef>
+      <a:effectRef idx="0">
+        <a:scrgbClr r="0" g="0" b="0"/>
+      </a:effectRef>
+      <a:fontRef idx="minor"/>
+    </dgm:style>
+  </dgm:styleLbl>
+  <dgm:styleLbl name="parChTrans1D4">
+    <dgm:scene3d>
+      <a:camera prst="orthographicFront"/>
+      <a:lightRig rig="threePt" dir="t"/>
+    </dgm:scene3d>
+    <dgm:sp3d/>
+    <dgm:txPr/>
+    <dgm:style>
+      <a:lnRef idx="2">
+        <a:scrgbClr r="0" g="0" b="0"/>
+      </a:lnRef>
+      <a:fillRef idx="0">
+        <a:scrgbClr r="0" g="0" b="0"/>
+      </a:fillRef>
+      <a:effectRef idx="0">
+        <a:scrgbClr r="0" g="0" b="0"/>
+      </a:effectRef>
+      <a:fontRef idx="minor"/>
+    </dgm:style>
+  </dgm:styleLbl>
+  <dgm:styleLbl name="fgAcc1">
+    <dgm:scene3d>
+      <a:camera prst="orthographicFront"/>
+      <a:lightRig rig="threePt" dir="t"/>
+    </dgm:scene3d>
+    <dgm:sp3d/>
+    <dgm:txPr/>
+    <dgm:style>
+      <a:lnRef idx="2">
+        <a:scrgbClr r="0" g="0" b="0"/>
+      </a:lnRef>
+      <a:fillRef idx="1">
+        <a:scrgbClr r="0" g="0" b="0"/>
+      </a:fillRef>
+      <a:effectRef idx="0">
+        <a:scrgbClr r="0" g="0" b="0"/>
+      </a:effectRef>
+      <a:fontRef idx="minor"/>
+    </dgm:style>
+  </dgm:styleLbl>
+  <dgm:styleLbl name="conFgAcc1">
+    <dgm:scene3d>
+      <a:camera prst="orthographicFront"/>
+      <a:lightRig rig="threePt" dir="t"/>
+    </dgm:scene3d>
+    <dgm:sp3d/>
+    <dgm:txPr/>
+    <dgm:style>
+      <a:lnRef idx="2">
+        <a:scrgbClr r="0" g="0" b="0"/>
+      </a:lnRef>
+      <a:fillRef idx="1">
+        <a:scrgbClr r="0" g="0" b="0"/>
+      </a:fillRef>
+      <a:effectRef idx="0">
+        <a:scrgbClr r="0" g="0" b="0"/>
+      </a:effectRef>
+      <a:fontRef idx="minor"/>
+    </dgm:style>
+  </dgm:styleLbl>
+  <dgm:styleLbl name="alignAcc1">
+    <dgm:scene3d>
+      <a:camera prst="orthographicFront"/>
+      <a:lightRig rig="threePt" dir="t"/>
+    </dgm:scene3d>
+    <dgm:sp3d/>
+    <dgm:txPr/>
+    <dgm:style>
+      <a:lnRef idx="2">
+        <a:scrgbClr r="0" g="0" b="0"/>
+      </a:lnRef>
+      <a:fillRef idx="1">
+        <a:scrgbClr r="0" g="0" b="0"/>
+      </a:fillRef>
+      <a:effectRef idx="0">
+        <a:scrgbClr r="0" g="0" b="0"/>
+      </a:effectRef>
+      <a:fontRef idx="minor"/>
+    </dgm:style>
+  </dgm:styleLbl>
+  <dgm:styleLbl name="trAlignAcc1">
+    <dgm:scene3d>
+      <a:camera prst="orthographicFront"/>
+      <a:lightRig rig="threePt" dir="t"/>
+    </dgm:scene3d>
+    <dgm:sp3d/>
+    <dgm:txPr/>
+    <dgm:style>
+      <a:lnRef idx="1">
+        <a:scrgbClr r="0" g="0" b="0"/>
+      </a:lnRef>
+      <a:fillRef idx="1">
+        <a:scrgbClr r="0" g="0" b="0"/>
+      </a:fillRef>
+      <a:effectRef idx="0">
+        <a:scrgbClr r="0" g="0" b="0"/>
+      </a:effectRef>
+      <a:fontRef idx="minor"/>
+    </dgm:style>
+  </dgm:styleLbl>
+  <dgm:styleLbl name="bgAcc1">
+    <dgm:scene3d>
+      <a:camera prst="orthographicFront"/>
+      <a:lightRig rig="threePt" dir="t"/>
+    </dgm:scene3d>
+    <dgm:sp3d/>
+    <dgm:txPr/>
+    <dgm:style>
+      <a:lnRef idx="2">
+        <a:scrgbClr r="0" g="0" b="0"/>
+      </a:lnRef>
+      <a:fillRef idx="1">
+        <a:scrgbClr r="0" g="0" b="0"/>
+      </a:fillRef>
+      <a:effectRef idx="0">
+        <a:scrgbClr r="0" g="0" b="0"/>
+      </a:effectRef>
+      <a:fontRef idx="minor"/>
+    </dgm:style>
+  </dgm:styleLbl>
+  <dgm:styleLbl name="solidFgAcc1">
+    <dgm:scene3d>
+      <a:camera prst="orthographicFront"/>
+      <a:lightRig rig="threePt" dir="t"/>
+    </dgm:scene3d>
+    <dgm:sp3d/>
+    <dgm:txPr/>
+    <dgm:style>
+      <a:lnRef idx="2">
+        <a:scrgbClr r="0" g="0" b="0"/>
+      </a:lnRef>
+      <a:fillRef idx="1">
+        <a:scrgbClr r="0" g="0" b="0"/>
+      </a:fillRef>
+      <a:effectRef idx="0">
+        <a:scrgbClr r="0" g="0" b="0"/>
+      </a:effectRef>
+      <a:fontRef idx="minor"/>
+    </dgm:style>
+  </dgm:styleLbl>
+  <dgm:styleLbl name="solidAlignAcc1">
+    <dgm:scene3d>
+      <a:camera prst="orthographicFront"/>
+      <a:lightRig rig="threePt" dir="t"/>
+    </dgm:scene3d>
+    <dgm:sp3d/>
+    <dgm:txPr/>
+    <dgm:style>
+      <a:lnRef idx="2">
+        <a:scrgbClr r="0" g="0" b="0"/>
+      </a:lnRef>
+      <a:fillRef idx="1">
+        <a:scrgbClr r="0" g="0" b="0"/>
+      </a:fillRef>
+      <a:effectRef idx="0">
+        <a:scrgbClr r="0" g="0" b="0"/>
+      </a:effectRef>
+      <a:fontRef idx="minor"/>
+    </dgm:style>
+  </dgm:styleLbl>
+  <dgm:styleLbl name="solidBgAcc1">
+    <dgm:scene3d>
+      <a:camera prst="orthographicFront"/>
+      <a:lightRig rig="threePt" dir="t"/>
+    </dgm:scene3d>
+    <dgm:sp3d/>
+    <dgm:txPr/>
+    <dgm:style>
+      <a:lnRef idx="2">
+        <a:scrgbClr r="0" g="0" b="0"/>
+      </a:lnRef>
+      <a:fillRef idx="1">
+        <a:scrgbClr r="0" g="0" b="0"/>
+      </a:fillRef>
+      <a:effectRef idx="0">
+        <a:scrgbClr r="0" g="0" b="0"/>
+      </a:effectRef>
+      <a:fontRef idx="minor"/>
+    </dgm:style>
+  </dgm:styleLbl>
+  <dgm:styleLbl name="fgAccFollowNode1">
+    <dgm:scene3d>
+      <a:camera prst="orthographicFront"/>
+      <a:lightRig rig="threePt" dir="t"/>
+    </dgm:scene3d>
+    <dgm:sp3d/>
+    <dgm:txPr/>
+    <dgm:style>
+      <a:lnRef idx="2">
+        <a:scrgbClr r="0" g="0" b="0"/>
+      </a:lnRef>
+      <a:fillRef idx="1">
+        <a:scrgbClr r="0" g="0" b="0"/>
+      </a:fillRef>
+      <a:effectRef idx="0">
+        <a:scrgbClr r="0" g="0" b="0"/>
+      </a:effectRef>
+      <a:fontRef idx="minor"/>
+    </dgm:style>
+  </dgm:styleLbl>
+  <dgm:styleLbl name="alignAccFollowNode1">
+    <dgm:scene3d>
+      <a:camera prst="orthographicFront"/>
+      <a:lightRig rig="threePt" dir="t"/>
+    </dgm:scene3d>
+    <dgm:sp3d/>
+    <dgm:txPr/>
+    <dgm:style>
+      <a:lnRef idx="2">
+        <a:scrgbClr r="0" g="0" b="0"/>
+      </a:lnRef>
+      <a:fillRef idx="1">
+        <a:scrgbClr r="0" g="0" b="0"/>
+      </a:fillRef>
+      <a:effectRef idx="0">
+        <a:scrgbClr r="0" g="0" b="0"/>
+      </a:effectRef>
+      <a:fontRef idx="minor"/>
+    </dgm:style>
+  </dgm:styleLbl>
+  <dgm:styleLbl name="bgAccFollowNode1">
+    <dgm:scene3d>
+      <a:camera prst="orthographicFront"/>
+      <a:lightRig rig="threePt" dir="t"/>
+    </dgm:scene3d>
+    <dgm:sp3d/>
+    <dgm:txPr/>
+    <dgm:style>
+      <a:lnRef idx="2">
+        <a:scrgbClr r="0" g="0" b="0"/>
+      </a:lnRef>
+      <a:fillRef idx="1">
+        <a:scrgbClr r="0" g="0" b="0"/>
+      </a:fillRef>
+      <a:effectRef idx="0">
+        <a:scrgbClr r="0" g="0" b="0"/>
+      </a:effectRef>
+      <a:fontRef idx="minor"/>
+    </dgm:style>
+  </dgm:styleLbl>
+  <dgm:styleLbl name="fgAcc0">
+    <dgm:scene3d>
+      <a:camera prst="orthographicFront"/>
+      <a:lightRig rig="threePt" dir="t"/>
+    </dgm:scene3d>
+    <dgm:sp3d/>
+    <dgm:txPr/>
+    <dgm:style>
+      <a:lnRef idx="2">
+        <a:scrgbClr r="0" g="0" b="0"/>
+      </a:lnRef>
+      <a:fillRef idx="1">
+        <a:scrgbClr r="0" g="0" b="0"/>
+      </a:fillRef>
+      <a:effectRef idx="0">
+        <a:scrgbClr r="0" g="0" b="0"/>
+      </a:effectRef>
+      <a:fontRef idx="minor"/>
+    </dgm:style>
+  </dgm:styleLbl>
+  <dgm:styleLbl name="fgAcc2">
+    <dgm:scene3d>
+      <a:camera prst="orthographicFront"/>
+      <a:lightRig rig="threePt" dir="t"/>
+    </dgm:scene3d>
+    <dgm:sp3d/>
+    <dgm:txPr/>
+    <dgm:style>
+      <a:lnRef idx="2">
+        <a:scrgbClr r="0" g="0" b="0"/>
+      </a:lnRef>
+      <a:fillRef idx="1">
+        <a:scrgbClr r="0" g="0" b="0"/>
+      </a:fillRef>
+      <a:effectRef idx="0">
+        <a:scrgbClr r="0" g="0" b="0"/>
+      </a:effectRef>
+      <a:fontRef idx="minor"/>
+    </dgm:style>
+  </dgm:styleLbl>
+  <dgm:styleLbl name="fgAcc3">
+    <dgm:scene3d>
+      <a:camera prst="orthographicFront"/>
+      <a:lightRig rig="threePt" dir="t"/>
+    </dgm:scene3d>
+    <dgm:sp3d/>
+    <dgm:txPr/>
+    <dgm:style>
+      <a:lnRef idx="2">
+        <a:scrgbClr r="0" g="0" b="0"/>
+      </a:lnRef>
+      <a:fillRef idx="1">
+        <a:scrgbClr r="0" g="0" b="0"/>
+      </a:fillRef>
+      <a:effectRef idx="0">
+        <a:scrgbClr r="0" g="0" b="0"/>
+      </a:effectRef>
+      <a:fontRef idx="minor"/>
+    </dgm:style>
+  </dgm:styleLbl>
+  <dgm:styleLbl name="fgAcc4">
+    <dgm:scene3d>
+      <a:camera prst="orthographicFront"/>
+      <a:lightRig rig="threePt" dir="t"/>
+    </dgm:scene3d>
+    <dgm:sp3d/>
+    <dgm:txPr/>
+    <dgm:style>
+      <a:lnRef idx="2">
+        <a:scrgbClr r="0" g="0" b="0"/>
+      </a:lnRef>
+      <a:fillRef idx="1">
+        <a:scrgbClr r="0" g="0" b="0"/>
+      </a:fillRef>
+      <a:effectRef idx="0">
+        <a:scrgbClr r="0" g="0" b="0"/>
+      </a:effectRef>
+      <a:fontRef idx="minor"/>
+    </dgm:style>
+  </dgm:styleLbl>
+  <dgm:styleLbl name="bgShp">
+    <dgm:scene3d>
+      <a:camera prst="orthographicFront"/>
+      <a:lightRig rig="threePt" dir="t"/>
+    </dgm:scene3d>
+    <dgm:sp3d/>
+    <dgm:txPr/>
+    <dgm:style>
+      <a:lnRef idx="0">
+        <a:scrgbClr r="0" g="0" b="0"/>
+      </a:lnRef>
+      <a:fillRef idx="1">
+        <a:scrgbClr r="0" g="0" b="0"/>
+      </a:fillRef>
+      <a:effectRef idx="0">
+        <a:scrgbClr r="0" g="0" b="0"/>
+      </a:effectRef>
+      <a:fontRef idx="minor"/>
+    </dgm:style>
+  </dgm:styleLbl>
+  <dgm:styleLbl name="dkBgShp">
+    <dgm:scene3d>
+      <a:camera prst="orthographicFront"/>
+      <a:lightRig rig="threePt" dir="t"/>
+    </dgm:scene3d>
+    <dgm:sp3d/>
+    <dgm:txPr/>
+    <dgm:style>
+      <a:lnRef idx="0">
+        <a:scrgbClr r="0" g="0" b="0"/>
+      </a:lnRef>
+      <a:fillRef idx="1">
+        <a:scrgbClr r="0" g="0" b="0"/>
+      </a:fillRef>
+      <a:effectRef idx="0">
+        <a:scrgbClr r="0" g="0" b="0"/>
+      </a:effectRef>
+      <a:fontRef idx="minor"/>
+    </dgm:style>
+  </dgm:styleLbl>
+  <dgm:styleLbl name="trBgShp">
+    <dgm:scene3d>
+      <a:camera prst="orthographicFront"/>
+      <a:lightRig rig="threePt" dir="t"/>
+    </dgm:scene3d>
+    <dgm:sp3d/>
+    <dgm:txPr/>
+    <dgm:style>
+      <a:lnRef idx="0">
+        <a:scrgbClr r="0" g="0" b="0"/>
+      </a:lnRef>
+      <a:fillRef idx="1">
+        <a:scrgbClr r="0" g="0" b="0"/>
+      </a:fillRef>
+      <a:effectRef idx="0">
+        <a:scrgbClr r="0" g="0" b="0"/>
+      </a:effectRef>
+      <a:fontRef idx="minor"/>
+    </dgm:style>
+  </dgm:styleLbl>
+  <dgm:styleLbl name="fgShp">
+    <dgm:scene3d>
+      <a:camera prst="orthographicFront"/>
+      <a:lightRig rig="threePt" dir="t"/>
+    </dgm:scene3d>
+    <dgm:sp3d/>
+    <dgm:txPr/>
+    <dgm:style>
+      <a:lnRef idx="2">
+        <a:scrgbClr r="0" g="0" b="0"/>
+      </a:lnRef>
+      <a:fillRef idx="1">
+        <a:scrgbClr r="0" g="0" b="0"/>
+      </a:fillRef>
+      <a:effectRef idx="0">
+        <a:scrgbClr r="0" g="0" b="0"/>
+      </a:effectRef>
+      <a:fontRef idx="minor"/>
+    </dgm:style>
+  </dgm:styleLbl>
+  <dgm:styleLbl name="revTx">
+    <dgm:scene3d>
+      <a:camera prst="orthographicFront"/>
+      <a:lightRig rig="threePt" dir="t"/>
+    </dgm:scene3d>
+    <dgm:sp3d/>
+    <dgm:txPr/>
+    <dgm:style>
+      <a:lnRef idx="0">
+        <a:scrgbClr r="0" g="0" b="0"/>
+      </a:lnRef>
+      <a:fillRef idx="0">
+        <a:scrgbClr r="0" g="0" b="0"/>
+      </a:fillRef>
+      <a:effectRef idx="0">
+        <a:scrgbClr r="0" g="0" b="0"/>
+      </a:effectRef>
+      <a:fontRef idx="minor"/>
+    </dgm:style>
+  </dgm:styleLbl>
+</dgm:styleDef>
+</file>
+
+<file path=ppt/diagrams/quickStyle2.xml><?xml version="1.0" encoding="utf-8"?>
+<dgm:styleDef xmlns:dgm="http://schemas.openxmlformats.org/drawingml/2006/diagram" xmlns:a="http://schemas.openxmlformats.org/drawingml/2006/main" uniqueId="urn:microsoft.com/office/officeart/2005/8/quickstyle/simple2">
+  <dgm:title val=""/>
+  <dgm:desc val=""/>
+  <dgm:catLst>
+    <dgm:cat type="simple" pri="10200"/>
+  </dgm:catLst>
+  <dgm:scene3d>
+    <a:camera prst="orthographicFront"/>
+    <a:lightRig rig="threePt" dir="t"/>
+  </dgm:scene3d>
+  <dgm:styleLbl name="node0">
+    <dgm:scene3d>
+      <a:camera prst="orthographicFront"/>
+      <a:lightRig rig="threePt" dir="t"/>
+    </dgm:scene3d>
+    <dgm:sp3d/>
+    <dgm:txPr/>
+    <dgm:style>
+      <a:lnRef idx="3">
+        <a:scrgbClr r="0" g="0" b="0"/>
+      </a:lnRef>
+      <a:fillRef idx="1">
+        <a:scrgbClr r="0" g="0" b="0"/>
+      </a:fillRef>
+      <a:effectRef idx="1">
+        <a:scrgbClr r="0" g="0" b="0"/>
+      </a:effectRef>
+      <a:fontRef idx="minor">
+        <a:schemeClr val="lt1"/>
+      </a:fontRef>
+    </dgm:style>
+  </dgm:styleLbl>
+  <dgm:styleLbl name="lnNode1">
+    <dgm:scene3d>
+      <a:camera prst="orthographicFront"/>
+      <a:lightRig rig="threePt" dir="t"/>
+    </dgm:scene3d>
+    <dgm:sp3d/>
+    <dgm:txPr/>
+    <dgm:style>
+      <a:lnRef idx="3">
+        <a:scrgbClr r="0" g="0" b="0"/>
+      </a:lnRef>
+      <a:fillRef idx="1">
+        <a:scrgbClr r="0" g="0" b="0"/>
+      </a:fillRef>
+      <a:effectRef idx="1">
+        <a:scrgbClr r="0" g="0" b="0"/>
+      </a:effectRef>
+      <a:fontRef idx="minor">
+        <a:schemeClr val="lt1"/>
+      </a:fontRef>
+    </dgm:style>
+  </dgm:styleLbl>
+  <dgm:styleLbl name="vennNode1">
+    <dgm:scene3d>
+      <a:camera prst="orthographicFront"/>
+      <a:lightRig rig="threePt" dir="t"/>
+    </dgm:scene3d>
+    <dgm:sp3d/>
+    <dgm:txPr/>
+    <dgm:style>
+      <a:lnRef idx="3">
+        <a:scrgbClr r="0" g="0" b="0"/>
+      </a:lnRef>
+      <a:fillRef idx="1">
+        <a:scrgbClr r="0" g="0" b="0"/>
+      </a:fillRef>
+      <a:effectRef idx="0">
+        <a:scrgbClr r="0" g="0" b="0"/>
+      </a:effectRef>
+      <a:fontRef idx="minor">
+        <a:schemeClr val="tx1"/>
+      </a:fontRef>
+    </dgm:style>
+  </dgm:styleLbl>
+  <dgm:styleLbl name="alignNode1">
+    <dgm:scene3d>
+      <a:camera prst="orthographicFront"/>
+      <a:lightRig rig="threePt" dir="t"/>
+    </dgm:scene3d>
+    <dgm:sp3d/>
+    <dgm:txPr/>
+    <dgm:style>
+      <a:lnRef idx="2">
+        <a:scrgbClr r="0" g="0" b="0"/>
+      </a:lnRef>
+      <a:fillRef idx="1">
+        <a:scrgbClr r="0" g="0" b="0"/>
+      </a:fillRef>
+      <a:effectRef idx="1">
+        <a:scrgbClr r="0" g="0" b="0"/>
+      </a:effectRef>
+      <a:fontRef idx="minor">
+        <a:schemeClr val="lt1"/>
+      </a:fontRef>
+    </dgm:style>
+  </dgm:styleLbl>
+  <dgm:styleLbl name="node1">
+    <dgm:scene3d>
+      <a:camera prst="orthographicFront"/>
+      <a:lightRig rig="threePt" dir="t"/>
+    </dgm:scene3d>
+    <dgm:sp3d/>
+    <dgm:txPr/>
+    <dgm:style>
+      <a:lnRef idx="3">
+        <a:scrgbClr r="0" g="0" b="0"/>
+      </a:lnRef>
+      <a:fillRef idx="1">
+        <a:scrgbClr r="0" g="0" b="0"/>
+      </a:fillRef>
+      <a:effectRef idx="1">
+        <a:scrgbClr r="0" g="0" b="0"/>
+      </a:effectRef>
+      <a:fontRef idx="minor">
+        <a:schemeClr val="lt1"/>
+      </a:fontRef>
+    </dgm:style>
+  </dgm:styleLbl>
+  <dgm:styleLbl name="node2">
+    <dgm:scene3d>
+      <a:camera prst="orthographicFront"/>
+      <a:lightRig rig="threePt" dir="t"/>
+    </dgm:scene3d>
+    <dgm:sp3d/>
+    <dgm:txPr/>
+    <dgm:style>
+      <a:lnRef idx="3">
+        <a:scrgbClr r="0" g="0" b="0"/>
+      </a:lnRef>
+      <a:fillRef idx="1">
+        <a:scrgbClr r="0" g="0" b="0"/>
+      </a:fillRef>
+      <a:effectRef idx="1">
+        <a:scrgbClr r="0" g="0" b="0"/>
+      </a:effectRef>
+      <a:fontRef idx="minor">
+        <a:schemeClr val="lt1"/>
+      </a:fontRef>
+    </dgm:style>
+  </dgm:styleLbl>
+  <dgm:styleLbl name="node3">
+    <dgm:scene3d>
+      <a:camera prst="orthographicFront"/>
+      <a:lightRig rig="threePt" dir="t"/>
+    </dgm:scene3d>
+    <dgm:sp3d/>
+    <dgm:txPr/>
+    <dgm:style>
+      <a:lnRef idx="3">
+        <a:scrgbClr r="0" g="0" b="0"/>
+      </a:lnRef>
+      <a:fillRef idx="1">
+        <a:scrgbClr r="0" g="0" b="0"/>
+      </a:fillRef>
+      <a:effectRef idx="1">
+        <a:scrgbClr r="0" g="0" b="0"/>
+      </a:effectRef>
+      <a:fontRef idx="minor">
+        <a:schemeClr val="lt1"/>
+      </a:fontRef>
+    </dgm:style>
+  </dgm:styleLbl>
+  <dgm:styleLbl name="node4">
+    <dgm:scene3d>
+      <a:camera prst="orthographicFront"/>
+      <a:lightRig rig="threePt" dir="t"/>
+    </dgm:scene3d>
+    <dgm:sp3d/>
+    <dgm:txPr/>
+    <dgm:style>
+      <a:lnRef idx="3">
+        <a:scrgbClr r="0" g="0" b="0"/>
+      </a:lnRef>
+      <a:fillRef idx="1">
+        <a:scrgbClr r="0" g="0" b="0"/>
+      </a:fillRef>
+      <a:effectRef idx="1">
+        <a:scrgbClr r="0" g="0" b="0"/>
+      </a:effectRef>
+      <a:fontRef idx="minor">
+        <a:schemeClr val="lt1"/>
+      </a:fontRef>
+    </dgm:style>
+  </dgm:styleLbl>
+  <dgm:styleLbl name="fgImgPlace1">
+    <dgm:scene3d>
+      <a:camera prst="orthographicFront"/>
+      <a:lightRig rig="threePt" dir="t"/>
+    </dgm:scene3d>
+    <dgm:sp3d/>
+    <dgm:txPr/>
+    <dgm:style>
+      <a:lnRef idx="3">
+        <a:scrgbClr r="0" g="0" b="0"/>
+      </a:lnRef>
+      <a:fillRef idx="1">
+        <a:scrgbClr r="0" g="0" b="0"/>
+      </a:fillRef>
+      <a:effectRef idx="1">
+        <a:scrgbClr r="0" g="0" b="0"/>
+      </a:effectRef>
+      <a:fontRef idx="minor"/>
+    </dgm:style>
+  </dgm:styleLbl>
+  <dgm:styleLbl name="alignImgPlace1">
+    <dgm:scene3d>
+      <a:camera prst="orthographicFront"/>
+      <a:lightRig rig="threePt" dir="t"/>
+    </dgm:scene3d>
+    <dgm:sp3d/>
+    <dgm:txPr/>
+    <dgm:style>
+      <a:lnRef idx="3">
+        <a:scrgbClr r="0" g="0" b="0"/>
+      </a:lnRef>
+      <a:fillRef idx="1">
+        <a:scrgbClr r="0" g="0" b="0"/>
+      </a:fillRef>
+      <a:effectRef idx="1">
+        <a:scrgbClr r="0" g="0" b="0"/>
+      </a:effectRef>
+      <a:fontRef idx="minor"/>
+    </dgm:style>
+  </dgm:styleLbl>
+  <dgm:styleLbl name="bgImgPlace1">
+    <dgm:scene3d>
+      <a:camera prst="orthographicFront"/>
+      <a:lightRig rig="threePt" dir="t"/>
+    </dgm:scene3d>
+    <dgm:sp3d/>
+    <dgm:txPr/>
+    <dgm:style>
+      <a:lnRef idx="3">
+        <a:scrgbClr r="0" g="0" b="0"/>
+      </a:lnRef>
+      <a:fillRef idx="1">
+        <a:scrgbClr r="0" g="0" b="0"/>
+      </a:fillRef>
+      <a:effectRef idx="1">
+        <a:scrgbClr r="0" g="0" b="0"/>
+      </a:effectRef>
+      <a:fontRef idx="minor"/>
+    </dgm:style>
+  </dgm:styleLbl>
+  <dgm:styleLbl name="sibTrans2D1">
+    <dgm:scene3d>
+      <a:camera prst="orthographicFront"/>
+      <a:lightRig rig="threePt" dir="t"/>
+    </dgm:scene3d>
+    <dgm:sp3d/>
+    <dgm:txPr/>
+    <dgm:style>
+      <a:lnRef idx="0">
+        <a:scrgbClr r="0" g="0" b="0"/>
+      </a:lnRef>
+      <a:fillRef idx="1">
+        <a:scrgbClr r="0" g="0" b="0"/>
+      </a:fillRef>
+      <a:effectRef idx="1">
+        <a:scrgbClr r="0" g="0" b="0"/>
+      </a:effectRef>
+      <a:fontRef idx="minor">
+        <a:schemeClr val="lt1"/>
+      </a:fontRef>
+    </dgm:style>
+  </dgm:styleLbl>
+  <dgm:styleLbl name="fgSibTrans2D1">
+    <dgm:scene3d>
+      <a:camera prst="orthographicFront"/>
+      <a:lightRig rig="threePt" dir="t"/>
+    </dgm:scene3d>
+    <dgm:sp3d/>
+    <dgm:txPr/>
+    <dgm:style>
+      <a:lnRef idx="0">
+        <a:scrgbClr r="0" g="0" b="0"/>
+      </a:lnRef>
+      <a:fillRef idx="1">
+        <a:scrgbClr r="0" g="0" b="0"/>
+      </a:fillRef>
+      <a:effectRef idx="1">
+        <a:scrgbClr r="0" g="0" b="0"/>
+      </a:effectRef>
+      <a:fontRef idx="minor">
+        <a:schemeClr val="lt1"/>
+      </a:fontRef>
+    </dgm:style>
+  </dgm:styleLbl>
+  <dgm:styleLbl name="bgSibTrans2D1">
+    <dgm:scene3d>
+      <a:camera prst="orthographicFront"/>
+      <a:lightRig rig="threePt" dir="t"/>
+    </dgm:scene3d>
+    <dgm:sp3d/>
+    <dgm:txPr/>
+    <dgm:style>
+      <a:lnRef idx="0">
+        <a:scrgbClr r="0" g="0" b="0"/>
+      </a:lnRef>
+      <a:fillRef idx="1">
+        <a:scrgbClr r="0" g="0" b="0"/>
+      </a:fillRef>
+      <a:effectRef idx="1">
+        <a:scrgbClr r="0" g="0" b="0"/>
+      </a:effectRef>
+      <a:fontRef idx="minor">
+        <a:schemeClr val="lt1"/>
+      </a:fontRef>
+    </dgm:style>
+  </dgm:styleLbl>
+  <dgm:styleLbl name="sibTrans1D1">
+    <dgm:scene3d>
+      <a:camera prst="orthographicFront"/>
+      <a:lightRig rig="threePt" dir="t"/>
+    </dgm:scene3d>
+    <dgm:sp3d/>
+    <dgm:txPr/>
+    <dgm:style>
+      <a:lnRef idx="1">
+        <a:scrgbClr r="0" g="0" b="0"/>
+      </a:lnRef>
+      <a:fillRef idx="0">
+        <a:scrgbClr r="0" g="0" b="0"/>
+      </a:fillRef>
+      <a:effectRef idx="0">
+        <a:scrgbClr r="0" g="0" b="0"/>
+      </a:effectRef>
+      <a:fontRef idx="minor"/>
+    </dgm:style>
+  </dgm:styleLbl>
+  <dgm:styleLbl name="callout">
+    <dgm:scene3d>
+      <a:camera prst="orthographicFront"/>
+      <a:lightRig rig="threePt" dir="t"/>
+    </dgm:scene3d>
+    <dgm:sp3d/>
+    <dgm:txPr/>
+    <dgm:style>
+      <a:lnRef idx="2">
+        <a:scrgbClr r="0" g="0" b="0"/>
+      </a:lnRef>
+      <a:fillRef idx="1">
+        <a:scrgbClr r="0" g="0" b="0"/>
+      </a:fillRef>
+      <a:effectRef idx="1">
+        <a:scrgbClr r="0" g="0" b="0"/>
+      </a:effectRef>
+      <a:fontRef idx="minor"/>
+    </dgm:style>
+  </dgm:styleLbl>
+  <dgm:styleLbl name="asst0">
+    <dgm:scene3d>
+      <a:camera prst="orthographicFront"/>
+      <a:lightRig rig="threePt" dir="t"/>
+    </dgm:scene3d>
+    <dgm:sp3d/>
+    <dgm:txPr/>
+    <dgm:style>
+      <a:lnRef idx="3">
+        <a:scrgbClr r="0" g="0" b="0"/>
+      </a:lnRef>
+      <a:fillRef idx="1">
+        <a:scrgbClr r="0" g="0" b="0"/>
+      </a:fillRef>
+      <a:effectRef idx="1">
+        <a:scrgbClr r="0" g="0" b="0"/>
+      </a:effectRef>
+      <a:fontRef idx="minor">
+        <a:schemeClr val="lt1"/>
+      </a:fontRef>
+    </dgm:style>
+  </dgm:styleLbl>
+  <dgm:styleLbl name="asst1">
+    <dgm:scene3d>
+      <a:camera prst="orthographicFront"/>
+      <a:lightRig rig="threePt" dir="t"/>
+    </dgm:scene3d>
+    <dgm:sp3d/>
+    <dgm:txPr/>
+    <dgm:style>
+      <a:lnRef idx="3">
+        <a:scrgbClr r="0" g="0" b="0"/>
+      </a:lnRef>
+      <a:fillRef idx="1">
+        <a:scrgbClr r="0" g="0" b="0"/>
+      </a:fillRef>
+      <a:effectRef idx="1">
+        <a:scrgbClr r="0" g="0" b="0"/>
+      </a:effectRef>
+      <a:fontRef idx="minor">
+        <a:schemeClr val="lt1"/>
+      </a:fontRef>
+    </dgm:style>
+  </dgm:styleLbl>
+  <dgm:styleLbl name="asst2">
+    <dgm:scene3d>
+      <a:camera prst="orthographicFront"/>
+      <a:lightRig rig="threePt" dir="t"/>
+    </dgm:scene3d>
+    <dgm:sp3d/>
+    <dgm:txPr/>
+    <dgm:style>
+      <a:lnRef idx="3">
+        <a:scrgbClr r="0" g="0" b="0"/>
+      </a:lnRef>
+      <a:fillRef idx="1">
+        <a:scrgbClr r="0" g="0" b="0"/>
+      </a:fillRef>
+      <a:effectRef idx="1">
+        <a:scrgbClr r="0" g="0" b="0"/>
+      </a:effectRef>
+      <a:fontRef idx="minor">
+        <a:schemeClr val="lt1"/>
+      </a:fontRef>
+    </dgm:style>
+  </dgm:styleLbl>
+  <dgm:styleLbl name="asst3">
+    <dgm:scene3d>
+      <a:camera prst="orthographicFront"/>
+      <a:lightRig rig="threePt" dir="t"/>
+    </dgm:scene3d>
+    <dgm:sp3d/>
+    <dgm:txPr/>
+    <dgm:style>
+      <a:lnRef idx="3">
+        <a:scrgbClr r="0" g="0" b="0"/>
+      </a:lnRef>
+      <a:fillRef idx="1">
+        <a:scrgbClr r="0" g="0" b="0"/>
+      </a:fillRef>
+      <a:effectRef idx="1">
+        <a:scrgbClr r="0" g="0" b="0"/>
+      </a:effectRef>
+      <a:fontRef idx="minor">
+        <a:schemeClr val="lt1"/>
+      </a:fontRef>
+    </dgm:style>
+  </dgm:styleLbl>
+  <dgm:styleLbl name="asst4">
+    <dgm:scene3d>
+      <a:camera prst="orthographicFront"/>
+      <a:lightRig rig="threePt" dir="t"/>
+    </dgm:scene3d>
+    <dgm:sp3d/>
+    <dgm:txPr/>
+    <dgm:style>
+      <a:lnRef idx="3">
+        <a:scrgbClr r="0" g="0" b="0"/>
+      </a:lnRef>
+      <a:fillRef idx="1">
+        <a:scrgbClr r="0" g="0" b="0"/>
+      </a:fillRef>
+      <a:effectRef idx="1">
+        <a:scrgbClr r="0" g="0" b="0"/>
+      </a:effectRef>
+      <a:fontRef idx="minor">
+        <a:schemeClr val="lt1"/>
+      </a:fontRef>
+    </dgm:style>
+  </dgm:styleLbl>
+  <dgm:styleLbl name="parChTrans2D1">
+    <dgm:scene3d>
+      <a:camera prst="orthographicFront"/>
+      <a:lightRig rig="threePt" dir="t"/>
+    </dgm:scene3d>
+    <dgm:sp3d/>
+    <dgm:txPr/>
+    <dgm:style>
+      <a:lnRef idx="3">
+        <a:scrgbClr r="0" g="0" b="0"/>
+      </a:lnRef>
+      <a:fillRef idx="1">
+        <a:scrgbClr r="0" g="0" b="0"/>
+      </a:fillRef>
+      <a:effectRef idx="1">
+        <a:scrgbClr r="0" g="0" b="0"/>
+      </a:effectRef>
+      <a:fontRef idx="minor">
+        <a:schemeClr val="lt1"/>
+      </a:fontRef>
+    </dgm:style>
+  </dgm:styleLbl>
+  <dgm:styleLbl name="parChTrans2D2">
+    <dgm:scene3d>
+      <a:camera prst="orthographicFront"/>
+      <a:lightRig rig="threePt" dir="t"/>
+    </dgm:scene3d>
+    <dgm:sp3d/>
+    <dgm:txPr/>
+    <dgm:style>
+      <a:lnRef idx="3">
+        <a:scrgbClr r="0" g="0" b="0"/>
+      </a:lnRef>
+      <a:fillRef idx="1">
+        <a:scrgbClr r="0" g="0" b="0"/>
+      </a:fillRef>
+      <a:effectRef idx="1">
+        <a:scrgbClr r="0" g="0" b="0"/>
+      </a:effectRef>
+      <a:fontRef idx="minor">
+        <a:schemeClr val="lt1"/>
+      </a:fontRef>
+    </dgm:style>
+  </dgm:styleLbl>
+  <dgm:styleLbl name="parChTrans2D3">
+    <dgm:scene3d>
+      <a:camera prst="orthographicFront"/>
+      <a:lightRig rig="threePt" dir="t"/>
+    </dgm:scene3d>
+    <dgm:sp3d/>
+    <dgm:txPr/>
+    <dgm:style>
+      <a:lnRef idx="3">
+        <a:scrgbClr r="0" g="0" b="0"/>
+      </a:lnRef>
+      <a:fillRef idx="1">
+        <a:scrgbClr r="0" g="0" b="0"/>
+      </a:fillRef>
+      <a:effectRef idx="1">
+        <a:scrgbClr r="0" g="0" b="0"/>
+      </a:effectRef>
+      <a:fontRef idx="minor">
+        <a:schemeClr val="lt1"/>
+      </a:fontRef>
+    </dgm:style>
+  </dgm:styleLbl>
+  <dgm:styleLbl name="parChTrans2D4">
+    <dgm:scene3d>
+      <a:camera prst="orthographicFront"/>
+      <a:lightRig rig="threePt" dir="t"/>
+    </dgm:scene3d>
+    <dgm:sp3d/>
+    <dgm:txPr/>
+    <dgm:style>
+      <a:lnRef idx="3">
+        <a:scrgbClr r="0" g="0" b="0"/>
+      </a:lnRef>
+      <a:fillRef idx="1">
+        <a:scrgbClr r="0" g="0" b="0"/>
+      </a:fillRef>
+      <a:effectRef idx="1">
+        <a:scrgbClr r="0" g="0" b="0"/>
+      </a:effectRef>
+      <a:fontRef idx="minor">
+        <a:schemeClr val="lt1"/>
+      </a:fontRef>
+    </dgm:style>
+  </dgm:styleLbl>
+  <dgm:styleLbl name="parChTrans1D1">
+    <dgm:scene3d>
+      <a:camera prst="orthographicFront"/>
+      <a:lightRig rig="threePt" dir="t"/>
+    </dgm:scene3d>
+    <dgm:sp3d/>
+    <dgm:txPr/>
+    <dgm:style>
+      <a:lnRef idx="2">
+        <a:scrgbClr r="0" g="0" b="0"/>
+      </a:lnRef>
+      <a:fillRef idx="0">
+        <a:scrgbClr r="0" g="0" b="0"/>
+      </a:fillRef>
+      <a:effectRef idx="0">
+        <a:scrgbClr r="0" g="0" b="0"/>
+      </a:effectRef>
+      <a:fontRef idx="minor"/>
+    </dgm:style>
+  </dgm:styleLbl>
+  <dgm:styleLbl name="parChTrans1D2">
+    <dgm:scene3d>
+      <a:camera prst="orthographicFront"/>
+      <a:lightRig rig="threePt" dir="t"/>
+    </dgm:scene3d>
+    <dgm:sp3d/>
+    <dgm:txPr/>
+    <dgm:style>
+      <a:lnRef idx="2">
+        <a:scrgbClr r="0" g="0" b="0"/>
+      </a:lnRef>
+      <a:fillRef idx="0">
+        <a:scrgbClr r="0" g="0" b="0"/>
+      </a:fillRef>
+      <a:effectRef idx="0">
+        <a:scrgbClr r="0" g="0" b="0"/>
+      </a:effectRef>
+      <a:fontRef idx="minor"/>
+    </dgm:style>
+  </dgm:styleLbl>
+  <dgm:styleLbl name="parChTrans1D3">
+    <dgm:scene3d>
+      <a:camera prst="orthographicFront"/>
+      <a:lightRig rig="threePt" dir="t"/>
+    </dgm:scene3d>
+    <dgm:sp3d/>
+    <dgm:txPr/>
+    <dgm:style>
+      <a:lnRef idx="2">
+        <a:scrgbClr r="0" g="0" b="0"/>
+      </a:lnRef>
+      <a:fillRef idx="0">
+        <a:scrgbClr r="0" g="0" b="0"/>
+      </a:fillRef>
+      <a:effectRef idx="0">
+        <a:scrgbClr r="0" g="0" b="0"/>
+      </a:effectRef>
+      <a:fontRef idx="minor"/>
+    </dgm:style>
+  </dgm:styleLbl>
+  <dgm:styleLbl name="parChTrans1D4">
+    <dgm:scene3d>
+      <a:camera prst="orthographicFront"/>
+      <a:lightRig rig="threePt" dir="t"/>
+    </dgm:scene3d>
+    <dgm:sp3d/>
+    <dgm:txPr/>
+    <dgm:style>
+      <a:lnRef idx="2">
+        <a:scrgbClr r="0" g="0" b="0"/>
+      </a:lnRef>
+      <a:fillRef idx="0">
+        <a:scrgbClr r="0" g="0" b="0"/>
+      </a:fillRef>
+      <a:effectRef idx="0">
+        <a:scrgbClr r="0" g="0" b="0"/>
+      </a:effectRef>
+      <a:fontRef idx="minor"/>
+    </dgm:style>
+  </dgm:styleLbl>
+  <dgm:styleLbl name="fgAcc1">
+    <dgm:scene3d>
+      <a:camera prst="orthographicFront"/>
+      <a:lightRig rig="threePt" dir="t"/>
+    </dgm:scene3d>
+    <dgm:sp3d/>
+    <dgm:txPr/>
+    <dgm:style>
+      <a:lnRef idx="2">
+        <a:scrgbClr r="0" g="0" b="0"/>
+      </a:lnRef>
+      <a:fillRef idx="1">
+        <a:scrgbClr r="0" g="0" b="0"/>
+      </a:fillRef>
+      <a:effectRef idx="0">
+        <a:scrgbClr r="0" g="0" b="0"/>
+      </a:effectRef>
+      <a:fontRef idx="minor"/>
+    </dgm:style>
+  </dgm:styleLbl>
+  <dgm:styleLbl name="conFgAcc1">
+    <dgm:scene3d>
+      <a:camera prst="orthographicFront"/>
+      <a:lightRig rig="threePt" dir="t"/>
+    </dgm:scene3d>
+    <dgm:sp3d/>
+    <dgm:txPr/>
+    <dgm:style>
+      <a:lnRef idx="2">
+        <a:scrgbClr r="0" g="0" b="0"/>
+      </a:lnRef>
+      <a:fillRef idx="1">
+        <a:scrgbClr r="0" g="0" b="0"/>
+      </a:fillRef>
+      <a:effectRef idx="0">
+        <a:scrgbClr r="0" g="0" b="0"/>
+      </a:effectRef>
+      <a:fontRef idx="minor"/>
+    </dgm:style>
+  </dgm:styleLbl>
+  <dgm:styleLbl name="alignAcc1">
+    <dgm:scene3d>
+      <a:camera prst="orthographicFront"/>
+      <a:lightRig rig="threePt" dir="t"/>
+    </dgm:scene3d>
+    <dgm:sp3d/>
+    <dgm:txPr/>
+    <dgm:style>
+      <a:lnRef idx="2">
+        <a:scrgbClr r="0" g="0" b="0"/>
+      </a:lnRef>
+      <a:fillRef idx="1">
+        <a:scrgbClr r="0" g="0" b="0"/>
+      </a:fillRef>
+      <a:effectRef idx="0">
+        <a:scrgbClr r="0" g="0" b="0"/>
+      </a:effectRef>
+      <a:fontRef idx="minor"/>
+    </dgm:style>
+  </dgm:styleLbl>
+  <dgm:styleLbl name="trAlignAcc1">
+    <dgm:scene3d>
+      <a:camera prst="orthographicFront"/>
+      <a:lightRig rig="threePt" dir="t"/>
+    </dgm:scene3d>
+    <dgm:sp3d/>
+    <dgm:txPr/>
+    <dgm:style>
+      <a:lnRef idx="1">
+        <a:scrgbClr r="0" g="0" b="0"/>
+      </a:lnRef>
+      <a:fillRef idx="1">
+        <a:scrgbClr r="0" g="0" b="0"/>
+      </a:fillRef>
+      <a:effectRef idx="0">
+        <a:scrgbClr r="0" g="0" b="0"/>
+      </a:effectRef>
+      <a:fontRef idx="minor"/>
+    </dgm:style>
+  </dgm:styleLbl>
+  <dgm:styleLbl name="bgAcc1">
+    <dgm:scene3d>
+      <a:camera prst="orthographicFront"/>
+      <a:lightRig rig="threePt" dir="t"/>
+    </dgm:scene3d>
+    <dgm:sp3d/>
+    <dgm:txPr/>
+    <dgm:style>
+      <a:lnRef idx="2">
+        <a:scrgbClr r="0" g="0" b="0"/>
+      </a:lnRef>
+      <a:fillRef idx="1">
+        <a:scrgbClr r="0" g="0" b="0"/>
+      </a:fillRef>
+      <a:effectRef idx="0">
+        <a:scrgbClr r="0" g="0" b="0"/>
+      </a:effectRef>
+      <a:fontRef idx="minor"/>
+    </dgm:style>
+  </dgm:styleLbl>
+  <dgm:styleLbl name="solidFgAcc1">
+    <dgm:scene3d>
+      <a:camera prst="orthographicFront"/>
+      <a:lightRig rig="threePt" dir="t"/>
+    </dgm:scene3d>
+    <dgm:sp3d/>
+    <dgm:txPr/>
+    <dgm:style>
+      <a:lnRef idx="2">
+        <a:scrgbClr r="0" g="0" b="0"/>
+      </a:lnRef>
+      <a:fillRef idx="1">
+        <a:scrgbClr r="0" g="0" b="0"/>
+      </a:fillRef>
+      <a:effectRef idx="0">
+        <a:scrgbClr r="0" g="0" b="0"/>
+      </a:effectRef>
+      <a:fontRef idx="minor"/>
+    </dgm:style>
+  </dgm:styleLbl>
+  <dgm:styleLbl name="solidAlignAcc1">
+    <dgm:scene3d>
+      <a:camera prst="orthographicFront"/>
+      <a:lightRig rig="threePt" dir="t"/>
+    </dgm:scene3d>
+    <dgm:sp3d/>
+    <dgm:txPr/>
+    <dgm:style>
+      <a:lnRef idx="2">
+        <a:scrgbClr r="0" g="0" b="0"/>
+      </a:lnRef>
+      <a:fillRef idx="1">
+        <a:scrgbClr r="0" g="0" b="0"/>
+      </a:fillRef>
+      <a:effectRef idx="0">
+        <a:scrgbClr r="0" g="0" b="0"/>
+      </a:effectRef>
+      <a:fontRef idx="minor"/>
+    </dgm:style>
+  </dgm:styleLbl>
+  <dgm:styleLbl name="solidBgAcc1">
+    <dgm:scene3d>
+      <a:camera prst="orthographicFront"/>
+      <a:lightRig rig="threePt" dir="t"/>
+    </dgm:scene3d>
+    <dgm:sp3d/>
+    <dgm:txPr/>
+    <dgm:style>
+      <a:lnRef idx="2">
+        <a:scrgbClr r="0" g="0" b="0"/>
+      </a:lnRef>
+      <a:fillRef idx="1">
+        <a:scrgbClr r="0" g="0" b="0"/>
+      </a:fillRef>
+      <a:effectRef idx="0">
+        <a:scrgbClr r="0" g="0" b="0"/>
+      </a:effectRef>
+      <a:fontRef idx="minor"/>
+    </dgm:style>
+  </dgm:styleLbl>
+  <dgm:styleLbl name="fgAccFollowNode1">
+    <dgm:scene3d>
+      <a:camera prst="orthographicFront"/>
+      <a:lightRig rig="threePt" dir="t"/>
+    </dgm:scene3d>
+    <dgm:sp3d/>
+    <dgm:txPr/>
+    <dgm:style>
+      <a:lnRef idx="2">
+        <a:scrgbClr r="0" g="0" b="0"/>
+      </a:lnRef>
+      <a:fillRef idx="1">
+        <a:scrgbClr r="0" g="0" b="0"/>
+      </a:fillRef>
+      <a:effectRef idx="0">
+        <a:scrgbClr r="0" g="0" b="0"/>
+      </a:effectRef>
+      <a:fontRef idx="minor"/>
+    </dgm:style>
+  </dgm:styleLbl>
+  <dgm:styleLbl name="alignAccFollowNode1">
+    <dgm:scene3d>
+      <a:camera prst="orthographicFront"/>
+      <a:lightRig rig="threePt" dir="t"/>
+    </dgm:scene3d>
+    <dgm:sp3d/>
+    <dgm:txPr/>
+    <dgm:style>
+      <a:lnRef idx="2">
+        <a:scrgbClr r="0" g="0" b="0"/>
+      </a:lnRef>
+      <a:fillRef idx="1">
+        <a:scrgbClr r="0" g="0" b="0"/>
+      </a:fillRef>
+      <a:effectRef idx="0">
+        <a:scrgbClr r="0" g="0" b="0"/>
+      </a:effectRef>
+      <a:fontRef idx="minor"/>
+    </dgm:style>
+  </dgm:styleLbl>
+  <dgm:styleLbl name="bgAccFollowNode1">
+    <dgm:scene3d>
+      <a:camera prst="orthographicFront"/>
+      <a:lightRig rig="threePt" dir="t"/>
+    </dgm:scene3d>
+    <dgm:sp3d/>
+    <dgm:txPr/>
+    <dgm:style>
+      <a:lnRef idx="2">
+        <a:scrgbClr r="0" g="0" b="0"/>
+      </a:lnRef>
+      <a:fillRef idx="1">
+        <a:scrgbClr r="0" g="0" b="0"/>
+      </a:fillRef>
+      <a:effectRef idx="0">
+        <a:scrgbClr r="0" g="0" b="0"/>
+      </a:effectRef>
+      <a:fontRef idx="minor"/>
+    </dgm:style>
+  </dgm:styleLbl>
+  <dgm:styleLbl name="fgAcc0">
+    <dgm:scene3d>
+      <a:camera prst="orthographicFront"/>
+      <a:lightRig rig="threePt" dir="t"/>
+    </dgm:scene3d>
+    <dgm:sp3d/>
+    <dgm:txPr/>
+    <dgm:style>
+      <a:lnRef idx="2">
+        <a:scrgbClr r="0" g="0" b="0"/>
+      </a:lnRef>
+      <a:fillRef idx="1">
+        <a:scrgbClr r="0" g="0" b="0"/>
+      </a:fillRef>
+      <a:effectRef idx="0">
+        <a:scrgbClr r="0" g="0" b="0"/>
+      </a:effectRef>
+      <a:fontRef idx="minor"/>
+    </dgm:style>
+  </dgm:styleLbl>
+  <dgm:styleLbl name="fgAcc2">
+    <dgm:scene3d>
+      <a:camera prst="orthographicFront"/>
+      <a:lightRig rig="threePt" dir="t"/>
+    </dgm:scene3d>
+    <dgm:sp3d/>
+    <dgm:txPr/>
+    <dgm:style>
+      <a:lnRef idx="2">
+        <a:scrgbClr r="0" g="0" b="0"/>
+      </a:lnRef>
+      <a:fillRef idx="1">
+        <a:scrgbClr r="0" g="0" b="0"/>
+      </a:fillRef>
+      <a:effectRef idx="0">
+        <a:scrgbClr r="0" g="0" b="0"/>
+      </a:effectRef>
+      <a:fontRef idx="minor"/>
+    </dgm:style>
+  </dgm:styleLbl>
+  <dgm:styleLbl name="fgAcc3">
+    <dgm:scene3d>
+      <a:camera prst="orthographicFront"/>
+      <a:lightRig rig="threePt" dir="t"/>
+    </dgm:scene3d>
+    <dgm:sp3d/>
+    <dgm:txPr/>
+    <dgm:style>
+      <a:lnRef idx="2">
+        <a:scrgbClr r="0" g="0" b="0"/>
+      </a:lnRef>
+      <a:fillRef idx="1">
+        <a:scrgbClr r="0" g="0" b="0"/>
+      </a:fillRef>
+      <a:effectRef idx="0">
+        <a:scrgbClr r="0" g="0" b="0"/>
+      </a:effectRef>
+      <a:fontRef idx="minor"/>
+    </dgm:style>
+  </dgm:styleLbl>
+  <dgm:styleLbl name="fgAcc4">
+    <dgm:scene3d>
+      <a:camera prst="orthographicFront"/>
+      <a:lightRig rig="threePt" dir="t"/>
+    </dgm:scene3d>
+    <dgm:sp3d/>
+    <dgm:txPr/>
+    <dgm:style>
+      <a:lnRef idx="2">
+        <a:scrgbClr r="0" g="0" b="0"/>
+      </a:lnRef>
+      <a:fillRef idx="1">
+        <a:scrgbClr r="0" g="0" b="0"/>
+      </a:fillRef>
+      <a:effectRef idx="0">
+        <a:scrgbClr r="0" g="0" b="0"/>
+      </a:effectRef>
+      <a:fontRef idx="minor"/>
+    </dgm:style>
+  </dgm:styleLbl>
+  <dgm:styleLbl name="bgShp">
+    <dgm:scene3d>
+      <a:camera prst="orthographicFront"/>
+      <a:lightRig rig="threePt" dir="t"/>
+    </dgm:scene3d>
+    <dgm:sp3d/>
+    <dgm:txPr/>
+    <dgm:style>
+      <a:lnRef idx="0">
+        <a:scrgbClr r="0" g="0" b="0"/>
+      </a:lnRef>
+      <a:fillRef idx="1">
+        <a:scrgbClr r="0" g="0" b="0"/>
+      </a:fillRef>
+      <a:effectRef idx="0">
+        <a:scrgbClr r="0" g="0" b="0"/>
+      </a:effectRef>
+      <a:fontRef idx="minor"/>
+    </dgm:style>
+  </dgm:styleLbl>
+  <dgm:styleLbl name="dkBgShp">
+    <dgm:scene3d>
+      <a:camera prst="orthographicFront"/>
+      <a:lightRig rig="threePt" dir="t"/>
+    </dgm:scene3d>
+    <dgm:sp3d/>
+    <dgm:txPr/>
+    <dgm:style>
+      <a:lnRef idx="0">
+        <a:scrgbClr r="0" g="0" b="0"/>
+      </a:lnRef>
+      <a:fillRef idx="1">
+        <a:scrgbClr r="0" g="0" b="0"/>
+      </a:fillRef>
+      <a:effectRef idx="0">
+        <a:scrgbClr r="0" g="0" b="0"/>
+      </a:effectRef>
+      <a:fontRef idx="minor"/>
+    </dgm:style>
+  </dgm:styleLbl>
+  <dgm:styleLbl name="trBgShp">
+    <dgm:scene3d>
+      <a:camera prst="orthographicFront"/>
+      <a:lightRig rig="threePt" dir="t"/>
+    </dgm:scene3d>
+    <dgm:sp3d/>
+    <dgm:txPr/>
+    <dgm:style>
+      <a:lnRef idx="0">
+        <a:scrgbClr r="0" g="0" b="0"/>
+      </a:lnRef>
+      <a:fillRef idx="1">
+        <a:scrgbClr r="0" g="0" b="0"/>
+      </a:fillRef>
+      <a:effectRef idx="0">
+        <a:scrgbClr r="0" g="0" b="0"/>
+      </a:effectRef>
+      <a:fontRef idx="minor"/>
+    </dgm:style>
+  </dgm:styleLbl>
+  <dgm:styleLbl name="fgShp">
+    <dgm:scene3d>
+      <a:camera prst="orthographicFront"/>
+      <a:lightRig rig="threePt" dir="t"/>
+    </dgm:scene3d>
+    <dgm:sp3d/>
+    <dgm:txPr/>
+    <dgm:style>
+      <a:lnRef idx="3">
+        <a:scrgbClr r="0" g="0" b="0"/>
+      </a:lnRef>
+      <a:fillRef idx="1">
+        <a:scrgbClr r="0" g="0" b="0"/>
+      </a:fillRef>
+      <a:effectRef idx="1">
+        <a:scrgbClr r="0" g="0" b="0"/>
+      </a:effectRef>
+      <a:fontRef idx="minor"/>
+    </dgm:style>
+  </dgm:styleLbl>
+  <dgm:styleLbl name="revTx">
+    <dgm:scene3d>
+      <a:camera prst="orthographicFront"/>
+      <a:lightRig rig="threePt" dir="t"/>
+    </dgm:scene3d>
+    <dgm:sp3d/>
+    <dgm:txPr/>
+    <dgm:style>
+      <a:lnRef idx="0">
+        <a:scrgbClr r="0" g="0" b="0"/>
+      </a:lnRef>
+      <a:fillRef idx="0">
+        <a:scrgbClr r="0" g="0" b="0"/>
+      </a:fillRef>
+      <a:effectRef idx="0">
+        <a:scrgbClr r="0" g="0" b="0"/>
+      </a:effectRef>
+      <a:fontRef idx="minor"/>
+    </dgm:style>
+  </dgm:styleLbl>
+</dgm:styleDef>
 </file>
 
 <file path=ppt/notesMasters/notesMaster1.xml><?xml version="1.0" encoding="utf-8"?>
@@ -589,7 +7776,7 @@
     </p:spTree>
     <p:extLst>
       <p:ext uri="{BB962C8B-B14F-4D97-AF65-F5344CB8AC3E}">
-        <p14:creationId xmlns:p14="http://schemas.microsoft.com/office/powerpoint/2010/main" val="1024086991"/>
+        <p14:creationId xmlns:p14="http://schemas.microsoft.com/office/powerpoint/2010/main" val="3101227400"/>
       </p:ext>
     </p:extLst>
   </p:cSld>
@@ -841,7 +8028,7 @@
     </p:spTree>
     <p:extLst>
       <p:ext uri="{BB962C8B-B14F-4D97-AF65-F5344CB8AC3E}">
-        <p14:creationId xmlns:p14="http://schemas.microsoft.com/office/powerpoint/2010/main" val="1024086991"/>
+        <p14:creationId xmlns:p14="http://schemas.microsoft.com/office/powerpoint/2010/main" val="3257112975"/>
       </p:ext>
     </p:extLst>
   </p:cSld>
@@ -1253,6 +8440,90 @@
             <a:fld id="{F7021451-1387-4CA6-816F-3879F97B5CBC}" type="slidenum">
               <a:rPr lang="en-US"/>
               <a:t>2</a:t>
+            </a:fld>
+            <a:endParaRPr lang="en-US"/>
+          </a:p>
+        </p:txBody>
+      </p:sp>
+    </p:spTree>
+    <p:extLst>
+      <p:ext uri="{BB962C8B-B14F-4D97-AF65-F5344CB8AC3E}">
+        <p14:creationId xmlns:p14="http://schemas.microsoft.com/office/powerpoint/2010/main" val="1024086991"/>
+      </p:ext>
+    </p:extLst>
+  </p:cSld>
+  <p:clrMapOvr>
+    <a:masterClrMapping/>
+  </p:clrMapOvr>
+</p:notes>
+</file>
+
+<file path=ppt/notesSlides/notesSlide20.xml><?xml version="1.0" encoding="utf-8"?>
+<p:notes xmlns:a="http://schemas.openxmlformats.org/drawingml/2006/main" xmlns:r="http://schemas.openxmlformats.org/officeDocument/2006/relationships" xmlns:p="http://schemas.openxmlformats.org/presentationml/2006/main">
+  <p:cSld>
+    <p:spTree>
+      <p:nvGrpSpPr>
+        <p:cNvPr id="1" name=""/>
+        <p:cNvGrpSpPr/>
+        <p:nvPr/>
+      </p:nvGrpSpPr>
+      <p:grpSpPr>
+        <a:xfrm>
+          <a:off x="0" y="0"/>
+          <a:ext cx="0" cy="0"/>
+          <a:chOff x="0" y="0"/>
+          <a:chExt cx="0" cy="0"/>
+        </a:xfrm>
+      </p:grpSpPr>
+      <p:sp>
+        <p:nvSpPr>
+          <p:cNvPr id="2" name="Slide Image Placeholder 1"/>
+          <p:cNvSpPr>
+            <a:spLocks noGrp="1" noRot="1" noChangeAspect="1"/>
+          </p:cNvSpPr>
+          <p:nvPr>
+            <p:ph type="sldImg"/>
+          </p:nvPr>
+        </p:nvSpPr>
+        <p:spPr/>
+      </p:sp>
+      <p:sp>
+        <p:nvSpPr>
+          <p:cNvPr id="3" name="Notes Placeholder 2"/>
+          <p:cNvSpPr>
+            <a:spLocks noGrp="1"/>
+          </p:cNvSpPr>
+          <p:nvPr>
+            <p:ph type="body" idx="1"/>
+          </p:nvPr>
+        </p:nvSpPr>
+        <p:spPr/>
+        <p:txBody>
+          <a:bodyPr/>
+          <a:lstStyle/>
+          <a:p>
+            <a:endParaRPr lang="en-US" dirty="0"/>
+          </a:p>
+        </p:txBody>
+      </p:sp>
+      <p:sp>
+        <p:nvSpPr>
+          <p:cNvPr id="4" name="Slide Number Placeholder 3"/>
+          <p:cNvSpPr>
+            <a:spLocks noGrp="1"/>
+          </p:cNvSpPr>
+          <p:nvPr>
+            <p:ph type="sldNum" sz="quarter" idx="10"/>
+          </p:nvPr>
+        </p:nvSpPr>
+        <p:spPr/>
+        <p:txBody>
+          <a:bodyPr/>
+          <a:lstStyle/>
+          <a:p>
+            <a:fld id="{F7021451-1387-4CA6-816F-3879F97B5CBC}" type="slidenum">
+              <a:rPr lang="en-US"/>
+              <a:t>20</a:t>
             </a:fld>
             <a:endParaRPr lang="en-US"/>
           </a:p>
@@ -3057,7 +10328,6 @@
           <a:bodyPr wrap="square" rtlCol="0" anchor="ctr"/>
           <a:lstStyle/>
           <a:p>
-            <a:pPr algn="l"/>
             <a:r>
               <a:rPr lang="en-US" sz="2000" b="1" dirty="0">
                 <a:solidFill>
@@ -3067,7 +10337,7 @@
                 <a:ea typeface="Noto Sans SC" pitchFamily="34" charset="-122"/>
                 <a:cs typeface="Noto Sans SC" pitchFamily="34" charset="-120"/>
               </a:rPr>
-              <a:t>5. Case Study: </a:t>
+              <a:t>5. Python Based Analysis</a:t>
             </a:r>
           </a:p>
           <a:p>
@@ -3108,7 +10378,7 @@
 
 <file path=ppt/slides/slide12.xml><?xml version="1.0" encoding="utf-8"?>
 <p:sld xmlns:a="http://schemas.openxmlformats.org/drawingml/2006/main" xmlns:r="http://schemas.openxmlformats.org/officeDocument/2006/relationships" xmlns:p="http://schemas.openxmlformats.org/presentationml/2006/main">
-  <p:cSld name="Slide 12">
+  <p:cSld>
     <p:spTree>
       <p:nvGrpSpPr>
         <p:cNvPr id="1" name=""/>
@@ -3125,7 +10395,7 @@
       </p:grpSpPr>
       <p:pic>
         <p:nvPicPr>
-          <p:cNvPr id="2" name="Image 0" descr="preencoded.png"/>
+          <p:cNvPr id="2" name="Image 0" descr="https://assets.mindshow.fun/themes/yellow_repeating_geometric_texture_20220622/Content-title-bg.svg"/>
           <p:cNvPicPr>
             <a:picLocks noChangeAspect="1"/>
           </p:cNvPicPr>
@@ -3145,8 +10415,8 @@
         </p:blipFill>
         <p:spPr>
           <a:xfrm>
-            <a:off x="0" y="36404"/>
-            <a:ext cx="9144000" cy="5143500"/>
+            <a:off x="0" y="0"/>
+            <a:ext cx="9144000" cy="1085850"/>
           </a:xfrm>
           <a:prstGeom prst="rect">
             <a:avLst/>
@@ -3161,8 +10431,8 @@
         </p:nvSpPr>
         <p:spPr>
           <a:xfrm>
-            <a:off x="3361679" y="1902618"/>
-            <a:ext cx="2420642" cy="1338263"/>
+            <a:off x="762000" y="138113"/>
+            <a:ext cx="7901940" cy="552450"/>
           </a:xfrm>
           <a:prstGeom prst="rect">
             <a:avLst/>
@@ -3174,311 +10444,57 @@
           <a:bodyPr wrap="square" rtlCol="0" anchor="ctr"/>
           <a:lstStyle/>
           <a:p>
-            <a:pPr algn="ctr"/>
             <a:r>
-              <a:rPr lang="en-US" sz="1600" b="1" dirty="0">
+              <a:rPr lang="en-US" sz="2400" b="1" dirty="0">
                 <a:solidFill>
-                  <a:srgbClr val="000000"/>
+                  <a:srgbClr val="FFFFFF"/>
                 </a:solidFill>
                 <a:latin typeface="Noto Sans SC" pitchFamily="34" charset="0"/>
                 <a:ea typeface="Noto Sans SC" pitchFamily="34" charset="-122"/>
                 <a:cs typeface="Noto Sans SC" pitchFamily="34" charset="-120"/>
               </a:rPr>
-              <a:t>5. Case Study:</a:t>
+              <a:t>5. Python Based Analysis</a:t>
             </a:r>
-          </a:p>
-          <a:p>
-            <a:pPr algn="ctr"/>
-            <a:endParaRPr lang="en-US" sz="1000" b="1" dirty="0">
-              <a:solidFill>
-                <a:srgbClr val="000000"/>
-              </a:solidFill>
-              <a:latin typeface="Noto Sans SC" pitchFamily="34" charset="0"/>
-              <a:ea typeface="Noto Sans SC" pitchFamily="34" charset="-122"/>
-              <a:cs typeface="Noto Sans SC" pitchFamily="34" charset="-120"/>
-            </a:endParaRPr>
-          </a:p>
-          <a:p>
-            <a:pPr algn="ctr"/>
-            <a:r>
-              <a:rPr lang="en-US" sz="1200" b="1" dirty="0">
-                <a:solidFill>
-                  <a:srgbClr val="000000"/>
-                </a:solidFill>
-                <a:latin typeface="Noto Sans SC" pitchFamily="34" charset="0"/>
-                <a:ea typeface="Noto Sans SC" pitchFamily="34" charset="-122"/>
-                <a:cs typeface="Noto Sans SC" pitchFamily="34" charset="-120"/>
-              </a:rPr>
-              <a:t>Leveraging Directed Acyclic Graphs Analysis in a Promotional Event</a:t>
-            </a:r>
-            <a:endParaRPr lang="en-US" sz="1100" dirty="0"/>
+            <a:endParaRPr lang="en-US" sz="2400" dirty="0"/>
           </a:p>
         </p:txBody>
       </p:sp>
-      <p:sp>
-        <p:nvSpPr>
-          <p:cNvPr id="4" name="Text 1"/>
-          <p:cNvSpPr/>
-          <p:nvPr/>
-        </p:nvSpPr>
-        <p:spPr>
-          <a:xfrm>
-            <a:off x="973931" y="1187355"/>
-            <a:ext cx="2276475" cy="514350"/>
-          </a:xfrm>
-          <a:prstGeom prst="rect">
-            <a:avLst/>
-          </a:prstGeom>
-          <a:noFill/>
-          <a:ln/>
-        </p:spPr>
-        <p:txBody>
-          <a:bodyPr wrap="square" rtlCol="0" anchor="t"/>
-          <a:lstStyle/>
-          <a:p>
-            <a:pPr marL="0" indent="0" algn="l">
-              <a:lnSpc>
-                <a:spcPts val="1728"/>
-              </a:lnSpc>
-              <a:buNone/>
-            </a:pPr>
-            <a:r>
-              <a:rPr lang="en-US" sz="1400" b="0" dirty="0">
-                <a:solidFill>
-                  <a:srgbClr val="383838"/>
-                </a:solidFill>
-                <a:latin typeface="Noto Sans SC" pitchFamily="34" charset="0"/>
-                <a:ea typeface="Noto Sans SC" pitchFamily="34" charset="-122"/>
-                <a:cs typeface="Noto Sans SC" pitchFamily="34" charset="-120"/>
-              </a:rPr>
-              <a:t>Step 0: Construction of the promotional event scenario</a:t>
-            </a:r>
-            <a:endParaRPr lang="en-US" sz="1200" dirty="0"/>
-          </a:p>
-        </p:txBody>
-      </p:sp>
-      <p:sp>
-        <p:nvSpPr>
-          <p:cNvPr id="5" name="Text 2"/>
-          <p:cNvSpPr/>
-          <p:nvPr/>
-        </p:nvSpPr>
-        <p:spPr>
-          <a:xfrm>
-            <a:off x="759013" y="2350979"/>
-            <a:ext cx="2276475" cy="257175"/>
-          </a:xfrm>
-          <a:prstGeom prst="rect">
-            <a:avLst/>
-          </a:prstGeom>
-          <a:noFill/>
-          <a:ln/>
-        </p:spPr>
-        <p:txBody>
-          <a:bodyPr wrap="square" rtlCol="0" anchor="t"/>
-          <a:lstStyle/>
-          <a:p>
-            <a:pPr marL="0" indent="0" algn="l">
-              <a:lnSpc>
-                <a:spcPts val="1728"/>
-              </a:lnSpc>
-              <a:buNone/>
-            </a:pPr>
-            <a:r>
-              <a:rPr lang="en-US" sz="1400" b="0" dirty="0">
-                <a:solidFill>
-                  <a:srgbClr val="383838"/>
-                </a:solidFill>
-                <a:latin typeface="Noto Sans SC" pitchFamily="34" charset="0"/>
-                <a:ea typeface="Noto Sans SC" pitchFamily="34" charset="-122"/>
-                <a:cs typeface="Noto Sans SC" pitchFamily="34" charset="-120"/>
-              </a:rPr>
-              <a:t>Step 1: Process input data</a:t>
-            </a:r>
-            <a:endParaRPr lang="en-US" sz="1200" dirty="0"/>
-          </a:p>
-        </p:txBody>
-      </p:sp>
-      <p:sp>
-        <p:nvSpPr>
-          <p:cNvPr id="6" name="Text 3"/>
-          <p:cNvSpPr/>
-          <p:nvPr/>
-        </p:nvSpPr>
-        <p:spPr>
-          <a:xfrm>
-            <a:off x="973931" y="3578532"/>
-            <a:ext cx="2276475" cy="514350"/>
-          </a:xfrm>
-          <a:prstGeom prst="rect">
-            <a:avLst/>
-          </a:prstGeom>
-          <a:noFill/>
-          <a:ln/>
-        </p:spPr>
-        <p:txBody>
-          <a:bodyPr wrap="square" rtlCol="0" anchor="t"/>
-          <a:lstStyle/>
-          <a:p>
-            <a:pPr marL="0" indent="0" algn="l">
-              <a:lnSpc>
-                <a:spcPts val="1728"/>
-              </a:lnSpc>
-              <a:buNone/>
-            </a:pPr>
-            <a:r>
-              <a:rPr lang="en-US" sz="1400" b="0" dirty="0">
-                <a:solidFill>
-                  <a:srgbClr val="383838"/>
-                </a:solidFill>
-                <a:latin typeface="Noto Sans SC" pitchFamily="34" charset="0"/>
-                <a:ea typeface="Noto Sans SC" pitchFamily="34" charset="-122"/>
-                <a:cs typeface="Noto Sans SC" pitchFamily="34" charset="-120"/>
-              </a:rPr>
-              <a:t>Step 2: Represent the graph using </a:t>
-            </a:r>
-            <a:r>
-              <a:rPr lang="en-US" sz="1400" b="1" dirty="0">
-                <a:solidFill>
-                  <a:srgbClr val="383838"/>
-                </a:solidFill>
-                <a:latin typeface="Noto Sans SC" pitchFamily="34" charset="0"/>
-                <a:ea typeface="Noto Sans SC" pitchFamily="34" charset="-122"/>
-                <a:cs typeface="Noto Sans SC" pitchFamily="34" charset="-120"/>
-              </a:rPr>
-              <a:t>NetworkX</a:t>
-            </a:r>
-            <a:endParaRPr lang="en-US" sz="1200" b="1" dirty="0"/>
-          </a:p>
-        </p:txBody>
-      </p:sp>
-      <p:sp>
-        <p:nvSpPr>
-          <p:cNvPr id="7" name="Text 4"/>
-          <p:cNvSpPr/>
-          <p:nvPr/>
-        </p:nvSpPr>
-        <p:spPr>
-          <a:xfrm>
-            <a:off x="6500812" y="1187355"/>
-            <a:ext cx="2276475" cy="514350"/>
-          </a:xfrm>
-          <a:prstGeom prst="rect">
-            <a:avLst/>
-          </a:prstGeom>
-          <a:noFill/>
-          <a:ln/>
-        </p:spPr>
-        <p:txBody>
-          <a:bodyPr wrap="square" rtlCol="0" anchor="t"/>
-          <a:lstStyle/>
-          <a:p>
-            <a:pPr marL="0" indent="0" algn="l">
-              <a:lnSpc>
-                <a:spcPts val="1728"/>
-              </a:lnSpc>
-              <a:buNone/>
-            </a:pPr>
-            <a:r>
-              <a:rPr lang="en-US" sz="1400" b="0" dirty="0">
-                <a:solidFill>
-                  <a:srgbClr val="383838"/>
-                </a:solidFill>
-                <a:latin typeface="Noto Sans SC" pitchFamily="34" charset="0"/>
-                <a:ea typeface="Noto Sans SC" pitchFamily="34" charset="-122"/>
-                <a:cs typeface="Noto Sans SC" pitchFamily="34" charset="-120"/>
-              </a:rPr>
-              <a:t>Step 3: Find the critical path / the longest path</a:t>
-            </a:r>
-            <a:endParaRPr lang="en-US" sz="1200" dirty="0"/>
-          </a:p>
-        </p:txBody>
-      </p:sp>
-      <p:sp>
-        <p:nvSpPr>
-          <p:cNvPr id="8" name="Text 5"/>
-          <p:cNvSpPr/>
-          <p:nvPr/>
-        </p:nvSpPr>
-        <p:spPr>
-          <a:xfrm>
-            <a:off x="6693089" y="2350979"/>
-            <a:ext cx="2276475" cy="257175"/>
-          </a:xfrm>
-          <a:prstGeom prst="rect">
-            <a:avLst/>
-          </a:prstGeom>
-          <a:noFill/>
-          <a:ln/>
-        </p:spPr>
-        <p:txBody>
-          <a:bodyPr wrap="square" rtlCol="0" anchor="t"/>
-          <a:lstStyle/>
-          <a:p>
-            <a:pPr marL="0" indent="0" algn="l">
-              <a:lnSpc>
-                <a:spcPts val="1728"/>
-              </a:lnSpc>
-              <a:buNone/>
-            </a:pPr>
-            <a:r>
-              <a:rPr lang="en-US" sz="1400" b="0" dirty="0">
-                <a:solidFill>
-                  <a:srgbClr val="383838"/>
-                </a:solidFill>
-                <a:latin typeface="Noto Sans SC" pitchFamily="34" charset="0"/>
-                <a:ea typeface="Noto Sans SC" pitchFamily="34" charset="-122"/>
-                <a:cs typeface="Noto Sans SC" pitchFamily="34" charset="-120"/>
-              </a:rPr>
-              <a:t>Step 4: Format and plot</a:t>
-            </a:r>
-            <a:endParaRPr lang="en-US" sz="1200" dirty="0"/>
-          </a:p>
-        </p:txBody>
-      </p:sp>
-      <p:sp>
-        <p:nvSpPr>
-          <p:cNvPr id="9" name="Text 6"/>
-          <p:cNvSpPr/>
-          <p:nvPr/>
-        </p:nvSpPr>
-        <p:spPr>
-          <a:xfrm>
-            <a:off x="6500811" y="3540959"/>
-            <a:ext cx="2276475" cy="514350"/>
-          </a:xfrm>
-          <a:prstGeom prst="rect">
-            <a:avLst/>
-          </a:prstGeom>
-          <a:noFill/>
-          <a:ln/>
-        </p:spPr>
-        <p:txBody>
-          <a:bodyPr wrap="square" rtlCol="0" anchor="t"/>
-          <a:lstStyle/>
-          <a:p>
-            <a:pPr marL="0" indent="0" algn="l">
-              <a:lnSpc>
-                <a:spcPts val="1728"/>
-              </a:lnSpc>
-              <a:buNone/>
-            </a:pPr>
-            <a:r>
-              <a:rPr lang="en-US" sz="1400" b="0" dirty="0">
-                <a:solidFill>
-                  <a:srgbClr val="383838"/>
-                </a:solidFill>
-                <a:latin typeface="Noto Sans SC" pitchFamily="34" charset="0"/>
-                <a:ea typeface="Noto Sans SC" pitchFamily="34" charset="-122"/>
-                <a:cs typeface="Noto Sans SC" pitchFamily="34" charset="-120"/>
-              </a:rPr>
-              <a:t>Step 5: Generate summarized message</a:t>
-            </a:r>
-            <a:endParaRPr lang="en-US" sz="1200" dirty="0"/>
-          </a:p>
-        </p:txBody>
-      </p:sp>
+      <p:graphicFrame>
+        <p:nvGraphicFramePr>
+          <p:cNvPr id="4" name="Content Placeholder 2">
+            <a:extLst>
+              <a:ext uri="{FF2B5EF4-FFF2-40B4-BE49-F238E27FC236}">
+                <a16:creationId xmlns:a16="http://schemas.microsoft.com/office/drawing/2014/main" id="{D298A91B-6356-5063-76AA-E028AF270D6B}"/>
+              </a:ext>
+            </a:extLst>
+          </p:cNvPr>
+          <p:cNvGraphicFramePr>
+            <a:graphicFrameLocks/>
+          </p:cNvGraphicFramePr>
+          <p:nvPr>
+            <p:extLst>
+              <p:ext uri="{D42A27DB-BD31-4B8C-83A1-F6EECF244321}">
+                <p14:modId xmlns:p14="http://schemas.microsoft.com/office/powerpoint/2010/main" val="254276149"/>
+              </p:ext>
+            </p:extLst>
+          </p:nvPr>
+        </p:nvGraphicFramePr>
+        <p:xfrm>
+          <a:off x="762000" y="1085850"/>
+          <a:ext cx="7467599" cy="3657526"/>
+        </p:xfrm>
+        <a:graphic>
+          <a:graphicData uri="http://schemas.openxmlformats.org/drawingml/2006/diagram">
+            <dgm:relIds xmlns:dgm="http://schemas.openxmlformats.org/drawingml/2006/diagram" xmlns:r="http://schemas.openxmlformats.org/officeDocument/2006/relationships" r:dm="rId5" r:lo="rId6" r:qs="rId7" r:cs="rId8"/>
+          </a:graphicData>
+        </a:graphic>
+      </p:graphicFrame>
     </p:spTree>
+    <p:extLst>
+      <p:ext uri="{BB962C8B-B14F-4D97-AF65-F5344CB8AC3E}">
+        <p14:creationId xmlns:p14="http://schemas.microsoft.com/office/powerpoint/2010/main" val="3002913950"/>
+      </p:ext>
+    </p:extLst>
   </p:cSld>
   <p:clrMapOvr>
     <a:masterClrMapping/>
@@ -3661,55 +10677,464 @@
                 <a:ea typeface="Noto Sans SC" pitchFamily="34" charset="-122"/>
                 <a:cs typeface="Noto Sans SC" pitchFamily="34" charset="-120"/>
               </a:rPr>
-              <a:t>6. Analysis: Interpretation of the Output</a:t>
+              <a:t>6. Output and Interpretation</a:t>
             </a:r>
             <a:endParaRPr lang="en-US" sz="2400" dirty="0"/>
           </a:p>
         </p:txBody>
       </p:sp>
-      <p:sp>
-        <p:nvSpPr>
-          <p:cNvPr id="4" name="Text 1"/>
-          <p:cNvSpPr/>
+      <p:pic>
+        <p:nvPicPr>
+          <p:cNvPr id="5" name="Picture 4">
+            <a:extLst>
+              <a:ext uri="{FF2B5EF4-FFF2-40B4-BE49-F238E27FC236}">
+                <a16:creationId xmlns:a16="http://schemas.microsoft.com/office/drawing/2014/main" id="{E1B2885A-EA70-F7A7-AA1F-26F78E819350}"/>
+              </a:ext>
+            </a:extLst>
+          </p:cNvPr>
+          <p:cNvPicPr>
+            <a:picLocks noChangeAspect="1"/>
+          </p:cNvPicPr>
           <p:nvPr/>
-        </p:nvSpPr>
+        </p:nvPicPr>
+        <p:blipFill>
+          <a:blip r:embed="rId5"/>
+          <a:stretch>
+            <a:fillRect/>
+          </a:stretch>
+        </p:blipFill>
         <p:spPr>
           <a:xfrm>
-            <a:off x="762000" y="1090613"/>
-            <a:ext cx="7620000" cy="342900"/>
+            <a:off x="762000" y="1212170"/>
+            <a:ext cx="4193615" cy="3171753"/>
           </a:xfrm>
           <a:prstGeom prst="rect">
             <a:avLst/>
           </a:prstGeom>
-          <a:noFill/>
-          <a:ln/>
         </p:spPr>
-        <p:txBody>
-          <a:bodyPr wrap="square" rtlCol="0" anchor="t"/>
-          <a:lstStyle/>
-          <a:p>
-            <a:pPr marL="342900" indent="-342900" algn="l">
-              <a:lnSpc>
-                <a:spcPts val="2304"/>
-              </a:lnSpc>
-              <a:buSzPct val="100000"/>
-              <a:buChar char="•"/>
-            </a:pPr>
-            <a:r>
-              <a:rPr lang="en-US" sz="1500" b="0" dirty="0">
+      </p:pic>
+      <p:grpSp>
+        <p:nvGrpSpPr>
+          <p:cNvPr id="10" name="Group 9">
+            <a:extLst>
+              <a:ext uri="{FF2B5EF4-FFF2-40B4-BE49-F238E27FC236}">
+                <a16:creationId xmlns:a16="http://schemas.microsoft.com/office/drawing/2014/main" id="{2CE74502-A143-8DE9-E493-168EA243AFBE}"/>
+              </a:ext>
+            </a:extLst>
+          </p:cNvPr>
+          <p:cNvGrpSpPr/>
+          <p:nvPr/>
+        </p:nvGrpSpPr>
+        <p:grpSpPr>
+          <a:xfrm>
+            <a:off x="4954553" y="930032"/>
+            <a:ext cx="3764266" cy="3787233"/>
+            <a:chOff x="4954553" y="930032"/>
+            <a:chExt cx="3764266" cy="3787233"/>
+          </a:xfrm>
+        </p:grpSpPr>
+        <p:pic>
+          <p:nvPicPr>
+            <p:cNvPr id="6" name="Picture 5">
+              <a:extLst>
+                <a:ext uri="{FF2B5EF4-FFF2-40B4-BE49-F238E27FC236}">
+                  <a16:creationId xmlns:a16="http://schemas.microsoft.com/office/drawing/2014/main" id="{309855E5-3377-C55C-B61B-F66EB95BED5B}"/>
+                </a:ext>
+              </a:extLst>
+            </p:cNvPr>
+            <p:cNvPicPr>
+              <a:picLocks noChangeAspect="1"/>
+            </p:cNvPicPr>
+            <p:nvPr/>
+          </p:nvPicPr>
+          <p:blipFill rotWithShape="1">
+            <a:blip r:embed="rId6"/>
+            <a:srcRect l="17783" r="19186"/>
+            <a:stretch/>
+          </p:blipFill>
+          <p:spPr>
+            <a:xfrm rot="237786">
+              <a:off x="4954553" y="930032"/>
+              <a:ext cx="3764266" cy="3787233"/>
+            </a:xfrm>
+            <a:prstGeom prst="rect">
+              <a:avLst/>
+            </a:prstGeom>
+          </p:spPr>
+        </p:pic>
+        <p:sp>
+          <p:nvSpPr>
+            <p:cNvPr id="7" name="Text 1">
+              <a:extLst>
+                <a:ext uri="{FF2B5EF4-FFF2-40B4-BE49-F238E27FC236}">
+                  <a16:creationId xmlns:a16="http://schemas.microsoft.com/office/drawing/2014/main" id="{64A469FE-5AEE-A6DA-5A38-0D8474EE9D4D}"/>
+                </a:ext>
+              </a:extLst>
+            </p:cNvPr>
+            <p:cNvSpPr/>
+            <p:nvPr/>
+          </p:nvSpPr>
+          <p:spPr>
+            <a:xfrm>
+              <a:off x="5547143" y="1623490"/>
+              <a:ext cx="2798598" cy="2779616"/>
+            </a:xfrm>
+            <a:prstGeom prst="rect">
+              <a:avLst/>
+            </a:prstGeom>
+            <a:noFill/>
+            <a:ln/>
+          </p:spPr>
+          <p:txBody>
+            <a:bodyPr wrap="square" rtlCol="0" anchor="t"/>
+            <a:lstStyle/>
+            <a:p>
+              <a:pPr algn="l"/>
+              <a:r>
+                <a:rPr lang="en-US" sz="800" b="0" dirty="0">
+                  <a:solidFill>
+                    <a:schemeClr val="tx1">
+                      <a:lumMod val="65000"/>
+                      <a:lumOff val="35000"/>
+                    </a:schemeClr>
+                  </a:solidFill>
+                  <a:latin typeface="Noto Sans SC" pitchFamily="34" charset="0"/>
+                  <a:ea typeface="Noto Sans SC" pitchFamily="34" charset="-122"/>
+                  <a:cs typeface="Noto Sans SC" pitchFamily="34" charset="-120"/>
+                </a:rPr>
+                <a:t>SUMMARY</a:t>
+              </a:r>
+            </a:p>
+            <a:p>
+              <a:pPr algn="l"/>
+              <a:endParaRPr lang="en-US" sz="800" b="0" dirty="0">
                 <a:solidFill>
-                  <a:srgbClr val="383838"/>
+                  <a:schemeClr val="tx1">
+                    <a:lumMod val="65000"/>
+                    <a:lumOff val="35000"/>
+                  </a:schemeClr>
                 </a:solidFill>
                 <a:latin typeface="Noto Sans SC" pitchFamily="34" charset="0"/>
                 <a:ea typeface="Noto Sans SC" pitchFamily="34" charset="-122"/>
                 <a:cs typeface="Noto Sans SC" pitchFamily="34" charset="-120"/>
-              </a:rPr>
-              <a:t>Output &amp;amp; Interpretation</a:t>
-            </a:r>
-            <a:endParaRPr lang="en-US" sz="1536" dirty="0"/>
-          </a:p>
-        </p:txBody>
-      </p:sp>
+              </a:endParaRPr>
+            </a:p>
+            <a:p>
+              <a:pPr algn="l"/>
+              <a:r>
+                <a:rPr lang="en-US" sz="800" b="0" dirty="0">
+                  <a:solidFill>
+                    <a:schemeClr val="tx1">
+                      <a:lumMod val="65000"/>
+                      <a:lumOff val="35000"/>
+                    </a:schemeClr>
+                  </a:solidFill>
+                  <a:latin typeface="Noto Sans SC" pitchFamily="34" charset="0"/>
+                  <a:ea typeface="Noto Sans SC" pitchFamily="34" charset="-122"/>
+                  <a:cs typeface="Noto Sans SC" pitchFamily="34" charset="-120"/>
+                </a:rPr>
+                <a:t>The critical path consists of the following tasks:</a:t>
+              </a:r>
+            </a:p>
+            <a:p>
+              <a:pPr algn="l"/>
+              <a:r>
+                <a:rPr lang="en-US" sz="800" b="0" dirty="0">
+                  <a:solidFill>
+                    <a:schemeClr val="tx1">
+                      <a:lumMod val="65000"/>
+                      <a:lumOff val="35000"/>
+                    </a:schemeClr>
+                  </a:solidFill>
+                  <a:latin typeface="Noto Sans SC" pitchFamily="34" charset="0"/>
+                  <a:ea typeface="Noto Sans SC" pitchFamily="34" charset="-122"/>
+                  <a:cs typeface="Noto Sans SC" pitchFamily="34" charset="-120"/>
+                </a:rPr>
+                <a:t>1. A: Plan the event (Event Coordinator) (5 days)</a:t>
+              </a:r>
+            </a:p>
+            <a:p>
+              <a:pPr algn="l"/>
+              <a:r>
+                <a:rPr lang="en-US" sz="800" b="0" dirty="0">
+                  <a:solidFill>
+                    <a:schemeClr val="tx1">
+                      <a:lumMod val="65000"/>
+                      <a:lumOff val="35000"/>
+                    </a:schemeClr>
+                  </a:solidFill>
+                  <a:latin typeface="Noto Sans SC" pitchFamily="34" charset="0"/>
+                  <a:ea typeface="Noto Sans SC" pitchFamily="34" charset="-122"/>
+                  <a:cs typeface="Noto Sans SC" pitchFamily="34" charset="-120"/>
+                </a:rPr>
+                <a:t>2. C: Design promotional materials (Graphic Designer) (8 days)</a:t>
+              </a:r>
+            </a:p>
+            <a:p>
+              <a:pPr algn="l"/>
+              <a:r>
+                <a:rPr lang="en-US" sz="800" b="0" dirty="0">
+                  <a:solidFill>
+                    <a:schemeClr val="tx1">
+                      <a:lumMod val="65000"/>
+                      <a:lumOff val="35000"/>
+                    </a:schemeClr>
+                  </a:solidFill>
+                  <a:latin typeface="Noto Sans SC" pitchFamily="34" charset="0"/>
+                  <a:ea typeface="Noto Sans SC" pitchFamily="34" charset="-122"/>
+                  <a:cs typeface="Noto Sans SC" pitchFamily="34" charset="-120"/>
+                </a:rPr>
+                <a:t>3. D: Coordinate with suppliers (Purchaser) (5 days)</a:t>
+              </a:r>
+            </a:p>
+            <a:p>
+              <a:pPr algn="l"/>
+              <a:r>
+                <a:rPr lang="en-US" sz="800" b="0" dirty="0">
+                  <a:solidFill>
+                    <a:schemeClr val="tx1">
+                      <a:lumMod val="65000"/>
+                      <a:lumOff val="35000"/>
+                    </a:schemeClr>
+                  </a:solidFill>
+                  <a:latin typeface="Noto Sans SC" pitchFamily="34" charset="0"/>
+                  <a:ea typeface="Noto Sans SC" pitchFamily="34" charset="-122"/>
+                  <a:cs typeface="Noto Sans SC" pitchFamily="34" charset="-120"/>
+                </a:rPr>
+                <a:t>4. F: Print promotional materials (Printer) (4 days)</a:t>
+              </a:r>
+            </a:p>
+            <a:p>
+              <a:pPr algn="l"/>
+              <a:r>
+                <a:rPr lang="en-US" sz="800" b="0" dirty="0">
+                  <a:solidFill>
+                    <a:schemeClr val="tx1">
+                      <a:lumMod val="65000"/>
+                      <a:lumOff val="35000"/>
+                    </a:schemeClr>
+                  </a:solidFill>
+                  <a:latin typeface="Noto Sans SC" pitchFamily="34" charset="0"/>
+                  <a:ea typeface="Noto Sans SC" pitchFamily="34" charset="-122"/>
+                  <a:cs typeface="Noto Sans SC" pitchFamily="34" charset="-120"/>
+                </a:rPr>
+                <a:t>5. H: Distribute promotional materials (Retail Staff) (3 days)</a:t>
+              </a:r>
+            </a:p>
+            <a:p>
+              <a:pPr algn="l"/>
+              <a:r>
+                <a:rPr lang="en-US" sz="800" b="0" dirty="0">
+                  <a:solidFill>
+                    <a:schemeClr val="tx1">
+                      <a:lumMod val="65000"/>
+                      <a:lumOff val="35000"/>
+                    </a:schemeClr>
+                  </a:solidFill>
+                  <a:latin typeface="Noto Sans SC" pitchFamily="34" charset="0"/>
+                  <a:ea typeface="Noto Sans SC" pitchFamily="34" charset="-122"/>
+                  <a:cs typeface="Noto Sans SC" pitchFamily="34" charset="-120"/>
+                </a:rPr>
+                <a:t>6. J: Execute promotional event (Retail Staff) (2 days)</a:t>
+              </a:r>
+            </a:p>
+            <a:p>
+              <a:pPr algn="l"/>
+              <a:endParaRPr lang="en-US" sz="800" b="0" dirty="0">
+                <a:solidFill>
+                  <a:schemeClr val="tx1">
+                    <a:lumMod val="65000"/>
+                    <a:lumOff val="35000"/>
+                  </a:schemeClr>
+                </a:solidFill>
+                <a:latin typeface="Noto Sans SC" pitchFamily="34" charset="0"/>
+                <a:ea typeface="Noto Sans SC" pitchFamily="34" charset="-122"/>
+                <a:cs typeface="Noto Sans SC" pitchFamily="34" charset="-120"/>
+              </a:endParaRPr>
+            </a:p>
+            <a:p>
+              <a:pPr algn="l"/>
+              <a:r>
+                <a:rPr lang="en-US" sz="800" b="0" dirty="0">
+                  <a:solidFill>
+                    <a:schemeClr val="tx1">
+                      <a:lumMod val="65000"/>
+                      <a:lumOff val="35000"/>
+                    </a:schemeClr>
+                  </a:solidFill>
+                  <a:latin typeface="Noto Sans SC" pitchFamily="34" charset="0"/>
+                  <a:ea typeface="Noto Sans SC" pitchFamily="34" charset="-122"/>
+                  <a:cs typeface="Noto Sans SC" pitchFamily="34" charset="-120"/>
+                </a:rPr>
+                <a:t>The total duration of the critical path is </a:t>
+              </a:r>
+              <a:r>
+                <a:rPr lang="en-US" sz="800" b="1" dirty="0">
+                  <a:solidFill>
+                    <a:srgbClr val="FF0000"/>
+                  </a:solidFill>
+                  <a:latin typeface="Noto Sans SC" pitchFamily="34" charset="0"/>
+                  <a:ea typeface="Noto Sans SC" pitchFamily="34" charset="-122"/>
+                  <a:cs typeface="Noto Sans SC" pitchFamily="34" charset="-120"/>
+                </a:rPr>
+                <a:t>27 days</a:t>
+              </a:r>
+              <a:r>
+                <a:rPr lang="en-US" sz="800" b="0" dirty="0">
+                  <a:solidFill>
+                    <a:schemeClr val="tx1">
+                      <a:lumMod val="65000"/>
+                      <a:lumOff val="35000"/>
+                    </a:schemeClr>
+                  </a:solidFill>
+                  <a:latin typeface="Noto Sans SC" pitchFamily="34" charset="0"/>
+                  <a:ea typeface="Noto Sans SC" pitchFamily="34" charset="-122"/>
+                  <a:cs typeface="Noto Sans SC" pitchFamily="34" charset="-120"/>
+                </a:rPr>
+                <a:t>.</a:t>
+              </a:r>
+            </a:p>
+            <a:p>
+              <a:pPr algn="l"/>
+              <a:endParaRPr lang="en-US" sz="800" b="0" dirty="0">
+                <a:solidFill>
+                  <a:schemeClr val="tx1">
+                    <a:lumMod val="65000"/>
+                    <a:lumOff val="35000"/>
+                  </a:schemeClr>
+                </a:solidFill>
+                <a:latin typeface="Noto Sans SC" pitchFamily="34" charset="0"/>
+                <a:ea typeface="Noto Sans SC" pitchFamily="34" charset="-122"/>
+                <a:cs typeface="Noto Sans SC" pitchFamily="34" charset="-120"/>
+              </a:endParaRPr>
+            </a:p>
+            <a:p>
+              <a:pPr algn="l"/>
+              <a:r>
+                <a:rPr lang="en-US" sz="800" b="0" dirty="0">
+                  <a:solidFill>
+                    <a:schemeClr val="tx1">
+                      <a:lumMod val="65000"/>
+                      <a:lumOff val="35000"/>
+                    </a:schemeClr>
+                  </a:solidFill>
+                  <a:latin typeface="Noto Sans SC" pitchFamily="34" charset="0"/>
+                  <a:ea typeface="Noto Sans SC" pitchFamily="34" charset="-122"/>
+                  <a:cs typeface="Noto Sans SC" pitchFamily="34" charset="-120"/>
+                </a:rPr>
+                <a:t>REFERENCE</a:t>
+              </a:r>
+            </a:p>
+            <a:p>
+              <a:pPr algn="l"/>
+              <a:endParaRPr lang="en-US" sz="800" b="0" dirty="0">
+                <a:solidFill>
+                  <a:schemeClr val="tx1">
+                    <a:lumMod val="65000"/>
+                    <a:lumOff val="35000"/>
+                  </a:schemeClr>
+                </a:solidFill>
+                <a:latin typeface="Noto Sans SC" pitchFamily="34" charset="0"/>
+                <a:ea typeface="Noto Sans SC" pitchFamily="34" charset="-122"/>
+                <a:cs typeface="Noto Sans SC" pitchFamily="34" charset="-120"/>
+              </a:endParaRPr>
+            </a:p>
+            <a:p>
+              <a:pPr algn="l"/>
+              <a:r>
+                <a:rPr lang="en-US" sz="800" b="0" dirty="0">
+                  <a:solidFill>
+                    <a:schemeClr val="tx1">
+                      <a:lumMod val="65000"/>
+                      <a:lumOff val="35000"/>
+                    </a:schemeClr>
+                  </a:solidFill>
+                  <a:latin typeface="Noto Sans SC" pitchFamily="34" charset="0"/>
+                  <a:ea typeface="Noto Sans SC" pitchFamily="34" charset="-122"/>
+                  <a:cs typeface="Noto Sans SC" pitchFamily="34" charset="-120"/>
+                </a:rPr>
+                <a:t>The tasks NOT on the critical path are:</a:t>
+              </a:r>
+            </a:p>
+            <a:p>
+              <a:pPr algn="l"/>
+              <a:r>
+                <a:rPr lang="en-US" sz="800" b="0" dirty="0">
+                  <a:solidFill>
+                    <a:schemeClr val="tx1">
+                      <a:lumMod val="65000"/>
+                      <a:lumOff val="35000"/>
+                    </a:schemeClr>
+                  </a:solidFill>
+                  <a:latin typeface="Noto Sans SC" pitchFamily="34" charset="0"/>
+                  <a:ea typeface="Noto Sans SC" pitchFamily="34" charset="-122"/>
+                  <a:cs typeface="Noto Sans SC" pitchFamily="34" charset="-120"/>
+                </a:rPr>
+                <a:t>B: Select products (Purchaser) (4 days)</a:t>
+              </a:r>
+            </a:p>
+            <a:p>
+              <a:pPr algn="l"/>
+              <a:r>
+                <a:rPr lang="en-US" sz="800" b="0" dirty="0">
+                  <a:solidFill>
+                    <a:schemeClr val="tx1">
+                      <a:lumMod val="65000"/>
+                      <a:lumOff val="35000"/>
+                    </a:schemeClr>
+                  </a:solidFill>
+                  <a:latin typeface="Noto Sans SC" pitchFamily="34" charset="0"/>
+                  <a:ea typeface="Noto Sans SC" pitchFamily="34" charset="-122"/>
+                  <a:cs typeface="Noto Sans SC" pitchFamily="34" charset="-120"/>
+                </a:rPr>
+                <a:t>E: Prepare email content (Marketing) (4 days)</a:t>
+              </a:r>
+            </a:p>
+            <a:p>
+              <a:pPr algn="l"/>
+              <a:r>
+                <a:rPr lang="en-US" sz="800" b="0" dirty="0">
+                  <a:solidFill>
+                    <a:schemeClr val="tx1">
+                      <a:lumMod val="65000"/>
+                      <a:lumOff val="35000"/>
+                    </a:schemeClr>
+                  </a:solidFill>
+                  <a:latin typeface="Noto Sans SC" pitchFamily="34" charset="0"/>
+                  <a:ea typeface="Noto Sans SC" pitchFamily="34" charset="-122"/>
+                  <a:cs typeface="Noto Sans SC" pitchFamily="34" charset="-120"/>
+                </a:rPr>
+                <a:t>G: Assemble email campaign (Marketing) (3 days)</a:t>
+              </a:r>
+            </a:p>
+            <a:p>
+              <a:pPr algn="l"/>
+              <a:r>
+                <a:rPr lang="en-US" sz="800" b="0" dirty="0">
+                  <a:solidFill>
+                    <a:schemeClr val="tx1">
+                      <a:lumMod val="65000"/>
+                      <a:lumOff val="35000"/>
+                    </a:schemeClr>
+                  </a:solidFill>
+                  <a:latin typeface="Noto Sans SC" pitchFamily="34" charset="0"/>
+                  <a:ea typeface="Noto Sans SC" pitchFamily="34" charset="-122"/>
+                  <a:cs typeface="Noto Sans SC" pitchFamily="34" charset="-120"/>
+                </a:rPr>
+                <a:t>I: Launch email campaign (Marketing) (1 days)</a:t>
+              </a:r>
+              <a:endParaRPr lang="en-US" sz="800" dirty="0">
+                <a:solidFill>
+                  <a:schemeClr val="tx1">
+                    <a:lumMod val="65000"/>
+                    <a:lumOff val="35000"/>
+                  </a:schemeClr>
+                </a:solidFill>
+              </a:endParaRPr>
+            </a:p>
+          </p:txBody>
+        </p:sp>
+      </p:grpSp>
     </p:spTree>
   </p:cSld>
   <p:clrMapOvr>
@@ -3719,6 +11144,132 @@
 </file>
 
 <file path=ppt/slides/slide15.xml><?xml version="1.0" encoding="utf-8"?>
+<p:sld xmlns:a="http://schemas.openxmlformats.org/drawingml/2006/main" xmlns:r="http://schemas.openxmlformats.org/officeDocument/2006/relationships" xmlns:p="http://schemas.openxmlformats.org/presentationml/2006/main">
+  <p:cSld>
+    <p:spTree>
+      <p:nvGrpSpPr>
+        <p:cNvPr id="1" name=""/>
+        <p:cNvGrpSpPr/>
+        <p:nvPr/>
+      </p:nvGrpSpPr>
+      <p:grpSpPr>
+        <a:xfrm>
+          <a:off x="0" y="0"/>
+          <a:ext cx="0" cy="0"/>
+          <a:chOff x="0" y="0"/>
+          <a:chExt cx="0" cy="0"/>
+        </a:xfrm>
+      </p:grpSpPr>
+      <p:pic>
+        <p:nvPicPr>
+          <p:cNvPr id="2" name="Image 0" descr="https://assets.mindshow.fun/themes/yellow_repeating_geometric_texture_20220622/Content-title-bg.svg"/>
+          <p:cNvPicPr>
+            <a:picLocks noChangeAspect="1"/>
+          </p:cNvPicPr>
+          <p:nvPr/>
+        </p:nvPicPr>
+        <p:blipFill>
+          <a:blip r:embed="rId3">
+            <a:extLst>
+              <a:ext uri="{96DAC541-7B7A-43D3-8B79-37D633B846F1}">
+                <asvg:svgBlip xmlns:asvg="http://schemas.microsoft.com/office/drawing/2016/SVG/main" r:embed="rId4"/>
+              </a:ext>
+            </a:extLst>
+          </a:blip>
+          <a:stretch>
+            <a:fillRect/>
+          </a:stretch>
+        </p:blipFill>
+        <p:spPr>
+          <a:xfrm>
+            <a:off x="0" y="0"/>
+            <a:ext cx="9144000" cy="1085850"/>
+          </a:xfrm>
+          <a:prstGeom prst="rect">
+            <a:avLst/>
+          </a:prstGeom>
+        </p:spPr>
+      </p:pic>
+      <p:sp>
+        <p:nvSpPr>
+          <p:cNvPr id="3" name="Text 0"/>
+          <p:cNvSpPr/>
+          <p:nvPr/>
+        </p:nvSpPr>
+        <p:spPr>
+          <a:xfrm>
+            <a:off x="762000" y="138113"/>
+            <a:ext cx="7901940" cy="552450"/>
+          </a:xfrm>
+          <a:prstGeom prst="rect">
+            <a:avLst/>
+          </a:prstGeom>
+          <a:noFill/>
+          <a:ln/>
+        </p:spPr>
+        <p:txBody>
+          <a:bodyPr wrap="square" rtlCol="0" anchor="ctr"/>
+          <a:lstStyle/>
+          <a:p>
+            <a:r>
+              <a:rPr lang="en-US" sz="2400" b="1" dirty="0">
+                <a:solidFill>
+                  <a:srgbClr val="FFFFFF"/>
+                </a:solidFill>
+                <a:latin typeface="Noto Sans SC" pitchFamily="34" charset="0"/>
+                <a:ea typeface="Noto Sans SC" pitchFamily="34" charset="-122"/>
+                <a:cs typeface="Noto Sans SC" pitchFamily="34" charset="-120"/>
+              </a:rPr>
+              <a:t>6. Output and Interpretation</a:t>
+            </a:r>
+            <a:endParaRPr lang="en-US" sz="2400" dirty="0"/>
+          </a:p>
+        </p:txBody>
+      </p:sp>
+      <p:graphicFrame>
+        <p:nvGraphicFramePr>
+          <p:cNvPr id="8" name="Content Placeholder 4">
+            <a:extLst>
+              <a:ext uri="{FF2B5EF4-FFF2-40B4-BE49-F238E27FC236}">
+                <a16:creationId xmlns:a16="http://schemas.microsoft.com/office/drawing/2014/main" id="{24FBE482-F587-76B5-67B2-699A1AD34CD2}"/>
+              </a:ext>
+            </a:extLst>
+          </p:cNvPr>
+          <p:cNvGraphicFramePr>
+            <a:graphicFrameLocks/>
+          </p:cNvGraphicFramePr>
+          <p:nvPr>
+            <p:extLst>
+              <p:ext uri="{D42A27DB-BD31-4B8C-83A1-F6EECF244321}">
+                <p14:modId xmlns:p14="http://schemas.microsoft.com/office/powerpoint/2010/main" val="1562132645"/>
+              </p:ext>
+            </p:extLst>
+          </p:nvPr>
+        </p:nvGraphicFramePr>
+        <p:xfrm>
+          <a:off x="515257" y="1097643"/>
+          <a:ext cx="8113486" cy="3166836"/>
+        </p:xfrm>
+        <a:graphic>
+          <a:graphicData uri="http://schemas.openxmlformats.org/drawingml/2006/diagram">
+            <dgm:relIds xmlns:dgm="http://schemas.openxmlformats.org/drawingml/2006/diagram" xmlns:r="http://schemas.openxmlformats.org/officeDocument/2006/relationships" r:dm="rId5" r:lo="rId6" r:qs="rId7" r:cs="rId8"/>
+          </a:graphicData>
+        </a:graphic>
+      </p:graphicFrame>
+    </p:spTree>
+    <p:extLst>
+      <p:ext uri="{BB962C8B-B14F-4D97-AF65-F5344CB8AC3E}">
+        <p14:creationId xmlns:p14="http://schemas.microsoft.com/office/powerpoint/2010/main" val="2710222353"/>
+      </p:ext>
+    </p:extLst>
+  </p:cSld>
+  <p:clrMapOvr>
+    <a:masterClrMapping/>
+  </p:clrMapOvr>
+</p:sld>
+</file>
+
+<file path=ppt/slides/slide16.xml><?xml version="1.0" encoding="utf-8"?>
 <p:sld xmlns:a="http://schemas.openxmlformats.org/drawingml/2006/main" xmlns:r="http://schemas.openxmlformats.org/officeDocument/2006/relationships" xmlns:p="http://schemas.openxmlformats.org/presentationml/2006/main">
   <p:cSld name="Slide 15">
     <p:spTree>
@@ -3816,7 +11367,7 @@
 </p:sld>
 </file>
 
-<file path=ppt/slides/slide16.xml><?xml version="1.0" encoding="utf-8"?>
+<file path=ppt/slides/slide17.xml><?xml version="1.0" encoding="utf-8"?>
 <p:sld xmlns:a="http://schemas.openxmlformats.org/drawingml/2006/main" xmlns:r="http://schemas.openxmlformats.org/officeDocument/2006/relationships" xmlns:p="http://schemas.openxmlformats.org/presentationml/2006/main">
   <p:cSld name="Slide 16">
     <p:spTree>
@@ -4037,7 +11588,7 @@
 </p:sld>
 </file>
 
-<file path=ppt/slides/slide17.xml><?xml version="1.0" encoding="utf-8"?>
+<file path=ppt/slides/slide18.xml><?xml version="1.0" encoding="utf-8"?>
 <p:sld xmlns:a="http://schemas.openxmlformats.org/drawingml/2006/main" xmlns:r="http://schemas.openxmlformats.org/officeDocument/2006/relationships" xmlns:p="http://schemas.openxmlformats.org/presentationml/2006/main">
   <p:cSld name="Slide 17">
     <p:spTree>
@@ -4135,7 +11686,7 @@
 </p:sld>
 </file>
 
-<file path=ppt/slides/slide18.xml><?xml version="1.0" encoding="utf-8"?>
+<file path=ppt/slides/slide19.xml><?xml version="1.0" encoding="utf-8"?>
 <p:sld xmlns:a="http://schemas.openxmlformats.org/drawingml/2006/main" xmlns:r="http://schemas.openxmlformats.org/officeDocument/2006/relationships" xmlns:p="http://schemas.openxmlformats.org/presentationml/2006/main">
   <p:cSld name="Slide 18">
     <p:spTree>
@@ -4218,19 +11769,452 @@
           </a:p>
         </p:txBody>
       </p:sp>
+      <p:sp>
+        <p:nvSpPr>
+          <p:cNvPr id="11" name="Content Placeholder 2">
+            <a:extLst>
+              <a:ext uri="{FF2B5EF4-FFF2-40B4-BE49-F238E27FC236}">
+                <a16:creationId xmlns:a16="http://schemas.microsoft.com/office/drawing/2014/main" id="{2E4D0939-7F10-51E0-3791-4C6B38ED95A6}"/>
+              </a:ext>
+            </a:extLst>
+          </p:cNvPr>
+          <p:cNvSpPr txBox="1">
+            <a:spLocks/>
+          </p:cNvSpPr>
+          <p:nvPr/>
+        </p:nvSpPr>
+        <p:spPr>
+          <a:xfrm>
+            <a:off x="762000" y="978156"/>
+            <a:ext cx="4977578" cy="3639289"/>
+          </a:xfrm>
+          <a:prstGeom prst="rect">
+            <a:avLst/>
+          </a:prstGeom>
+        </p:spPr>
+        <p:txBody>
+          <a:bodyPr anchor="ctr">
+            <a:normAutofit/>
+          </a:bodyPr>
+          <a:lstStyle>
+            <a:lvl1pPr marL="342900" indent="-342900" algn="l" defTabSz="914400" rtl="0" eaLnBrk="1" latinLnBrk="0" hangingPunct="1">
+              <a:spcBef>
+                <a:spcPct val="20000"/>
+              </a:spcBef>
+              <a:buFont typeface="Arial" pitchFamily="34" charset="0"/>
+              <a:buChar char="•"/>
+              <a:defRPr sz="3200" kern="1200">
+                <a:solidFill>
+                  <a:schemeClr val="tx1"/>
+                </a:solidFill>
+                <a:latin typeface="+mn-lt"/>
+                <a:ea typeface="+mn-ea"/>
+                <a:cs typeface="+mn-cs"/>
+              </a:defRPr>
+            </a:lvl1pPr>
+            <a:lvl2pPr marL="742950" indent="-285750" algn="l" defTabSz="914400" rtl="0" eaLnBrk="1" latinLnBrk="0" hangingPunct="1">
+              <a:spcBef>
+                <a:spcPct val="20000"/>
+              </a:spcBef>
+              <a:buFont typeface="Arial" pitchFamily="34" charset="0"/>
+              <a:buChar char="–"/>
+              <a:defRPr sz="2800" kern="1200">
+                <a:solidFill>
+                  <a:schemeClr val="tx1"/>
+                </a:solidFill>
+                <a:latin typeface="+mn-lt"/>
+                <a:ea typeface="+mn-ea"/>
+                <a:cs typeface="+mn-cs"/>
+              </a:defRPr>
+            </a:lvl2pPr>
+            <a:lvl3pPr marL="1143000" indent="-228600" algn="l" defTabSz="914400" rtl="0" eaLnBrk="1" latinLnBrk="0" hangingPunct="1">
+              <a:spcBef>
+                <a:spcPct val="20000"/>
+              </a:spcBef>
+              <a:buFont typeface="Arial" pitchFamily="34" charset="0"/>
+              <a:buChar char="•"/>
+              <a:defRPr sz="2400" kern="1200">
+                <a:solidFill>
+                  <a:schemeClr val="tx1"/>
+                </a:solidFill>
+                <a:latin typeface="+mn-lt"/>
+                <a:ea typeface="+mn-ea"/>
+                <a:cs typeface="+mn-cs"/>
+              </a:defRPr>
+            </a:lvl3pPr>
+            <a:lvl4pPr marL="1600200" indent="-228600" algn="l" defTabSz="914400" rtl="0" eaLnBrk="1" latinLnBrk="0" hangingPunct="1">
+              <a:spcBef>
+                <a:spcPct val="20000"/>
+              </a:spcBef>
+              <a:buFont typeface="Arial" pitchFamily="34" charset="0"/>
+              <a:buChar char="–"/>
+              <a:defRPr sz="2000" kern="1200">
+                <a:solidFill>
+                  <a:schemeClr val="tx1"/>
+                </a:solidFill>
+                <a:latin typeface="+mn-lt"/>
+                <a:ea typeface="+mn-ea"/>
+                <a:cs typeface="+mn-cs"/>
+              </a:defRPr>
+            </a:lvl4pPr>
+            <a:lvl5pPr marL="2057400" indent="-228600" algn="l" defTabSz="914400" rtl="0" eaLnBrk="1" latinLnBrk="0" hangingPunct="1">
+              <a:spcBef>
+                <a:spcPct val="20000"/>
+              </a:spcBef>
+              <a:buFont typeface="Arial" pitchFamily="34" charset="0"/>
+              <a:buChar char="»"/>
+              <a:defRPr sz="2000" kern="1200">
+                <a:solidFill>
+                  <a:schemeClr val="tx1"/>
+                </a:solidFill>
+                <a:latin typeface="+mn-lt"/>
+                <a:ea typeface="+mn-ea"/>
+                <a:cs typeface="+mn-cs"/>
+              </a:defRPr>
+            </a:lvl5pPr>
+            <a:lvl6pPr marL="2514600" indent="-228600" algn="l" defTabSz="914400" rtl="0" eaLnBrk="1" latinLnBrk="0" hangingPunct="1">
+              <a:spcBef>
+                <a:spcPct val="20000"/>
+              </a:spcBef>
+              <a:buFont typeface="Arial" pitchFamily="34" charset="0"/>
+              <a:buChar char="•"/>
+              <a:defRPr sz="2000" kern="1200">
+                <a:solidFill>
+                  <a:schemeClr val="tx1"/>
+                </a:solidFill>
+                <a:latin typeface="+mn-lt"/>
+                <a:ea typeface="+mn-ea"/>
+                <a:cs typeface="+mn-cs"/>
+              </a:defRPr>
+            </a:lvl6pPr>
+            <a:lvl7pPr marL="2971800" indent="-228600" algn="l" defTabSz="914400" rtl="0" eaLnBrk="1" latinLnBrk="0" hangingPunct="1">
+              <a:spcBef>
+                <a:spcPct val="20000"/>
+              </a:spcBef>
+              <a:buFont typeface="Arial" pitchFamily="34" charset="0"/>
+              <a:buChar char="•"/>
+              <a:defRPr sz="2000" kern="1200">
+                <a:solidFill>
+                  <a:schemeClr val="tx1"/>
+                </a:solidFill>
+                <a:latin typeface="+mn-lt"/>
+                <a:ea typeface="+mn-ea"/>
+                <a:cs typeface="+mn-cs"/>
+              </a:defRPr>
+            </a:lvl7pPr>
+            <a:lvl8pPr marL="3429000" indent="-228600" algn="l" defTabSz="914400" rtl="0" eaLnBrk="1" latinLnBrk="0" hangingPunct="1">
+              <a:spcBef>
+                <a:spcPct val="20000"/>
+              </a:spcBef>
+              <a:buFont typeface="Arial" pitchFamily="34" charset="0"/>
+              <a:buChar char="•"/>
+              <a:defRPr sz="2000" kern="1200">
+                <a:solidFill>
+                  <a:schemeClr val="tx1"/>
+                </a:solidFill>
+                <a:latin typeface="+mn-lt"/>
+                <a:ea typeface="+mn-ea"/>
+                <a:cs typeface="+mn-cs"/>
+              </a:defRPr>
+            </a:lvl8pPr>
+            <a:lvl9pPr marL="3886200" indent="-228600" algn="l" defTabSz="914400" rtl="0" eaLnBrk="1" latinLnBrk="0" hangingPunct="1">
+              <a:spcBef>
+                <a:spcPct val="20000"/>
+              </a:spcBef>
+              <a:buFont typeface="Arial" pitchFamily="34" charset="0"/>
+              <a:buChar char="•"/>
+              <a:defRPr sz="2000" kern="1200">
+                <a:solidFill>
+                  <a:schemeClr val="tx1"/>
+                </a:solidFill>
+                <a:latin typeface="+mn-lt"/>
+                <a:ea typeface="+mn-ea"/>
+                <a:cs typeface="+mn-cs"/>
+              </a:defRPr>
+            </a:lvl9pPr>
+          </a:lstStyle>
+          <a:p>
+            <a:pPr>
+              <a:lnSpc>
+                <a:spcPct val="150000"/>
+              </a:lnSpc>
+              <a:spcBef>
+                <a:spcPts val="0"/>
+              </a:spcBef>
+              <a:buFont typeface="Symbol" pitchFamily="2" charset="2"/>
+              <a:buChar char=""/>
+            </a:pPr>
+            <a:r>
+              <a:rPr lang="en-US" sz="1100" u="sng" dirty="0">
+                <a:solidFill>
+                  <a:schemeClr val="tx2"/>
+                </a:solidFill>
+                <a:latin typeface=""/>
+                <a:ea typeface="DengXian" panose="02010600030101010101" pitchFamily="2" charset="-122"/>
+                <a:cs typeface="Arial" panose="020B0604020202020204" pitchFamily="34" charset="0"/>
+                <a:hlinkClick r:id="rId5"/>
+              </a:rPr>
+              <a:t>The ABCs of the Critical Path Method</a:t>
+            </a:r>
+            <a:r>
+              <a:rPr lang="en-US" sz="1100" dirty="0">
+                <a:solidFill>
+                  <a:schemeClr val="tx2"/>
+                </a:solidFill>
+                <a:latin typeface=""/>
+                <a:ea typeface="DengXian" panose="02010600030101010101" pitchFamily="2" charset="-122"/>
+                <a:cs typeface="Arial" panose="020B0604020202020204" pitchFamily="34" charset="0"/>
+              </a:rPr>
+              <a:t> from Harvard Business Review</a:t>
+            </a:r>
+          </a:p>
+          <a:p>
+            <a:pPr>
+              <a:lnSpc>
+                <a:spcPct val="150000"/>
+              </a:lnSpc>
+              <a:spcBef>
+                <a:spcPts val="0"/>
+              </a:spcBef>
+              <a:buFont typeface="Symbol" pitchFamily="2" charset="2"/>
+              <a:buChar char=""/>
+            </a:pPr>
+            <a:r>
+              <a:rPr lang="en-US" sz="1100" u="sng" dirty="0">
+                <a:solidFill>
+                  <a:schemeClr val="tx2"/>
+                </a:solidFill>
+                <a:latin typeface=""/>
+                <a:ea typeface="DengXian" panose="02010600030101010101" pitchFamily="2" charset="-122"/>
+                <a:cs typeface="Arial" panose="020B0604020202020204" pitchFamily="34" charset="0"/>
+                <a:hlinkClick r:id="rId6"/>
+              </a:rPr>
+              <a:t>Building DAGs / Directed Acyclic Graphs with Python</a:t>
+            </a:r>
+            <a:r>
+              <a:rPr lang="en-US" sz="1100" dirty="0">
+                <a:solidFill>
+                  <a:schemeClr val="tx2"/>
+                </a:solidFill>
+                <a:latin typeface=""/>
+                <a:ea typeface="DengXian" panose="02010600030101010101" pitchFamily="2" charset="-122"/>
+                <a:cs typeface="Arial" panose="020B0604020202020204" pitchFamily="34" charset="0"/>
+              </a:rPr>
+              <a:t> from </a:t>
+            </a:r>
+            <a:r>
+              <a:rPr lang="en-US" sz="1100" dirty="0" err="1">
+                <a:solidFill>
+                  <a:schemeClr val="tx2"/>
+                </a:solidFill>
+                <a:latin typeface=""/>
+                <a:ea typeface="DengXian" panose="02010600030101010101" pitchFamily="2" charset="-122"/>
+                <a:cs typeface="Arial" panose="020B0604020202020204" pitchFamily="34" charset="0"/>
+              </a:rPr>
+              <a:t>MungingData</a:t>
+            </a:r>
+            <a:endParaRPr lang="en-US" sz="1100" dirty="0">
+              <a:solidFill>
+                <a:schemeClr val="tx2"/>
+              </a:solidFill>
+              <a:latin typeface=""/>
+              <a:ea typeface="DengXian" panose="02010600030101010101" pitchFamily="2" charset="-122"/>
+              <a:cs typeface="Arial" panose="020B0604020202020204" pitchFamily="34" charset="0"/>
+            </a:endParaRPr>
+          </a:p>
+          <a:p>
+            <a:pPr>
+              <a:lnSpc>
+                <a:spcPct val="150000"/>
+              </a:lnSpc>
+              <a:spcBef>
+                <a:spcPts val="0"/>
+              </a:spcBef>
+              <a:buFont typeface="Symbol" pitchFamily="2" charset="2"/>
+              <a:buChar char=""/>
+            </a:pPr>
+            <a:r>
+              <a:rPr lang="en-US" sz="1100" u="sng" dirty="0">
+                <a:solidFill>
+                  <a:schemeClr val="tx2"/>
+                </a:solidFill>
+                <a:latin typeface=""/>
+                <a:ea typeface="DengXian" panose="02010600030101010101" pitchFamily="2" charset="-122"/>
+                <a:cs typeface="Arial" panose="020B0604020202020204" pitchFamily="34" charset="0"/>
+                <a:hlinkClick r:id="rId7"/>
+              </a:rPr>
+              <a:t>What is the "critical path" when drawing an activity-on-node network diagram that doesn't converge</a:t>
+            </a:r>
+            <a:endParaRPr lang="en-US" sz="1100" dirty="0">
+              <a:solidFill>
+                <a:schemeClr val="tx2"/>
+              </a:solidFill>
+              <a:latin typeface=""/>
+              <a:ea typeface="DengXian" panose="02010600030101010101" pitchFamily="2" charset="-122"/>
+              <a:cs typeface="Arial" panose="020B0604020202020204" pitchFamily="34" charset="0"/>
+            </a:endParaRPr>
+          </a:p>
+          <a:p>
+            <a:pPr>
+              <a:lnSpc>
+                <a:spcPct val="150000"/>
+              </a:lnSpc>
+              <a:spcBef>
+                <a:spcPts val="0"/>
+              </a:spcBef>
+              <a:buFont typeface="Symbol" pitchFamily="2" charset="2"/>
+              <a:buChar char=""/>
+            </a:pPr>
+            <a:r>
+              <a:rPr lang="en-US" sz="1100" u="sng" dirty="0">
+                <a:solidFill>
+                  <a:schemeClr val="tx2"/>
+                </a:solidFill>
+                <a:latin typeface=""/>
+                <a:ea typeface="DengXian" panose="02010600030101010101" pitchFamily="2" charset="-122"/>
+                <a:cs typeface="Arial" panose="020B0604020202020204" pitchFamily="34" charset="0"/>
+                <a:hlinkClick r:id="rId8"/>
+              </a:rPr>
+              <a:t>Notebook 2.2- Weighted and directed graphs</a:t>
+            </a:r>
+            <a:endParaRPr lang="en-US" sz="1100" dirty="0">
+              <a:solidFill>
+                <a:schemeClr val="tx2"/>
+              </a:solidFill>
+              <a:latin typeface=""/>
+              <a:ea typeface="DengXian" panose="02010600030101010101" pitchFamily="2" charset="-122"/>
+              <a:cs typeface="Arial" panose="020B0604020202020204" pitchFamily="34" charset="0"/>
+            </a:endParaRPr>
+          </a:p>
+          <a:p>
+            <a:pPr>
+              <a:lnSpc>
+                <a:spcPct val="150000"/>
+              </a:lnSpc>
+              <a:spcBef>
+                <a:spcPts val="0"/>
+              </a:spcBef>
+              <a:buFont typeface="Symbol" pitchFamily="2" charset="2"/>
+              <a:buChar char=""/>
+            </a:pPr>
+            <a:r>
+              <a:rPr lang="en-US" sz="1100" u="sng" dirty="0">
+                <a:solidFill>
+                  <a:schemeClr val="tx2"/>
+                </a:solidFill>
+                <a:latin typeface=""/>
+                <a:ea typeface="DengXian" panose="02010600030101010101" pitchFamily="2" charset="-122"/>
+                <a:cs typeface="Arial" panose="020B0604020202020204" pitchFamily="34" charset="0"/>
+                <a:hlinkClick r:id="rId9"/>
+              </a:rPr>
+              <a:t>HiLite.me</a:t>
+            </a:r>
+            <a:r>
+              <a:rPr lang="en-US" sz="1100" dirty="0">
+                <a:solidFill>
+                  <a:schemeClr val="tx2"/>
+                </a:solidFill>
+                <a:latin typeface=""/>
+                <a:ea typeface="DengXian" panose="02010600030101010101" pitchFamily="2" charset="-122"/>
+                <a:cs typeface="Arial" panose="020B0604020202020204" pitchFamily="34" charset="0"/>
+              </a:rPr>
+              <a:t> to insert code snippet in the word document</a:t>
+            </a:r>
+          </a:p>
+          <a:p>
+            <a:pPr>
+              <a:lnSpc>
+                <a:spcPct val="150000"/>
+              </a:lnSpc>
+              <a:spcBef>
+                <a:spcPts val="0"/>
+              </a:spcBef>
+              <a:buFont typeface="Symbol" pitchFamily="2" charset="2"/>
+              <a:buChar char=""/>
+            </a:pPr>
+            <a:r>
+              <a:rPr lang="en-US" sz="1100" u="sng" dirty="0">
+                <a:solidFill>
+                  <a:schemeClr val="tx2"/>
+                </a:solidFill>
+                <a:latin typeface=""/>
+                <a:ea typeface="DengXian" panose="02010600030101010101" pitchFamily="2" charset="-122"/>
+                <a:cs typeface="Arial" panose="020B0604020202020204" pitchFamily="34" charset="0"/>
+                <a:hlinkClick r:id="rId10"/>
+              </a:rPr>
+              <a:t>Customizing NetworkX Graphs</a:t>
+            </a:r>
+            <a:r>
+              <a:rPr lang="en-US" sz="1100" dirty="0">
+                <a:solidFill>
+                  <a:schemeClr val="tx2"/>
+                </a:solidFill>
+                <a:latin typeface=""/>
+                <a:ea typeface="DengXian" panose="02010600030101010101" pitchFamily="2" charset="-122"/>
+                <a:cs typeface="Arial" panose="020B0604020202020204" pitchFamily="34" charset="0"/>
+              </a:rPr>
+              <a:t> by </a:t>
+            </a:r>
+            <a:r>
+              <a:rPr lang="en-US" sz="1100" u="sng" dirty="0">
+                <a:solidFill>
+                  <a:schemeClr val="tx2"/>
+                </a:solidFill>
+                <a:latin typeface=""/>
+                <a:ea typeface="DengXian" panose="02010600030101010101" pitchFamily="2" charset="-122"/>
+                <a:cs typeface="Arial" panose="020B0604020202020204" pitchFamily="34" charset="0"/>
+                <a:hlinkClick r:id="rId11"/>
+              </a:rPr>
+              <a:t>Aren Carpenter</a:t>
+            </a:r>
+            <a:endParaRPr lang="en-US" sz="1100" dirty="0">
+              <a:solidFill>
+                <a:schemeClr val="tx2"/>
+              </a:solidFill>
+              <a:latin typeface=""/>
+              <a:ea typeface="DengXian" panose="02010600030101010101" pitchFamily="2" charset="-122"/>
+              <a:cs typeface="Arial" panose="020B0604020202020204" pitchFamily="34" charset="0"/>
+            </a:endParaRPr>
+          </a:p>
+          <a:p>
+            <a:pPr marL="0" indent="0">
+              <a:lnSpc>
+                <a:spcPct val="150000"/>
+              </a:lnSpc>
+              <a:buFont typeface="Arial" pitchFamily="34" charset="0"/>
+              <a:buNone/>
+            </a:pPr>
+            <a:endParaRPr lang="en-US" sz="1100" dirty="0">
+              <a:solidFill>
+                <a:schemeClr val="tx2"/>
+              </a:solidFill>
+              <a:latin typeface=""/>
+            </a:endParaRPr>
+          </a:p>
+        </p:txBody>
+      </p:sp>
       <p:pic>
         <p:nvPicPr>
-          <p:cNvPr id="4" name="Image 1" descr="preencoded.png"/>
+          <p:cNvPr id="12" name="Graphic 11" descr="Statistics">
+            <a:extLst>
+              <a:ext uri="{FF2B5EF4-FFF2-40B4-BE49-F238E27FC236}">
+                <a16:creationId xmlns:a16="http://schemas.microsoft.com/office/drawing/2014/main" id="{69DC2084-7142-49C1-D928-7080A450B511}"/>
+              </a:ext>
+            </a:extLst>
+          </p:cNvPr>
           <p:cNvPicPr>
             <a:picLocks noChangeAspect="1"/>
           </p:cNvPicPr>
           <p:nvPr/>
         </p:nvPicPr>
         <p:blipFill>
-          <a:blip r:embed="rId5">
+          <a:blip r:embed="rId12">
             <a:extLst>
+              <a:ext uri="{28A0092B-C50C-407E-A947-70E740481C1C}">
+                <a14:useLocalDpi xmlns:a14="http://schemas.microsoft.com/office/drawing/2010/main" val="0"/>
+              </a:ext>
               <a:ext uri="{96DAC541-7B7A-43D3-8B79-37D633B846F1}">
-                <asvg:svgBlip xmlns:asvg="http://schemas.microsoft.com/office/drawing/2016/SVG/main" r:embed="rId6"/>
+                <asvg:svgBlip xmlns:asvg="http://schemas.microsoft.com/office/drawing/2016/SVG/main" r:embed="rId13"/>
               </a:ext>
             </a:extLst>
           </a:blip>
@@ -4240,487 +12224,14 @@
         </p:blipFill>
         <p:spPr>
           <a:xfrm>
-            <a:off x="762000" y="1085973"/>
-            <a:ext cx="7620000" cy="3343030"/>
+            <a:off x="5519766" y="1347019"/>
+            <a:ext cx="2862234" cy="2862234"/>
           </a:xfrm>
           <a:prstGeom prst="rect">
             <a:avLst/>
           </a:prstGeom>
         </p:spPr>
       </p:pic>
-      <p:sp>
-        <p:nvSpPr>
-          <p:cNvPr id="5" name="Text 1"/>
-          <p:cNvSpPr/>
-          <p:nvPr/>
-        </p:nvSpPr>
-        <p:spPr>
-          <a:xfrm>
-            <a:off x="762000" y="1085973"/>
-            <a:ext cx="3587291" cy="981835"/>
-          </a:xfrm>
-          <a:prstGeom prst="rect">
-            <a:avLst/>
-          </a:prstGeom>
-          <a:noFill/>
-          <a:ln/>
-        </p:spPr>
-        <p:txBody>
-          <a:bodyPr wrap="square" rtlCol="0" anchor="t"/>
-          <a:lstStyle/>
-          <a:p>
-            <a:pPr marL="342900" indent="-342900" algn="l">
-              <a:lnSpc>
-                <a:spcPts val="1952"/>
-              </a:lnSpc>
-              <a:buSzPct val="100000"/>
-              <a:buChar char="•"/>
-            </a:pPr>
-            <a:r>
-              <a:rPr lang="en-US" sz="1300" b="0" dirty="0">
-                <a:solidFill>
-                  <a:srgbClr val="383838"/>
-                </a:solidFill>
-                <a:latin typeface="Noto Sans SC" pitchFamily="34" charset="0"/>
-                <a:ea typeface="Noto Sans SC" pitchFamily="34" charset="-122"/>
-                <a:cs typeface="Noto Sans SC" pitchFamily="34" charset="-120"/>
-              </a:rPr>
-              <a:t>The ABCs of the Critical Path Method from Harvard Business Review</a:t>
-            </a:r>
-            <a:endParaRPr lang="en-US" sz="1319" dirty="0"/>
-          </a:p>
-        </p:txBody>
-      </p:sp>
-      <p:sp>
-        <p:nvSpPr>
-          <p:cNvPr id="6" name="Text 2"/>
-          <p:cNvSpPr/>
-          <p:nvPr/>
-        </p:nvSpPr>
-        <p:spPr>
-          <a:xfrm>
-            <a:off x="762000" y="2245017"/>
-            <a:ext cx="3587291" cy="981835"/>
-          </a:xfrm>
-          <a:prstGeom prst="rect">
-            <a:avLst/>
-          </a:prstGeom>
-          <a:noFill/>
-          <a:ln/>
-        </p:spPr>
-        <p:txBody>
-          <a:bodyPr wrap="square" rtlCol="0" anchor="t"/>
-          <a:lstStyle/>
-          <a:p>
-            <a:pPr marL="342900" indent="-342900" algn="l">
-              <a:lnSpc>
-                <a:spcPts val="1952"/>
-              </a:lnSpc>
-              <a:buSzPct val="100000"/>
-              <a:buChar char="•"/>
-            </a:pPr>
-            <a:r>
-              <a:rPr lang="en-US" sz="1300" b="0" dirty="0">
-                <a:solidFill>
-                  <a:srgbClr val="383838"/>
-                </a:solidFill>
-                <a:latin typeface="Noto Sans SC" pitchFamily="34" charset="0"/>
-                <a:ea typeface="Noto Sans SC" pitchFamily="34" charset="-122"/>
-                <a:cs typeface="Noto Sans SC" pitchFamily="34" charset="-120"/>
-              </a:rPr>
-              <a:t>Building DAGs / Directed Acyclic Graphs with Python from MungingData</a:t>
-            </a:r>
-            <a:endParaRPr lang="en-US" sz="1319" dirty="0"/>
-          </a:p>
-        </p:txBody>
-      </p:sp>
-      <p:sp>
-        <p:nvSpPr>
-          <p:cNvPr id="7" name="Text 3"/>
-          <p:cNvSpPr/>
-          <p:nvPr/>
-        </p:nvSpPr>
-        <p:spPr>
-          <a:xfrm>
-            <a:off x="762000" y="3404062"/>
-            <a:ext cx="3587291" cy="981835"/>
-          </a:xfrm>
-          <a:prstGeom prst="rect">
-            <a:avLst/>
-          </a:prstGeom>
-          <a:noFill/>
-          <a:ln/>
-        </p:spPr>
-        <p:txBody>
-          <a:bodyPr wrap="square" rtlCol="0" anchor="t"/>
-          <a:lstStyle/>
-          <a:p>
-            <a:pPr marL="342900" indent="-342900" algn="l">
-              <a:lnSpc>
-                <a:spcPts val="1952"/>
-              </a:lnSpc>
-              <a:buSzPct val="100000"/>
-              <a:buChar char="•"/>
-            </a:pPr>
-            <a:r>
-              <a:rPr lang="en-US" sz="1300" b="0" dirty="0">
-                <a:solidFill>
-                  <a:srgbClr val="383838"/>
-                </a:solidFill>
-                <a:latin typeface="Noto Sans SC" pitchFamily="34" charset="0"/>
-                <a:ea typeface="Noto Sans SC" pitchFamily="34" charset="-122"/>
-                <a:cs typeface="Noto Sans SC" pitchFamily="34" charset="-120"/>
-              </a:rPr>
-              <a:t>What is the "critical path" when drawing an activity-on-node network diagram that doesn't converge</a:t>
-            </a:r>
-            <a:endParaRPr lang="en-US" sz="1319" dirty="0"/>
-          </a:p>
-        </p:txBody>
-      </p:sp>
-      <p:sp>
-        <p:nvSpPr>
-          <p:cNvPr id="8" name="Text 4"/>
-          <p:cNvSpPr/>
-          <p:nvPr/>
-        </p:nvSpPr>
-        <p:spPr>
-          <a:xfrm>
-            <a:off x="5091654" y="1085973"/>
-            <a:ext cx="3587291" cy="684890"/>
-          </a:xfrm>
-          <a:prstGeom prst="rect">
-            <a:avLst/>
-          </a:prstGeom>
-          <a:noFill/>
-          <a:ln/>
-        </p:spPr>
-        <p:txBody>
-          <a:bodyPr wrap="square" rtlCol="0" anchor="t"/>
-          <a:lstStyle/>
-          <a:p>
-            <a:pPr marL="342900" indent="-342900" algn="l">
-              <a:lnSpc>
-                <a:spcPts val="1952"/>
-              </a:lnSpc>
-              <a:buSzPct val="100000"/>
-              <a:buChar char="•"/>
-            </a:pPr>
-            <a:r>
-              <a:rPr lang="en-US" sz="1300" b="0" dirty="0">
-                <a:solidFill>
-                  <a:srgbClr val="383838"/>
-                </a:solidFill>
-                <a:latin typeface="Noto Sans SC" pitchFamily="34" charset="0"/>
-                <a:ea typeface="Noto Sans SC" pitchFamily="34" charset="-122"/>
-                <a:cs typeface="Noto Sans SC" pitchFamily="34" charset="-120"/>
-              </a:rPr>
-              <a:t> Notebook 2.2- Weighted and directed graphs</a:t>
-            </a:r>
-            <a:endParaRPr lang="en-US" sz="1319" dirty="0"/>
-          </a:p>
-        </p:txBody>
-      </p:sp>
-      <p:sp>
-        <p:nvSpPr>
-          <p:cNvPr id="9" name="Text 5"/>
-          <p:cNvSpPr/>
-          <p:nvPr/>
-        </p:nvSpPr>
-        <p:spPr>
-          <a:xfrm>
-            <a:off x="5091654" y="2245017"/>
-            <a:ext cx="3587291" cy="684890"/>
-          </a:xfrm>
-          <a:prstGeom prst="rect">
-            <a:avLst/>
-          </a:prstGeom>
-          <a:noFill/>
-          <a:ln/>
-        </p:spPr>
-        <p:txBody>
-          <a:bodyPr wrap="square" rtlCol="0" anchor="t"/>
-          <a:lstStyle/>
-          <a:p>
-            <a:pPr marL="342900" indent="-342900" algn="l">
-              <a:lnSpc>
-                <a:spcPts val="1952"/>
-              </a:lnSpc>
-              <a:buSzPct val="100000"/>
-              <a:buChar char="•"/>
-            </a:pPr>
-            <a:r>
-              <a:rPr lang="en-US" sz="1300" b="0" dirty="0">
-                <a:solidFill>
-                  <a:srgbClr val="383838"/>
-                </a:solidFill>
-                <a:latin typeface="Noto Sans SC" pitchFamily="34" charset="0"/>
-                <a:ea typeface="Noto Sans SC" pitchFamily="34" charset="-122"/>
-                <a:cs typeface="Noto Sans SC" pitchFamily="34" charset="-120"/>
-              </a:rPr>
-              <a:t>HiLite.me to insert code snippet in the word document</a:t>
-            </a:r>
-            <a:endParaRPr lang="en-US" sz="1319" dirty="0"/>
-          </a:p>
-        </p:txBody>
-      </p:sp>
-      <p:sp>
-        <p:nvSpPr>
-          <p:cNvPr id="10" name="Text 6"/>
-          <p:cNvSpPr/>
-          <p:nvPr/>
-        </p:nvSpPr>
-        <p:spPr>
-          <a:xfrm>
-            <a:off x="5091654" y="3404062"/>
-            <a:ext cx="3587291" cy="684890"/>
-          </a:xfrm>
-          <a:prstGeom prst="rect">
-            <a:avLst/>
-          </a:prstGeom>
-          <a:noFill/>
-          <a:ln/>
-        </p:spPr>
-        <p:txBody>
-          <a:bodyPr wrap="square" rtlCol="0" anchor="t"/>
-          <a:lstStyle/>
-          <a:p>
-            <a:pPr marL="342900" indent="-342900" algn="l">
-              <a:lnSpc>
-                <a:spcPts val="1952"/>
-              </a:lnSpc>
-              <a:buSzPct val="100000"/>
-              <a:buChar char="•"/>
-            </a:pPr>
-            <a:r>
-              <a:rPr lang="en-US" sz="1300" b="0" dirty="0">
-                <a:solidFill>
-                  <a:srgbClr val="383838"/>
-                </a:solidFill>
-                <a:latin typeface="Noto Sans SC" pitchFamily="34" charset="0"/>
-                <a:ea typeface="Noto Sans SC" pitchFamily="34" charset="-122"/>
-                <a:cs typeface="Noto Sans SC" pitchFamily="34" charset="-120"/>
-              </a:rPr>
-              <a:t>Customizing NetworkX Graphs by Aren Carpenter</a:t>
-            </a:r>
-            <a:endParaRPr lang="en-US" sz="1319" dirty="0"/>
-          </a:p>
-        </p:txBody>
-      </p:sp>
-    </p:spTree>
-  </p:cSld>
-  <p:clrMapOvr>
-    <a:masterClrMapping/>
-  </p:clrMapOvr>
-</p:sld>
-</file>
-
-<file path=ppt/slides/slide19.xml><?xml version="1.0" encoding="utf-8"?>
-<p:sld xmlns:a="http://schemas.openxmlformats.org/drawingml/2006/main" xmlns:r="http://schemas.openxmlformats.org/officeDocument/2006/relationships" xmlns:p="http://schemas.openxmlformats.org/presentationml/2006/main">
-  <p:cSld name="Slide 19">
-    <p:spTree>
-      <p:nvGrpSpPr>
-        <p:cNvPr id="1" name=""/>
-        <p:cNvGrpSpPr/>
-        <p:nvPr/>
-      </p:nvGrpSpPr>
-      <p:grpSpPr>
-        <a:xfrm>
-          <a:off x="0" y="0"/>
-          <a:ext cx="0" cy="0"/>
-          <a:chOff x="0" y="0"/>
-          <a:chExt cx="0" cy="0"/>
-        </a:xfrm>
-      </p:grpSpPr>
-      <p:sp>
-        <p:nvSpPr>
-          <p:cNvPr id="2" name="Text 0"/>
-          <p:cNvSpPr/>
-          <p:nvPr/>
-        </p:nvSpPr>
-        <p:spPr>
-          <a:xfrm>
-            <a:off x="5429250" y="1543050"/>
-            <a:ext cx="3395663" cy="552450"/>
-          </a:xfrm>
-          <a:prstGeom prst="rect">
-            <a:avLst/>
-          </a:prstGeom>
-          <a:noFill/>
-          <a:ln/>
-        </p:spPr>
-        <p:txBody>
-          <a:bodyPr wrap="square" rtlCol="0" anchor="t"/>
-          <a:lstStyle/>
-          <a:p>
-            <a:r>
-              <a:rPr lang="en-US" sz="2400" b="1" dirty="0">
-                <a:solidFill>
-                  <a:srgbClr val="646464"/>
-                </a:solidFill>
-                <a:latin typeface="Noto Sans SC" pitchFamily="34" charset="0"/>
-                <a:ea typeface="Noto Sans SC" pitchFamily="34" charset="-122"/>
-                <a:cs typeface="Noto Sans SC" pitchFamily="34" charset="-120"/>
-              </a:rPr>
-              <a:t>THE END</a:t>
-            </a:r>
-            <a:endParaRPr lang="en-US" sz="2400" dirty="0"/>
-          </a:p>
-        </p:txBody>
-      </p:sp>
-      <p:sp>
-        <p:nvSpPr>
-          <p:cNvPr id="3" name="Text 1"/>
-          <p:cNvSpPr/>
-          <p:nvPr/>
-        </p:nvSpPr>
-        <p:spPr>
-          <a:xfrm>
-            <a:off x="5429250" y="2327813"/>
-            <a:ext cx="3395663" cy="1033463"/>
-          </a:xfrm>
-          <a:prstGeom prst="rect">
-            <a:avLst/>
-          </a:prstGeom>
-          <a:noFill/>
-          <a:ln/>
-        </p:spPr>
-        <p:txBody>
-          <a:bodyPr wrap="square" rtlCol="0" anchor="t"/>
-          <a:lstStyle/>
-          <a:p>
-            <a:r>
-              <a:rPr lang="en-US" sz="4500" b="1" dirty="0">
-                <a:solidFill>
-                  <a:srgbClr val="FFFFFF"/>
-                </a:solidFill>
-                <a:latin typeface="Noto Sans SC" pitchFamily="34" charset="0"/>
-                <a:ea typeface="Noto Sans SC" pitchFamily="34" charset="-122"/>
-                <a:cs typeface="Noto Sans SC" pitchFamily="34" charset="-120"/>
-              </a:rPr>
-              <a:t>THANKS</a:t>
-            </a:r>
-            <a:endParaRPr lang="en-US" sz="4500" dirty="0"/>
-          </a:p>
-        </p:txBody>
-      </p:sp>
-      <p:pic>
-        <p:nvPicPr>
-          <p:cNvPr id="4" name="Image 1" descr="https://bucket-mindshow.oss-cn-beijing.aliyuncs.com/file/6505347/20230416212228_uvsu.29.30%20PM.png">
-            <a:extLst>
-              <a:ext uri="{FF2B5EF4-FFF2-40B4-BE49-F238E27FC236}">
-                <a16:creationId xmlns:a16="http://schemas.microsoft.com/office/drawing/2014/main" id="{95843616-9A6A-CE7E-5718-259AEBE1E8DE}"/>
-              </a:ext>
-            </a:extLst>
-          </p:cNvPr>
-          <p:cNvPicPr>
-            <a:picLocks noChangeAspect="1"/>
-          </p:cNvPicPr>
-          <p:nvPr/>
-        </p:nvPicPr>
-        <p:blipFill>
-          <a:blip r:embed="rId3"/>
-          <a:stretch>
-            <a:fillRect/>
-          </a:stretch>
-        </p:blipFill>
-        <p:spPr>
-          <a:xfrm>
-            <a:off x="6563738" y="3837204"/>
-            <a:ext cx="1064694" cy="1033463"/>
-          </a:xfrm>
-          <a:prstGeom prst="rect">
-            <a:avLst/>
-          </a:prstGeom>
-        </p:spPr>
-      </p:pic>
-      <p:pic>
-        <p:nvPicPr>
-          <p:cNvPr id="5" name="Image 2" descr="https://bucket-mindshow.oss-cn-beijing.aliyuncs.com/file/6505347/20230416212037_xdvb.29.07%20PM.png">
-            <a:extLst>
-              <a:ext uri="{FF2B5EF4-FFF2-40B4-BE49-F238E27FC236}">
-                <a16:creationId xmlns:a16="http://schemas.microsoft.com/office/drawing/2014/main" id="{F48C246C-C6DE-4F60-2FA9-39EB0FCDED01}"/>
-              </a:ext>
-            </a:extLst>
-          </p:cNvPr>
-          <p:cNvPicPr>
-            <a:picLocks noChangeAspect="1"/>
-          </p:cNvPicPr>
-          <p:nvPr/>
-        </p:nvPicPr>
-        <p:blipFill>
-          <a:blip r:embed="rId4"/>
-          <a:stretch>
-            <a:fillRect/>
-          </a:stretch>
-        </p:blipFill>
-        <p:spPr>
-          <a:xfrm>
-            <a:off x="7628433" y="3837204"/>
-            <a:ext cx="1027980" cy="1033463"/>
-          </a:xfrm>
-          <a:prstGeom prst="rect">
-            <a:avLst/>
-          </a:prstGeom>
-        </p:spPr>
-      </p:pic>
-      <p:sp>
-        <p:nvSpPr>
-          <p:cNvPr id="7" name="Rounded Rectangular Callout 6">
-            <a:extLst>
-              <a:ext uri="{FF2B5EF4-FFF2-40B4-BE49-F238E27FC236}">
-                <a16:creationId xmlns:a16="http://schemas.microsoft.com/office/drawing/2014/main" id="{8A15D117-52CB-6C2F-6E21-32FAF65D0CEB}"/>
-              </a:ext>
-            </a:extLst>
-          </p:cNvPr>
-          <p:cNvSpPr/>
-          <p:nvPr/>
-        </p:nvSpPr>
-        <p:spPr>
-          <a:xfrm>
-            <a:off x="7483745" y="3260537"/>
-            <a:ext cx="1172668" cy="482304"/>
-          </a:xfrm>
-          <a:prstGeom prst="wedgeRoundRectCallout">
-            <a:avLst>
-              <a:gd name="adj1" fmla="val -38720"/>
-              <a:gd name="adj2" fmla="val 96240"/>
-              <a:gd name="adj3" fmla="val 16667"/>
-            </a:avLst>
-          </a:prstGeom>
-        </p:spPr>
-        <p:style>
-          <a:lnRef idx="2">
-            <a:schemeClr val="accent6"/>
-          </a:lnRef>
-          <a:fillRef idx="1">
-            <a:schemeClr val="lt1"/>
-          </a:fillRef>
-          <a:effectRef idx="0">
-            <a:schemeClr val="accent6"/>
-          </a:effectRef>
-          <a:fontRef idx="minor">
-            <a:schemeClr val="dk1"/>
-          </a:fontRef>
-        </p:style>
-        <p:txBody>
-          <a:bodyPr rtlCol="0" anchor="ctr"/>
-          <a:lstStyle/>
-          <a:p>
-            <a:pPr algn="ctr"/>
-            <a:r>
-              <a:rPr lang="en-US" sz="1050" dirty="0"/>
-              <a:t>Graph Theory</a:t>
-            </a:r>
-          </a:p>
-          <a:p>
-            <a:pPr algn="ctr"/>
-            <a:r>
-              <a:rPr lang="en-US" sz="1050" dirty="0"/>
-              <a:t> is so cool ; )</a:t>
-            </a:r>
-          </a:p>
-        </p:txBody>
-      </p:sp>
     </p:spTree>
   </p:cSld>
   <p:clrMapOvr>
@@ -4953,7 +12464,7 @@
                 <a:ea typeface="Noto Sans SC" pitchFamily="34" charset="-122"/>
                 <a:cs typeface="Noto Sans SC" pitchFamily="34" charset="-120"/>
               </a:rPr>
-              <a:t>4. Existing Theory: (CPM)</a:t>
+              <a:t>4. Existing Theory: Critical Path Method (CPM)</a:t>
             </a:r>
             <a:endParaRPr lang="en-US" sz="960" dirty="0"/>
           </a:p>
@@ -4980,7 +12491,7 @@
           <a:bodyPr wrap="square" rtlCol="0" anchor="ctr"/>
           <a:lstStyle/>
           <a:p>
-            <a:pPr marL="342900" indent="-342900" algn="l">
+            <a:pPr marL="342900" indent="-342900">
               <a:lnSpc>
                 <a:spcPts val="1440"/>
               </a:lnSpc>
@@ -4997,7 +12508,29 @@
                 <a:ea typeface="Noto Sans SC" pitchFamily="34" charset="-122"/>
                 <a:cs typeface="Noto Sans SC" pitchFamily="34" charset="-120"/>
               </a:rPr>
-              <a:t>5. Case Study: Leveraging Directed Acyclic Graphs Analysis in a Promotional Event</a:t>
+              <a:t>5. </a:t>
+            </a:r>
+            <a:r>
+              <a:rPr lang="en-US" sz="1000" dirty="0">
+                <a:solidFill>
+                  <a:srgbClr val="383838"/>
+                </a:solidFill>
+                <a:latin typeface="Noto Sans SC" pitchFamily="34" charset="0"/>
+                <a:ea typeface="Noto Sans SC" pitchFamily="34" charset="-122"/>
+                <a:cs typeface="Noto Sans SC" pitchFamily="34" charset="-120"/>
+              </a:rPr>
+              <a:t>P</a:t>
+            </a:r>
+            <a:r>
+              <a:rPr lang="en-US" sz="1000" b="0" dirty="0">
+                <a:solidFill>
+                  <a:srgbClr val="383838"/>
+                </a:solidFill>
+                <a:latin typeface="Noto Sans SC" pitchFamily="34" charset="0"/>
+                <a:ea typeface="Noto Sans SC" pitchFamily="34" charset="-122"/>
+                <a:cs typeface="Noto Sans SC" pitchFamily="34" charset="-120"/>
+              </a:rPr>
+              <a:t>ython Based Analysis: Example of a Promotional Event</a:t>
             </a:r>
             <a:endParaRPr lang="en-US" sz="960" dirty="0"/>
           </a:p>
@@ -5132,6 +12665,221 @@
               <a:t>8. References</a:t>
             </a:r>
             <a:endParaRPr lang="en-US" sz="960" dirty="0"/>
+          </a:p>
+        </p:txBody>
+      </p:sp>
+    </p:spTree>
+  </p:cSld>
+  <p:clrMapOvr>
+    <a:masterClrMapping/>
+  </p:clrMapOvr>
+</p:sld>
+</file>
+
+<file path=ppt/slides/slide20.xml><?xml version="1.0" encoding="utf-8"?>
+<p:sld xmlns:a="http://schemas.openxmlformats.org/drawingml/2006/main" xmlns:r="http://schemas.openxmlformats.org/officeDocument/2006/relationships" xmlns:p="http://schemas.openxmlformats.org/presentationml/2006/main">
+  <p:cSld name="Slide 19">
+    <p:spTree>
+      <p:nvGrpSpPr>
+        <p:cNvPr id="1" name=""/>
+        <p:cNvGrpSpPr/>
+        <p:nvPr/>
+      </p:nvGrpSpPr>
+      <p:grpSpPr>
+        <a:xfrm>
+          <a:off x="0" y="0"/>
+          <a:ext cx="0" cy="0"/>
+          <a:chOff x="0" y="0"/>
+          <a:chExt cx="0" cy="0"/>
+        </a:xfrm>
+      </p:grpSpPr>
+      <p:sp>
+        <p:nvSpPr>
+          <p:cNvPr id="2" name="Text 0"/>
+          <p:cNvSpPr/>
+          <p:nvPr/>
+        </p:nvSpPr>
+        <p:spPr>
+          <a:xfrm>
+            <a:off x="5429250" y="1543050"/>
+            <a:ext cx="3395663" cy="552450"/>
+          </a:xfrm>
+          <a:prstGeom prst="rect">
+            <a:avLst/>
+          </a:prstGeom>
+          <a:noFill/>
+          <a:ln/>
+        </p:spPr>
+        <p:txBody>
+          <a:bodyPr wrap="square" rtlCol="0" anchor="t"/>
+          <a:lstStyle/>
+          <a:p>
+            <a:r>
+              <a:rPr lang="en-US" sz="2400" b="1" dirty="0">
+                <a:solidFill>
+                  <a:srgbClr val="646464"/>
+                </a:solidFill>
+                <a:latin typeface="Noto Sans SC" pitchFamily="34" charset="0"/>
+                <a:ea typeface="Noto Sans SC" pitchFamily="34" charset="-122"/>
+                <a:cs typeface="Noto Sans SC" pitchFamily="34" charset="-120"/>
+              </a:rPr>
+              <a:t>THE END</a:t>
+            </a:r>
+            <a:endParaRPr lang="en-US" sz="2400" dirty="0"/>
+          </a:p>
+        </p:txBody>
+      </p:sp>
+      <p:sp>
+        <p:nvSpPr>
+          <p:cNvPr id="3" name="Text 1"/>
+          <p:cNvSpPr/>
+          <p:nvPr/>
+        </p:nvSpPr>
+        <p:spPr>
+          <a:xfrm>
+            <a:off x="5429250" y="2327813"/>
+            <a:ext cx="3395663" cy="1033463"/>
+          </a:xfrm>
+          <a:prstGeom prst="rect">
+            <a:avLst/>
+          </a:prstGeom>
+          <a:noFill/>
+          <a:ln/>
+        </p:spPr>
+        <p:txBody>
+          <a:bodyPr wrap="square" rtlCol="0" anchor="t"/>
+          <a:lstStyle/>
+          <a:p>
+            <a:r>
+              <a:rPr lang="en-US" sz="4500" b="1" dirty="0">
+                <a:solidFill>
+                  <a:srgbClr val="FFFFFF"/>
+                </a:solidFill>
+                <a:latin typeface="Noto Sans SC" pitchFamily="34" charset="0"/>
+                <a:ea typeface="Noto Sans SC" pitchFamily="34" charset="-122"/>
+                <a:cs typeface="Noto Sans SC" pitchFamily="34" charset="-120"/>
+              </a:rPr>
+              <a:t>THANKS</a:t>
+            </a:r>
+            <a:endParaRPr lang="en-US" sz="4500" dirty="0"/>
+          </a:p>
+        </p:txBody>
+      </p:sp>
+      <p:pic>
+        <p:nvPicPr>
+          <p:cNvPr id="4" name="Image 1" descr="https://bucket-mindshow.oss-cn-beijing.aliyuncs.com/file/6505347/20230416212228_uvsu.29.30%20PM.png">
+            <a:extLst>
+              <a:ext uri="{FF2B5EF4-FFF2-40B4-BE49-F238E27FC236}">
+                <a16:creationId xmlns:a16="http://schemas.microsoft.com/office/drawing/2014/main" id="{95843616-9A6A-CE7E-5718-259AEBE1E8DE}"/>
+              </a:ext>
+            </a:extLst>
+          </p:cNvPr>
+          <p:cNvPicPr>
+            <a:picLocks noChangeAspect="1"/>
+          </p:cNvPicPr>
+          <p:nvPr/>
+        </p:nvPicPr>
+        <p:blipFill>
+          <a:blip r:embed="rId3"/>
+          <a:stretch>
+            <a:fillRect/>
+          </a:stretch>
+        </p:blipFill>
+        <p:spPr>
+          <a:xfrm>
+            <a:off x="6563738" y="3837204"/>
+            <a:ext cx="1064694" cy="1033463"/>
+          </a:xfrm>
+          <a:prstGeom prst="rect">
+            <a:avLst/>
+          </a:prstGeom>
+        </p:spPr>
+      </p:pic>
+      <p:pic>
+        <p:nvPicPr>
+          <p:cNvPr id="5" name="Image 2" descr="https://bucket-mindshow.oss-cn-beijing.aliyuncs.com/file/6505347/20230416212037_xdvb.29.07%20PM.png">
+            <a:extLst>
+              <a:ext uri="{FF2B5EF4-FFF2-40B4-BE49-F238E27FC236}">
+                <a16:creationId xmlns:a16="http://schemas.microsoft.com/office/drawing/2014/main" id="{F48C246C-C6DE-4F60-2FA9-39EB0FCDED01}"/>
+              </a:ext>
+            </a:extLst>
+          </p:cNvPr>
+          <p:cNvPicPr>
+            <a:picLocks noChangeAspect="1"/>
+          </p:cNvPicPr>
+          <p:nvPr/>
+        </p:nvPicPr>
+        <p:blipFill>
+          <a:blip r:embed="rId4"/>
+          <a:stretch>
+            <a:fillRect/>
+          </a:stretch>
+        </p:blipFill>
+        <p:spPr>
+          <a:xfrm>
+            <a:off x="7628433" y="3837204"/>
+            <a:ext cx="1027980" cy="1033463"/>
+          </a:xfrm>
+          <a:prstGeom prst="rect">
+            <a:avLst/>
+          </a:prstGeom>
+        </p:spPr>
+      </p:pic>
+      <p:sp>
+        <p:nvSpPr>
+          <p:cNvPr id="7" name="Rounded Rectangular Callout 6">
+            <a:extLst>
+              <a:ext uri="{FF2B5EF4-FFF2-40B4-BE49-F238E27FC236}">
+                <a16:creationId xmlns:a16="http://schemas.microsoft.com/office/drawing/2014/main" id="{8A15D117-52CB-6C2F-6E21-32FAF65D0CEB}"/>
+              </a:ext>
+            </a:extLst>
+          </p:cNvPr>
+          <p:cNvSpPr/>
+          <p:nvPr/>
+        </p:nvSpPr>
+        <p:spPr>
+          <a:xfrm>
+            <a:off x="7483745" y="3260537"/>
+            <a:ext cx="1172668" cy="482304"/>
+          </a:xfrm>
+          <a:prstGeom prst="wedgeRoundRectCallout">
+            <a:avLst>
+              <a:gd name="adj1" fmla="val -38720"/>
+              <a:gd name="adj2" fmla="val 96240"/>
+              <a:gd name="adj3" fmla="val 16667"/>
+            </a:avLst>
+          </a:prstGeom>
+        </p:spPr>
+        <p:style>
+          <a:lnRef idx="2">
+            <a:schemeClr val="accent6"/>
+          </a:lnRef>
+          <a:fillRef idx="1">
+            <a:schemeClr val="lt1"/>
+          </a:fillRef>
+          <a:effectRef idx="0">
+            <a:schemeClr val="accent6"/>
+          </a:effectRef>
+          <a:fontRef idx="minor">
+            <a:schemeClr val="dk1"/>
+          </a:fontRef>
+        </p:style>
+        <p:txBody>
+          <a:bodyPr rtlCol="0" anchor="ctr"/>
+          <a:lstStyle/>
+          <a:p>
+            <a:pPr algn="ctr"/>
+            <a:r>
+              <a:rPr lang="en-US" sz="1050" dirty="0"/>
+              <a:t>Graph Theory</a:t>
+            </a:r>
+          </a:p>
+          <a:p>
+            <a:pPr algn="ctr"/>
+            <a:r>
+              <a:rPr lang="en-US" sz="1050" dirty="0"/>
+              <a:t> is so cool ; )</a:t>
+            </a:r>
           </a:p>
         </p:txBody>
       </p:sp>
@@ -5731,7 +13479,7 @@
             <a:pPr algn="ctr"/>
             <a:r>
               <a:rPr lang="en-US" sz="1050" dirty="0"/>
-              <a:t>…</a:t>
+              <a:t>Time is $$$$</a:t>
             </a:r>
           </a:p>
         </p:txBody>

--- a/CS_5002_FinalProject_Slides_QiuyingZhou_ZhiweiZhou.pptx
+++ b/CS_5002_FinalProject_Slides_QiuyingZhou_ZhiweiZhou.pptx
@@ -11363,7 +11363,7 @@
         </p:blipFill>
         <p:spPr>
           <a:xfrm>
-            <a:off x="82194" y="0"/>
+            <a:off x="82194" y="202424"/>
             <a:ext cx="9144000" cy="5143500"/>
           </a:xfrm>
           <a:prstGeom prst="rect">
@@ -11371,82 +11371,103 @@
           </a:prstGeom>
         </p:spPr>
       </p:pic>
-      <p:pic>
-        <p:nvPicPr>
-          <p:cNvPr id="7" name="Image 0" descr="https://assets.mindshow.fun/themes/yellow_repeating_geometric_texture_20220622/Content-title-bg.svg">
+      <p:grpSp>
+        <p:nvGrpSpPr>
+          <p:cNvPr id="13" name="Group 12">
             <a:extLst>
               <a:ext uri="{FF2B5EF4-FFF2-40B4-BE49-F238E27FC236}">
-                <a16:creationId xmlns:a16="http://schemas.microsoft.com/office/drawing/2014/main" id="{2C41D530-449D-749A-F628-E444FE546275}"/>
+                <a16:creationId xmlns:a16="http://schemas.microsoft.com/office/drawing/2014/main" id="{A57E4446-3716-5B63-7875-AEA6900FA28D}"/>
               </a:ext>
             </a:extLst>
           </p:cNvPr>
-          <p:cNvPicPr>
-            <a:picLocks noChangeAspect="1"/>
-          </p:cNvPicPr>
+          <p:cNvGrpSpPr/>
           <p:nvPr/>
-        </p:nvPicPr>
-        <p:blipFill rotWithShape="1">
-          <a:blip r:embed="rId5">
-            <a:extLst>
-              <a:ext uri="{96DAC541-7B7A-43D3-8B79-37D633B846F1}">
-                <asvg:svgBlip xmlns:asvg="http://schemas.microsoft.com/office/drawing/2016/SVG/main" r:embed="rId6"/>
-              </a:ext>
-            </a:extLst>
-          </a:blip>
-          <a:srcRect r="8314" b="28679"/>
-          <a:stretch/>
-        </p:blipFill>
-        <p:spPr>
+        </p:nvGrpSpPr>
+        <p:grpSpPr>
           <a:xfrm>
-            <a:off x="800100" y="983453"/>
+            <a:off x="786245" y="1233384"/>
             <a:ext cx="7747999" cy="715709"/>
+            <a:chOff x="800100" y="1247240"/>
+            <a:chExt cx="7747999" cy="715709"/>
           </a:xfrm>
-          <a:prstGeom prst="roundRect">
-            <a:avLst/>
-          </a:prstGeom>
-        </p:spPr>
-      </p:pic>
-      <p:sp>
-        <p:nvSpPr>
-          <p:cNvPr id="3" name="Text 0"/>
-          <p:cNvSpPr/>
-          <p:nvPr/>
-        </p:nvSpPr>
-        <p:spPr>
-          <a:xfrm>
-            <a:off x="1057275" y="1091275"/>
-            <a:ext cx="7286625" cy="500063"/>
-          </a:xfrm>
-          <a:prstGeom prst="rect">
-            <a:avLst/>
-          </a:prstGeom>
-          <a:noFill/>
-          <a:ln/>
-        </p:spPr>
-        <p:txBody>
-          <a:bodyPr wrap="square" rtlCol="0" anchor="t"/>
-          <a:lstStyle/>
-          <a:p>
-            <a:pPr algn="ctr"/>
-            <a:r>
-              <a:rPr lang="en-US" sz="2400" b="1" dirty="0">
+        </p:grpSpPr>
+        <p:pic>
+          <p:nvPicPr>
+            <p:cNvPr id="7" name="Image 0" descr="https://assets.mindshow.fun/themes/yellow_repeating_geometric_texture_20220622/Content-title-bg.svg">
+              <a:extLst>
+                <a:ext uri="{FF2B5EF4-FFF2-40B4-BE49-F238E27FC236}">
+                  <a16:creationId xmlns:a16="http://schemas.microsoft.com/office/drawing/2014/main" id="{2C41D530-449D-749A-F628-E444FE546275}"/>
+                </a:ext>
+              </a:extLst>
+            </p:cNvPr>
+            <p:cNvPicPr>
+              <a:picLocks noChangeAspect="1"/>
+            </p:cNvPicPr>
+            <p:nvPr/>
+          </p:nvPicPr>
+          <p:blipFill rotWithShape="1">
+            <a:blip r:embed="rId5">
+              <a:extLst>
+                <a:ext uri="{96DAC541-7B7A-43D3-8B79-37D633B846F1}">
+                  <asvg:svgBlip xmlns:asvg="http://schemas.microsoft.com/office/drawing/2016/SVG/main" r:embed="rId6"/>
+                </a:ext>
+              </a:extLst>
+            </a:blip>
+            <a:srcRect r="8314" b="28679"/>
+            <a:stretch/>
+          </p:blipFill>
+          <p:spPr>
+            <a:xfrm>
+              <a:off x="800100" y="1247240"/>
+              <a:ext cx="7747999" cy="715709"/>
+            </a:xfrm>
+            <a:prstGeom prst="roundRect">
+              <a:avLst/>
+            </a:prstGeom>
+          </p:spPr>
+        </p:pic>
+        <p:sp>
+          <p:nvSpPr>
+            <p:cNvPr id="3" name="Text 0"/>
+            <p:cNvSpPr/>
+            <p:nvPr/>
+          </p:nvSpPr>
+          <p:spPr>
+            <a:xfrm>
+              <a:off x="1057275" y="1341206"/>
+              <a:ext cx="7286625" cy="500063"/>
+            </a:xfrm>
+            <a:prstGeom prst="rect">
+              <a:avLst/>
+            </a:prstGeom>
+            <a:noFill/>
+            <a:ln/>
+          </p:spPr>
+          <p:txBody>
+            <a:bodyPr wrap="square" rtlCol="0" anchor="t"/>
+            <a:lstStyle/>
+            <a:p>
+              <a:pPr algn="ctr"/>
+              <a:r>
+                <a:rPr lang="en-US" sz="2400" b="1" dirty="0">
+                  <a:solidFill>
+                    <a:schemeClr val="bg1"/>
+                  </a:solidFill>
+                  <a:latin typeface="Noto Sans SC" pitchFamily="34" charset="0"/>
+                  <a:ea typeface="Noto Sans SC" pitchFamily="34" charset="-122"/>
+                  <a:cs typeface="Noto Sans SC" pitchFamily="34" charset="-120"/>
+                </a:rPr>
+                <a:t>8. Reflections and Future Directions</a:t>
+              </a:r>
+              <a:endParaRPr lang="en-US" sz="2400" dirty="0">
                 <a:solidFill>
                   <a:schemeClr val="bg1"/>
                 </a:solidFill>
-                <a:latin typeface="Noto Sans SC" pitchFamily="34" charset="0"/>
-                <a:ea typeface="Noto Sans SC" pitchFamily="34" charset="-122"/>
-                <a:cs typeface="Noto Sans SC" pitchFamily="34" charset="-120"/>
-              </a:rPr>
-              <a:t>8. Reflections and Future Directions</a:t>
-            </a:r>
-            <a:endParaRPr lang="en-US" sz="2400" dirty="0">
-              <a:solidFill>
-                <a:schemeClr val="bg1"/>
-              </a:solidFill>
-            </a:endParaRPr>
-          </a:p>
-        </p:txBody>
-      </p:sp>
+              </a:endParaRPr>
+            </a:p>
+          </p:txBody>
+        </p:sp>
+      </p:grpSp>
       <p:sp>
         <p:nvSpPr>
           <p:cNvPr id="4" name="Text 1"/>
@@ -11455,7 +11476,7 @@
         </p:nvSpPr>
         <p:spPr>
           <a:xfrm>
-            <a:off x="800100" y="3124200"/>
+            <a:off x="800101" y="3639728"/>
             <a:ext cx="2286000" cy="1166813"/>
           </a:xfrm>
           <a:prstGeom prst="rect">
@@ -11465,18 +11486,16 @@
           <a:ln/>
         </p:spPr>
         <p:txBody>
-          <a:bodyPr wrap="square" rtlCol="0" anchor="t"/>
+          <a:bodyPr wrap="square" rtlCol="0" anchor="b"/>
           <a:lstStyle/>
           <a:p>
-            <a:pPr marL="285750" indent="-285750" algn="l">
+            <a:pPr algn="ctr">
               <a:lnSpc>
-                <a:spcPts val="2400"/>
+                <a:spcPts val="1800"/>
               </a:lnSpc>
-              <a:buFont typeface="Arial" panose="020B0604020202020204" pitchFamily="34" charset="0"/>
-              <a:buChar char="•"/>
             </a:pPr>
             <a:r>
-              <a:rPr lang="en-US" b="0" dirty="0">
+              <a:rPr lang="en-US" sz="1100" b="0" dirty="0">
                 <a:solidFill>
                   <a:srgbClr val="383838"/>
                 </a:solidFill>
@@ -11486,50 +11505,7 @@
               </a:rPr>
               <a:t>Benefits for Project Management and beyond</a:t>
             </a:r>
-            <a:endParaRPr lang="en-US" dirty="0"/>
-          </a:p>
-        </p:txBody>
-      </p:sp>
-      <p:sp>
-        <p:nvSpPr>
-          <p:cNvPr id="5" name="Text 2"/>
-          <p:cNvSpPr/>
-          <p:nvPr/>
-        </p:nvSpPr>
-        <p:spPr>
-          <a:xfrm>
-            <a:off x="3429000" y="3124200"/>
-            <a:ext cx="2286000" cy="452438"/>
-          </a:xfrm>
-          <a:prstGeom prst="rect">
-            <a:avLst/>
-          </a:prstGeom>
-          <a:noFill/>
-          <a:ln/>
-        </p:spPr>
-        <p:txBody>
-          <a:bodyPr wrap="square" rtlCol="0" anchor="t"/>
-          <a:lstStyle/>
-          <a:p>
-            <a:pPr marL="285750" indent="-285750" algn="l">
-              <a:lnSpc>
-                <a:spcPts val="2400"/>
-              </a:lnSpc>
-              <a:buFont typeface="Arial" panose="020B0604020202020204" pitchFamily="34" charset="0"/>
-              <a:buChar char="•"/>
-            </a:pPr>
-            <a:r>
-              <a:rPr lang="en-US" b="0" dirty="0">
-                <a:solidFill>
-                  <a:srgbClr val="383838"/>
-                </a:solidFill>
-                <a:latin typeface="Noto Sans SC" pitchFamily="34" charset="0"/>
-                <a:ea typeface="Noto Sans SC" pitchFamily="34" charset="-122"/>
-                <a:cs typeface="Noto Sans SC" pitchFamily="34" charset="-120"/>
-              </a:rPr>
-              <a:t>Things to improve</a:t>
-            </a:r>
-            <a:endParaRPr lang="en-US" dirty="0"/>
+            <a:endParaRPr lang="en-US" sz="1100" dirty="0"/>
           </a:p>
         </p:txBody>
       </p:sp>
@@ -11541,7 +11517,7 @@
         </p:nvSpPr>
         <p:spPr>
           <a:xfrm>
-            <a:off x="6057900" y="3124200"/>
+            <a:off x="6163917" y="3639728"/>
             <a:ext cx="2286000" cy="1166813"/>
           </a:xfrm>
           <a:prstGeom prst="rect">
@@ -11551,18 +11527,238 @@
           <a:ln/>
         </p:spPr>
         <p:txBody>
-          <a:bodyPr wrap="square" rtlCol="0" anchor="t"/>
+          <a:bodyPr wrap="square" rtlCol="0" anchor="b"/>
           <a:lstStyle/>
           <a:p>
-            <a:pPr marL="285750" indent="-285750" algn="l">
+            <a:pPr algn="ctr">
               <a:lnSpc>
                 <a:spcPts val="2400"/>
               </a:lnSpc>
-              <a:buFont typeface="Arial" panose="020B0604020202020204" pitchFamily="34" charset="0"/>
-              <a:buChar char="•"/>
             </a:pPr>
             <a:r>
-              <a:rPr lang="en-US" b="0" dirty="0">
+              <a:rPr lang="en-US" sz="1100" dirty="0">
+                <a:solidFill>
+                  <a:srgbClr val="383838"/>
+                </a:solidFill>
+                <a:latin typeface="Noto Sans SC" pitchFamily="34" charset="0"/>
+                <a:ea typeface="Noto Sans SC" pitchFamily="34" charset="-122"/>
+              </a:rPr>
+              <a:t>Future Development Directions</a:t>
+            </a:r>
+          </a:p>
+        </p:txBody>
+      </p:sp>
+      <p:sp>
+        <p:nvSpPr>
+          <p:cNvPr id="8" name="Rectangle 7" descr="Handshake">
+            <a:extLst>
+              <a:ext uri="{FF2B5EF4-FFF2-40B4-BE49-F238E27FC236}">
+                <a16:creationId xmlns:a16="http://schemas.microsoft.com/office/drawing/2014/main" id="{57C4EC53-1C77-0844-758B-C6A1034D3656}"/>
+              </a:ext>
+            </a:extLst>
+          </p:cNvPr>
+          <p:cNvSpPr/>
+          <p:nvPr/>
+        </p:nvSpPr>
+        <p:spPr>
+          <a:xfrm>
+            <a:off x="1310395" y="3100345"/>
+            <a:ext cx="1266551" cy="1266551"/>
+          </a:xfrm>
+          <a:prstGeom prst="rect">
+            <a:avLst/>
+          </a:prstGeom>
+          <a:blipFill>
+            <a:blip r:embed="rId7">
+              <a:extLst>
+                <a:ext uri="{28A0092B-C50C-407E-A947-70E740481C1C}">
+                  <a14:useLocalDpi xmlns:a14="http://schemas.microsoft.com/office/drawing/2010/main" val="0"/>
+                </a:ext>
+                <a:ext uri="{96DAC541-7B7A-43D3-8B79-37D633B846F1}">
+                  <asvg:svgBlip xmlns:asvg="http://schemas.microsoft.com/office/drawing/2016/SVG/main" r:embed="rId8"/>
+                </a:ext>
+              </a:extLst>
+            </a:blip>
+            <a:stretch>
+              <a:fillRect/>
+            </a:stretch>
+          </a:blipFill>
+          <a:ln>
+            <a:noFill/>
+          </a:ln>
+        </p:spPr>
+        <p:style>
+          <a:lnRef idx="2">
+            <a:scrgbClr r="0" g="0" b="0"/>
+          </a:lnRef>
+          <a:fillRef idx="1">
+            <a:scrgbClr r="0" g="0" b="0"/>
+          </a:fillRef>
+          <a:effectRef idx="0">
+            <a:schemeClr val="accent1">
+              <a:hueOff val="0"/>
+              <a:satOff val="0"/>
+              <a:lumOff val="0"/>
+              <a:alphaOff val="0"/>
+            </a:schemeClr>
+          </a:effectRef>
+          <a:fontRef idx="minor">
+            <a:schemeClr val="lt1"/>
+          </a:fontRef>
+        </p:style>
+      </p:sp>
+      <p:sp>
+        <p:nvSpPr>
+          <p:cNvPr id="9" name="Rectangle 8" descr="Upward trend">
+            <a:extLst>
+              <a:ext uri="{FF2B5EF4-FFF2-40B4-BE49-F238E27FC236}">
+                <a16:creationId xmlns:a16="http://schemas.microsoft.com/office/drawing/2014/main" id="{E966BD85-A7D1-C6BB-B001-DAF00EAE4B6B}"/>
+              </a:ext>
+            </a:extLst>
+          </p:cNvPr>
+          <p:cNvSpPr/>
+          <p:nvPr/>
+        </p:nvSpPr>
+        <p:spPr>
+          <a:xfrm>
+            <a:off x="3991733" y="3180551"/>
+            <a:ext cx="1266551" cy="1266551"/>
+          </a:xfrm>
+          <a:prstGeom prst="rect">
+            <a:avLst/>
+          </a:prstGeom>
+          <a:blipFill>
+            <a:blip r:embed="rId9">
+              <a:extLst>
+                <a:ext uri="{28A0092B-C50C-407E-A947-70E740481C1C}">
+                  <a14:useLocalDpi xmlns:a14="http://schemas.microsoft.com/office/drawing/2010/main" val="0"/>
+                </a:ext>
+                <a:ext uri="{96DAC541-7B7A-43D3-8B79-37D633B846F1}">
+                  <asvg:svgBlip xmlns:asvg="http://schemas.microsoft.com/office/drawing/2016/SVG/main" r:embed="rId10"/>
+                </a:ext>
+              </a:extLst>
+            </a:blip>
+            <a:stretch>
+              <a:fillRect/>
+            </a:stretch>
+          </a:blipFill>
+          <a:ln>
+            <a:noFill/>
+          </a:ln>
+        </p:spPr>
+        <p:style>
+          <a:lnRef idx="2">
+            <a:scrgbClr r="0" g="0" b="0"/>
+          </a:lnRef>
+          <a:fillRef idx="1">
+            <a:scrgbClr r="0" g="0" b="0"/>
+          </a:fillRef>
+          <a:effectRef idx="0">
+            <a:schemeClr val="accent1">
+              <a:hueOff val="0"/>
+              <a:satOff val="0"/>
+              <a:lumOff val="0"/>
+              <a:alphaOff val="0"/>
+            </a:schemeClr>
+          </a:effectRef>
+          <a:fontRef idx="minor">
+            <a:schemeClr val="lt1"/>
+          </a:fontRef>
+        </p:style>
+      </p:sp>
+      <p:sp>
+        <p:nvSpPr>
+          <p:cNvPr id="11" name="Rectangle 10" descr="Head with Gears">
+            <a:extLst>
+              <a:ext uri="{FF2B5EF4-FFF2-40B4-BE49-F238E27FC236}">
+                <a16:creationId xmlns:a16="http://schemas.microsoft.com/office/drawing/2014/main" id="{D9E1716E-81EE-B9C1-2D7E-81B0471A8B62}"/>
+              </a:ext>
+            </a:extLst>
+          </p:cNvPr>
+          <p:cNvSpPr/>
+          <p:nvPr/>
+        </p:nvSpPr>
+        <p:spPr>
+          <a:xfrm>
+            <a:off x="6819437" y="3326348"/>
+            <a:ext cx="974959" cy="974959"/>
+          </a:xfrm>
+          <a:prstGeom prst="rect">
+            <a:avLst/>
+          </a:prstGeom>
+          <a:blipFill>
+            <a:blip r:embed="rId11">
+              <a:extLst>
+                <a:ext uri="{28A0092B-C50C-407E-A947-70E740481C1C}">
+                  <a14:useLocalDpi xmlns:a14="http://schemas.microsoft.com/office/drawing/2010/main" val="0"/>
+                </a:ext>
+                <a:ext uri="{96DAC541-7B7A-43D3-8B79-37D633B846F1}">
+                  <asvg:svgBlip xmlns:asvg="http://schemas.microsoft.com/office/drawing/2016/SVG/main" r:embed="rId12"/>
+                </a:ext>
+              </a:extLst>
+            </a:blip>
+            <a:stretch>
+              <a:fillRect/>
+            </a:stretch>
+          </a:blipFill>
+          <a:ln>
+            <a:noFill/>
+          </a:ln>
+        </p:spPr>
+        <p:style>
+          <a:lnRef idx="2">
+            <a:scrgbClr r="0" g="0" b="0"/>
+          </a:lnRef>
+          <a:fillRef idx="1">
+            <a:scrgbClr r="0" g="0" b="0"/>
+          </a:fillRef>
+          <a:effectRef idx="0">
+            <a:schemeClr val="accent1">
+              <a:hueOff val="0"/>
+              <a:satOff val="0"/>
+              <a:lumOff val="0"/>
+              <a:alphaOff val="0"/>
+            </a:schemeClr>
+          </a:effectRef>
+          <a:fontRef idx="minor">
+            <a:schemeClr val="lt1"/>
+          </a:fontRef>
+        </p:style>
+      </p:sp>
+      <p:sp>
+        <p:nvSpPr>
+          <p:cNvPr id="12" name="Text 1">
+            <a:extLst>
+              <a:ext uri="{FF2B5EF4-FFF2-40B4-BE49-F238E27FC236}">
+                <a16:creationId xmlns:a16="http://schemas.microsoft.com/office/drawing/2014/main" id="{6861A370-DF89-2405-4410-19F95D8C394C}"/>
+              </a:ext>
+            </a:extLst>
+          </p:cNvPr>
+          <p:cNvSpPr/>
+          <p:nvPr/>
+        </p:nvSpPr>
+        <p:spPr>
+          <a:xfrm>
+            <a:off x="3515592" y="3639728"/>
+            <a:ext cx="2286000" cy="1166813"/>
+          </a:xfrm>
+          <a:prstGeom prst="rect">
+            <a:avLst/>
+          </a:prstGeom>
+          <a:noFill/>
+          <a:ln/>
+        </p:spPr>
+        <p:txBody>
+          <a:bodyPr wrap="square" rtlCol="0" anchor="b"/>
+          <a:lstStyle/>
+          <a:p>
+            <a:pPr algn="ctr">
+              <a:lnSpc>
+                <a:spcPts val="1800"/>
+              </a:lnSpc>
+            </a:pPr>
+            <a:r>
+              <a:rPr lang="en-US" sz="1100" b="0" dirty="0">
                 <a:solidFill>
                   <a:srgbClr val="383838"/>
                 </a:solidFill>
@@ -11570,9 +11766,9 @@
                 <a:ea typeface="Noto Sans SC" pitchFamily="34" charset="-122"/>
                 <a:cs typeface="Noto Sans SC" pitchFamily="34" charset="-120"/>
               </a:rPr>
-              <a:t>Future Development Directions</a:t>
+              <a:t>Things to improve</a:t>
             </a:r>
-            <a:endParaRPr lang="en-US" dirty="0"/>
+            <a:endParaRPr lang="en-US" sz="1100" dirty="0"/>
           </a:p>
         </p:txBody>
       </p:sp>

--- a/CS_5002_FinalProject_Slides_QiuyingZhou_ZhiweiZhou.pptx
+++ b/CS_5002_FinalProject_Slides_QiuyingZhou_ZhiweiZhou.pptx
@@ -1961,7 +1961,7 @@
               </a:solidFill>
               <a:latin typeface=""/>
             </a:rPr>
-            <a:t>Step 1: Process input data</a:t>
+            <a:t>Step 1: Process input data (CSV)</a:t>
           </a:r>
           <a:endParaRPr lang="en-US" sz="1400" dirty="0">
             <a:solidFill>
@@ -2018,7 +2018,31 @@
               </a:solidFill>
               <a:latin typeface=""/>
             </a:rPr>
-            <a:t>Step 2: Represent the graph using </a:t>
+            <a:t>Step 2: Represent the Directed </a:t>
+          </a:r>
+          <a:r>
+            <a:rPr lang="en-US" sz="1400" b="0" dirty="0" err="1">
+              <a:solidFill>
+                <a:schemeClr val="tx1">
+                  <a:lumMod val="65000"/>
+                  <a:lumOff val="35000"/>
+                </a:schemeClr>
+              </a:solidFill>
+              <a:latin typeface=""/>
+            </a:rPr>
+            <a:t>Acyclical</a:t>
+          </a:r>
+          <a:r>
+            <a:rPr lang="en-US" sz="1400" b="0" dirty="0">
+              <a:solidFill>
+                <a:schemeClr val="tx1">
+                  <a:lumMod val="65000"/>
+                  <a:lumOff val="35000"/>
+                </a:schemeClr>
+              </a:solidFill>
+              <a:latin typeface=""/>
+            </a:rPr>
+            <a:t> Graph using </a:t>
           </a:r>
           <a:r>
             <a:rPr lang="en-US" sz="1400" b="1" dirty="0" err="1">
@@ -3381,7 +3405,7 @@
               </a:solidFill>
               <a:latin typeface=""/>
             </a:rPr>
-            <a:t>Step 1: Process input data</a:t>
+            <a:t>Step 1: Process input data (CSV)</a:t>
           </a:r>
           <a:endParaRPr lang="en-US" sz="1400" kern="1200" dirty="0">
             <a:solidFill>
@@ -3550,7 +3574,31 @@
               </a:solidFill>
               <a:latin typeface=""/>
             </a:rPr>
-            <a:t>Step 2: Represent the graph using </a:t>
+            <a:t>Step 2: Represent the Directed </a:t>
+          </a:r>
+          <a:r>
+            <a:rPr lang="en-US" sz="1400" b="0" kern="1200" dirty="0" err="1">
+              <a:solidFill>
+                <a:schemeClr val="tx1">
+                  <a:lumMod val="65000"/>
+                  <a:lumOff val="35000"/>
+                </a:schemeClr>
+              </a:solidFill>
+              <a:latin typeface=""/>
+            </a:rPr>
+            <a:t>Acyclical</a:t>
+          </a:r>
+          <a:r>
+            <a:rPr lang="en-US" sz="1400" b="0" kern="1200" dirty="0">
+              <a:solidFill>
+                <a:schemeClr val="tx1">
+                  <a:lumMod val="65000"/>
+                  <a:lumOff val="35000"/>
+                </a:schemeClr>
+              </a:solidFill>
+              <a:latin typeface=""/>
+            </a:rPr>
+            <a:t> Graph using </a:t>
           </a:r>
           <a:r>
             <a:rPr lang="en-US" sz="1400" b="1" kern="1200" dirty="0" err="1">
@@ -14576,7 +14624,7 @@
         <p:spPr>
           <a:xfrm>
             <a:off x="4841577" y="3301899"/>
-            <a:ext cx="1424067" cy="1454052"/>
+            <a:ext cx="1423914" cy="1453896"/>
           </a:xfrm>
           <a:prstGeom prst="rect">
             <a:avLst/>
@@ -20819,7 +20867,7 @@
           <p:nvPr>
             <p:extLst>
               <p:ext uri="{D42A27DB-BD31-4B8C-83A1-F6EECF244321}">
-                <p14:modId xmlns:p14="http://schemas.microsoft.com/office/powerpoint/2010/main" val="2688329584"/>
+                <p14:modId xmlns:p14="http://schemas.microsoft.com/office/powerpoint/2010/main" val="1360238170"/>
               </p:ext>
             </p:extLst>
           </p:nvPr>
